--- a/design/story.pptx
+++ b/design/story.pptx
@@ -284,7 +284,7 @@
           <a:p>
             <a:fld id="{7CCD71B0-6FFF-42B2-87FC-FA95A5074649}" type="datetimeFigureOut">
               <a:rPr lang="en-GB" smtClean="0"/>
-              <a:t>07/09/2021</a:t>
+              <a:t>08/09/2021</a:t>
             </a:fld>
             <a:endParaRPr lang="en-GB"/>
           </a:p>
@@ -484,7 +484,7 @@
           <a:p>
             <a:fld id="{7CCD71B0-6FFF-42B2-87FC-FA95A5074649}" type="datetimeFigureOut">
               <a:rPr lang="en-GB" smtClean="0"/>
-              <a:t>07/09/2021</a:t>
+              <a:t>08/09/2021</a:t>
             </a:fld>
             <a:endParaRPr lang="en-GB"/>
           </a:p>
@@ -694,7 +694,7 @@
           <a:p>
             <a:fld id="{7CCD71B0-6FFF-42B2-87FC-FA95A5074649}" type="datetimeFigureOut">
               <a:rPr lang="en-GB" smtClean="0"/>
-              <a:t>07/09/2021</a:t>
+              <a:t>08/09/2021</a:t>
             </a:fld>
             <a:endParaRPr lang="en-GB"/>
           </a:p>
@@ -894,7 +894,7 @@
           <a:p>
             <a:fld id="{7CCD71B0-6FFF-42B2-87FC-FA95A5074649}" type="datetimeFigureOut">
               <a:rPr lang="en-GB" smtClean="0"/>
-              <a:t>07/09/2021</a:t>
+              <a:t>08/09/2021</a:t>
             </a:fld>
             <a:endParaRPr lang="en-GB"/>
           </a:p>
@@ -1170,7 +1170,7 @@
           <a:p>
             <a:fld id="{7CCD71B0-6FFF-42B2-87FC-FA95A5074649}" type="datetimeFigureOut">
               <a:rPr lang="en-GB" smtClean="0"/>
-              <a:t>07/09/2021</a:t>
+              <a:t>08/09/2021</a:t>
             </a:fld>
             <a:endParaRPr lang="en-GB"/>
           </a:p>
@@ -1438,7 +1438,7 @@
           <a:p>
             <a:fld id="{7CCD71B0-6FFF-42B2-87FC-FA95A5074649}" type="datetimeFigureOut">
               <a:rPr lang="en-GB" smtClean="0"/>
-              <a:t>07/09/2021</a:t>
+              <a:t>08/09/2021</a:t>
             </a:fld>
             <a:endParaRPr lang="en-GB"/>
           </a:p>
@@ -1853,7 +1853,7 @@
           <a:p>
             <a:fld id="{7CCD71B0-6FFF-42B2-87FC-FA95A5074649}" type="datetimeFigureOut">
               <a:rPr lang="en-GB" smtClean="0"/>
-              <a:t>07/09/2021</a:t>
+              <a:t>08/09/2021</a:t>
             </a:fld>
             <a:endParaRPr lang="en-GB"/>
           </a:p>
@@ -1995,7 +1995,7 @@
           <a:p>
             <a:fld id="{7CCD71B0-6FFF-42B2-87FC-FA95A5074649}" type="datetimeFigureOut">
               <a:rPr lang="en-GB" smtClean="0"/>
-              <a:t>07/09/2021</a:t>
+              <a:t>08/09/2021</a:t>
             </a:fld>
             <a:endParaRPr lang="en-GB"/>
           </a:p>
@@ -2108,7 +2108,7 @@
           <a:p>
             <a:fld id="{7CCD71B0-6FFF-42B2-87FC-FA95A5074649}" type="datetimeFigureOut">
               <a:rPr lang="en-GB" smtClean="0"/>
-              <a:t>07/09/2021</a:t>
+              <a:t>08/09/2021</a:t>
             </a:fld>
             <a:endParaRPr lang="en-GB"/>
           </a:p>
@@ -2421,7 +2421,7 @@
           <a:p>
             <a:fld id="{7CCD71B0-6FFF-42B2-87FC-FA95A5074649}" type="datetimeFigureOut">
               <a:rPr lang="en-GB" smtClean="0"/>
-              <a:t>07/09/2021</a:t>
+              <a:t>08/09/2021</a:t>
             </a:fld>
             <a:endParaRPr lang="en-GB"/>
           </a:p>
@@ -2710,7 +2710,7 @@
           <a:p>
             <a:fld id="{7CCD71B0-6FFF-42B2-87FC-FA95A5074649}" type="datetimeFigureOut">
               <a:rPr lang="en-GB" smtClean="0"/>
-              <a:t>07/09/2021</a:t>
+              <a:t>08/09/2021</a:t>
             </a:fld>
             <a:endParaRPr lang="en-GB"/>
           </a:p>
@@ -2953,7 +2953,7 @@
           <a:p>
             <a:fld id="{7CCD71B0-6FFF-42B2-87FC-FA95A5074649}" type="datetimeFigureOut">
               <a:rPr lang="en-GB" smtClean="0"/>
-              <a:t>07/09/2021</a:t>
+              <a:t>08/09/2021</a:t>
             </a:fld>
             <a:endParaRPr lang="en-GB"/>
           </a:p>
@@ -4392,8 +4392,8 @@
         </p:blipFill>
         <p:spPr>
           <a:xfrm>
-            <a:off x="-1747865" y="2496343"/>
-            <a:ext cx="2162858" cy="4044667"/>
+            <a:off x="-1468466" y="2211910"/>
+            <a:ext cx="2484465" cy="4646090"/>
           </a:xfrm>
           <a:prstGeom prst="rect">
             <a:avLst/>
@@ -4533,7 +4533,7 @@
         </p:nvSpPr>
         <p:spPr>
           <a:xfrm>
-            <a:off x="-905099" y="593931"/>
+            <a:off x="426050" y="841690"/>
             <a:ext cx="4539758" cy="1452201"/>
           </a:xfrm>
           <a:prstGeom prst="wedgeRoundRectCallout">
@@ -4600,7 +4600,7 @@
         </p:nvSpPr>
         <p:spPr>
           <a:xfrm>
-            <a:off x="3634659" y="2170155"/>
+            <a:off x="2948298" y="2648495"/>
             <a:ext cx="7261506" cy="2641714"/>
           </a:xfrm>
           <a:prstGeom prst="wedgeRoundRectCallout">
@@ -4886,9 +4886,9 @@
           </a:stretch>
         </p:blipFill>
         <p:spPr>
-          <a:xfrm>
-            <a:off x="4508569" y="3820043"/>
-            <a:ext cx="1551667" cy="2904402"/>
+          <a:xfrm flipH="1">
+            <a:off x="4025901" y="3577247"/>
+            <a:ext cx="1784183" cy="3200566"/>
           </a:xfrm>
           <a:prstGeom prst="rect">
             <a:avLst/>
@@ -5250,8 +5250,8 @@
         </p:nvSpPr>
         <p:spPr>
           <a:xfrm>
-            <a:off x="1770437" y="417471"/>
-            <a:ext cx="3759506" cy="1837202"/>
+            <a:off x="2557837" y="216948"/>
+            <a:ext cx="2352676" cy="1837202"/>
           </a:xfrm>
           <a:prstGeom prst="wedgeEllipseCallout">
             <a:avLst>
@@ -5310,7 +5310,7 @@
         <p:spPr>
           <a:xfrm>
             <a:off x="28722" y="3170512"/>
-            <a:ext cx="4238478" cy="3154087"/>
+            <a:ext cx="3895578" cy="3200566"/>
           </a:xfrm>
           <a:prstGeom prst="wedgeRoundRectCallout">
             <a:avLst>
@@ -5357,10 +5357,10 @@
       </p:sp>
       <p:pic>
         <p:nvPicPr>
-          <p:cNvPr id="25" name="Graphic 24">
-            <a:extLst>
-              <a:ext uri="{FF2B5EF4-FFF2-40B4-BE49-F238E27FC236}">
-                <a16:creationId xmlns:a16="http://schemas.microsoft.com/office/drawing/2014/main" id="{187CEE20-1243-437C-B3A2-4F1CCEB04A96}"/>
+          <p:cNvPr id="31" name="Graphic 30">
+            <a:extLst>
+              <a:ext uri="{FF2B5EF4-FFF2-40B4-BE49-F238E27FC236}">
+                <a16:creationId xmlns:a16="http://schemas.microsoft.com/office/drawing/2014/main" id="{5BDB884D-2D41-4477-BF7E-1368DC0B8EE7}"/>
               </a:ext>
             </a:extLst>
           </p:cNvPr>
@@ -5383,42 +5383,6 @@
         </p:blipFill>
         <p:spPr>
           <a:xfrm>
-            <a:off x="4544333" y="3683250"/>
-            <a:ext cx="1551667" cy="2904402"/>
-          </a:xfrm>
-          <a:prstGeom prst="rect">
-            <a:avLst/>
-          </a:prstGeom>
-        </p:spPr>
-      </p:pic>
-      <p:pic>
-        <p:nvPicPr>
-          <p:cNvPr id="31" name="Graphic 30">
-            <a:extLst>
-              <a:ext uri="{FF2B5EF4-FFF2-40B4-BE49-F238E27FC236}">
-                <a16:creationId xmlns:a16="http://schemas.microsoft.com/office/drawing/2014/main" id="{5BDB884D-2D41-4477-BF7E-1368DC0B8EE7}"/>
-              </a:ext>
-            </a:extLst>
-          </p:cNvPr>
-          <p:cNvPicPr>
-            <a:picLocks noChangeAspect="1"/>
-          </p:cNvPicPr>
-          <p:nvPr/>
-        </p:nvPicPr>
-        <p:blipFill>
-          <a:blip r:embed="rId4">
-            <a:extLst>
-              <a:ext uri="{96DAC541-7B7A-43D3-8B79-37D633B846F1}">
-                <asvg:svgBlip xmlns:asvg="http://schemas.microsoft.com/office/drawing/2016/SVG/main" r:embed="rId5"/>
-              </a:ext>
-            </a:extLst>
-          </a:blip>
-          <a:stretch>
-            <a:fillRect/>
-          </a:stretch>
-        </p:blipFill>
-        <p:spPr>
-          <a:xfrm>
             <a:off x="8719547" y="-3539451"/>
             <a:ext cx="1685925" cy="3152775"/>
           </a:xfrm>
@@ -5441,23 +5405,21 @@
           </p:cNvPicPr>
           <p:nvPr/>
         </p:nvPicPr>
-        <p:blipFill>
-          <a:blip r:embed="rId6">
+        <p:blipFill rotWithShape="1">
+          <a:blip r:embed="rId4">
             <a:extLst>
               <a:ext uri="{28A0092B-C50C-407E-A947-70E740481C1C}">
                 <a14:useLocalDpi xmlns:a14="http://schemas.microsoft.com/office/drawing/2010/main" val="0"/>
               </a:ext>
             </a:extLst>
           </a:blip>
-          <a:srcRect/>
-          <a:stretch>
-            <a:fillRect/>
-          </a:stretch>
+          <a:srcRect t="7046" r="19963"/>
+          <a:stretch/>
         </p:blipFill>
         <p:spPr bwMode="auto">
-          <a:xfrm>
-            <a:off x="-218020" y="-98256"/>
-            <a:ext cx="2752647" cy="3268768"/>
+          <a:xfrm flipH="1">
+            <a:off x="-4162695" y="-3549338"/>
+            <a:ext cx="2397353" cy="3038476"/>
           </a:xfrm>
           <a:prstGeom prst="rect">
             <a:avLst/>
@@ -5489,7 +5451,7 @@
           <p:nvPr/>
         </p:nvPicPr>
         <p:blipFill>
-          <a:blip r:embed="rId7">
+          <a:blip r:embed="rId5">
             <a:extLst>
               <a:ext uri="{28A0092B-C50C-407E-A947-70E740481C1C}">
                 <a14:useLocalDpi xmlns:a14="http://schemas.microsoft.com/office/drawing/2010/main" val="0"/>
@@ -5502,8 +5464,8 @@
         </p:blipFill>
         <p:spPr>
           <a:xfrm>
-            <a:off x="4123113" y="-3398578"/>
-            <a:ext cx="2170687" cy="3011902"/>
+            <a:off x="28722" y="0"/>
+            <a:ext cx="2352676" cy="3264418"/>
           </a:xfrm>
           <a:prstGeom prst="rect">
             <a:avLst/>
@@ -5525,7 +5487,7 @@
           <p:nvPr/>
         </p:nvPicPr>
         <p:blipFill>
-          <a:blip r:embed="rId8">
+          <a:blip r:embed="rId6">
             <a:extLst>
               <a:ext uri="{28A0092B-C50C-407E-A947-70E740481C1C}">
                 <a14:useLocalDpi xmlns:a14="http://schemas.microsoft.com/office/drawing/2010/main" val="0"/>
@@ -5572,10 +5534,10 @@
           <p:nvPr/>
         </p:nvPicPr>
         <p:blipFill>
-          <a:blip r:embed="rId2">
+          <a:blip r:embed="rId7">
             <a:extLst>
               <a:ext uri="{96DAC541-7B7A-43D3-8B79-37D633B846F1}">
-                <asvg:svgBlip xmlns:asvg="http://schemas.microsoft.com/office/drawing/2016/SVG/main" r:embed="rId3"/>
+                <asvg:svgBlip xmlns:asvg="http://schemas.microsoft.com/office/drawing/2016/SVG/main" r:embed="rId8"/>
               </a:ext>
             </a:extLst>
           </a:blip>
@@ -5639,6 +5601,42 @@
           </a:p>
         </p:txBody>
       </p:sp>
+      <p:pic>
+        <p:nvPicPr>
+          <p:cNvPr id="11" name="Graphic 10">
+            <a:extLst>
+              <a:ext uri="{FF2B5EF4-FFF2-40B4-BE49-F238E27FC236}">
+                <a16:creationId xmlns:a16="http://schemas.microsoft.com/office/drawing/2014/main" id="{7F581120-6D8D-40CD-B600-EB7B630EDB08}"/>
+              </a:ext>
+            </a:extLst>
+          </p:cNvPr>
+          <p:cNvPicPr>
+            <a:picLocks noChangeAspect="1"/>
+          </p:cNvPicPr>
+          <p:nvPr/>
+        </p:nvPicPr>
+        <p:blipFill>
+          <a:blip r:embed="rId7">
+            <a:extLst>
+              <a:ext uri="{96DAC541-7B7A-43D3-8B79-37D633B846F1}">
+                <asvg:svgBlip xmlns:asvg="http://schemas.microsoft.com/office/drawing/2016/SVG/main" r:embed="rId8"/>
+              </a:ext>
+            </a:extLst>
+          </a:blip>
+          <a:stretch>
+            <a:fillRect/>
+          </a:stretch>
+        </p:blipFill>
+        <p:spPr>
+          <a:xfrm flipH="1">
+            <a:off x="4025901" y="3577247"/>
+            <a:ext cx="1784183" cy="3200566"/>
+          </a:xfrm>
+          <a:prstGeom prst="rect">
+            <a:avLst/>
+          </a:prstGeom>
+        </p:spPr>
+      </p:pic>
     </p:spTree>
     <p:extLst>
       <p:ext uri="{BB962C8B-B14F-4D97-AF65-F5344CB8AC3E}">
@@ -6120,7 +6118,7 @@
         <p:spPr>
           <a:xfrm>
             <a:off x="1755923" y="93198"/>
-            <a:ext cx="4340078" cy="2473254"/>
+            <a:ext cx="4020458" cy="2473254"/>
           </a:xfrm>
           <a:prstGeom prst="wedgeEllipseCallout">
             <a:avLst>
@@ -6218,7 +6216,7 @@
                 <a:latin typeface="MS Gothic" panose="020B0609070205080204" pitchFamily="49" charset="-128"/>
                 <a:ea typeface="MS Gothic" panose="020B0609070205080204" pitchFamily="49" charset="-128"/>
               </a:rPr>
-              <a:t>うん。その店人気な食べ物は</a:t>
+              <a:t>うん。その店人気な食べ物はフォーですね。</a:t>
             </a:r>
             <a:endParaRPr lang="en-GB" sz="3200" dirty="0"/>
           </a:p>
@@ -7088,8 +7086,8 @@
         </p:nvSpPr>
         <p:spPr>
           <a:xfrm>
-            <a:off x="1755923" y="93197"/>
-            <a:ext cx="4340078" cy="3471535"/>
+            <a:off x="1689100" y="93197"/>
+            <a:ext cx="4406901" cy="3541095"/>
           </a:xfrm>
           <a:prstGeom prst="wedgeEllipseCallout">
             <a:avLst>
@@ -7245,9 +7243,9 @@
           </a:stretch>
         </p:blipFill>
         <p:spPr>
-          <a:xfrm>
-            <a:off x="4264068" y="3429000"/>
-            <a:ext cx="1831932" cy="3429000"/>
+          <a:xfrm flipH="1">
+            <a:off x="4056743" y="3412765"/>
+            <a:ext cx="1883725" cy="3429000"/>
           </a:xfrm>
           <a:prstGeom prst="rect">
             <a:avLst/>
@@ -7319,7 +7317,7 @@
         </p:blipFill>
         <p:spPr bwMode="auto">
           <a:xfrm>
-            <a:off x="1755922" y="-3167712"/>
+            <a:off x="2142301" y="-3692886"/>
             <a:ext cx="2752647" cy="3268768"/>
           </a:xfrm>
           <a:prstGeom prst="rect">
@@ -7364,7 +7362,7 @@
         </p:blipFill>
         <p:spPr>
           <a:xfrm>
-            <a:off x="-42817" y="15162"/>
+            <a:off x="-4160492" y="-3392978"/>
             <a:ext cx="2423160" cy="3503190"/>
           </a:xfrm>
           <a:prstGeom prst="rect">
@@ -7386,7 +7384,7 @@
           </p:cNvPicPr>
           <p:nvPr/>
         </p:nvPicPr>
-        <p:blipFill>
+        <p:blipFill rotWithShape="1">
           <a:blip r:embed="rId8">
             <a:extLst>
               <a:ext uri="{28A0092B-C50C-407E-A947-70E740481C1C}">
@@ -7394,15 +7392,13 @@
               </a:ext>
             </a:extLst>
           </a:blip>
-          <a:srcRect/>
-          <a:stretch>
-            <a:fillRect/>
-          </a:stretch>
+          <a:srcRect r="7193"/>
+          <a:stretch/>
         </p:blipFill>
         <p:spPr bwMode="auto">
-          <a:xfrm>
-            <a:off x="-42817" y="-3069694"/>
-            <a:ext cx="2009775" cy="3038475"/>
+          <a:xfrm flipH="1">
+            <a:off x="-42818" y="56355"/>
+            <a:ext cx="2087518" cy="3541095"/>
           </a:xfrm>
           <a:prstGeom prst="rect">
             <a:avLst/>
@@ -9677,13 +9673,13 @@
         </p:nvSpPr>
         <p:spPr>
           <a:xfrm>
-            <a:off x="1755922" y="93198"/>
+            <a:off x="2548808" y="736780"/>
             <a:ext cx="3744992" cy="1517888"/>
           </a:xfrm>
           <a:prstGeom prst="wedgeEllipseCallout">
             <a:avLst>
-              <a:gd name="adj1" fmla="val -44087"/>
-              <a:gd name="adj2" fmla="val 55806"/>
+              <a:gd name="adj1" fmla="val -69182"/>
+              <a:gd name="adj2" fmla="val -54637"/>
             </a:avLst>
           </a:prstGeom>
           <a:solidFill>
@@ -9743,13 +9739,13 @@
         </p:nvSpPr>
         <p:spPr>
           <a:xfrm>
-            <a:off x="0" y="3257893"/>
+            <a:off x="0" y="3460878"/>
             <a:ext cx="4093708" cy="2904402"/>
           </a:xfrm>
           <a:prstGeom prst="wedgeRoundRectCallout">
             <a:avLst>
-              <a:gd name="adj1" fmla="val 56492"/>
-              <a:gd name="adj2" fmla="val -7660"/>
+              <a:gd name="adj1" fmla="val 65489"/>
+              <a:gd name="adj2" fmla="val 3709"/>
               <a:gd name="adj3" fmla="val 16667"/>
             </a:avLst>
           </a:prstGeom>
@@ -9805,10 +9801,10 @@
       </p:sp>
       <p:pic>
         <p:nvPicPr>
-          <p:cNvPr id="25" name="Graphic 24">
-            <a:extLst>
-              <a:ext uri="{FF2B5EF4-FFF2-40B4-BE49-F238E27FC236}">
-                <a16:creationId xmlns:a16="http://schemas.microsoft.com/office/drawing/2014/main" id="{187CEE20-1243-437C-B3A2-4F1CCEB04A96}"/>
+          <p:cNvPr id="31" name="Graphic 30">
+            <a:extLst>
+              <a:ext uri="{FF2B5EF4-FFF2-40B4-BE49-F238E27FC236}">
+                <a16:creationId xmlns:a16="http://schemas.microsoft.com/office/drawing/2014/main" id="{5BDB884D-2D41-4477-BF7E-1368DC0B8EE7}"/>
               </a:ext>
             </a:extLst>
           </p:cNvPr>
@@ -9831,42 +9827,6 @@
         </p:blipFill>
         <p:spPr>
           <a:xfrm>
-            <a:off x="4242393" y="3205696"/>
-            <a:ext cx="1853607" cy="3469572"/>
-          </a:xfrm>
-          <a:prstGeom prst="rect">
-            <a:avLst/>
-          </a:prstGeom>
-        </p:spPr>
-      </p:pic>
-      <p:pic>
-        <p:nvPicPr>
-          <p:cNvPr id="31" name="Graphic 30">
-            <a:extLst>
-              <a:ext uri="{FF2B5EF4-FFF2-40B4-BE49-F238E27FC236}">
-                <a16:creationId xmlns:a16="http://schemas.microsoft.com/office/drawing/2014/main" id="{5BDB884D-2D41-4477-BF7E-1368DC0B8EE7}"/>
-              </a:ext>
-            </a:extLst>
-          </p:cNvPr>
-          <p:cNvPicPr>
-            <a:picLocks noChangeAspect="1"/>
-          </p:cNvPicPr>
-          <p:nvPr/>
-        </p:nvPicPr>
-        <p:blipFill>
-          <a:blip r:embed="rId4">
-            <a:extLst>
-              <a:ext uri="{96DAC541-7B7A-43D3-8B79-37D633B846F1}">
-                <asvg:svgBlip xmlns:asvg="http://schemas.microsoft.com/office/drawing/2016/SVG/main" r:embed="rId5"/>
-              </a:ext>
-            </a:extLst>
-          </a:blip>
-          <a:stretch>
-            <a:fillRect/>
-          </a:stretch>
-        </p:blipFill>
-        <p:spPr>
-          <a:xfrm>
             <a:off x="8719547" y="-3539451"/>
             <a:ext cx="1685925" cy="3152775"/>
           </a:xfrm>
@@ -9890,20 +9850,20 @@
           <p:nvPr/>
         </p:nvPicPr>
         <p:blipFill rotWithShape="1">
-          <a:blip r:embed="rId6">
+          <a:blip r:embed="rId4">
             <a:extLst>
               <a:ext uri="{28A0092B-C50C-407E-A947-70E740481C1C}">
                 <a14:useLocalDpi xmlns:a14="http://schemas.microsoft.com/office/drawing/2010/main" val="0"/>
               </a:ext>
             </a:extLst>
           </a:blip>
-          <a:srcRect l="9491"/>
+          <a:srcRect l="9491" t="7046" r="20581"/>
           <a:stretch/>
         </p:blipFill>
         <p:spPr bwMode="auto">
-          <a:xfrm>
-            <a:off x="0" y="-63072"/>
-            <a:ext cx="2491390" cy="3268768"/>
+          <a:xfrm flipH="1">
+            <a:off x="0" y="20750"/>
+            <a:ext cx="2233274" cy="3376373"/>
           </a:xfrm>
           <a:prstGeom prst="rect">
             <a:avLst/>
@@ -9935,7 +9895,7 @@
           <p:nvPr/>
         </p:nvPicPr>
         <p:blipFill>
-          <a:blip r:embed="rId7">
+          <a:blip r:embed="rId5">
             <a:extLst>
               <a:ext uri="{28A0092B-C50C-407E-A947-70E740481C1C}">
                 <a14:useLocalDpi xmlns:a14="http://schemas.microsoft.com/office/drawing/2010/main" val="0"/>
@@ -9971,7 +9931,7 @@
           <p:nvPr/>
         </p:nvPicPr>
         <p:blipFill>
-          <a:blip r:embed="rId8">
+          <a:blip r:embed="rId6">
             <a:extLst>
               <a:ext uri="{28A0092B-C50C-407E-A947-70E740481C1C}">
                 <a14:useLocalDpi xmlns:a14="http://schemas.microsoft.com/office/drawing/2010/main" val="0"/>
@@ -10018,10 +9978,10 @@
           <p:nvPr/>
         </p:nvPicPr>
         <p:blipFill>
-          <a:blip r:embed="rId2">
+          <a:blip r:embed="rId7">
             <a:extLst>
               <a:ext uri="{96DAC541-7B7A-43D3-8B79-37D633B846F1}">
-                <asvg:svgBlip xmlns:asvg="http://schemas.microsoft.com/office/drawing/2016/SVG/main" r:embed="rId3"/>
+                <asvg:svgBlip xmlns:asvg="http://schemas.microsoft.com/office/drawing/2016/SVG/main" r:embed="rId8"/>
               </a:ext>
             </a:extLst>
           </a:blip>
@@ -10085,6 +10045,42 @@
           </a:p>
         </p:txBody>
       </p:sp>
+      <p:pic>
+        <p:nvPicPr>
+          <p:cNvPr id="12" name="Graphic 11">
+            <a:extLst>
+              <a:ext uri="{FF2B5EF4-FFF2-40B4-BE49-F238E27FC236}">
+                <a16:creationId xmlns:a16="http://schemas.microsoft.com/office/drawing/2014/main" id="{CC05B705-E630-4FDC-9C54-E2707FE170F4}"/>
+              </a:ext>
+            </a:extLst>
+          </p:cNvPr>
+          <p:cNvPicPr>
+            <a:picLocks noChangeAspect="1"/>
+          </p:cNvPicPr>
+          <p:nvPr/>
+        </p:nvPicPr>
+        <p:blipFill>
+          <a:blip r:embed="rId7">
+            <a:extLst>
+              <a:ext uri="{96DAC541-7B7A-43D3-8B79-37D633B846F1}">
+                <asvg:svgBlip xmlns:asvg="http://schemas.microsoft.com/office/drawing/2016/SVG/main" r:embed="rId8"/>
+              </a:ext>
+            </a:extLst>
+          </a:blip>
+          <a:stretch>
+            <a:fillRect/>
+          </a:stretch>
+        </p:blipFill>
+        <p:spPr>
+          <a:xfrm flipH="1">
+            <a:off x="4212275" y="3378124"/>
+            <a:ext cx="1883725" cy="3429000"/>
+          </a:xfrm>
+          <a:prstGeom prst="rect">
+            <a:avLst/>
+          </a:prstGeom>
+        </p:spPr>
+      </p:pic>
     </p:spTree>
     <p:extLst>
       <p:ext uri="{BB962C8B-B14F-4D97-AF65-F5344CB8AC3E}">
@@ -10195,7 +10191,7 @@
         </p:nvSpPr>
         <p:spPr>
           <a:xfrm>
-            <a:off x="-42817" y="4151087"/>
+            <a:off x="0" y="4449979"/>
             <a:ext cx="3206931" cy="2009558"/>
           </a:xfrm>
           <a:prstGeom prst="wedgeRoundRectCallout">
@@ -10250,10 +10246,10 @@
       </p:sp>
       <p:pic>
         <p:nvPicPr>
-          <p:cNvPr id="25" name="Graphic 24">
-            <a:extLst>
-              <a:ext uri="{FF2B5EF4-FFF2-40B4-BE49-F238E27FC236}">
-                <a16:creationId xmlns:a16="http://schemas.microsoft.com/office/drawing/2014/main" id="{187CEE20-1243-437C-B3A2-4F1CCEB04A96}"/>
+          <p:cNvPr id="31" name="Graphic 30">
+            <a:extLst>
+              <a:ext uri="{FF2B5EF4-FFF2-40B4-BE49-F238E27FC236}">
+                <a16:creationId xmlns:a16="http://schemas.microsoft.com/office/drawing/2014/main" id="{5BDB884D-2D41-4477-BF7E-1368DC0B8EE7}"/>
               </a:ext>
             </a:extLst>
           </p:cNvPr>
@@ -10276,42 +10272,6 @@
         </p:blipFill>
         <p:spPr>
           <a:xfrm>
-            <a:off x="473292" y="119160"/>
-            <a:ext cx="1776115" cy="3324522"/>
-          </a:xfrm>
-          <a:prstGeom prst="rect">
-            <a:avLst/>
-          </a:prstGeom>
-        </p:spPr>
-      </p:pic>
-      <p:pic>
-        <p:nvPicPr>
-          <p:cNvPr id="31" name="Graphic 30">
-            <a:extLst>
-              <a:ext uri="{FF2B5EF4-FFF2-40B4-BE49-F238E27FC236}">
-                <a16:creationId xmlns:a16="http://schemas.microsoft.com/office/drawing/2014/main" id="{5BDB884D-2D41-4477-BF7E-1368DC0B8EE7}"/>
-              </a:ext>
-            </a:extLst>
-          </p:cNvPr>
-          <p:cNvPicPr>
-            <a:picLocks noChangeAspect="1"/>
-          </p:cNvPicPr>
-          <p:nvPr/>
-        </p:nvPicPr>
-        <p:blipFill>
-          <a:blip r:embed="rId4">
-            <a:extLst>
-              <a:ext uri="{96DAC541-7B7A-43D3-8B79-37D633B846F1}">
-                <asvg:svgBlip xmlns:asvg="http://schemas.microsoft.com/office/drawing/2016/SVG/main" r:embed="rId5"/>
-              </a:ext>
-            </a:extLst>
-          </a:blip>
-          <a:stretch>
-            <a:fillRect/>
-          </a:stretch>
-        </p:blipFill>
-        <p:spPr>
-          <a:xfrm>
             <a:off x="8413136" y="-3217770"/>
             <a:ext cx="1685925" cy="3152775"/>
           </a:xfrm>
@@ -10335,7 +10295,7 @@
           <p:nvPr/>
         </p:nvPicPr>
         <p:blipFill>
-          <a:blip r:embed="rId6">
+          <a:blip r:embed="rId4">
             <a:extLst>
               <a:ext uri="{28A0092B-C50C-407E-A947-70E740481C1C}">
                 <a14:useLocalDpi xmlns:a14="http://schemas.microsoft.com/office/drawing/2010/main" val="0"/>
@@ -10382,7 +10342,7 @@
           <p:nvPr/>
         </p:nvPicPr>
         <p:blipFill>
-          <a:blip r:embed="rId7">
+          <a:blip r:embed="rId5">
             <a:extLst>
               <a:ext uri="{28A0092B-C50C-407E-A947-70E740481C1C}">
                 <a14:useLocalDpi xmlns:a14="http://schemas.microsoft.com/office/drawing/2010/main" val="0"/>
@@ -10395,7 +10355,7 @@
         </p:blipFill>
         <p:spPr>
           <a:xfrm>
-            <a:off x="3164114" y="2622119"/>
+            <a:off x="-42817" y="56114"/>
             <a:ext cx="2932534" cy="4068990"/>
           </a:xfrm>
           <a:prstGeom prst="rect">
@@ -10418,7 +10378,7 @@
           <p:nvPr/>
         </p:nvPicPr>
         <p:blipFill>
-          <a:blip r:embed="rId8">
+          <a:blip r:embed="rId6">
             <a:extLst>
               <a:ext uri="{28A0092B-C50C-407E-A947-70E740481C1C}">
                 <a14:useLocalDpi xmlns:a14="http://schemas.microsoft.com/office/drawing/2010/main" val="0"/>
@@ -10465,10 +10425,10 @@
           <p:nvPr/>
         </p:nvPicPr>
         <p:blipFill>
-          <a:blip r:embed="rId2">
+          <a:blip r:embed="rId7">
             <a:extLst>
               <a:ext uri="{96DAC541-7B7A-43D3-8B79-37D633B846F1}">
-                <asvg:svgBlip xmlns:asvg="http://schemas.microsoft.com/office/drawing/2016/SVG/main" r:embed="rId3"/>
+                <asvg:svgBlip xmlns:asvg="http://schemas.microsoft.com/office/drawing/2016/SVG/main" r:embed="rId8"/>
               </a:ext>
             </a:extLst>
           </a:blip>
@@ -10532,6 +10492,42 @@
           </a:p>
         </p:txBody>
       </p:sp>
+      <p:pic>
+        <p:nvPicPr>
+          <p:cNvPr id="11" name="Graphic 10">
+            <a:extLst>
+              <a:ext uri="{FF2B5EF4-FFF2-40B4-BE49-F238E27FC236}">
+                <a16:creationId xmlns:a16="http://schemas.microsoft.com/office/drawing/2014/main" id="{A43568C1-B3A3-4535-9919-15389902D6A7}"/>
+              </a:ext>
+            </a:extLst>
+          </p:cNvPr>
+          <p:cNvPicPr>
+            <a:picLocks noChangeAspect="1"/>
+          </p:cNvPicPr>
+          <p:nvPr/>
+        </p:nvPicPr>
+        <p:blipFill>
+          <a:blip r:embed="rId7">
+            <a:extLst>
+              <a:ext uri="{96DAC541-7B7A-43D3-8B79-37D633B846F1}">
+                <asvg:svgBlip xmlns:asvg="http://schemas.microsoft.com/office/drawing/2016/SVG/main" r:embed="rId8"/>
+              </a:ext>
+            </a:extLst>
+          </a:blip>
+          <a:stretch>
+            <a:fillRect/>
+          </a:stretch>
+        </p:blipFill>
+        <p:spPr>
+          <a:xfrm flipH="1">
+            <a:off x="3962400" y="2923269"/>
+            <a:ext cx="2133600" cy="3883855"/>
+          </a:xfrm>
+          <a:prstGeom prst="rect">
+            <a:avLst/>
+          </a:prstGeom>
+        </p:spPr>
+      </p:pic>
     </p:spTree>
     <p:extLst>
       <p:ext uri="{BB962C8B-B14F-4D97-AF65-F5344CB8AC3E}">
@@ -10576,8 +10572,8 @@
         </p:nvSpPr>
         <p:spPr>
           <a:xfrm>
-            <a:off x="1755922" y="93198"/>
-            <a:ext cx="4295535" cy="1631267"/>
+            <a:off x="2654300" y="93198"/>
+            <a:ext cx="3397157" cy="1631267"/>
           </a:xfrm>
           <a:prstGeom prst="wedgeEllipseCallout">
             <a:avLst>
@@ -10635,8 +10631,8 @@
         </p:nvSpPr>
         <p:spPr>
           <a:xfrm>
-            <a:off x="260577" y="3103476"/>
-            <a:ext cx="3654371" cy="3555450"/>
+            <a:off x="260577" y="3754524"/>
+            <a:ext cx="3654371" cy="2904401"/>
           </a:xfrm>
           <a:prstGeom prst="wedgeRoundRectCallout">
             <a:avLst>
@@ -10690,10 +10686,10 @@
       </p:sp>
       <p:pic>
         <p:nvPicPr>
-          <p:cNvPr id="25" name="Graphic 24">
-            <a:extLst>
-              <a:ext uri="{FF2B5EF4-FFF2-40B4-BE49-F238E27FC236}">
-                <a16:creationId xmlns:a16="http://schemas.microsoft.com/office/drawing/2014/main" id="{187CEE20-1243-437C-B3A2-4F1CCEB04A96}"/>
+          <p:cNvPr id="31" name="Graphic 30">
+            <a:extLst>
+              <a:ext uri="{FF2B5EF4-FFF2-40B4-BE49-F238E27FC236}">
+                <a16:creationId xmlns:a16="http://schemas.microsoft.com/office/drawing/2014/main" id="{5BDB884D-2D41-4477-BF7E-1368DC0B8EE7}"/>
               </a:ext>
             </a:extLst>
           </p:cNvPr>
@@ -10716,8 +10712,8 @@
         </p:blipFill>
         <p:spPr>
           <a:xfrm>
-            <a:off x="314847" y="199074"/>
-            <a:ext cx="1551667" cy="2904402"/>
+            <a:off x="8413136" y="-3217770"/>
+            <a:ext cx="1685925" cy="3152775"/>
           </a:xfrm>
           <a:prstGeom prst="rect">
             <a:avLst/>
@@ -10726,10 +10722,10 @@
       </p:pic>
       <p:pic>
         <p:nvPicPr>
-          <p:cNvPr id="1032" name="Picture 8" descr="Nobita Nobi/Gallery | Heroes Wiki | Fandom">
-            <a:extLst>
-              <a:ext uri="{FF2B5EF4-FFF2-40B4-BE49-F238E27FC236}">
-                <a16:creationId xmlns:a16="http://schemas.microsoft.com/office/drawing/2014/main" id="{BC843FDD-6B89-4C71-82AC-4AB309045562}"/>
+          <p:cNvPr id="32" name="Picture 2" descr="Nobi Nobita – Wikipedia tiếng Việt">
+            <a:extLst>
+              <a:ext uri="{FF2B5EF4-FFF2-40B4-BE49-F238E27FC236}">
+                <a16:creationId xmlns:a16="http://schemas.microsoft.com/office/drawing/2014/main" id="{F92B3E8F-E296-4B3F-841C-14CAD5E28DF6}"/>
               </a:ext>
             </a:extLst>
           </p:cNvPr>
@@ -10738,7 +10734,7 @@
           </p:cNvPicPr>
           <p:nvPr/>
         </p:nvPicPr>
-        <p:blipFill>
+        <p:blipFill rotWithShape="1">
           <a:blip r:embed="rId4">
             <a:extLst>
               <a:ext uri="{28A0092B-C50C-407E-A947-70E740481C1C}">
@@ -10746,15 +10742,13 @@
               </a:ext>
             </a:extLst>
           </a:blip>
-          <a:srcRect/>
-          <a:stretch>
-            <a:fillRect/>
-          </a:stretch>
+          <a:srcRect t="4256"/>
+          <a:stretch/>
         </p:blipFill>
         <p:spPr bwMode="auto">
           <a:xfrm>
-            <a:off x="3851277" y="3556001"/>
-            <a:ext cx="2244724" cy="3393682"/>
+            <a:off x="-1" y="0"/>
+            <a:ext cx="3270615" cy="3718562"/>
           </a:xfrm>
           <a:prstGeom prst="rect">
             <a:avLst/>
@@ -10773,10 +10767,10 @@
       </p:pic>
       <p:pic>
         <p:nvPicPr>
-          <p:cNvPr id="31" name="Graphic 30">
-            <a:extLst>
-              <a:ext uri="{FF2B5EF4-FFF2-40B4-BE49-F238E27FC236}">
-                <a16:creationId xmlns:a16="http://schemas.microsoft.com/office/drawing/2014/main" id="{5BDB884D-2D41-4477-BF7E-1368DC0B8EE7}"/>
+          <p:cNvPr id="33" name="Picture 32">
+            <a:extLst>
+              <a:ext uri="{FF2B5EF4-FFF2-40B4-BE49-F238E27FC236}">
+                <a16:creationId xmlns:a16="http://schemas.microsoft.com/office/drawing/2014/main" id="{0D380805-4881-489E-9027-AC12F5A54E37}"/>
               </a:ext>
             </a:extLst>
           </p:cNvPr>
@@ -10788,8 +10782,8 @@
         <p:blipFill>
           <a:blip r:embed="rId5">
             <a:extLst>
-              <a:ext uri="{96DAC541-7B7A-43D3-8B79-37D633B846F1}">
-                <asvg:svgBlip xmlns:asvg="http://schemas.microsoft.com/office/drawing/2016/SVG/main" r:embed="rId6"/>
+              <a:ext uri="{28A0092B-C50C-407E-A947-70E740481C1C}">
+                <a14:useLocalDpi xmlns:a14="http://schemas.microsoft.com/office/drawing/2010/main" val="0"/>
               </a:ext>
             </a:extLst>
           </a:blip>
@@ -10799,8 +10793,8 @@
         </p:blipFill>
         <p:spPr>
           <a:xfrm>
-            <a:off x="8413136" y="-3217770"/>
-            <a:ext cx="1685925" cy="3152775"/>
+            <a:off x="3914948" y="-2874641"/>
+            <a:ext cx="2170687" cy="3011902"/>
           </a:xfrm>
           <a:prstGeom prst="rect">
             <a:avLst/>
@@ -10809,10 +10803,10 @@
       </p:pic>
       <p:pic>
         <p:nvPicPr>
-          <p:cNvPr id="32" name="Picture 2" descr="Nobi Nobita – Wikipedia tiếng Việt">
-            <a:extLst>
-              <a:ext uri="{FF2B5EF4-FFF2-40B4-BE49-F238E27FC236}">
-                <a16:creationId xmlns:a16="http://schemas.microsoft.com/office/drawing/2014/main" id="{F92B3E8F-E296-4B3F-841C-14CAD5E28DF6}"/>
+          <p:cNvPr id="34" name="Picture 8" descr="Nobita Nobi/Gallery | Heroes Wiki | Fandom">
+            <a:extLst>
+              <a:ext uri="{FF2B5EF4-FFF2-40B4-BE49-F238E27FC236}">
+                <a16:creationId xmlns:a16="http://schemas.microsoft.com/office/drawing/2014/main" id="{4B820155-60D6-41B4-8503-7350F39B3201}"/>
               </a:ext>
             </a:extLst>
           </p:cNvPr>
@@ -10822,7 +10816,7 @@
           <p:nvPr/>
         </p:nvPicPr>
         <p:blipFill>
-          <a:blip r:embed="rId7">
+          <a:blip r:embed="rId6">
             <a:extLst>
               <a:ext uri="{28A0092B-C50C-407E-A947-70E740481C1C}">
                 <a14:useLocalDpi xmlns:a14="http://schemas.microsoft.com/office/drawing/2010/main" val="0"/>
@@ -10836,8 +10830,8 @@
         </p:blipFill>
         <p:spPr bwMode="auto">
           <a:xfrm>
-            <a:off x="1755922" y="-3167712"/>
-            <a:ext cx="2752647" cy="3268768"/>
+            <a:off x="-42817" y="-3069694"/>
+            <a:ext cx="2009775" cy="3038475"/>
           </a:xfrm>
           <a:prstGeom prst="rect">
             <a:avLst/>
@@ -10856,10 +10850,10 @@
       </p:pic>
       <p:pic>
         <p:nvPicPr>
-          <p:cNvPr id="33" name="Picture 32">
-            <a:extLst>
-              <a:ext uri="{FF2B5EF4-FFF2-40B4-BE49-F238E27FC236}">
-                <a16:creationId xmlns:a16="http://schemas.microsoft.com/office/drawing/2014/main" id="{0D380805-4881-489E-9027-AC12F5A54E37}"/>
+          <p:cNvPr id="35" name="Graphic 34">
+            <a:extLst>
+              <a:ext uri="{FF2B5EF4-FFF2-40B4-BE49-F238E27FC236}">
+                <a16:creationId xmlns:a16="http://schemas.microsoft.com/office/drawing/2014/main" id="{D23AD36C-C081-4449-86F6-F59B28AE30B1}"/>
               </a:ext>
             </a:extLst>
           </p:cNvPr>
@@ -10869,93 +10863,10 @@
           <p:nvPr/>
         </p:nvPicPr>
         <p:blipFill>
-          <a:blip r:embed="rId8">
-            <a:extLst>
-              <a:ext uri="{28A0092B-C50C-407E-A947-70E740481C1C}">
-                <a14:useLocalDpi xmlns:a14="http://schemas.microsoft.com/office/drawing/2010/main" val="0"/>
-              </a:ext>
-            </a:extLst>
-          </a:blip>
-          <a:stretch>
-            <a:fillRect/>
-          </a:stretch>
-        </p:blipFill>
-        <p:spPr>
-          <a:xfrm>
-            <a:off x="3914948" y="-2874641"/>
-            <a:ext cx="2170687" cy="3011902"/>
-          </a:xfrm>
-          <a:prstGeom prst="rect">
-            <a:avLst/>
-          </a:prstGeom>
-        </p:spPr>
-      </p:pic>
-      <p:pic>
-        <p:nvPicPr>
-          <p:cNvPr id="34" name="Picture 8" descr="Nobita Nobi/Gallery | Heroes Wiki | Fandom">
-            <a:extLst>
-              <a:ext uri="{FF2B5EF4-FFF2-40B4-BE49-F238E27FC236}">
-                <a16:creationId xmlns:a16="http://schemas.microsoft.com/office/drawing/2014/main" id="{4B820155-60D6-41B4-8503-7350F39B3201}"/>
-              </a:ext>
-            </a:extLst>
-          </p:cNvPr>
-          <p:cNvPicPr>
-            <a:picLocks noChangeAspect="1" noChangeArrowheads="1"/>
-          </p:cNvPicPr>
-          <p:nvPr/>
-        </p:nvPicPr>
-        <p:blipFill>
-          <a:blip r:embed="rId4">
-            <a:extLst>
-              <a:ext uri="{28A0092B-C50C-407E-A947-70E740481C1C}">
-                <a14:useLocalDpi xmlns:a14="http://schemas.microsoft.com/office/drawing/2010/main" val="0"/>
-              </a:ext>
-            </a:extLst>
-          </a:blip>
-          <a:srcRect/>
-          <a:stretch>
-            <a:fillRect/>
-          </a:stretch>
-        </p:blipFill>
-        <p:spPr bwMode="auto">
-          <a:xfrm>
-            <a:off x="-42817" y="-3069694"/>
-            <a:ext cx="2009775" cy="3038475"/>
-          </a:xfrm>
-          <a:prstGeom prst="rect">
-            <a:avLst/>
-          </a:prstGeom>
-          <a:noFill/>
-          <a:extLst>
-            <a:ext uri="{909E8E84-426E-40DD-AFC4-6F175D3DCCD1}">
-              <a14:hiddenFill xmlns:a14="http://schemas.microsoft.com/office/drawing/2010/main">
-                <a:solidFill>
-                  <a:srgbClr val="FFFFFF"/>
-                </a:solidFill>
-              </a14:hiddenFill>
-            </a:ext>
-          </a:extLst>
-        </p:spPr>
-      </p:pic>
-      <p:pic>
-        <p:nvPicPr>
-          <p:cNvPr id="35" name="Graphic 34">
-            <a:extLst>
-              <a:ext uri="{FF2B5EF4-FFF2-40B4-BE49-F238E27FC236}">
-                <a16:creationId xmlns:a16="http://schemas.microsoft.com/office/drawing/2014/main" id="{D23AD36C-C081-4449-86F6-F59B28AE30B1}"/>
-              </a:ext>
-            </a:extLst>
-          </p:cNvPr>
-          <p:cNvPicPr>
-            <a:picLocks noChangeAspect="1"/>
-          </p:cNvPicPr>
-          <p:nvPr/>
-        </p:nvPicPr>
-        <p:blipFill>
-          <a:blip r:embed="rId2">
+          <a:blip r:embed="rId7">
             <a:extLst>
               <a:ext uri="{96DAC541-7B7A-43D3-8B79-37D633B846F1}">
-                <asvg:svgBlip xmlns:asvg="http://schemas.microsoft.com/office/drawing/2016/SVG/main" r:embed="rId3"/>
+                <asvg:svgBlip xmlns:asvg="http://schemas.microsoft.com/office/drawing/2016/SVG/main" r:embed="rId8"/>
               </a:ext>
             </a:extLst>
           </a:blip>
@@ -11019,6 +10930,42 @@
           </a:p>
         </p:txBody>
       </p:sp>
+      <p:pic>
+        <p:nvPicPr>
+          <p:cNvPr id="12" name="Graphic 11">
+            <a:extLst>
+              <a:ext uri="{FF2B5EF4-FFF2-40B4-BE49-F238E27FC236}">
+                <a16:creationId xmlns:a16="http://schemas.microsoft.com/office/drawing/2014/main" id="{1709A3E6-D9BB-4541-B594-4905854C2FAF}"/>
+              </a:ext>
+            </a:extLst>
+          </p:cNvPr>
+          <p:cNvPicPr>
+            <a:picLocks noChangeAspect="1"/>
+          </p:cNvPicPr>
+          <p:nvPr/>
+        </p:nvPicPr>
+        <p:blipFill>
+          <a:blip r:embed="rId7">
+            <a:extLst>
+              <a:ext uri="{96DAC541-7B7A-43D3-8B79-37D633B846F1}">
+                <asvg:svgBlip xmlns:asvg="http://schemas.microsoft.com/office/drawing/2016/SVG/main" r:embed="rId8"/>
+              </a:ext>
+            </a:extLst>
+          </a:blip>
+          <a:stretch>
+            <a:fillRect/>
+          </a:stretch>
+        </p:blipFill>
+        <p:spPr>
+          <a:xfrm flipH="1">
+            <a:off x="3962400" y="2923269"/>
+            <a:ext cx="2133600" cy="3883855"/>
+          </a:xfrm>
+          <a:prstGeom prst="rect">
+            <a:avLst/>
+          </a:prstGeom>
+        </p:spPr>
+      </p:pic>
     </p:spTree>
     <p:extLst>
       <p:ext uri="{BB962C8B-B14F-4D97-AF65-F5344CB8AC3E}">
@@ -11077,8 +11024,8 @@
         </p:blipFill>
         <p:spPr>
           <a:xfrm>
-            <a:off x="-1570307" y="1799911"/>
-            <a:ext cx="2330201" cy="4361657"/>
+            <a:off x="-1684607" y="1779247"/>
+            <a:ext cx="2713307" cy="5078753"/>
           </a:xfrm>
           <a:prstGeom prst="rect">
             <a:avLst/>
@@ -11743,7 +11690,7 @@
         </p:blipFill>
         <p:spPr bwMode="auto">
           <a:xfrm>
-            <a:off x="1755922" y="-3167712"/>
+            <a:off x="2695722" y="-4204906"/>
             <a:ext cx="2752647" cy="3268768"/>
           </a:xfrm>
           <a:prstGeom prst="rect">
@@ -12137,7 +12084,7 @@
           </p:cNvPicPr>
           <p:nvPr/>
         </p:nvPicPr>
-        <p:blipFill>
+        <p:blipFill rotWithShape="1">
           <a:blip r:embed="rId4">
             <a:extLst>
               <a:ext uri="{28A0092B-C50C-407E-A947-70E740481C1C}">
@@ -12145,15 +12092,13 @@
               </a:ext>
             </a:extLst>
           </a:blip>
-          <a:srcRect/>
-          <a:stretch>
-            <a:fillRect/>
-          </a:stretch>
+          <a:srcRect t="7821" r="11073"/>
+          <a:stretch/>
         </p:blipFill>
         <p:spPr bwMode="auto">
           <a:xfrm>
-            <a:off x="-3297797" y="-4240407"/>
-            <a:ext cx="2752647" cy="3268768"/>
+            <a:off x="3343353" y="88425"/>
+            <a:ext cx="2447847" cy="3013144"/>
           </a:xfrm>
           <a:prstGeom prst="rect">
             <a:avLst/>
@@ -12198,7 +12143,7 @@
         </p:blipFill>
         <p:spPr>
           <a:xfrm>
-            <a:off x="3396343" y="89667"/>
+            <a:off x="3925313" y="-3398578"/>
             <a:ext cx="2170687" cy="3011902"/>
           </a:xfrm>
           <a:prstGeom prst="rect">

--- a/design/story.pptx
+++ b/design/story.pptx
@@ -3474,6 +3474,13 @@
           <a:solidFill>
             <a:schemeClr val="accent6"/>
           </a:solidFill>
+          <a:effectLst>
+            <a:outerShdw blurRad="50800" dist="38100" dir="2700000" algn="tl" rotWithShape="0">
+              <a:prstClr val="black">
+                <a:alpha val="40000"/>
+              </a:prstClr>
+            </a:outerShdw>
+          </a:effectLst>
         </p:spPr>
         <p:style>
           <a:lnRef idx="2">
@@ -3534,6 +3541,13 @@
           <a:solidFill>
             <a:schemeClr val="accent6"/>
           </a:solidFill>
+          <a:effectLst>
+            <a:outerShdw blurRad="50800" dist="38100" dir="2700000" algn="tl" rotWithShape="0">
+              <a:prstClr val="black">
+                <a:alpha val="40000"/>
+              </a:prstClr>
+            </a:outerShdw>
+          </a:effectLst>
         </p:spPr>
         <p:style>
           <a:lnRef idx="2">
@@ -3698,6 +3712,14 @@
           <a:prstGeom prst="rect">
             <a:avLst/>
           </a:prstGeom>
+          <a:effectLst>
+            <a:glow rad="228600">
+              <a:schemeClr val="accent3">
+                <a:satMod val="175000"/>
+                <a:alpha val="40000"/>
+              </a:schemeClr>
+            </a:glow>
+          </a:effectLst>
         </p:spPr>
       </p:pic>
       <p:pic>
@@ -3817,6 +3839,14 @@
           <a:prstGeom prst="rect">
             <a:avLst/>
           </a:prstGeom>
+          <a:effectLst>
+            <a:glow rad="228600">
+              <a:schemeClr val="accent3">
+                <a:satMod val="175000"/>
+                <a:alpha val="40000"/>
+              </a:schemeClr>
+            </a:glow>
+          </a:effectLst>
         </p:spPr>
       </p:pic>
       <p:sp>
@@ -3921,6 +3951,13 @@
           <a:solidFill>
             <a:schemeClr val="accent6"/>
           </a:solidFill>
+          <a:effectLst>
+            <a:outerShdw blurRad="50800" dist="38100" dir="2700000" algn="tl" rotWithShape="0">
+              <a:prstClr val="black">
+                <a:alpha val="40000"/>
+              </a:prstClr>
+            </a:outerShdw>
+          </a:effectLst>
         </p:spPr>
         <p:style>
           <a:lnRef idx="2">
@@ -3981,6 +4018,13 @@
           <a:solidFill>
             <a:schemeClr val="accent6"/>
           </a:solidFill>
+          <a:effectLst>
+            <a:outerShdw blurRad="50800" dist="38100" dir="2700000" algn="tl" rotWithShape="0">
+              <a:prstClr val="black">
+                <a:alpha val="40000"/>
+              </a:prstClr>
+            </a:outerShdw>
+          </a:effectLst>
         </p:spPr>
         <p:style>
           <a:lnRef idx="2">
@@ -4131,6 +4175,14 @@
           <a:prstGeom prst="rect">
             <a:avLst/>
           </a:prstGeom>
+          <a:effectLst>
+            <a:glow rad="228600">
+              <a:schemeClr val="accent3">
+                <a:satMod val="175000"/>
+                <a:alpha val="40000"/>
+              </a:schemeClr>
+            </a:glow>
+          </a:effectLst>
         </p:spPr>
       </p:pic>
       <p:pic>
@@ -4250,6 +4302,14 @@
           <a:prstGeom prst="rect">
             <a:avLst/>
           </a:prstGeom>
+          <a:effectLst>
+            <a:glow rad="228600">
+              <a:schemeClr val="accent3">
+                <a:satMod val="175000"/>
+                <a:alpha val="40000"/>
+              </a:schemeClr>
+            </a:glow>
+          </a:effectLst>
         </p:spPr>
       </p:pic>
       <p:sp>
@@ -4366,10 +4426,10 @@
       </p:pic>
       <p:pic>
         <p:nvPicPr>
-          <p:cNvPr id="31" name="Graphic 30">
-            <a:extLst>
-              <a:ext uri="{FF2B5EF4-FFF2-40B4-BE49-F238E27FC236}">
-                <a16:creationId xmlns:a16="http://schemas.microsoft.com/office/drawing/2014/main" id="{5BDB884D-2D41-4477-BF7E-1368DC0B8EE7}"/>
+          <p:cNvPr id="33" name="Picture 32">
+            <a:extLst>
+              <a:ext uri="{FF2B5EF4-FFF2-40B4-BE49-F238E27FC236}">
+                <a16:creationId xmlns:a16="http://schemas.microsoft.com/office/drawing/2014/main" id="{0D380805-4881-489E-9027-AC12F5A54E37}"/>
               </a:ext>
             </a:extLst>
           </p:cNvPr>
@@ -4381,8 +4441,8 @@
         <p:blipFill>
           <a:blip r:embed="rId4">
             <a:extLst>
-              <a:ext uri="{96DAC541-7B7A-43D3-8B79-37D633B846F1}">
-                <asvg:svgBlip xmlns:asvg="http://schemas.microsoft.com/office/drawing/2016/SVG/main" r:embed="rId5"/>
+              <a:ext uri="{28A0092B-C50C-407E-A947-70E740481C1C}">
+                <a14:useLocalDpi xmlns:a14="http://schemas.microsoft.com/office/drawing/2010/main" val="0"/>
               </a:ext>
             </a:extLst>
           </a:blip>
@@ -4392,42 +4452,6 @@
         </p:blipFill>
         <p:spPr>
           <a:xfrm>
-            <a:off x="-1468466" y="2211910"/>
-            <a:ext cx="2484465" cy="4646090"/>
-          </a:xfrm>
-          <a:prstGeom prst="rect">
-            <a:avLst/>
-          </a:prstGeom>
-        </p:spPr>
-      </p:pic>
-      <p:pic>
-        <p:nvPicPr>
-          <p:cNvPr id="33" name="Picture 32">
-            <a:extLst>
-              <a:ext uri="{FF2B5EF4-FFF2-40B4-BE49-F238E27FC236}">
-                <a16:creationId xmlns:a16="http://schemas.microsoft.com/office/drawing/2014/main" id="{0D380805-4881-489E-9027-AC12F5A54E37}"/>
-              </a:ext>
-            </a:extLst>
-          </p:cNvPr>
-          <p:cNvPicPr>
-            <a:picLocks noChangeAspect="1"/>
-          </p:cNvPicPr>
-          <p:nvPr/>
-        </p:nvPicPr>
-        <p:blipFill>
-          <a:blip r:embed="rId6">
-            <a:extLst>
-              <a:ext uri="{28A0092B-C50C-407E-A947-70E740481C1C}">
-                <a14:useLocalDpi xmlns:a14="http://schemas.microsoft.com/office/drawing/2010/main" val="0"/>
-              </a:ext>
-            </a:extLst>
-          </a:blip>
-          <a:stretch>
-            <a:fillRect/>
-          </a:stretch>
-        </p:blipFill>
-        <p:spPr>
-          <a:xfrm>
             <a:off x="3778865" y="-3147334"/>
             <a:ext cx="2170687" cy="3011902"/>
           </a:xfrm>
@@ -4451,7 +4475,7 @@
           <p:nvPr/>
         </p:nvPicPr>
         <p:blipFill>
-          <a:blip r:embed="rId7">
+          <a:blip r:embed="rId5">
             <a:extLst>
               <a:ext uri="{28A0092B-C50C-407E-A947-70E740481C1C}">
                 <a14:useLocalDpi xmlns:a14="http://schemas.microsoft.com/office/drawing/2010/main" val="0"/>
@@ -4533,7 +4557,7 @@
         </p:nvSpPr>
         <p:spPr>
           <a:xfrm>
-            <a:off x="426050" y="841690"/>
+            <a:off x="2039293" y="813132"/>
             <a:ext cx="4539758" cy="1452201"/>
           </a:xfrm>
           <a:prstGeom prst="wedgeRoundRectCallout">
@@ -4546,6 +4570,13 @@
           <a:solidFill>
             <a:schemeClr val="accent6"/>
           </a:solidFill>
+          <a:effectLst>
+            <a:outerShdw blurRad="50800" dist="38100" dir="2700000" algn="tl" rotWithShape="0">
+              <a:prstClr val="black">
+                <a:alpha val="40000"/>
+              </a:prstClr>
+            </a:outerShdw>
+          </a:effectLst>
         </p:spPr>
         <p:style>
           <a:lnRef idx="2">
@@ -4613,6 +4644,13 @@
           <a:solidFill>
             <a:schemeClr val="accent6"/>
           </a:solidFill>
+          <a:effectLst>
+            <a:outerShdw blurRad="50800" dist="38100" dir="2700000" algn="tl" rotWithShape="0">
+              <a:prstClr val="black">
+                <a:alpha val="40000"/>
+              </a:prstClr>
+            </a:outerShdw>
+          </a:effectLst>
         </p:spPr>
         <p:style>
           <a:lnRef idx="2">
@@ -4661,25 +4699,32 @@
           <p:nvPr/>
         </p:nvPicPr>
         <p:blipFill rotWithShape="1">
-          <a:blip r:embed="rId8">
+          <a:blip r:embed="rId6">
             <a:extLst>
               <a:ext uri="{28A0092B-C50C-407E-A947-70E740481C1C}">
                 <a14:useLocalDpi xmlns:a14="http://schemas.microsoft.com/office/drawing/2010/main" val="0"/>
               </a:ext>
             </a:extLst>
           </a:blip>
-          <a:srcRect r="22628"/>
+          <a:srcRect r="22628" b="2969"/>
           <a:stretch/>
         </p:blipFill>
         <p:spPr bwMode="auto">
           <a:xfrm>
-            <a:off x="10209804" y="148037"/>
-            <a:ext cx="4275453" cy="6561925"/>
+            <a:off x="10054273" y="356396"/>
+            <a:ext cx="4275453" cy="6367063"/>
           </a:xfrm>
           <a:prstGeom prst="rect">
             <a:avLst/>
           </a:prstGeom>
           <a:noFill/>
+          <a:effectLst>
+            <a:outerShdw blurRad="50800" dist="38100" dir="2700000" algn="tl" rotWithShape="0">
+              <a:prstClr val="black">
+                <a:alpha val="40000"/>
+              </a:prstClr>
+            </a:outerShdw>
+          </a:effectLst>
           <a:extLst>
             <a:ext uri="{909E8E84-426E-40DD-AFC4-6F175D3DCCD1}">
               <a14:hiddenFill xmlns:a14="http://schemas.microsoft.com/office/drawing/2010/main">
@@ -4689,6 +4734,55 @@
               </a14:hiddenFill>
             </a:ext>
           </a:extLst>
+        </p:spPr>
+      </p:pic>
+      <p:pic>
+        <p:nvPicPr>
+          <p:cNvPr id="11" name="Graphic 10">
+            <a:extLst>
+              <a:ext uri="{FF2B5EF4-FFF2-40B4-BE49-F238E27FC236}">
+                <a16:creationId xmlns:a16="http://schemas.microsoft.com/office/drawing/2014/main" id="{D617187E-3CD2-4DE6-AB14-57D6E5EC9FA5}"/>
+              </a:ext>
+            </a:extLst>
+          </p:cNvPr>
+          <p:cNvPicPr>
+            <a:picLocks noChangeAspect="1"/>
+          </p:cNvPicPr>
+          <p:nvPr/>
+        </p:nvPicPr>
+        <p:blipFill>
+          <a:blip r:embed="rId7">
+            <a:extLst>
+              <a:ext uri="{96DAC541-7B7A-43D3-8B79-37D633B846F1}">
+                <asvg:svgBlip xmlns:asvg="http://schemas.microsoft.com/office/drawing/2016/SVG/main" r:embed="rId8"/>
+              </a:ext>
+            </a:extLst>
+          </a:blip>
+          <a:stretch>
+            <a:fillRect/>
+          </a:stretch>
+        </p:blipFill>
+        <p:spPr>
+          <a:xfrm flipH="1">
+            <a:off x="-1726245" y="590550"/>
+            <a:ext cx="3221713" cy="6132909"/>
+          </a:xfrm>
+          <a:prstGeom prst="rect">
+            <a:avLst/>
+          </a:prstGeom>
+          <a:effectLst>
+            <a:glow rad="228600">
+              <a:schemeClr val="accent3">
+                <a:satMod val="175000"/>
+                <a:alpha val="40000"/>
+              </a:schemeClr>
+            </a:glow>
+            <a:outerShdw blurRad="50800" dist="38100" dir="2700000" algn="tl" rotWithShape="0">
+              <a:prstClr val="black">
+                <a:alpha val="40000"/>
+              </a:prstClr>
+            </a:outerShdw>
+          </a:effectLst>
         </p:spPr>
       </p:pic>
     </p:spTree>
@@ -4826,6 +4920,13 @@
           <a:solidFill>
             <a:schemeClr val="accent6"/>
           </a:solidFill>
+          <a:effectLst>
+            <a:outerShdw blurRad="50800" dist="38100" dir="2700000" algn="tl" rotWithShape="0">
+              <a:prstClr val="black">
+                <a:alpha val="40000"/>
+              </a:prstClr>
+            </a:outerShdw>
+          </a:effectLst>
         </p:spPr>
         <p:style>
           <a:lnRef idx="2">
@@ -4887,7 +4988,7 @@
         </p:blipFill>
         <p:spPr>
           <a:xfrm flipH="1">
-            <a:off x="4025901" y="3577247"/>
+            <a:off x="15322551" y="-1032853"/>
             <a:ext cx="1784183" cy="3200566"/>
           </a:xfrm>
           <a:prstGeom prst="rect">
@@ -4923,12 +5024,20 @@
         </p:blipFill>
         <p:spPr>
           <a:xfrm>
-            <a:off x="8413136" y="-3217770"/>
+            <a:off x="4410075" y="3626689"/>
             <a:ext cx="1685925" cy="3152775"/>
           </a:xfrm>
           <a:prstGeom prst="rect">
             <a:avLst/>
           </a:prstGeom>
+          <a:effectLst>
+            <a:glow rad="228600">
+              <a:schemeClr val="accent3">
+                <a:satMod val="175000"/>
+                <a:alpha val="40000"/>
+              </a:schemeClr>
+            </a:glow>
+          </a:effectLst>
         </p:spPr>
       </p:pic>
       <p:pic>
@@ -5012,6 +5121,14 @@
           <a:prstGeom prst="rect">
             <a:avLst/>
           </a:prstGeom>
+          <a:effectLst>
+            <a:glow rad="228600">
+              <a:schemeClr val="accent3">
+                <a:satMod val="175000"/>
+                <a:alpha val="40000"/>
+              </a:schemeClr>
+            </a:glow>
+          </a:effectLst>
         </p:spPr>
       </p:pic>
       <p:pic>
@@ -5170,6 +5287,13 @@
           <a:solidFill>
             <a:schemeClr val="accent6"/>
           </a:solidFill>
+          <a:effectLst>
+            <a:outerShdw blurRad="50800" dist="38100" dir="2700000" algn="tl" rotWithShape="0">
+              <a:prstClr val="black">
+                <a:alpha val="40000"/>
+              </a:prstClr>
+            </a:outerShdw>
+          </a:effectLst>
         </p:spPr>
         <p:style>
           <a:lnRef idx="2">
@@ -5262,6 +5386,13 @@
           <a:solidFill>
             <a:schemeClr val="accent6"/>
           </a:solidFill>
+          <a:effectLst>
+            <a:outerShdw blurRad="50800" dist="38100" dir="2700000" algn="tl" rotWithShape="0">
+              <a:prstClr val="black">
+                <a:alpha val="40000"/>
+              </a:prstClr>
+            </a:outerShdw>
+          </a:effectLst>
         </p:spPr>
         <p:style>
           <a:lnRef idx="2">
@@ -5322,6 +5453,13 @@
           <a:solidFill>
             <a:schemeClr val="accent6"/>
           </a:solidFill>
+          <a:effectLst>
+            <a:outerShdw blurRad="50800" dist="38100" dir="2700000" algn="tl" rotWithShape="0">
+              <a:prstClr val="black">
+                <a:alpha val="40000"/>
+              </a:prstClr>
+            </a:outerShdw>
+          </a:effectLst>
         </p:spPr>
         <p:style>
           <a:lnRef idx="2">
@@ -5470,6 +5608,14 @@
           <a:prstGeom prst="rect">
             <a:avLst/>
           </a:prstGeom>
+          <a:effectLst>
+            <a:glow rad="228600">
+              <a:schemeClr val="accent3">
+                <a:satMod val="175000"/>
+                <a:alpha val="40000"/>
+              </a:schemeClr>
+            </a:glow>
+          </a:effectLst>
         </p:spPr>
       </p:pic>
       <p:pic>
@@ -5603,10 +5749,10 @@
       </p:sp>
       <p:pic>
         <p:nvPicPr>
-          <p:cNvPr id="11" name="Graphic 10">
-            <a:extLst>
-              <a:ext uri="{FF2B5EF4-FFF2-40B4-BE49-F238E27FC236}">
-                <a16:creationId xmlns:a16="http://schemas.microsoft.com/office/drawing/2014/main" id="{7F581120-6D8D-40CD-B600-EB7B630EDB08}"/>
+          <p:cNvPr id="12" name="Graphic 11">
+            <a:extLst>
+              <a:ext uri="{FF2B5EF4-FFF2-40B4-BE49-F238E27FC236}">
+                <a16:creationId xmlns:a16="http://schemas.microsoft.com/office/drawing/2014/main" id="{9F78487D-6F6F-4340-B380-7AFCA5783193}"/>
               </a:ext>
             </a:extLst>
           </p:cNvPr>
@@ -5616,10 +5762,10 @@
           <p:nvPr/>
         </p:nvPicPr>
         <p:blipFill>
-          <a:blip r:embed="rId7">
+          <a:blip r:embed="rId2">
             <a:extLst>
               <a:ext uri="{96DAC541-7B7A-43D3-8B79-37D633B846F1}">
-                <asvg:svgBlip xmlns:asvg="http://schemas.microsoft.com/office/drawing/2016/SVG/main" r:embed="rId8"/>
+                <asvg:svgBlip xmlns:asvg="http://schemas.microsoft.com/office/drawing/2016/SVG/main" r:embed="rId3"/>
               </a:ext>
             </a:extLst>
           </a:blip>
@@ -5628,13 +5774,21 @@
           </a:stretch>
         </p:blipFill>
         <p:spPr>
-          <a:xfrm flipH="1">
-            <a:off x="4025901" y="3577247"/>
-            <a:ext cx="1784183" cy="3200566"/>
-          </a:xfrm>
-          <a:prstGeom prst="rect">
-            <a:avLst/>
-          </a:prstGeom>
+          <a:xfrm>
+            <a:off x="4410075" y="3705225"/>
+            <a:ext cx="1685925" cy="3152775"/>
+          </a:xfrm>
+          <a:prstGeom prst="rect">
+            <a:avLst/>
+          </a:prstGeom>
+          <a:effectLst>
+            <a:glow rad="228600">
+              <a:schemeClr val="accent3">
+                <a:satMod val="175000"/>
+                <a:alpha val="40000"/>
+              </a:schemeClr>
+            </a:glow>
+          </a:effectLst>
         </p:spPr>
       </p:pic>
     </p:spTree>
@@ -5693,6 +5847,13 @@
           <a:solidFill>
             <a:schemeClr val="accent6"/>
           </a:solidFill>
+          <a:effectLst>
+            <a:outerShdw blurRad="50800" dist="38100" dir="2700000" algn="tl" rotWithShape="0">
+              <a:prstClr val="black">
+                <a:alpha val="40000"/>
+              </a:prstClr>
+            </a:outerShdw>
+          </a:effectLst>
         </p:spPr>
         <p:style>
           <a:lnRef idx="2">
@@ -5753,6 +5914,13 @@
           <a:solidFill>
             <a:schemeClr val="accent6"/>
           </a:solidFill>
+          <a:effectLst>
+            <a:outerShdw blurRad="50800" dist="38100" dir="2700000" algn="tl" rotWithShape="0">
+              <a:prstClr val="black">
+                <a:alpha val="40000"/>
+              </a:prstClr>
+            </a:outerShdw>
+          </a:effectLst>
         </p:spPr>
         <p:style>
           <a:lnRef idx="2">
@@ -5791,10 +5959,10 @@
       </p:sp>
       <p:pic>
         <p:nvPicPr>
-          <p:cNvPr id="25" name="Graphic 24">
-            <a:extLst>
-              <a:ext uri="{FF2B5EF4-FFF2-40B4-BE49-F238E27FC236}">
-                <a16:creationId xmlns:a16="http://schemas.microsoft.com/office/drawing/2014/main" id="{187CEE20-1243-437C-B3A2-4F1CCEB04A96}"/>
+          <p:cNvPr id="31" name="Graphic 30">
+            <a:extLst>
+              <a:ext uri="{FF2B5EF4-FFF2-40B4-BE49-F238E27FC236}">
+                <a16:creationId xmlns:a16="http://schemas.microsoft.com/office/drawing/2014/main" id="{5BDB884D-2D41-4477-BF7E-1368DC0B8EE7}"/>
               </a:ext>
             </a:extLst>
           </p:cNvPr>
@@ -5816,42 +5984,6 @@
           </a:stretch>
         </p:blipFill>
         <p:spPr>
-          <a:xfrm flipH="1">
-            <a:off x="4397829" y="3575903"/>
-            <a:ext cx="1559287" cy="2904402"/>
-          </a:xfrm>
-          <a:prstGeom prst="rect">
-            <a:avLst/>
-          </a:prstGeom>
-        </p:spPr>
-      </p:pic>
-      <p:pic>
-        <p:nvPicPr>
-          <p:cNvPr id="31" name="Graphic 30">
-            <a:extLst>
-              <a:ext uri="{FF2B5EF4-FFF2-40B4-BE49-F238E27FC236}">
-                <a16:creationId xmlns:a16="http://schemas.microsoft.com/office/drawing/2014/main" id="{5BDB884D-2D41-4477-BF7E-1368DC0B8EE7}"/>
-              </a:ext>
-            </a:extLst>
-          </p:cNvPr>
-          <p:cNvPicPr>
-            <a:picLocks noChangeAspect="1"/>
-          </p:cNvPicPr>
-          <p:nvPr/>
-        </p:nvPicPr>
-        <p:blipFill>
-          <a:blip r:embed="rId4">
-            <a:extLst>
-              <a:ext uri="{96DAC541-7B7A-43D3-8B79-37D633B846F1}">
-                <asvg:svgBlip xmlns:asvg="http://schemas.microsoft.com/office/drawing/2016/SVG/main" r:embed="rId5"/>
-              </a:ext>
-            </a:extLst>
-          </a:blip>
-          <a:stretch>
-            <a:fillRect/>
-          </a:stretch>
-        </p:blipFill>
-        <p:spPr>
           <a:xfrm>
             <a:off x="8413136" y="-3217770"/>
             <a:ext cx="1685925" cy="3152775"/>
@@ -5876,7 +6008,7 @@
           <p:nvPr/>
         </p:nvPicPr>
         <p:blipFill>
-          <a:blip r:embed="rId6">
+          <a:blip r:embed="rId4">
             <a:extLst>
               <a:ext uri="{28A0092B-C50C-407E-A947-70E740481C1C}">
                 <a14:useLocalDpi xmlns:a14="http://schemas.microsoft.com/office/drawing/2010/main" val="0"/>
@@ -5923,7 +6055,7 @@
           <p:nvPr/>
         </p:nvPicPr>
         <p:blipFill>
-          <a:blip r:embed="rId7">
+          <a:blip r:embed="rId5">
             <a:extLst>
               <a:ext uri="{28A0092B-C50C-407E-A947-70E740481C1C}">
                 <a14:useLocalDpi xmlns:a14="http://schemas.microsoft.com/office/drawing/2010/main" val="0"/>
@@ -5942,6 +6074,14 @@
           <a:prstGeom prst="rect">
             <a:avLst/>
           </a:prstGeom>
+          <a:effectLst>
+            <a:glow rad="228600">
+              <a:schemeClr val="accent3">
+                <a:satMod val="175000"/>
+                <a:alpha val="40000"/>
+              </a:schemeClr>
+            </a:glow>
+          </a:effectLst>
         </p:spPr>
       </p:pic>
       <p:pic>
@@ -5959,7 +6099,7 @@
           <p:nvPr/>
         </p:nvPicPr>
         <p:blipFill>
-          <a:blip r:embed="rId8">
+          <a:blip r:embed="rId6">
             <a:extLst>
               <a:ext uri="{28A0092B-C50C-407E-A947-70E740481C1C}">
                 <a14:useLocalDpi xmlns:a14="http://schemas.microsoft.com/office/drawing/2010/main" val="0"/>
@@ -6006,10 +6146,10 @@
           <p:nvPr/>
         </p:nvPicPr>
         <p:blipFill>
-          <a:blip r:embed="rId2">
+          <a:blip r:embed="rId7">
             <a:extLst>
               <a:ext uri="{96DAC541-7B7A-43D3-8B79-37D633B846F1}">
-                <asvg:svgBlip xmlns:asvg="http://schemas.microsoft.com/office/drawing/2016/SVG/main" r:embed="rId3"/>
+                <asvg:svgBlip xmlns:asvg="http://schemas.microsoft.com/office/drawing/2016/SVG/main" r:embed="rId8"/>
               </a:ext>
             </a:extLst>
           </a:blip>
@@ -6073,6 +6213,50 @@
           </a:p>
         </p:txBody>
       </p:sp>
+      <p:pic>
+        <p:nvPicPr>
+          <p:cNvPr id="11" name="Graphic 10">
+            <a:extLst>
+              <a:ext uri="{FF2B5EF4-FFF2-40B4-BE49-F238E27FC236}">
+                <a16:creationId xmlns:a16="http://schemas.microsoft.com/office/drawing/2014/main" id="{DCB4B50F-0C47-42A9-B29A-1C54D1C05A01}"/>
+              </a:ext>
+            </a:extLst>
+          </p:cNvPr>
+          <p:cNvPicPr>
+            <a:picLocks noChangeAspect="1"/>
+          </p:cNvPicPr>
+          <p:nvPr/>
+        </p:nvPicPr>
+        <p:blipFill>
+          <a:blip r:embed="rId2">
+            <a:extLst>
+              <a:ext uri="{96DAC541-7B7A-43D3-8B79-37D633B846F1}">
+                <asvg:svgBlip xmlns:asvg="http://schemas.microsoft.com/office/drawing/2016/SVG/main" r:embed="rId3"/>
+              </a:ext>
+            </a:extLst>
+          </a:blip>
+          <a:stretch>
+            <a:fillRect/>
+          </a:stretch>
+        </p:blipFill>
+        <p:spPr>
+          <a:xfrm>
+            <a:off x="4410075" y="3705225"/>
+            <a:ext cx="1685925" cy="3152775"/>
+          </a:xfrm>
+          <a:prstGeom prst="rect">
+            <a:avLst/>
+          </a:prstGeom>
+          <a:effectLst>
+            <a:glow rad="228600">
+              <a:schemeClr val="accent3">
+                <a:satMod val="175000"/>
+                <a:alpha val="40000"/>
+              </a:schemeClr>
+            </a:glow>
+          </a:effectLst>
+        </p:spPr>
+      </p:pic>
     </p:spTree>
     <p:extLst>
       <p:ext uri="{BB962C8B-B14F-4D97-AF65-F5344CB8AC3E}">
@@ -6129,6 +6313,13 @@
           <a:solidFill>
             <a:schemeClr val="accent6"/>
           </a:solidFill>
+          <a:effectLst>
+            <a:outerShdw blurRad="50800" dist="38100" dir="2700000" algn="tl" rotWithShape="0">
+              <a:prstClr val="black">
+                <a:alpha val="40000"/>
+              </a:prstClr>
+            </a:outerShdw>
+          </a:effectLst>
         </p:spPr>
         <p:style>
           <a:lnRef idx="2">
@@ -6177,18 +6368,25 @@
         <p:spPr>
           <a:xfrm>
             <a:off x="0" y="3434667"/>
-            <a:ext cx="4020458" cy="2362352"/>
+            <a:ext cx="3600450" cy="2362352"/>
           </a:xfrm>
           <a:prstGeom prst="wedgeRoundRectCallout">
             <a:avLst>
-              <a:gd name="adj1" fmla="val 67321"/>
-              <a:gd name="adj2" fmla="val 10238"/>
+              <a:gd name="adj1" fmla="val 64146"/>
+              <a:gd name="adj2" fmla="val -12341"/>
               <a:gd name="adj3" fmla="val 16667"/>
             </a:avLst>
           </a:prstGeom>
           <a:solidFill>
             <a:schemeClr val="accent6"/>
           </a:solidFill>
+          <a:effectLst>
+            <a:outerShdw blurRad="50800" dist="38100" dir="2700000" algn="tl" rotWithShape="0">
+              <a:prstClr val="black">
+                <a:alpha val="40000"/>
+              </a:prstClr>
+            </a:outerShdw>
+          </a:effectLst>
         </p:spPr>
         <p:style>
           <a:lnRef idx="2">
@@ -6530,10 +6728,10 @@
       </p:sp>
       <p:pic>
         <p:nvPicPr>
-          <p:cNvPr id="12" name="Graphic 11">
-            <a:extLst>
-              <a:ext uri="{FF2B5EF4-FFF2-40B4-BE49-F238E27FC236}">
-                <a16:creationId xmlns:a16="http://schemas.microsoft.com/office/drawing/2014/main" id="{B4B5919B-B200-4A0A-90C4-AC1536C0EF8D}"/>
+          <p:cNvPr id="13" name="Graphic 12">
+            <a:extLst>
+              <a:ext uri="{FF2B5EF4-FFF2-40B4-BE49-F238E27FC236}">
+                <a16:creationId xmlns:a16="http://schemas.microsoft.com/office/drawing/2014/main" id="{463CDFA3-BF11-4A83-8933-79DD2353B956}"/>
               </a:ext>
             </a:extLst>
           </p:cNvPr>
@@ -6543,10 +6741,10 @@
           <p:nvPr/>
         </p:nvPicPr>
         <p:blipFill>
-          <a:blip r:embed="rId7">
+          <a:blip r:embed="rId3">
             <a:extLst>
               <a:ext uri="{96DAC541-7B7A-43D3-8B79-37D633B846F1}">
-                <asvg:svgBlip xmlns:asvg="http://schemas.microsoft.com/office/drawing/2016/SVG/main" r:embed="rId8"/>
+                <asvg:svgBlip xmlns:asvg="http://schemas.microsoft.com/office/drawing/2016/SVG/main" r:embed="rId4"/>
               </a:ext>
             </a:extLst>
           </a:blip>
@@ -6555,13 +6753,21 @@
           </a:stretch>
         </p:blipFill>
         <p:spPr>
-          <a:xfrm flipH="1">
-            <a:off x="4397829" y="3575903"/>
-            <a:ext cx="1559287" cy="2904402"/>
-          </a:xfrm>
-          <a:prstGeom prst="rect">
-            <a:avLst/>
-          </a:prstGeom>
+          <a:xfrm>
+            <a:off x="4410075" y="3612027"/>
+            <a:ext cx="1685925" cy="3152775"/>
+          </a:xfrm>
+          <a:prstGeom prst="rect">
+            <a:avLst/>
+          </a:prstGeom>
+          <a:effectLst>
+            <a:glow rad="228600">
+              <a:schemeClr val="accent3">
+                <a:satMod val="175000"/>
+                <a:alpha val="40000"/>
+              </a:schemeClr>
+            </a:glow>
+          </a:effectLst>
         </p:spPr>
       </p:pic>
     </p:spTree>
@@ -6657,13 +6863,21 @@
           </a:stretch>
         </p:blipFill>
         <p:spPr>
-          <a:xfrm>
-            <a:off x="11644285" y="-4639694"/>
-            <a:ext cx="2162858" cy="4044667"/>
-          </a:xfrm>
-          <a:prstGeom prst="rect">
-            <a:avLst/>
-          </a:prstGeom>
+          <a:xfrm flipH="1">
+            <a:off x="-2968487" y="1366178"/>
+            <a:ext cx="3109922" cy="5488402"/>
+          </a:xfrm>
+          <a:prstGeom prst="rect">
+            <a:avLst/>
+          </a:prstGeom>
+          <a:effectLst>
+            <a:glow rad="228600">
+              <a:schemeClr val="accent3">
+                <a:satMod val="175000"/>
+                <a:alpha val="40000"/>
+              </a:schemeClr>
+            </a:glow>
+          </a:effectLst>
         </p:spPr>
       </p:pic>
       <p:pic>
@@ -6749,42 +6963,6 @@
           </a:extLst>
         </p:spPr>
       </p:pic>
-      <p:pic>
-        <p:nvPicPr>
-          <p:cNvPr id="35" name="Graphic 34">
-            <a:extLst>
-              <a:ext uri="{FF2B5EF4-FFF2-40B4-BE49-F238E27FC236}">
-                <a16:creationId xmlns:a16="http://schemas.microsoft.com/office/drawing/2014/main" id="{D23AD36C-C081-4449-86F6-F59B28AE30B1}"/>
-              </a:ext>
-            </a:extLst>
-          </p:cNvPr>
-          <p:cNvPicPr>
-            <a:picLocks noChangeAspect="1"/>
-          </p:cNvPicPr>
-          <p:nvPr/>
-        </p:nvPicPr>
-        <p:blipFill>
-          <a:blip r:embed="rId2">
-            <a:extLst>
-              <a:ext uri="{96DAC541-7B7A-43D3-8B79-37D633B846F1}">
-                <asvg:svgBlip xmlns:asvg="http://schemas.microsoft.com/office/drawing/2016/SVG/main" r:embed="rId3"/>
-              </a:ext>
-            </a:extLst>
-          </a:blip>
-          <a:stretch>
-            <a:fillRect/>
-          </a:stretch>
-        </p:blipFill>
-        <p:spPr>
-          <a:xfrm>
-            <a:off x="-1551667" y="2496343"/>
-            <a:ext cx="2330201" cy="4361657"/>
-          </a:xfrm>
-          <a:prstGeom prst="rect">
-            <a:avLst/>
-          </a:prstGeom>
-        </p:spPr>
-      </p:pic>
       <p:sp>
         <p:nvSpPr>
           <p:cNvPr id="10" name="Speech Bubble: Rectangle with Corners Rounded 9">
@@ -6799,7 +6977,7 @@
         </p:nvSpPr>
         <p:spPr>
           <a:xfrm>
-            <a:off x="-87943" y="655617"/>
+            <a:off x="324450" y="975199"/>
             <a:ext cx="4539758" cy="1452201"/>
           </a:xfrm>
           <a:prstGeom prst="wedgeRoundRectCallout">
@@ -6812,6 +6990,13 @@
           <a:solidFill>
             <a:schemeClr val="accent6"/>
           </a:solidFill>
+          <a:effectLst>
+            <a:outerShdw blurRad="50800" dist="38100" dir="2700000" algn="tl" rotWithShape="0">
+              <a:prstClr val="black">
+                <a:alpha val="40000"/>
+              </a:prstClr>
+            </a:outerShdw>
+          </a:effectLst>
         </p:spPr>
         <p:style>
           <a:lnRef idx="2">
@@ -6879,6 +7064,13 @@
           <a:solidFill>
             <a:schemeClr val="accent6"/>
           </a:solidFill>
+          <a:effectLst>
+            <a:outerShdw blurRad="50800" dist="38100" dir="2700000" algn="tl" rotWithShape="0">
+              <a:prstClr val="black">
+                <a:alpha val="40000"/>
+              </a:prstClr>
+            </a:outerShdw>
+          </a:effectLst>
         </p:spPr>
         <p:style>
           <a:lnRef idx="2">
@@ -6941,13 +7133,13 @@
               </a:ext>
             </a:extLst>
           </a:blip>
-          <a:srcRect r="17845"/>
+          <a:srcRect r="17845" b="3447"/>
           <a:stretch/>
         </p:blipFill>
         <p:spPr bwMode="auto">
           <a:xfrm>
-            <a:off x="11044227" y="655617"/>
-            <a:ext cx="4539758" cy="6561925"/>
+            <a:off x="10862947" y="522267"/>
+            <a:ext cx="4539758" cy="6335733"/>
           </a:xfrm>
           <a:prstGeom prst="rect">
             <a:avLst/>
@@ -7250,6 +7442,14 @@
           <a:prstGeom prst="rect">
             <a:avLst/>
           </a:prstGeom>
+          <a:effectLst>
+            <a:glow rad="228600">
+              <a:schemeClr val="accent3">
+                <a:satMod val="175000"/>
+                <a:alpha val="40000"/>
+              </a:schemeClr>
+            </a:glow>
+          </a:effectLst>
         </p:spPr>
       </p:pic>
       <p:pic>
@@ -7404,6 +7604,14 @@
             <a:avLst/>
           </a:prstGeom>
           <a:noFill/>
+          <a:effectLst>
+            <a:glow rad="228600">
+              <a:schemeClr val="accent3">
+                <a:satMod val="175000"/>
+                <a:alpha val="40000"/>
+              </a:schemeClr>
+            </a:glow>
+          </a:effectLst>
           <a:extLst>
             <a:ext uri="{909E8E84-426E-40DD-AFC4-6F175D3DCCD1}">
               <a14:hiddenFill xmlns:a14="http://schemas.microsoft.com/office/drawing/2010/main">
@@ -7553,6 +7761,13 @@
           <a:solidFill>
             <a:schemeClr val="accent6"/>
           </a:solidFill>
+          <a:effectLst>
+            <a:outerShdw blurRad="50800" dist="38100" dir="2700000" algn="tl" rotWithShape="0">
+              <a:prstClr val="black">
+                <a:alpha val="40000"/>
+              </a:prstClr>
+            </a:outerShdw>
+          </a:effectLst>
         </p:spPr>
         <p:style>
           <a:lnRef idx="2">
@@ -7613,6 +7828,13 @@
           <a:solidFill>
             <a:schemeClr val="accent6"/>
           </a:solidFill>
+          <a:effectLst>
+            <a:outerShdw blurRad="50800" dist="38100" dir="2700000" algn="tl" rotWithShape="0">
+              <a:prstClr val="black">
+                <a:alpha val="40000"/>
+              </a:prstClr>
+            </a:outerShdw>
+          </a:effectLst>
         </p:spPr>
         <p:style>
           <a:lnRef idx="2">
@@ -7674,48 +7896,20 @@
         </p:blipFill>
         <p:spPr>
           <a:xfrm>
-            <a:off x="10640333" y="-3251478"/>
-            <a:ext cx="1551667" cy="2904402"/>
-          </a:xfrm>
-          <a:prstGeom prst="rect">
-            <a:avLst/>
-          </a:prstGeom>
-        </p:spPr>
-      </p:pic>
-      <p:pic>
-        <p:nvPicPr>
-          <p:cNvPr id="31" name="Graphic 30">
-            <a:extLst>
-              <a:ext uri="{FF2B5EF4-FFF2-40B4-BE49-F238E27FC236}">
-                <a16:creationId xmlns:a16="http://schemas.microsoft.com/office/drawing/2014/main" id="{5BDB884D-2D41-4477-BF7E-1368DC0B8EE7}"/>
-              </a:ext>
-            </a:extLst>
-          </p:cNvPr>
-          <p:cNvPicPr>
-            <a:picLocks noChangeAspect="1"/>
-          </p:cNvPicPr>
-          <p:nvPr/>
-        </p:nvPicPr>
-        <p:blipFill>
-          <a:blip r:embed="rId4">
-            <a:extLst>
-              <a:ext uri="{96DAC541-7B7A-43D3-8B79-37D633B846F1}">
-                <asvg:svgBlip xmlns:asvg="http://schemas.microsoft.com/office/drawing/2016/SVG/main" r:embed="rId5"/>
-              </a:ext>
-            </a:extLst>
-          </a:blip>
-          <a:stretch>
-            <a:fillRect/>
-          </a:stretch>
-        </p:blipFill>
-        <p:spPr>
-          <a:xfrm flipH="1">
-            <a:off x="0" y="2919584"/>
-            <a:ext cx="2009775" cy="3825843"/>
-          </a:xfrm>
-          <a:prstGeom prst="rect">
-            <a:avLst/>
-          </a:prstGeom>
+            <a:off x="303347" y="3314796"/>
+            <a:ext cx="1868354" cy="3497176"/>
+          </a:xfrm>
+          <a:prstGeom prst="rect">
+            <a:avLst/>
+          </a:prstGeom>
+          <a:effectLst>
+            <a:glow rad="228600">
+              <a:schemeClr val="accent3">
+                <a:satMod val="175000"/>
+                <a:alpha val="40000"/>
+              </a:schemeClr>
+            </a:glow>
+          </a:effectLst>
         </p:spPr>
       </p:pic>
       <p:pic>
@@ -7733,7 +7927,7 @@
           <p:nvPr/>
         </p:nvPicPr>
         <p:blipFill>
-          <a:blip r:embed="rId6">
+          <a:blip r:embed="rId4">
             <a:extLst>
               <a:ext uri="{28A0092B-C50C-407E-A947-70E740481C1C}">
                 <a14:useLocalDpi xmlns:a14="http://schemas.microsoft.com/office/drawing/2010/main" val="0"/>
@@ -7780,7 +7974,7 @@
           <p:nvPr/>
         </p:nvPicPr>
         <p:blipFill>
-          <a:blip r:embed="rId7">
+          <a:blip r:embed="rId5">
             <a:extLst>
               <a:ext uri="{28A0092B-C50C-407E-A947-70E740481C1C}">
                 <a14:useLocalDpi xmlns:a14="http://schemas.microsoft.com/office/drawing/2010/main" val="0"/>
@@ -7816,7 +8010,7 @@
           <p:nvPr/>
         </p:nvPicPr>
         <p:blipFill>
-          <a:blip r:embed="rId8">
+          <a:blip r:embed="rId6">
             <a:extLst>
               <a:ext uri="{28A0092B-C50C-407E-A947-70E740481C1C}">
                 <a14:useLocalDpi xmlns:a14="http://schemas.microsoft.com/office/drawing/2010/main" val="0"/>
@@ -7837,6 +8031,14 @@
             <a:avLst/>
           </a:prstGeom>
           <a:noFill/>
+          <a:effectLst>
+            <a:glow rad="228600">
+              <a:schemeClr val="accent3">
+                <a:satMod val="175000"/>
+                <a:alpha val="40000"/>
+              </a:schemeClr>
+            </a:glow>
+          </a:effectLst>
           <a:extLst>
             <a:ext uri="{909E8E84-426E-40DD-AFC4-6F175D3DCCD1}">
               <a14:hiddenFill xmlns:a14="http://schemas.microsoft.com/office/drawing/2010/main">
@@ -7986,6 +8188,13 @@
           <a:solidFill>
             <a:schemeClr val="accent6"/>
           </a:solidFill>
+          <a:effectLst>
+            <a:outerShdw blurRad="50800" dist="38100" dir="2700000" algn="tl" rotWithShape="0">
+              <a:prstClr val="black">
+                <a:alpha val="40000"/>
+              </a:prstClr>
+            </a:outerShdw>
+          </a:effectLst>
         </p:spPr>
         <p:style>
           <a:lnRef idx="2">
@@ -8060,6 +8269,13 @@
           <a:solidFill>
             <a:schemeClr val="accent6"/>
           </a:solidFill>
+          <a:effectLst>
+            <a:outerShdw blurRad="50800" dist="38100" dir="2700000" algn="tl" rotWithShape="0">
+              <a:prstClr val="black">
+                <a:alpha val="40000"/>
+              </a:prstClr>
+            </a:outerShdw>
+          </a:effectLst>
         </p:spPr>
         <p:style>
           <a:lnRef idx="2">
@@ -8210,6 +8426,14 @@
           <a:prstGeom prst="rect">
             <a:avLst/>
           </a:prstGeom>
+          <a:effectLst>
+            <a:glow rad="228600">
+              <a:schemeClr val="accent3">
+                <a:satMod val="175000"/>
+                <a:alpha val="40000"/>
+              </a:schemeClr>
+            </a:glow>
+          </a:effectLst>
         </p:spPr>
       </p:pic>
       <p:pic>
@@ -8289,42 +8513,6 @@
           <a:xfrm>
             <a:off x="6730840" y="-3415264"/>
             <a:ext cx="1551667" cy="2904402"/>
-          </a:xfrm>
-          <a:prstGeom prst="rect">
-            <a:avLst/>
-          </a:prstGeom>
-        </p:spPr>
-      </p:pic>
-      <p:pic>
-        <p:nvPicPr>
-          <p:cNvPr id="10" name="Graphic 9">
-            <a:extLst>
-              <a:ext uri="{FF2B5EF4-FFF2-40B4-BE49-F238E27FC236}">
-                <a16:creationId xmlns:a16="http://schemas.microsoft.com/office/drawing/2014/main" id="{A845085E-FDFC-46A3-B106-600FF1A5D356}"/>
-              </a:ext>
-            </a:extLst>
-          </p:cNvPr>
-          <p:cNvPicPr>
-            <a:picLocks noChangeAspect="1"/>
-          </p:cNvPicPr>
-          <p:nvPr/>
-        </p:nvPicPr>
-        <p:blipFill>
-          <a:blip r:embed="rId7">
-            <a:extLst>
-              <a:ext uri="{96DAC541-7B7A-43D3-8B79-37D633B846F1}">
-                <asvg:svgBlip xmlns:asvg="http://schemas.microsoft.com/office/drawing/2016/SVG/main" r:embed="rId8"/>
-              </a:ext>
-            </a:extLst>
-          </a:blip>
-          <a:stretch>
-            <a:fillRect/>
-          </a:stretch>
-        </p:blipFill>
-        <p:spPr>
-          <a:xfrm flipH="1">
-            <a:off x="0" y="3254677"/>
-            <a:ext cx="1656202" cy="3152775"/>
           </a:xfrm>
           <a:prstGeom prst="rect">
             <a:avLst/>
@@ -8377,6 +8565,50 @@
           </a:p>
         </p:txBody>
       </p:sp>
+      <p:pic>
+        <p:nvPicPr>
+          <p:cNvPr id="12" name="Graphic 11">
+            <a:extLst>
+              <a:ext uri="{FF2B5EF4-FFF2-40B4-BE49-F238E27FC236}">
+                <a16:creationId xmlns:a16="http://schemas.microsoft.com/office/drawing/2014/main" id="{94055E88-AD79-4FF5-8A3C-A53E4E1EC5FA}"/>
+              </a:ext>
+            </a:extLst>
+          </p:cNvPr>
+          <p:cNvPicPr>
+            <a:picLocks noChangeAspect="1"/>
+          </p:cNvPicPr>
+          <p:nvPr/>
+        </p:nvPicPr>
+        <p:blipFill>
+          <a:blip r:embed="rId2">
+            <a:extLst>
+              <a:ext uri="{96DAC541-7B7A-43D3-8B79-37D633B846F1}">
+                <asvg:svgBlip xmlns:asvg="http://schemas.microsoft.com/office/drawing/2016/SVG/main" r:embed="rId3"/>
+              </a:ext>
+            </a:extLst>
+          </a:blip>
+          <a:stretch>
+            <a:fillRect/>
+          </a:stretch>
+        </p:blipFill>
+        <p:spPr>
+          <a:xfrm>
+            <a:off x="303347" y="3314796"/>
+            <a:ext cx="1868354" cy="3497176"/>
+          </a:xfrm>
+          <a:prstGeom prst="rect">
+            <a:avLst/>
+          </a:prstGeom>
+          <a:effectLst>
+            <a:glow rad="228600">
+              <a:schemeClr val="accent3">
+                <a:satMod val="175000"/>
+                <a:alpha val="40000"/>
+              </a:schemeClr>
+            </a:glow>
+          </a:effectLst>
+        </p:spPr>
+      </p:pic>
     </p:spTree>
     <p:extLst>
       <p:ext uri="{BB962C8B-B14F-4D97-AF65-F5344CB8AC3E}">
@@ -8433,6 +8665,13 @@
           <a:solidFill>
             <a:schemeClr val="accent6"/>
           </a:solidFill>
+          <a:effectLst>
+            <a:outerShdw blurRad="50800" dist="38100" dir="2700000" algn="tl" rotWithShape="0">
+              <a:prstClr val="black">
+                <a:alpha val="40000"/>
+              </a:prstClr>
+            </a:outerShdw>
+          </a:effectLst>
         </p:spPr>
         <p:style>
           <a:lnRef idx="2">
@@ -8480,19 +8719,26 @@
         </p:nvSpPr>
         <p:spPr>
           <a:xfrm>
-            <a:off x="1716773" y="3251249"/>
-            <a:ext cx="4379227" cy="2362352"/>
+            <a:off x="2116004" y="3306467"/>
+            <a:ext cx="3979996" cy="2362352"/>
           </a:xfrm>
           <a:prstGeom prst="wedgeRoundRectCallout">
             <a:avLst>
-              <a:gd name="adj1" fmla="val -57537"/>
-              <a:gd name="adj2" fmla="val 70450"/>
+              <a:gd name="adj1" fmla="val -61226"/>
+              <a:gd name="adj2" fmla="val 38194"/>
               <a:gd name="adj3" fmla="val 16667"/>
             </a:avLst>
           </a:prstGeom>
           <a:solidFill>
             <a:schemeClr val="accent6"/>
           </a:solidFill>
+          <a:effectLst>
+            <a:outerShdw blurRad="50800" dist="38100" dir="2700000" algn="tl" rotWithShape="0">
+              <a:prstClr val="black">
+                <a:alpha val="40000"/>
+              </a:prstClr>
+            </a:outerShdw>
+          </a:effectLst>
         </p:spPr>
         <p:style>
           <a:lnRef idx="2">
@@ -8643,6 +8889,14 @@
           <a:prstGeom prst="rect">
             <a:avLst/>
           </a:prstGeom>
+          <a:effectLst>
+            <a:glow rad="228600">
+              <a:schemeClr val="accent3">
+                <a:satMod val="175000"/>
+                <a:alpha val="40000"/>
+              </a:schemeClr>
+            </a:glow>
+          </a:effectLst>
         </p:spPr>
       </p:pic>
       <p:pic>
@@ -8722,42 +8976,6 @@
           <a:xfrm>
             <a:off x="6730840" y="-3415264"/>
             <a:ext cx="1551667" cy="2904402"/>
-          </a:xfrm>
-          <a:prstGeom prst="rect">
-            <a:avLst/>
-          </a:prstGeom>
-        </p:spPr>
-      </p:pic>
-      <p:pic>
-        <p:nvPicPr>
-          <p:cNvPr id="10" name="Graphic 9">
-            <a:extLst>
-              <a:ext uri="{FF2B5EF4-FFF2-40B4-BE49-F238E27FC236}">
-                <a16:creationId xmlns:a16="http://schemas.microsoft.com/office/drawing/2014/main" id="{A845085E-FDFC-46A3-B106-600FF1A5D356}"/>
-              </a:ext>
-            </a:extLst>
-          </p:cNvPr>
-          <p:cNvPicPr>
-            <a:picLocks noChangeAspect="1"/>
-          </p:cNvPicPr>
-          <p:nvPr/>
-        </p:nvPicPr>
-        <p:blipFill>
-          <a:blip r:embed="rId7">
-            <a:extLst>
-              <a:ext uri="{96DAC541-7B7A-43D3-8B79-37D633B846F1}">
-                <asvg:svgBlip xmlns:asvg="http://schemas.microsoft.com/office/drawing/2016/SVG/main" r:embed="rId8"/>
-              </a:ext>
-            </a:extLst>
-          </a:blip>
-          <a:stretch>
-            <a:fillRect/>
-          </a:stretch>
-        </p:blipFill>
-        <p:spPr>
-          <a:xfrm flipH="1">
-            <a:off x="0" y="3366092"/>
-            <a:ext cx="1656202" cy="3152775"/>
           </a:xfrm>
           <a:prstGeom prst="rect">
             <a:avLst/>
@@ -8810,6 +9028,50 @@
           </a:p>
         </p:txBody>
       </p:sp>
+      <p:pic>
+        <p:nvPicPr>
+          <p:cNvPr id="12" name="Graphic 11">
+            <a:extLst>
+              <a:ext uri="{FF2B5EF4-FFF2-40B4-BE49-F238E27FC236}">
+                <a16:creationId xmlns:a16="http://schemas.microsoft.com/office/drawing/2014/main" id="{2914EF90-72E0-4637-A0AA-FF25803A26EF}"/>
+              </a:ext>
+            </a:extLst>
+          </p:cNvPr>
+          <p:cNvPicPr>
+            <a:picLocks noChangeAspect="1"/>
+          </p:cNvPicPr>
+          <p:nvPr/>
+        </p:nvPicPr>
+        <p:blipFill>
+          <a:blip r:embed="rId2">
+            <a:extLst>
+              <a:ext uri="{96DAC541-7B7A-43D3-8B79-37D633B846F1}">
+                <asvg:svgBlip xmlns:asvg="http://schemas.microsoft.com/office/drawing/2016/SVG/main" r:embed="rId3"/>
+              </a:ext>
+            </a:extLst>
+          </a:blip>
+          <a:stretch>
+            <a:fillRect/>
+          </a:stretch>
+        </p:blipFill>
+        <p:spPr>
+          <a:xfrm>
+            <a:off x="0" y="3251249"/>
+            <a:ext cx="1868354" cy="3497176"/>
+          </a:xfrm>
+          <a:prstGeom prst="rect">
+            <a:avLst/>
+          </a:prstGeom>
+          <a:effectLst>
+            <a:glow rad="228600">
+              <a:schemeClr val="accent3">
+                <a:satMod val="175000"/>
+                <a:alpha val="40000"/>
+              </a:schemeClr>
+            </a:glow>
+          </a:effectLst>
+        </p:spPr>
+      </p:pic>
     </p:spTree>
     <p:extLst>
       <p:ext uri="{BB962C8B-B14F-4D97-AF65-F5344CB8AC3E}">
@@ -8866,6 +9128,13 @@
           <a:solidFill>
             <a:schemeClr val="accent6"/>
           </a:solidFill>
+          <a:effectLst>
+            <a:outerShdw blurRad="50800" dist="38100" dir="2700000" algn="tl" rotWithShape="0">
+              <a:prstClr val="black">
+                <a:alpha val="40000"/>
+              </a:prstClr>
+            </a:outerShdw>
+          </a:effectLst>
         </p:spPr>
         <p:style>
           <a:lnRef idx="2">
@@ -8913,19 +9182,26 @@
         </p:nvSpPr>
         <p:spPr>
           <a:xfrm>
-            <a:off x="1656202" y="3254676"/>
-            <a:ext cx="4439798" cy="2362352"/>
+            <a:off x="2270353" y="3324510"/>
+            <a:ext cx="3582548" cy="2657189"/>
           </a:xfrm>
           <a:prstGeom prst="wedgeRoundRectCallout">
             <a:avLst>
-              <a:gd name="adj1" fmla="val -57537"/>
-              <a:gd name="adj2" fmla="val 70450"/>
+              <a:gd name="adj1" fmla="val -63386"/>
+              <a:gd name="adj2" fmla="val 29324"/>
               <a:gd name="adj3" fmla="val 16667"/>
             </a:avLst>
           </a:prstGeom>
           <a:solidFill>
             <a:schemeClr val="accent6"/>
           </a:solidFill>
+          <a:effectLst>
+            <a:outerShdw blurRad="50800" dist="38100" dir="2700000" algn="tl" rotWithShape="0">
+              <a:prstClr val="black">
+                <a:alpha val="40000"/>
+              </a:prstClr>
+            </a:outerShdw>
+          </a:effectLst>
         </p:spPr>
         <p:style>
           <a:lnRef idx="2">
@@ -9076,6 +9352,14 @@
           <a:prstGeom prst="rect">
             <a:avLst/>
           </a:prstGeom>
+          <a:effectLst>
+            <a:glow rad="228600">
+              <a:schemeClr val="accent3">
+                <a:satMod val="175000"/>
+                <a:alpha val="40000"/>
+              </a:schemeClr>
+            </a:glow>
+          </a:effectLst>
         </p:spPr>
       </p:pic>
       <p:pic>
@@ -9155,42 +9439,6 @@
           <a:xfrm>
             <a:off x="6730840" y="-3415264"/>
             <a:ext cx="1551667" cy="2904402"/>
-          </a:xfrm>
-          <a:prstGeom prst="rect">
-            <a:avLst/>
-          </a:prstGeom>
-        </p:spPr>
-      </p:pic>
-      <p:pic>
-        <p:nvPicPr>
-          <p:cNvPr id="10" name="Graphic 9">
-            <a:extLst>
-              <a:ext uri="{FF2B5EF4-FFF2-40B4-BE49-F238E27FC236}">
-                <a16:creationId xmlns:a16="http://schemas.microsoft.com/office/drawing/2014/main" id="{A845085E-FDFC-46A3-B106-600FF1A5D356}"/>
-              </a:ext>
-            </a:extLst>
-          </p:cNvPr>
-          <p:cNvPicPr>
-            <a:picLocks noChangeAspect="1"/>
-          </p:cNvPicPr>
-          <p:nvPr/>
-        </p:nvPicPr>
-        <p:blipFill>
-          <a:blip r:embed="rId7">
-            <a:extLst>
-              <a:ext uri="{96DAC541-7B7A-43D3-8B79-37D633B846F1}">
-                <asvg:svgBlip xmlns:asvg="http://schemas.microsoft.com/office/drawing/2016/SVG/main" r:embed="rId8"/>
-              </a:ext>
-            </a:extLst>
-          </a:blip>
-          <a:stretch>
-            <a:fillRect/>
-          </a:stretch>
-        </p:blipFill>
-        <p:spPr>
-          <a:xfrm flipH="1">
-            <a:off x="0" y="3300235"/>
-            <a:ext cx="1656202" cy="3152775"/>
           </a:xfrm>
           <a:prstGeom prst="rect">
             <a:avLst/>
@@ -9243,6 +9491,50 @@
           </a:p>
         </p:txBody>
       </p:sp>
+      <p:pic>
+        <p:nvPicPr>
+          <p:cNvPr id="12" name="Graphic 11">
+            <a:extLst>
+              <a:ext uri="{FF2B5EF4-FFF2-40B4-BE49-F238E27FC236}">
+                <a16:creationId xmlns:a16="http://schemas.microsoft.com/office/drawing/2014/main" id="{998D43E8-75C2-4FBA-B666-9296DB32ACE1}"/>
+              </a:ext>
+            </a:extLst>
+          </p:cNvPr>
+          <p:cNvPicPr>
+            <a:picLocks noChangeAspect="1"/>
+          </p:cNvPicPr>
+          <p:nvPr/>
+        </p:nvPicPr>
+        <p:blipFill>
+          <a:blip r:embed="rId2">
+            <a:extLst>
+              <a:ext uri="{96DAC541-7B7A-43D3-8B79-37D633B846F1}">
+                <asvg:svgBlip xmlns:asvg="http://schemas.microsoft.com/office/drawing/2016/SVG/main" r:embed="rId3"/>
+              </a:ext>
+            </a:extLst>
+          </a:blip>
+          <a:stretch>
+            <a:fillRect/>
+          </a:stretch>
+        </p:blipFill>
+        <p:spPr>
+          <a:xfrm>
+            <a:off x="303347" y="3314796"/>
+            <a:ext cx="1868354" cy="3497176"/>
+          </a:xfrm>
+          <a:prstGeom prst="rect">
+            <a:avLst/>
+          </a:prstGeom>
+          <a:effectLst>
+            <a:glow rad="228600">
+              <a:schemeClr val="accent3">
+                <a:satMod val="175000"/>
+                <a:alpha val="40000"/>
+              </a:schemeClr>
+            </a:glow>
+          </a:effectLst>
+        </p:spPr>
+      </p:pic>
     </p:spTree>
     <p:extLst>
       <p:ext uri="{BB962C8B-B14F-4D97-AF65-F5344CB8AC3E}">
@@ -9311,10 +9603,10 @@
       </p:pic>
       <p:pic>
         <p:nvPicPr>
-          <p:cNvPr id="31" name="Graphic 30">
-            <a:extLst>
-              <a:ext uri="{FF2B5EF4-FFF2-40B4-BE49-F238E27FC236}">
-                <a16:creationId xmlns:a16="http://schemas.microsoft.com/office/drawing/2014/main" id="{5BDB884D-2D41-4477-BF7E-1368DC0B8EE7}"/>
+          <p:cNvPr id="33" name="Picture 32">
+            <a:extLst>
+              <a:ext uri="{FF2B5EF4-FFF2-40B4-BE49-F238E27FC236}">
+                <a16:creationId xmlns:a16="http://schemas.microsoft.com/office/drawing/2014/main" id="{0D380805-4881-489E-9027-AC12F5A54E37}"/>
               </a:ext>
             </a:extLst>
           </p:cNvPr>
@@ -9326,8 +9618,8 @@
         <p:blipFill>
           <a:blip r:embed="rId4">
             <a:extLst>
-              <a:ext uri="{96DAC541-7B7A-43D3-8B79-37D633B846F1}">
-                <asvg:svgBlip xmlns:asvg="http://schemas.microsoft.com/office/drawing/2016/SVG/main" r:embed="rId5"/>
+              <a:ext uri="{28A0092B-C50C-407E-A947-70E740481C1C}">
+                <a14:useLocalDpi xmlns:a14="http://schemas.microsoft.com/office/drawing/2010/main" val="0"/>
               </a:ext>
             </a:extLst>
           </a:blip>
@@ -9337,42 +9629,6 @@
         </p:blipFill>
         <p:spPr>
           <a:xfrm>
-            <a:off x="-2206275" y="1275984"/>
-            <a:ext cx="2881460" cy="5388494"/>
-          </a:xfrm>
-          <a:prstGeom prst="rect">
-            <a:avLst/>
-          </a:prstGeom>
-        </p:spPr>
-      </p:pic>
-      <p:pic>
-        <p:nvPicPr>
-          <p:cNvPr id="33" name="Picture 32">
-            <a:extLst>
-              <a:ext uri="{FF2B5EF4-FFF2-40B4-BE49-F238E27FC236}">
-                <a16:creationId xmlns:a16="http://schemas.microsoft.com/office/drawing/2014/main" id="{0D380805-4881-489E-9027-AC12F5A54E37}"/>
-              </a:ext>
-            </a:extLst>
-          </p:cNvPr>
-          <p:cNvPicPr>
-            <a:picLocks noChangeAspect="1"/>
-          </p:cNvPicPr>
-          <p:nvPr/>
-        </p:nvPicPr>
-        <p:blipFill>
-          <a:blip r:embed="rId6">
-            <a:extLst>
-              <a:ext uri="{28A0092B-C50C-407E-A947-70E740481C1C}">
-                <a14:useLocalDpi xmlns:a14="http://schemas.microsoft.com/office/drawing/2010/main" val="0"/>
-              </a:ext>
-            </a:extLst>
-          </a:blip>
-          <a:stretch>
-            <a:fillRect/>
-          </a:stretch>
-        </p:blipFill>
-        <p:spPr>
-          <a:xfrm>
             <a:off x="3778865" y="-3147334"/>
             <a:ext cx="2170687" cy="3011902"/>
           </a:xfrm>
@@ -9396,7 +9652,7 @@
           <p:nvPr/>
         </p:nvPicPr>
         <p:blipFill>
-          <a:blip r:embed="rId7">
+          <a:blip r:embed="rId5">
             <a:extLst>
               <a:ext uri="{28A0092B-C50C-407E-A947-70E740481C1C}">
                 <a14:useLocalDpi xmlns:a14="http://schemas.microsoft.com/office/drawing/2010/main" val="0"/>
@@ -9491,6 +9747,13 @@
           <a:solidFill>
             <a:schemeClr val="accent6"/>
           </a:solidFill>
+          <a:effectLst>
+            <a:outerShdw blurRad="50800" dist="38100" dir="2700000" algn="tl" rotWithShape="0">
+              <a:prstClr val="black">
+                <a:alpha val="40000"/>
+              </a:prstClr>
+            </a:outerShdw>
+          </a:effectLst>
         </p:spPr>
         <p:style>
           <a:lnRef idx="2">
@@ -9551,6 +9814,13 @@
           <a:solidFill>
             <a:schemeClr val="accent6"/>
           </a:solidFill>
+          <a:effectLst>
+            <a:outerShdw blurRad="50800" dist="38100" dir="2700000" algn="tl" rotWithShape="0">
+              <a:prstClr val="black">
+                <a:alpha val="40000"/>
+              </a:prstClr>
+            </a:outerShdw>
+          </a:effectLst>
         </p:spPr>
         <p:style>
           <a:lnRef idx="2">
@@ -9599,20 +9869,20 @@
           <p:nvPr/>
         </p:nvPicPr>
         <p:blipFill rotWithShape="1">
-          <a:blip r:embed="rId8">
+          <a:blip r:embed="rId6">
             <a:extLst>
               <a:ext uri="{28A0092B-C50C-407E-A947-70E740481C1C}">
                 <a14:useLocalDpi xmlns:a14="http://schemas.microsoft.com/office/drawing/2010/main" val="0"/>
               </a:ext>
             </a:extLst>
           </a:blip>
-          <a:srcRect r="21351"/>
+          <a:srcRect r="21351" b="2597"/>
           <a:stretch/>
         </p:blipFill>
         <p:spPr bwMode="auto">
           <a:xfrm>
-            <a:off x="11477849" y="178722"/>
-            <a:ext cx="4295551" cy="6485756"/>
+            <a:off x="11649299" y="540672"/>
+            <a:ext cx="4295551" cy="6317328"/>
           </a:xfrm>
           <a:prstGeom prst="rect">
             <a:avLst/>
@@ -9627,6 +9897,50 @@
               </a14:hiddenFill>
             </a:ext>
           </a:extLst>
+        </p:spPr>
+      </p:pic>
+      <p:pic>
+        <p:nvPicPr>
+          <p:cNvPr id="11" name="Graphic 10">
+            <a:extLst>
+              <a:ext uri="{FF2B5EF4-FFF2-40B4-BE49-F238E27FC236}">
+                <a16:creationId xmlns:a16="http://schemas.microsoft.com/office/drawing/2014/main" id="{A0664810-98FA-4E8A-945F-D2FEFE10A002}"/>
+              </a:ext>
+            </a:extLst>
+          </p:cNvPr>
+          <p:cNvPicPr>
+            <a:picLocks noChangeAspect="1"/>
+          </p:cNvPicPr>
+          <p:nvPr/>
+        </p:nvPicPr>
+        <p:blipFill>
+          <a:blip r:embed="rId2">
+            <a:extLst>
+              <a:ext uri="{96DAC541-7B7A-43D3-8B79-37D633B846F1}">
+                <asvg:svgBlip xmlns:asvg="http://schemas.microsoft.com/office/drawing/2016/SVG/main" r:embed="rId3"/>
+              </a:ext>
+            </a:extLst>
+          </a:blip>
+          <a:stretch>
+            <a:fillRect/>
+          </a:stretch>
+        </p:blipFill>
+        <p:spPr>
+          <a:xfrm>
+            <a:off x="-3164967" y="1348773"/>
+            <a:ext cx="2943285" cy="5509227"/>
+          </a:xfrm>
+          <a:prstGeom prst="rect">
+            <a:avLst/>
+          </a:prstGeom>
+          <a:effectLst>
+            <a:glow rad="228600">
+              <a:schemeClr val="accent3">
+                <a:satMod val="175000"/>
+                <a:alpha val="40000"/>
+              </a:schemeClr>
+            </a:glow>
+          </a:effectLst>
         </p:spPr>
       </p:pic>
     </p:spTree>
@@ -9686,7 +10000,7 @@
             <a:schemeClr val="accent6"/>
           </a:solidFill>
           <a:effectLst>
-            <a:outerShdw blurRad="50800" dist="38100" dir="8100000" algn="tr" rotWithShape="0">
+            <a:outerShdw blurRad="50800" dist="38100" dir="2700000" algn="tl" rotWithShape="0">
               <a:prstClr val="black">
                 <a:alpha val="40000"/>
               </a:prstClr>
@@ -10079,6 +10393,14 @@
           <a:prstGeom prst="rect">
             <a:avLst/>
           </a:prstGeom>
+          <a:effectLst>
+            <a:glow rad="228600">
+              <a:schemeClr val="accent3">
+                <a:satMod val="175000"/>
+                <a:alpha val="40000"/>
+              </a:schemeClr>
+            </a:glow>
+          </a:effectLst>
         </p:spPr>
       </p:pic>
     </p:spTree>
@@ -10137,6 +10459,13 @@
           <a:solidFill>
             <a:schemeClr val="accent6"/>
           </a:solidFill>
+          <a:effectLst>
+            <a:outerShdw blurRad="50800" dist="38100" dir="2700000" algn="tl" rotWithShape="0">
+              <a:prstClr val="black">
+                <a:alpha val="40000"/>
+              </a:prstClr>
+            </a:outerShdw>
+          </a:effectLst>
         </p:spPr>
         <p:style>
           <a:lnRef idx="2">
@@ -10204,6 +10533,13 @@
           <a:solidFill>
             <a:schemeClr val="accent6"/>
           </a:solidFill>
+          <a:effectLst>
+            <a:outerShdw blurRad="50800" dist="38100" dir="2700000" algn="tl" rotWithShape="0">
+              <a:prstClr val="black">
+                <a:alpha val="40000"/>
+              </a:prstClr>
+            </a:outerShdw>
+          </a:effectLst>
         </p:spPr>
         <p:style>
           <a:lnRef idx="2">
@@ -10361,6 +10697,14 @@
           <a:prstGeom prst="rect">
             <a:avLst/>
           </a:prstGeom>
+          <a:effectLst>
+            <a:glow rad="228600">
+              <a:schemeClr val="accent3">
+                <a:satMod val="175000"/>
+                <a:alpha val="40000"/>
+              </a:schemeClr>
+            </a:glow>
+          </a:effectLst>
         </p:spPr>
       </p:pic>
       <p:pic>
@@ -10526,6 +10870,14 @@
           <a:prstGeom prst="rect">
             <a:avLst/>
           </a:prstGeom>
+          <a:effectLst>
+            <a:glow rad="228600">
+              <a:schemeClr val="accent3">
+                <a:satMod val="175000"/>
+                <a:alpha val="40000"/>
+              </a:schemeClr>
+            </a:glow>
+          </a:effectLst>
         </p:spPr>
       </p:pic>
     </p:spTree>
@@ -10584,6 +10936,13 @@
           <a:solidFill>
             <a:schemeClr val="accent6"/>
           </a:solidFill>
+          <a:effectLst>
+            <a:outerShdw blurRad="50800" dist="38100" dir="2700000" algn="tl" rotWithShape="0">
+              <a:prstClr val="black">
+                <a:alpha val="40000"/>
+              </a:prstClr>
+            </a:outerShdw>
+          </a:effectLst>
         </p:spPr>
         <p:style>
           <a:lnRef idx="2">
@@ -10644,6 +11003,13 @@
           <a:solidFill>
             <a:schemeClr val="accent6"/>
           </a:solidFill>
+          <a:effectLst>
+            <a:outerShdw blurRad="50800" dist="38100" dir="2700000" algn="tl" rotWithShape="0">
+              <a:prstClr val="black">
+                <a:alpha val="40000"/>
+              </a:prstClr>
+            </a:outerShdw>
+          </a:effectLst>
         </p:spPr>
         <p:style>
           <a:lnRef idx="2">
@@ -10964,6 +11330,14 @@
           <a:prstGeom prst="rect">
             <a:avLst/>
           </a:prstGeom>
+          <a:effectLst>
+            <a:glow rad="228600">
+              <a:schemeClr val="accent3">
+                <a:satMod val="175000"/>
+                <a:alpha val="40000"/>
+              </a:schemeClr>
+            </a:glow>
+          </a:effectLst>
         </p:spPr>
       </p:pic>
     </p:spTree>
@@ -11030,6 +11404,14 @@
           <a:prstGeom prst="rect">
             <a:avLst/>
           </a:prstGeom>
+          <a:effectLst>
+            <a:glow rad="228600">
+              <a:schemeClr val="accent3">
+                <a:satMod val="175000"/>
+                <a:alpha val="40000"/>
+              </a:schemeClr>
+            </a:glow>
+          </a:effectLst>
         </p:spPr>
       </p:pic>
       <p:pic>
@@ -11214,6 +11596,13 @@
           <a:solidFill>
             <a:schemeClr val="accent6"/>
           </a:solidFill>
+          <a:effectLst>
+            <a:outerShdw blurRad="50800" dist="38100" dir="2700000" algn="tl" rotWithShape="0">
+              <a:prstClr val="black">
+                <a:alpha val="40000"/>
+              </a:prstClr>
+            </a:outerShdw>
+          </a:effectLst>
         </p:spPr>
         <p:style>
           <a:lnRef idx="2">
@@ -11276,13 +11665,13 @@
               </a:ext>
             </a:extLst>
           </a:blip>
-          <a:srcRect r="21149"/>
+          <a:srcRect r="21149" b="2434"/>
           <a:stretch/>
         </p:blipFill>
         <p:spPr bwMode="auto">
           <a:xfrm>
-            <a:off x="10099061" y="455732"/>
-            <a:ext cx="4357168" cy="6561925"/>
+            <a:off x="10099061" y="455733"/>
+            <a:ext cx="4357168" cy="6402267"/>
           </a:xfrm>
           <a:prstGeom prst="rect">
             <a:avLst/>
@@ -11322,6 +11711,13 @@
               <a:gd name="adj2" fmla="val 48125"/>
             </a:avLst>
           </a:prstGeom>
+          <a:effectLst>
+            <a:outerShdw blurRad="50800" dist="38100" dir="2700000" algn="tl" rotWithShape="0">
+              <a:prstClr val="black">
+                <a:alpha val="40000"/>
+              </a:prstClr>
+            </a:outerShdw>
+          </a:effectLst>
         </p:spPr>
         <p:style>
           <a:lnRef idx="2">
@@ -11496,6 +11892,13 @@
           <a:solidFill>
             <a:schemeClr val="accent6"/>
           </a:solidFill>
+          <a:effectLst>
+            <a:outerShdw blurRad="50800" dist="38100" dir="2700000" algn="tl" rotWithShape="0">
+              <a:prstClr val="black">
+                <a:alpha val="40000"/>
+              </a:prstClr>
+            </a:outerShdw>
+          </a:effectLst>
         </p:spPr>
         <p:style>
           <a:lnRef idx="2">
@@ -11556,6 +11959,13 @@
           <a:solidFill>
             <a:schemeClr val="accent6"/>
           </a:solidFill>
+          <a:effectLst>
+            <a:outerShdw blurRad="50800" dist="38100" dir="2700000" algn="tl" rotWithShape="0">
+              <a:prstClr val="black">
+                <a:alpha val="40000"/>
+              </a:prstClr>
+            </a:outerShdw>
+          </a:effectLst>
         </p:spPr>
         <p:style>
           <a:lnRef idx="2">
@@ -11659,6 +12069,14 @@
           <a:prstGeom prst="rect">
             <a:avLst/>
           </a:prstGeom>
+          <a:effectLst>
+            <a:glow rad="228600">
+              <a:schemeClr val="accent3">
+                <a:satMod val="175000"/>
+                <a:alpha val="40000"/>
+              </a:schemeClr>
+            </a:glow>
+          </a:effectLst>
         </p:spPr>
       </p:pic>
       <p:pic>
@@ -11778,6 +12196,14 @@
             <a:avLst/>
           </a:prstGeom>
           <a:noFill/>
+          <a:effectLst>
+            <a:glow rad="228600">
+              <a:schemeClr val="accent3">
+                <a:satMod val="175000"/>
+                <a:alpha val="40000"/>
+              </a:schemeClr>
+            </a:glow>
+          </a:effectLst>
           <a:extLst>
             <a:ext uri="{909E8E84-426E-40DD-AFC4-6F175D3DCCD1}">
               <a14:hiddenFill xmlns:a14="http://schemas.microsoft.com/office/drawing/2010/main">
@@ -11927,6 +12353,13 @@
           <a:solidFill>
             <a:schemeClr val="accent6"/>
           </a:solidFill>
+          <a:effectLst>
+            <a:outerShdw blurRad="50800" dist="38100" dir="2700000" algn="tl" rotWithShape="0">
+              <a:prstClr val="black">
+                <a:alpha val="40000"/>
+              </a:prstClr>
+            </a:outerShdw>
+          </a:effectLst>
         </p:spPr>
         <p:style>
           <a:lnRef idx="2">
@@ -12001,6 +12434,13 @@
           <a:solidFill>
             <a:schemeClr val="accent6"/>
           </a:solidFill>
+          <a:effectLst>
+            <a:outerShdw blurRad="50800" dist="38100" dir="2700000" algn="tl" rotWithShape="0">
+              <a:prstClr val="black">
+                <a:alpha val="40000"/>
+              </a:prstClr>
+            </a:outerShdw>
+          </a:effectLst>
         </p:spPr>
         <p:style>
           <a:lnRef idx="2">
@@ -12268,6 +12708,14 @@
           <a:prstGeom prst="rect">
             <a:avLst/>
           </a:prstGeom>
+          <a:effectLst>
+            <a:glow rad="228600">
+              <a:schemeClr val="accent3">
+                <a:satMod val="175000"/>
+                <a:alpha val="40000"/>
+              </a:schemeClr>
+            </a:glow>
+          </a:effectLst>
         </p:spPr>
       </p:pic>
       <p:sp>

--- a/design/story.pptx
+++ b/design/story.pptx
@@ -284,7 +284,7 @@
           <a:p>
             <a:fld id="{7CCD71B0-6FFF-42B2-87FC-FA95A5074649}" type="datetimeFigureOut">
               <a:rPr lang="en-GB" smtClean="0"/>
-              <a:t>08/09/2021</a:t>
+              <a:t>10/09/2021</a:t>
             </a:fld>
             <a:endParaRPr lang="en-GB"/>
           </a:p>
@@ -484,7 +484,7 @@
           <a:p>
             <a:fld id="{7CCD71B0-6FFF-42B2-87FC-FA95A5074649}" type="datetimeFigureOut">
               <a:rPr lang="en-GB" smtClean="0"/>
-              <a:t>08/09/2021</a:t>
+              <a:t>10/09/2021</a:t>
             </a:fld>
             <a:endParaRPr lang="en-GB"/>
           </a:p>
@@ -694,7 +694,7 @@
           <a:p>
             <a:fld id="{7CCD71B0-6FFF-42B2-87FC-FA95A5074649}" type="datetimeFigureOut">
               <a:rPr lang="en-GB" smtClean="0"/>
-              <a:t>08/09/2021</a:t>
+              <a:t>10/09/2021</a:t>
             </a:fld>
             <a:endParaRPr lang="en-GB"/>
           </a:p>
@@ -894,7 +894,7 @@
           <a:p>
             <a:fld id="{7CCD71B0-6FFF-42B2-87FC-FA95A5074649}" type="datetimeFigureOut">
               <a:rPr lang="en-GB" smtClean="0"/>
-              <a:t>08/09/2021</a:t>
+              <a:t>10/09/2021</a:t>
             </a:fld>
             <a:endParaRPr lang="en-GB"/>
           </a:p>
@@ -1170,7 +1170,7 @@
           <a:p>
             <a:fld id="{7CCD71B0-6FFF-42B2-87FC-FA95A5074649}" type="datetimeFigureOut">
               <a:rPr lang="en-GB" smtClean="0"/>
-              <a:t>08/09/2021</a:t>
+              <a:t>10/09/2021</a:t>
             </a:fld>
             <a:endParaRPr lang="en-GB"/>
           </a:p>
@@ -1438,7 +1438,7 @@
           <a:p>
             <a:fld id="{7CCD71B0-6FFF-42B2-87FC-FA95A5074649}" type="datetimeFigureOut">
               <a:rPr lang="en-GB" smtClean="0"/>
-              <a:t>08/09/2021</a:t>
+              <a:t>10/09/2021</a:t>
             </a:fld>
             <a:endParaRPr lang="en-GB"/>
           </a:p>
@@ -1853,7 +1853,7 @@
           <a:p>
             <a:fld id="{7CCD71B0-6FFF-42B2-87FC-FA95A5074649}" type="datetimeFigureOut">
               <a:rPr lang="en-GB" smtClean="0"/>
-              <a:t>08/09/2021</a:t>
+              <a:t>10/09/2021</a:t>
             </a:fld>
             <a:endParaRPr lang="en-GB"/>
           </a:p>
@@ -1995,7 +1995,7 @@
           <a:p>
             <a:fld id="{7CCD71B0-6FFF-42B2-87FC-FA95A5074649}" type="datetimeFigureOut">
               <a:rPr lang="en-GB" smtClean="0"/>
-              <a:t>08/09/2021</a:t>
+              <a:t>10/09/2021</a:t>
             </a:fld>
             <a:endParaRPr lang="en-GB"/>
           </a:p>
@@ -2108,7 +2108,7 @@
           <a:p>
             <a:fld id="{7CCD71B0-6FFF-42B2-87FC-FA95A5074649}" type="datetimeFigureOut">
               <a:rPr lang="en-GB" smtClean="0"/>
-              <a:t>08/09/2021</a:t>
+              <a:t>10/09/2021</a:t>
             </a:fld>
             <a:endParaRPr lang="en-GB"/>
           </a:p>
@@ -2421,7 +2421,7 @@
           <a:p>
             <a:fld id="{7CCD71B0-6FFF-42B2-87FC-FA95A5074649}" type="datetimeFigureOut">
               <a:rPr lang="en-GB" smtClean="0"/>
-              <a:t>08/09/2021</a:t>
+              <a:t>10/09/2021</a:t>
             </a:fld>
             <a:endParaRPr lang="en-GB"/>
           </a:p>
@@ -2710,7 +2710,7 @@
           <a:p>
             <a:fld id="{7CCD71B0-6FFF-42B2-87FC-FA95A5074649}" type="datetimeFigureOut">
               <a:rPr lang="en-GB" smtClean="0"/>
-              <a:t>08/09/2021</a:t>
+              <a:t>10/09/2021</a:t>
             </a:fld>
             <a:endParaRPr lang="en-GB"/>
           </a:p>
@@ -2953,7 +2953,7 @@
           <a:p>
             <a:fld id="{7CCD71B0-6FFF-42B2-87FC-FA95A5074649}" type="datetimeFigureOut">
               <a:rPr lang="en-GB" smtClean="0"/>
-              <a:t>08/09/2021</a:t>
+              <a:t>10/09/2021</a:t>
             </a:fld>
             <a:endParaRPr lang="en-GB"/>
           </a:p>
@@ -3660,7 +3660,7 @@
         </p:blipFill>
         <p:spPr bwMode="auto">
           <a:xfrm>
-            <a:off x="-3575312" y="-4080749"/>
+            <a:off x="-3793026" y="-3971084"/>
             <a:ext cx="2752647" cy="3268768"/>
           </a:xfrm>
           <a:prstGeom prst="rect">
@@ -4686,58 +4686,6 @@
       </p:sp>
       <p:pic>
         <p:nvPicPr>
-          <p:cNvPr id="9" name="Picture 2" descr="Nobi Nobita – Wikipedia tiếng Việt">
-            <a:extLst>
-              <a:ext uri="{FF2B5EF4-FFF2-40B4-BE49-F238E27FC236}">
-                <a16:creationId xmlns:a16="http://schemas.microsoft.com/office/drawing/2014/main" id="{974F0997-BC4B-461D-8DA4-124360580430}"/>
-              </a:ext>
-            </a:extLst>
-          </p:cNvPr>
-          <p:cNvPicPr>
-            <a:picLocks noChangeAspect="1" noChangeArrowheads="1"/>
-          </p:cNvPicPr>
-          <p:nvPr/>
-        </p:nvPicPr>
-        <p:blipFill rotWithShape="1">
-          <a:blip r:embed="rId6">
-            <a:extLst>
-              <a:ext uri="{28A0092B-C50C-407E-A947-70E740481C1C}">
-                <a14:useLocalDpi xmlns:a14="http://schemas.microsoft.com/office/drawing/2010/main" val="0"/>
-              </a:ext>
-            </a:extLst>
-          </a:blip>
-          <a:srcRect r="22628" b="2969"/>
-          <a:stretch/>
-        </p:blipFill>
-        <p:spPr bwMode="auto">
-          <a:xfrm>
-            <a:off x="10054273" y="356396"/>
-            <a:ext cx="4275453" cy="6367063"/>
-          </a:xfrm>
-          <a:prstGeom prst="rect">
-            <a:avLst/>
-          </a:prstGeom>
-          <a:noFill/>
-          <a:effectLst>
-            <a:outerShdw blurRad="50800" dist="38100" dir="2700000" algn="tl" rotWithShape="0">
-              <a:prstClr val="black">
-                <a:alpha val="40000"/>
-              </a:prstClr>
-            </a:outerShdw>
-          </a:effectLst>
-          <a:extLst>
-            <a:ext uri="{909E8E84-426E-40DD-AFC4-6F175D3DCCD1}">
-              <a14:hiddenFill xmlns:a14="http://schemas.microsoft.com/office/drawing/2010/main">
-                <a:solidFill>
-                  <a:srgbClr val="FFFFFF"/>
-                </a:solidFill>
-              </a14:hiddenFill>
-            </a:ext>
-          </a:extLst>
-        </p:spPr>
-      </p:pic>
-      <p:pic>
-        <p:nvPicPr>
           <p:cNvPr id="11" name="Graphic 10">
             <a:extLst>
               <a:ext uri="{FF2B5EF4-FFF2-40B4-BE49-F238E27FC236}">
@@ -4751,10 +4699,10 @@
           <p:nvPr/>
         </p:nvPicPr>
         <p:blipFill>
-          <a:blip r:embed="rId7">
+          <a:blip r:embed="rId6">
             <a:extLst>
               <a:ext uri="{96DAC541-7B7A-43D3-8B79-37D633B846F1}">
-                <asvg:svgBlip xmlns:asvg="http://schemas.microsoft.com/office/drawing/2016/SVG/main" r:embed="rId8"/>
+                <asvg:svgBlip xmlns:asvg="http://schemas.microsoft.com/office/drawing/2016/SVG/main" r:embed="rId7"/>
               </a:ext>
             </a:extLst>
           </a:blip>
@@ -4782,6 +4730,50 @@
                 <a:alpha val="40000"/>
               </a:prstClr>
             </a:outerShdw>
+          </a:effectLst>
+        </p:spPr>
+      </p:pic>
+      <p:pic>
+        <p:nvPicPr>
+          <p:cNvPr id="12" name="Picture 11">
+            <a:extLst>
+              <a:ext uri="{FF2B5EF4-FFF2-40B4-BE49-F238E27FC236}">
+                <a16:creationId xmlns:a16="http://schemas.microsoft.com/office/drawing/2014/main" id="{8DC548BC-3F8C-4E48-8ACB-1711FEFF9BBA}"/>
+              </a:ext>
+            </a:extLst>
+          </p:cNvPr>
+          <p:cNvPicPr>
+            <a:picLocks noChangeAspect="1"/>
+          </p:cNvPicPr>
+          <p:nvPr/>
+        </p:nvPicPr>
+        <p:blipFill>
+          <a:blip r:embed="rId8">
+            <a:extLst>
+              <a:ext uri="{28A0092B-C50C-407E-A947-70E740481C1C}">
+                <a14:useLocalDpi xmlns:a14="http://schemas.microsoft.com/office/drawing/2010/main" val="0"/>
+              </a:ext>
+            </a:extLst>
+          </a:blip>
+          <a:stretch>
+            <a:fillRect/>
+          </a:stretch>
+        </p:blipFill>
+        <p:spPr>
+          <a:xfrm>
+            <a:off x="10737247" y="813132"/>
+            <a:ext cx="3910378" cy="5910327"/>
+          </a:xfrm>
+          <a:prstGeom prst="rect">
+            <a:avLst/>
+          </a:prstGeom>
+          <a:effectLst>
+            <a:glow rad="228600">
+              <a:schemeClr val="accent3">
+                <a:satMod val="175000"/>
+                <a:alpha val="40000"/>
+              </a:schemeClr>
+            </a:glow>
           </a:effectLst>
         </p:spPr>
       </p:pic>
@@ -6301,8 +6293,8 @@
         </p:nvSpPr>
         <p:spPr>
           <a:xfrm>
-            <a:off x="1755923" y="93198"/>
-            <a:ext cx="4020458" cy="2473254"/>
+            <a:off x="2425841" y="93198"/>
+            <a:ext cx="3350539" cy="2473254"/>
           </a:xfrm>
           <a:prstGeom prst="wedgeEllipseCallout">
             <a:avLst>
@@ -6516,10 +6508,46 @@
       </p:pic>
       <p:pic>
         <p:nvPicPr>
-          <p:cNvPr id="32" name="Picture 2" descr="Nobi Nobita – Wikipedia tiếng Việt">
-            <a:extLst>
-              <a:ext uri="{FF2B5EF4-FFF2-40B4-BE49-F238E27FC236}">
-                <a16:creationId xmlns:a16="http://schemas.microsoft.com/office/drawing/2014/main" id="{F92B3E8F-E296-4B3F-841C-14CAD5E28DF6}"/>
+          <p:cNvPr id="33" name="Picture 32">
+            <a:extLst>
+              <a:ext uri="{FF2B5EF4-FFF2-40B4-BE49-F238E27FC236}">
+                <a16:creationId xmlns:a16="http://schemas.microsoft.com/office/drawing/2014/main" id="{0D380805-4881-489E-9027-AC12F5A54E37}"/>
+              </a:ext>
+            </a:extLst>
+          </p:cNvPr>
+          <p:cNvPicPr>
+            <a:picLocks noChangeAspect="1"/>
+          </p:cNvPicPr>
+          <p:nvPr/>
+        </p:nvPicPr>
+        <p:blipFill>
+          <a:blip r:embed="rId5">
+            <a:extLst>
+              <a:ext uri="{28A0092B-C50C-407E-A947-70E740481C1C}">
+                <a14:useLocalDpi xmlns:a14="http://schemas.microsoft.com/office/drawing/2010/main" val="0"/>
+              </a:ext>
+            </a:extLst>
+          </a:blip>
+          <a:stretch>
+            <a:fillRect/>
+          </a:stretch>
+        </p:blipFill>
+        <p:spPr>
+          <a:xfrm>
+            <a:off x="-4482581" y="-2944184"/>
+            <a:ext cx="2170687" cy="3011902"/>
+          </a:xfrm>
+          <a:prstGeom prst="rect">
+            <a:avLst/>
+          </a:prstGeom>
+        </p:spPr>
+      </p:pic>
+      <p:pic>
+        <p:nvPicPr>
+          <p:cNvPr id="34" name="Picture 8" descr="Nobita Nobi/Gallery | Heroes Wiki | Fandom">
+            <a:extLst>
+              <a:ext uri="{FF2B5EF4-FFF2-40B4-BE49-F238E27FC236}">
+                <a16:creationId xmlns:a16="http://schemas.microsoft.com/office/drawing/2014/main" id="{4B820155-60D6-41B4-8503-7350F39B3201}"/>
               </a:ext>
             </a:extLst>
           </p:cNvPr>
@@ -6529,7 +6557,7 @@
           <p:nvPr/>
         </p:nvPicPr>
         <p:blipFill>
-          <a:blip r:embed="rId5">
+          <a:blip r:embed="rId2">
             <a:extLst>
               <a:ext uri="{28A0092B-C50C-407E-A947-70E740481C1C}">
                 <a14:useLocalDpi xmlns:a14="http://schemas.microsoft.com/office/drawing/2010/main" val="0"/>
@@ -6542,9 +6570,9 @@
           </a:stretch>
         </p:blipFill>
         <p:spPr bwMode="auto">
-          <a:xfrm flipH="1">
-            <a:off x="-625969" y="19770"/>
-            <a:ext cx="2937525" cy="3268768"/>
+          <a:xfrm>
+            <a:off x="2010229" y="-4611007"/>
+            <a:ext cx="2009775" cy="3038475"/>
           </a:xfrm>
           <a:prstGeom prst="rect">
             <a:avLst/>
@@ -6563,10 +6591,10 @@
       </p:pic>
       <p:pic>
         <p:nvPicPr>
-          <p:cNvPr id="33" name="Picture 32">
-            <a:extLst>
-              <a:ext uri="{FF2B5EF4-FFF2-40B4-BE49-F238E27FC236}">
-                <a16:creationId xmlns:a16="http://schemas.microsoft.com/office/drawing/2014/main" id="{0D380805-4881-489E-9027-AC12F5A54E37}"/>
+          <p:cNvPr id="35" name="Graphic 34">
+            <a:extLst>
+              <a:ext uri="{FF2B5EF4-FFF2-40B4-BE49-F238E27FC236}">
+                <a16:creationId xmlns:a16="http://schemas.microsoft.com/office/drawing/2014/main" id="{D23AD36C-C081-4449-86F6-F59B28AE30B1}"/>
               </a:ext>
             </a:extLst>
           </p:cNvPr>
@@ -6578,91 +6606,8 @@
         <p:blipFill>
           <a:blip r:embed="rId6">
             <a:extLst>
-              <a:ext uri="{28A0092B-C50C-407E-A947-70E740481C1C}">
-                <a14:useLocalDpi xmlns:a14="http://schemas.microsoft.com/office/drawing/2010/main" val="0"/>
-              </a:ext>
-            </a:extLst>
-          </a:blip>
-          <a:stretch>
-            <a:fillRect/>
-          </a:stretch>
-        </p:blipFill>
-        <p:spPr>
-          <a:xfrm>
-            <a:off x="-4482581" y="-2944184"/>
-            <a:ext cx="2170687" cy="3011902"/>
-          </a:xfrm>
-          <a:prstGeom prst="rect">
-            <a:avLst/>
-          </a:prstGeom>
-        </p:spPr>
-      </p:pic>
-      <p:pic>
-        <p:nvPicPr>
-          <p:cNvPr id="34" name="Picture 8" descr="Nobita Nobi/Gallery | Heroes Wiki | Fandom">
-            <a:extLst>
-              <a:ext uri="{FF2B5EF4-FFF2-40B4-BE49-F238E27FC236}">
-                <a16:creationId xmlns:a16="http://schemas.microsoft.com/office/drawing/2014/main" id="{4B820155-60D6-41B4-8503-7350F39B3201}"/>
-              </a:ext>
-            </a:extLst>
-          </p:cNvPr>
-          <p:cNvPicPr>
-            <a:picLocks noChangeAspect="1" noChangeArrowheads="1"/>
-          </p:cNvPicPr>
-          <p:nvPr/>
-        </p:nvPicPr>
-        <p:blipFill>
-          <a:blip r:embed="rId2">
-            <a:extLst>
-              <a:ext uri="{28A0092B-C50C-407E-A947-70E740481C1C}">
-                <a14:useLocalDpi xmlns:a14="http://schemas.microsoft.com/office/drawing/2010/main" val="0"/>
-              </a:ext>
-            </a:extLst>
-          </a:blip>
-          <a:srcRect/>
-          <a:stretch>
-            <a:fillRect/>
-          </a:stretch>
-        </p:blipFill>
-        <p:spPr bwMode="auto">
-          <a:xfrm>
-            <a:off x="2010229" y="-4611007"/>
-            <a:ext cx="2009775" cy="3038475"/>
-          </a:xfrm>
-          <a:prstGeom prst="rect">
-            <a:avLst/>
-          </a:prstGeom>
-          <a:noFill/>
-          <a:extLst>
-            <a:ext uri="{909E8E84-426E-40DD-AFC4-6F175D3DCCD1}">
-              <a14:hiddenFill xmlns:a14="http://schemas.microsoft.com/office/drawing/2010/main">
-                <a:solidFill>
-                  <a:srgbClr val="FFFFFF"/>
-                </a:solidFill>
-              </a14:hiddenFill>
-            </a:ext>
-          </a:extLst>
-        </p:spPr>
-      </p:pic>
-      <p:pic>
-        <p:nvPicPr>
-          <p:cNvPr id="35" name="Graphic 34">
-            <a:extLst>
-              <a:ext uri="{FF2B5EF4-FFF2-40B4-BE49-F238E27FC236}">
-                <a16:creationId xmlns:a16="http://schemas.microsoft.com/office/drawing/2014/main" id="{D23AD36C-C081-4449-86F6-F59B28AE30B1}"/>
-              </a:ext>
-            </a:extLst>
-          </p:cNvPr>
-          <p:cNvPicPr>
-            <a:picLocks noChangeAspect="1"/>
-          </p:cNvPicPr>
-          <p:nvPr/>
-        </p:nvPicPr>
-        <p:blipFill>
-          <a:blip r:embed="rId7">
-            <a:extLst>
               <a:ext uri="{96DAC541-7B7A-43D3-8B79-37D633B846F1}">
-                <asvg:svgBlip xmlns:asvg="http://schemas.microsoft.com/office/drawing/2016/SVG/main" r:embed="rId8"/>
+                <asvg:svgBlip xmlns:asvg="http://schemas.microsoft.com/office/drawing/2016/SVG/main" r:embed="rId7"/>
               </a:ext>
             </a:extLst>
           </a:blip>
@@ -6756,6 +6701,50 @@
           <a:xfrm>
             <a:off x="4410075" y="3612027"/>
             <a:ext cx="1685925" cy="3152775"/>
+          </a:xfrm>
+          <a:prstGeom prst="rect">
+            <a:avLst/>
+          </a:prstGeom>
+          <a:effectLst>
+            <a:glow rad="228600">
+              <a:schemeClr val="accent3">
+                <a:satMod val="175000"/>
+                <a:alpha val="40000"/>
+              </a:schemeClr>
+            </a:glow>
+          </a:effectLst>
+        </p:spPr>
+      </p:pic>
+      <p:pic>
+        <p:nvPicPr>
+          <p:cNvPr id="12" name="Picture 11">
+            <a:extLst>
+              <a:ext uri="{FF2B5EF4-FFF2-40B4-BE49-F238E27FC236}">
+                <a16:creationId xmlns:a16="http://schemas.microsoft.com/office/drawing/2014/main" id="{2838BF25-1991-4733-8E08-4EA06E34D880}"/>
+              </a:ext>
+            </a:extLst>
+          </p:cNvPr>
+          <p:cNvPicPr>
+            <a:picLocks noChangeAspect="1"/>
+          </p:cNvPicPr>
+          <p:nvPr/>
+        </p:nvPicPr>
+        <p:blipFill>
+          <a:blip r:embed="rId8">
+            <a:extLst>
+              <a:ext uri="{28A0092B-C50C-407E-A947-70E740481C1C}">
+                <a14:useLocalDpi xmlns:a14="http://schemas.microsoft.com/office/drawing/2010/main" val="0"/>
+              </a:ext>
+            </a:extLst>
+          </a:blip>
+          <a:stretch>
+            <a:fillRect/>
+          </a:stretch>
+        </p:blipFill>
+        <p:spPr>
+          <a:xfrm flipH="1">
+            <a:off x="204730" y="93198"/>
+            <a:ext cx="2074336" cy="3335803"/>
           </a:xfrm>
           <a:prstGeom prst="rect">
             <a:avLst/>
@@ -7051,7 +7040,7 @@
         </p:nvSpPr>
         <p:spPr>
           <a:xfrm>
-            <a:off x="3601441" y="3033371"/>
+            <a:off x="2967617" y="2994343"/>
             <a:ext cx="7261506" cy="2888458"/>
           </a:xfrm>
           <a:prstGeom prst="wedgeRoundRectCallout">
@@ -7113,19 +7102,19 @@
       </p:sp>
       <p:pic>
         <p:nvPicPr>
-          <p:cNvPr id="9" name="Picture 2" descr="Nobi Nobita – Wikipedia tiếng Việt">
-            <a:extLst>
-              <a:ext uri="{FF2B5EF4-FFF2-40B4-BE49-F238E27FC236}">
-                <a16:creationId xmlns:a16="http://schemas.microsoft.com/office/drawing/2014/main" id="{974F0997-BC4B-461D-8DA4-124360580430}"/>
+          <p:cNvPr id="11" name="Picture 10">
+            <a:extLst>
+              <a:ext uri="{FF2B5EF4-FFF2-40B4-BE49-F238E27FC236}">
+                <a16:creationId xmlns:a16="http://schemas.microsoft.com/office/drawing/2014/main" id="{7CECC69C-57DA-41F5-80ED-8B3D37CF05CC}"/>
               </a:ext>
             </a:extLst>
           </p:cNvPr>
           <p:cNvPicPr>
-            <a:picLocks noChangeAspect="1" noChangeArrowheads="1"/>
+            <a:picLocks noChangeAspect="1"/>
           </p:cNvPicPr>
           <p:nvPr/>
         </p:nvPicPr>
-        <p:blipFill rotWithShape="1">
+        <p:blipFill>
           <a:blip r:embed="rId8">
             <a:extLst>
               <a:ext uri="{28A0092B-C50C-407E-A947-70E740481C1C}">
@@ -7133,27 +7122,26 @@
               </a:ext>
             </a:extLst>
           </a:blip>
-          <a:srcRect r="17845" b="3447"/>
-          <a:stretch/>
+          <a:stretch>
+            <a:fillRect/>
+          </a:stretch>
         </p:blipFill>
-        <p:spPr bwMode="auto">
-          <a:xfrm>
-            <a:off x="10862947" y="522267"/>
-            <a:ext cx="4539758" cy="6335733"/>
-          </a:xfrm>
-          <a:prstGeom prst="rect">
-            <a:avLst/>
-          </a:prstGeom>
-          <a:noFill/>
-          <a:extLst>
-            <a:ext uri="{909E8E84-426E-40DD-AFC4-6F175D3DCCD1}">
-              <a14:hiddenFill xmlns:a14="http://schemas.microsoft.com/office/drawing/2010/main">
-                <a:solidFill>
-                  <a:srgbClr val="FFFFFF"/>
-                </a:solidFill>
-              </a14:hiddenFill>
-            </a:ext>
-          </a:extLst>
+        <p:spPr>
+          <a:xfrm>
+            <a:off x="11223872" y="1196428"/>
+            <a:ext cx="3662865" cy="5534259"/>
+          </a:xfrm>
+          <a:prstGeom prst="rect">
+            <a:avLst/>
+          </a:prstGeom>
+          <a:effectLst>
+            <a:glow rad="228600">
+              <a:schemeClr val="accent3">
+                <a:satMod val="175000"/>
+                <a:alpha val="40000"/>
+              </a:schemeClr>
+            </a:glow>
+          </a:effectLst>
         </p:spPr>
       </p:pic>
     </p:spTree>
@@ -9734,7 +9722,7 @@
         </p:nvSpPr>
         <p:spPr>
           <a:xfrm>
-            <a:off x="1333594" y="235506"/>
+            <a:off x="448222" y="417267"/>
             <a:ext cx="4539758" cy="1863012"/>
           </a:xfrm>
           <a:prstGeom prst="wedgeRoundRectCallout">
@@ -9781,7 +9769,7 @@
                 <a:latin typeface="MS Gothic" panose="020B0609070205080204" pitchFamily="49" charset="-128"/>
                 <a:ea typeface="MS Gothic" panose="020B0609070205080204" pitchFamily="49" charset="-128"/>
               </a:rPr>
-              <a:t>満足したの。</a:t>
+              <a:t>満足したの？</a:t>
             </a:r>
             <a:endParaRPr lang="en-GB" dirty="0"/>
           </a:p>
@@ -9801,7 +9789,7 @@
         </p:nvSpPr>
         <p:spPr>
           <a:xfrm>
-            <a:off x="2815855" y="2848777"/>
+            <a:off x="2249798" y="2929051"/>
             <a:ext cx="9376145" cy="3354613"/>
           </a:xfrm>
           <a:prstGeom prst="wedgeRoundRectCallout">
@@ -9856,51 +9844,6 @@
       </p:sp>
       <p:pic>
         <p:nvPicPr>
-          <p:cNvPr id="9" name="Picture 2" descr="Nobi Nobita – Wikipedia tiếng Việt">
-            <a:extLst>
-              <a:ext uri="{FF2B5EF4-FFF2-40B4-BE49-F238E27FC236}">
-                <a16:creationId xmlns:a16="http://schemas.microsoft.com/office/drawing/2014/main" id="{974F0997-BC4B-461D-8DA4-124360580430}"/>
-              </a:ext>
-            </a:extLst>
-          </p:cNvPr>
-          <p:cNvPicPr>
-            <a:picLocks noChangeAspect="1" noChangeArrowheads="1"/>
-          </p:cNvPicPr>
-          <p:nvPr/>
-        </p:nvPicPr>
-        <p:blipFill rotWithShape="1">
-          <a:blip r:embed="rId6">
-            <a:extLst>
-              <a:ext uri="{28A0092B-C50C-407E-A947-70E740481C1C}">
-                <a14:useLocalDpi xmlns:a14="http://schemas.microsoft.com/office/drawing/2010/main" val="0"/>
-              </a:ext>
-            </a:extLst>
-          </a:blip>
-          <a:srcRect r="21351" b="2597"/>
-          <a:stretch/>
-        </p:blipFill>
-        <p:spPr bwMode="auto">
-          <a:xfrm>
-            <a:off x="11649299" y="540672"/>
-            <a:ext cx="4295551" cy="6317328"/>
-          </a:xfrm>
-          <a:prstGeom prst="rect">
-            <a:avLst/>
-          </a:prstGeom>
-          <a:noFill/>
-          <a:extLst>
-            <a:ext uri="{909E8E84-426E-40DD-AFC4-6F175D3DCCD1}">
-              <a14:hiddenFill xmlns:a14="http://schemas.microsoft.com/office/drawing/2010/main">
-                <a:solidFill>
-                  <a:srgbClr val="FFFFFF"/>
-                </a:solidFill>
-              </a14:hiddenFill>
-            </a:ext>
-          </a:extLst>
-        </p:spPr>
-      </p:pic>
-      <p:pic>
-        <p:nvPicPr>
           <p:cNvPr id="11" name="Graphic 10">
             <a:extLst>
               <a:ext uri="{FF2B5EF4-FFF2-40B4-BE49-F238E27FC236}">
@@ -9929,6 +9872,50 @@
           <a:xfrm>
             <a:off x="-3164967" y="1348773"/>
             <a:ext cx="2943285" cy="5509227"/>
+          </a:xfrm>
+          <a:prstGeom prst="rect">
+            <a:avLst/>
+          </a:prstGeom>
+          <a:effectLst>
+            <a:glow rad="228600">
+              <a:schemeClr val="accent3">
+                <a:satMod val="175000"/>
+                <a:alpha val="40000"/>
+              </a:schemeClr>
+            </a:glow>
+          </a:effectLst>
+        </p:spPr>
+      </p:pic>
+      <p:pic>
+        <p:nvPicPr>
+          <p:cNvPr id="12" name="Picture 11">
+            <a:extLst>
+              <a:ext uri="{FF2B5EF4-FFF2-40B4-BE49-F238E27FC236}">
+                <a16:creationId xmlns:a16="http://schemas.microsoft.com/office/drawing/2014/main" id="{823165B1-A408-4AC6-90F7-0974CF9BDD53}"/>
+              </a:ext>
+            </a:extLst>
+          </p:cNvPr>
+          <p:cNvPicPr>
+            <a:picLocks noChangeAspect="1"/>
+          </p:cNvPicPr>
+          <p:nvPr/>
+        </p:nvPicPr>
+        <p:blipFill>
+          <a:blip r:embed="rId6">
+            <a:extLst>
+              <a:ext uri="{28A0092B-C50C-407E-A947-70E740481C1C}">
+                <a14:useLocalDpi xmlns:a14="http://schemas.microsoft.com/office/drawing/2010/main" val="0"/>
+              </a:ext>
+            </a:extLst>
+          </a:blip>
+          <a:stretch>
+            <a:fillRect/>
+          </a:stretch>
+        </p:blipFill>
+        <p:spPr>
+          <a:xfrm>
+            <a:off x="12192000" y="1167012"/>
+            <a:ext cx="3662865" cy="5534259"/>
           </a:xfrm>
           <a:prstGeom prst="rect">
             <a:avLst/>
@@ -10141,7 +10128,7 @@
         </p:blipFill>
         <p:spPr>
           <a:xfrm>
-            <a:off x="8719547" y="-3539451"/>
+            <a:off x="11349037" y="-6930351"/>
             <a:ext cx="1685925" cy="3152775"/>
           </a:xfrm>
           <a:prstGeom prst="rect">
@@ -10151,10 +10138,46 @@
       </p:pic>
       <p:pic>
         <p:nvPicPr>
-          <p:cNvPr id="32" name="Picture 2" descr="Nobi Nobita – Wikipedia tiếng Việt">
-            <a:extLst>
-              <a:ext uri="{FF2B5EF4-FFF2-40B4-BE49-F238E27FC236}">
-                <a16:creationId xmlns:a16="http://schemas.microsoft.com/office/drawing/2014/main" id="{F92B3E8F-E296-4B3F-841C-14CAD5E28DF6}"/>
+          <p:cNvPr id="33" name="Picture 32">
+            <a:extLst>
+              <a:ext uri="{FF2B5EF4-FFF2-40B4-BE49-F238E27FC236}">
+                <a16:creationId xmlns:a16="http://schemas.microsoft.com/office/drawing/2014/main" id="{0D380805-4881-489E-9027-AC12F5A54E37}"/>
+              </a:ext>
+            </a:extLst>
+          </p:cNvPr>
+          <p:cNvPicPr>
+            <a:picLocks noChangeAspect="1"/>
+          </p:cNvPicPr>
+          <p:nvPr/>
+        </p:nvPicPr>
+        <p:blipFill>
+          <a:blip r:embed="rId4">
+            <a:extLst>
+              <a:ext uri="{28A0092B-C50C-407E-A947-70E740481C1C}">
+                <a14:useLocalDpi xmlns:a14="http://schemas.microsoft.com/office/drawing/2010/main" val="0"/>
+              </a:ext>
+            </a:extLst>
+          </a:blip>
+          <a:stretch>
+            <a:fillRect/>
+          </a:stretch>
+        </p:blipFill>
+        <p:spPr>
+          <a:xfrm>
+            <a:off x="6752603" y="-6789478"/>
+            <a:ext cx="2170687" cy="3011902"/>
+          </a:xfrm>
+          <a:prstGeom prst="rect">
+            <a:avLst/>
+          </a:prstGeom>
+        </p:spPr>
+      </p:pic>
+      <p:pic>
+        <p:nvPicPr>
+          <p:cNvPr id="34" name="Picture 8" descr="Nobita Nobi/Gallery | Heroes Wiki | Fandom">
+            <a:extLst>
+              <a:ext uri="{FF2B5EF4-FFF2-40B4-BE49-F238E27FC236}">
+                <a16:creationId xmlns:a16="http://schemas.microsoft.com/office/drawing/2014/main" id="{4B820155-60D6-41B4-8503-7350F39B3201}"/>
               </a:ext>
             </a:extLst>
           </p:cNvPr>
@@ -10163,21 +10186,23 @@
           </p:cNvPicPr>
           <p:nvPr/>
         </p:nvPicPr>
-        <p:blipFill rotWithShape="1">
-          <a:blip r:embed="rId4">
+        <p:blipFill>
+          <a:blip r:embed="rId5">
             <a:extLst>
               <a:ext uri="{28A0092B-C50C-407E-A947-70E740481C1C}">
                 <a14:useLocalDpi xmlns:a14="http://schemas.microsoft.com/office/drawing/2010/main" val="0"/>
               </a:ext>
             </a:extLst>
           </a:blip>
-          <a:srcRect l="9491" t="7046" r="20581"/>
-          <a:stretch/>
+          <a:srcRect/>
+          <a:stretch>
+            <a:fillRect/>
+          </a:stretch>
         </p:blipFill>
         <p:spPr bwMode="auto">
-          <a:xfrm flipH="1">
-            <a:off x="0" y="20750"/>
-            <a:ext cx="2233274" cy="3376373"/>
+          <a:xfrm>
+            <a:off x="2890068" y="-7131691"/>
+            <a:ext cx="2009775" cy="3038475"/>
           </a:xfrm>
           <a:prstGeom prst="rect">
             <a:avLst/>
@@ -10196,10 +10221,10 @@
       </p:pic>
       <p:pic>
         <p:nvPicPr>
-          <p:cNvPr id="33" name="Picture 32">
-            <a:extLst>
-              <a:ext uri="{FF2B5EF4-FFF2-40B4-BE49-F238E27FC236}">
-                <a16:creationId xmlns:a16="http://schemas.microsoft.com/office/drawing/2014/main" id="{0D380805-4881-489E-9027-AC12F5A54E37}"/>
+          <p:cNvPr id="35" name="Graphic 34">
+            <a:extLst>
+              <a:ext uri="{FF2B5EF4-FFF2-40B4-BE49-F238E27FC236}">
+                <a16:creationId xmlns:a16="http://schemas.microsoft.com/office/drawing/2014/main" id="{D23AD36C-C081-4449-86F6-F59B28AE30B1}"/>
               </a:ext>
             </a:extLst>
           </p:cNvPr>
@@ -10209,10 +10234,10 @@
           <p:nvPr/>
         </p:nvPicPr>
         <p:blipFill>
-          <a:blip r:embed="rId5">
-            <a:extLst>
-              <a:ext uri="{28A0092B-C50C-407E-A947-70E740481C1C}">
-                <a14:useLocalDpi xmlns:a14="http://schemas.microsoft.com/office/drawing/2010/main" val="0"/>
+          <a:blip r:embed="rId6">
+            <a:extLst>
+              <a:ext uri="{96DAC541-7B7A-43D3-8B79-37D633B846F1}">
+                <asvg:svgBlip xmlns:asvg="http://schemas.microsoft.com/office/drawing/2016/SVG/main" r:embed="rId7"/>
               </a:ext>
             </a:extLst>
           </a:blip>
@@ -10222,90 +10247,7 @@
         </p:blipFill>
         <p:spPr>
           <a:xfrm>
-            <a:off x="4123113" y="-3398578"/>
-            <a:ext cx="2170687" cy="3011902"/>
-          </a:xfrm>
-          <a:prstGeom prst="rect">
-            <a:avLst/>
-          </a:prstGeom>
-        </p:spPr>
-      </p:pic>
-      <p:pic>
-        <p:nvPicPr>
-          <p:cNvPr id="34" name="Picture 8" descr="Nobita Nobi/Gallery | Heroes Wiki | Fandom">
-            <a:extLst>
-              <a:ext uri="{FF2B5EF4-FFF2-40B4-BE49-F238E27FC236}">
-                <a16:creationId xmlns:a16="http://schemas.microsoft.com/office/drawing/2014/main" id="{4B820155-60D6-41B4-8503-7350F39B3201}"/>
-              </a:ext>
-            </a:extLst>
-          </p:cNvPr>
-          <p:cNvPicPr>
-            <a:picLocks noChangeAspect="1" noChangeArrowheads="1"/>
-          </p:cNvPicPr>
-          <p:nvPr/>
-        </p:nvPicPr>
-        <p:blipFill>
-          <a:blip r:embed="rId6">
-            <a:extLst>
-              <a:ext uri="{28A0092B-C50C-407E-A947-70E740481C1C}">
-                <a14:useLocalDpi xmlns:a14="http://schemas.microsoft.com/office/drawing/2010/main" val="0"/>
-              </a:ext>
-            </a:extLst>
-          </a:blip>
-          <a:srcRect/>
-          <a:stretch>
-            <a:fillRect/>
-          </a:stretch>
-        </p:blipFill>
-        <p:spPr bwMode="auto">
-          <a:xfrm>
-            <a:off x="260578" y="-3740791"/>
-            <a:ext cx="2009775" cy="3038475"/>
-          </a:xfrm>
-          <a:prstGeom prst="rect">
-            <a:avLst/>
-          </a:prstGeom>
-          <a:noFill/>
-          <a:extLst>
-            <a:ext uri="{909E8E84-426E-40DD-AFC4-6F175D3DCCD1}">
-              <a14:hiddenFill xmlns:a14="http://schemas.microsoft.com/office/drawing/2010/main">
-                <a:solidFill>
-                  <a:srgbClr val="FFFFFF"/>
-                </a:solidFill>
-              </a14:hiddenFill>
-            </a:ext>
-          </a:extLst>
-        </p:spPr>
-      </p:pic>
-      <p:pic>
-        <p:nvPicPr>
-          <p:cNvPr id="35" name="Graphic 34">
-            <a:extLst>
-              <a:ext uri="{FF2B5EF4-FFF2-40B4-BE49-F238E27FC236}">
-                <a16:creationId xmlns:a16="http://schemas.microsoft.com/office/drawing/2014/main" id="{D23AD36C-C081-4449-86F6-F59B28AE30B1}"/>
-              </a:ext>
-            </a:extLst>
-          </p:cNvPr>
-          <p:cNvPicPr>
-            <a:picLocks noChangeAspect="1"/>
-          </p:cNvPicPr>
-          <p:nvPr/>
-        </p:nvPicPr>
-        <p:blipFill>
-          <a:blip r:embed="rId7">
-            <a:extLst>
-              <a:ext uri="{96DAC541-7B7A-43D3-8B79-37D633B846F1}">
-                <asvg:svgBlip xmlns:asvg="http://schemas.microsoft.com/office/drawing/2016/SVG/main" r:embed="rId8"/>
-              </a:ext>
-            </a:extLst>
-          </a:blip>
-          <a:stretch>
-            <a:fillRect/>
-          </a:stretch>
-        </p:blipFill>
-        <p:spPr>
-          <a:xfrm>
-            <a:off x="6730840" y="-3415264"/>
+            <a:off x="9360330" y="-6806164"/>
             <a:ext cx="1551667" cy="2904402"/>
           </a:xfrm>
           <a:prstGeom prst="rect">
@@ -10374,10 +10316,10 @@
           <p:nvPr/>
         </p:nvPicPr>
         <p:blipFill>
-          <a:blip r:embed="rId7">
+          <a:blip r:embed="rId6">
             <a:extLst>
               <a:ext uri="{96DAC541-7B7A-43D3-8B79-37D633B846F1}">
-                <asvg:svgBlip xmlns:asvg="http://schemas.microsoft.com/office/drawing/2016/SVG/main" r:embed="rId8"/>
+                <asvg:svgBlip xmlns:asvg="http://schemas.microsoft.com/office/drawing/2016/SVG/main" r:embed="rId7"/>
               </a:ext>
             </a:extLst>
           </a:blip>
@@ -10389,6 +10331,50 @@
           <a:xfrm flipH="1">
             <a:off x="4212275" y="3378124"/>
             <a:ext cx="1883725" cy="3429000"/>
+          </a:xfrm>
+          <a:prstGeom prst="rect">
+            <a:avLst/>
+          </a:prstGeom>
+          <a:effectLst>
+            <a:glow rad="228600">
+              <a:schemeClr val="accent3">
+                <a:satMod val="175000"/>
+                <a:alpha val="40000"/>
+              </a:schemeClr>
+            </a:glow>
+          </a:effectLst>
+        </p:spPr>
+      </p:pic>
+      <p:pic>
+        <p:nvPicPr>
+          <p:cNvPr id="3" name="Picture 2">
+            <a:extLst>
+              <a:ext uri="{FF2B5EF4-FFF2-40B4-BE49-F238E27FC236}">
+                <a16:creationId xmlns:a16="http://schemas.microsoft.com/office/drawing/2014/main" id="{A5C19561-F618-4C70-93B7-56B345C18430}"/>
+              </a:ext>
+            </a:extLst>
+          </p:cNvPr>
+          <p:cNvPicPr>
+            <a:picLocks noChangeAspect="1"/>
+          </p:cNvPicPr>
+          <p:nvPr/>
+        </p:nvPicPr>
+        <p:blipFill>
+          <a:blip r:embed="rId8">
+            <a:extLst>
+              <a:ext uri="{28A0092B-C50C-407E-A947-70E740481C1C}">
+                <a14:useLocalDpi xmlns:a14="http://schemas.microsoft.com/office/drawing/2010/main" val="0"/>
+              </a:ext>
+            </a:extLst>
+          </a:blip>
+          <a:stretch>
+            <a:fillRect/>
+          </a:stretch>
+        </p:blipFill>
+        <p:spPr>
+          <a:xfrm flipH="1">
+            <a:off x="146776" y="0"/>
+            <a:ext cx="2132290" cy="3429001"/>
           </a:xfrm>
           <a:prstGeom prst="rect">
             <a:avLst/>
@@ -11088,10 +11074,46 @@
       </p:pic>
       <p:pic>
         <p:nvPicPr>
-          <p:cNvPr id="32" name="Picture 2" descr="Nobi Nobita – Wikipedia tiếng Việt">
-            <a:extLst>
-              <a:ext uri="{FF2B5EF4-FFF2-40B4-BE49-F238E27FC236}">
-                <a16:creationId xmlns:a16="http://schemas.microsoft.com/office/drawing/2014/main" id="{F92B3E8F-E296-4B3F-841C-14CAD5E28DF6}"/>
+          <p:cNvPr id="33" name="Picture 32">
+            <a:extLst>
+              <a:ext uri="{FF2B5EF4-FFF2-40B4-BE49-F238E27FC236}">
+                <a16:creationId xmlns:a16="http://schemas.microsoft.com/office/drawing/2014/main" id="{0D380805-4881-489E-9027-AC12F5A54E37}"/>
+              </a:ext>
+            </a:extLst>
+          </p:cNvPr>
+          <p:cNvPicPr>
+            <a:picLocks noChangeAspect="1"/>
+          </p:cNvPicPr>
+          <p:nvPr/>
+        </p:nvPicPr>
+        <p:blipFill>
+          <a:blip r:embed="rId4">
+            <a:extLst>
+              <a:ext uri="{28A0092B-C50C-407E-A947-70E740481C1C}">
+                <a14:useLocalDpi xmlns:a14="http://schemas.microsoft.com/office/drawing/2010/main" val="0"/>
+              </a:ext>
+            </a:extLst>
+          </a:blip>
+          <a:stretch>
+            <a:fillRect/>
+          </a:stretch>
+        </p:blipFill>
+        <p:spPr>
+          <a:xfrm>
+            <a:off x="3914948" y="-2874641"/>
+            <a:ext cx="2170687" cy="3011902"/>
+          </a:xfrm>
+          <a:prstGeom prst="rect">
+            <a:avLst/>
+          </a:prstGeom>
+        </p:spPr>
+      </p:pic>
+      <p:pic>
+        <p:nvPicPr>
+          <p:cNvPr id="34" name="Picture 8" descr="Nobita Nobi/Gallery | Heroes Wiki | Fandom">
+            <a:extLst>
+              <a:ext uri="{FF2B5EF4-FFF2-40B4-BE49-F238E27FC236}">
+                <a16:creationId xmlns:a16="http://schemas.microsoft.com/office/drawing/2014/main" id="{4B820155-60D6-41B4-8503-7350F39B3201}"/>
               </a:ext>
             </a:extLst>
           </p:cNvPr>
@@ -11100,21 +11122,23 @@
           </p:cNvPicPr>
           <p:nvPr/>
         </p:nvPicPr>
-        <p:blipFill rotWithShape="1">
-          <a:blip r:embed="rId4">
+        <p:blipFill>
+          <a:blip r:embed="rId5">
             <a:extLst>
               <a:ext uri="{28A0092B-C50C-407E-A947-70E740481C1C}">
                 <a14:useLocalDpi xmlns:a14="http://schemas.microsoft.com/office/drawing/2010/main" val="0"/>
               </a:ext>
             </a:extLst>
           </a:blip>
-          <a:srcRect t="4256"/>
-          <a:stretch/>
+          <a:srcRect/>
+          <a:stretch>
+            <a:fillRect/>
+          </a:stretch>
         </p:blipFill>
         <p:spPr bwMode="auto">
           <a:xfrm>
-            <a:off x="-1" y="0"/>
-            <a:ext cx="3270615" cy="3718562"/>
+            <a:off x="-42817" y="-3069694"/>
+            <a:ext cx="2009775" cy="3038475"/>
           </a:xfrm>
           <a:prstGeom prst="rect">
             <a:avLst/>
@@ -11133,10 +11157,10 @@
       </p:pic>
       <p:pic>
         <p:nvPicPr>
-          <p:cNvPr id="33" name="Picture 32">
-            <a:extLst>
-              <a:ext uri="{FF2B5EF4-FFF2-40B4-BE49-F238E27FC236}">
-                <a16:creationId xmlns:a16="http://schemas.microsoft.com/office/drawing/2014/main" id="{0D380805-4881-489E-9027-AC12F5A54E37}"/>
+          <p:cNvPr id="35" name="Graphic 34">
+            <a:extLst>
+              <a:ext uri="{FF2B5EF4-FFF2-40B4-BE49-F238E27FC236}">
+                <a16:creationId xmlns:a16="http://schemas.microsoft.com/office/drawing/2014/main" id="{D23AD36C-C081-4449-86F6-F59B28AE30B1}"/>
               </a:ext>
             </a:extLst>
           </p:cNvPr>
@@ -11146,93 +11170,10 @@
           <p:nvPr/>
         </p:nvPicPr>
         <p:blipFill>
-          <a:blip r:embed="rId5">
-            <a:extLst>
-              <a:ext uri="{28A0092B-C50C-407E-A947-70E740481C1C}">
-                <a14:useLocalDpi xmlns:a14="http://schemas.microsoft.com/office/drawing/2010/main" val="0"/>
-              </a:ext>
-            </a:extLst>
-          </a:blip>
-          <a:stretch>
-            <a:fillRect/>
-          </a:stretch>
-        </p:blipFill>
-        <p:spPr>
-          <a:xfrm>
-            <a:off x="3914948" y="-2874641"/>
-            <a:ext cx="2170687" cy="3011902"/>
-          </a:xfrm>
-          <a:prstGeom prst="rect">
-            <a:avLst/>
-          </a:prstGeom>
-        </p:spPr>
-      </p:pic>
-      <p:pic>
-        <p:nvPicPr>
-          <p:cNvPr id="34" name="Picture 8" descr="Nobita Nobi/Gallery | Heroes Wiki | Fandom">
-            <a:extLst>
-              <a:ext uri="{FF2B5EF4-FFF2-40B4-BE49-F238E27FC236}">
-                <a16:creationId xmlns:a16="http://schemas.microsoft.com/office/drawing/2014/main" id="{4B820155-60D6-41B4-8503-7350F39B3201}"/>
-              </a:ext>
-            </a:extLst>
-          </p:cNvPr>
-          <p:cNvPicPr>
-            <a:picLocks noChangeAspect="1" noChangeArrowheads="1"/>
-          </p:cNvPicPr>
-          <p:nvPr/>
-        </p:nvPicPr>
-        <p:blipFill>
           <a:blip r:embed="rId6">
             <a:extLst>
-              <a:ext uri="{28A0092B-C50C-407E-A947-70E740481C1C}">
-                <a14:useLocalDpi xmlns:a14="http://schemas.microsoft.com/office/drawing/2010/main" val="0"/>
-              </a:ext>
-            </a:extLst>
-          </a:blip>
-          <a:srcRect/>
-          <a:stretch>
-            <a:fillRect/>
-          </a:stretch>
-        </p:blipFill>
-        <p:spPr bwMode="auto">
-          <a:xfrm>
-            <a:off x="-42817" y="-3069694"/>
-            <a:ext cx="2009775" cy="3038475"/>
-          </a:xfrm>
-          <a:prstGeom prst="rect">
-            <a:avLst/>
-          </a:prstGeom>
-          <a:noFill/>
-          <a:extLst>
-            <a:ext uri="{909E8E84-426E-40DD-AFC4-6F175D3DCCD1}">
-              <a14:hiddenFill xmlns:a14="http://schemas.microsoft.com/office/drawing/2010/main">
-                <a:solidFill>
-                  <a:srgbClr val="FFFFFF"/>
-                </a:solidFill>
-              </a14:hiddenFill>
-            </a:ext>
-          </a:extLst>
-        </p:spPr>
-      </p:pic>
-      <p:pic>
-        <p:nvPicPr>
-          <p:cNvPr id="35" name="Graphic 34">
-            <a:extLst>
-              <a:ext uri="{FF2B5EF4-FFF2-40B4-BE49-F238E27FC236}">
-                <a16:creationId xmlns:a16="http://schemas.microsoft.com/office/drawing/2014/main" id="{D23AD36C-C081-4449-86F6-F59B28AE30B1}"/>
-              </a:ext>
-            </a:extLst>
-          </p:cNvPr>
-          <p:cNvPicPr>
-            <a:picLocks noChangeAspect="1"/>
-          </p:cNvPicPr>
-          <p:nvPr/>
-        </p:nvPicPr>
-        <p:blipFill>
-          <a:blip r:embed="rId7">
-            <a:extLst>
               <a:ext uri="{96DAC541-7B7A-43D3-8B79-37D633B846F1}">
-                <asvg:svgBlip xmlns:asvg="http://schemas.microsoft.com/office/drawing/2016/SVG/main" r:embed="rId8"/>
+                <asvg:svgBlip xmlns:asvg="http://schemas.microsoft.com/office/drawing/2016/SVG/main" r:embed="rId7"/>
               </a:ext>
             </a:extLst>
           </a:blip>
@@ -11311,10 +11252,10 @@
           <p:nvPr/>
         </p:nvPicPr>
         <p:blipFill>
-          <a:blip r:embed="rId7">
+          <a:blip r:embed="rId6">
             <a:extLst>
               <a:ext uri="{96DAC541-7B7A-43D3-8B79-37D633B846F1}">
-                <asvg:svgBlip xmlns:asvg="http://schemas.microsoft.com/office/drawing/2016/SVG/main" r:embed="rId8"/>
+                <asvg:svgBlip xmlns:asvg="http://schemas.microsoft.com/office/drawing/2016/SVG/main" r:embed="rId7"/>
               </a:ext>
             </a:extLst>
           </a:blip>
@@ -11326,6 +11267,50 @@
           <a:xfrm flipH="1">
             <a:off x="3962400" y="2923269"/>
             <a:ext cx="2133600" cy="3883855"/>
+          </a:xfrm>
+          <a:prstGeom prst="rect">
+            <a:avLst/>
+          </a:prstGeom>
+          <a:effectLst>
+            <a:glow rad="228600">
+              <a:schemeClr val="accent3">
+                <a:satMod val="175000"/>
+                <a:alpha val="40000"/>
+              </a:schemeClr>
+            </a:glow>
+          </a:effectLst>
+        </p:spPr>
+      </p:pic>
+      <p:pic>
+        <p:nvPicPr>
+          <p:cNvPr id="13" name="Picture 12">
+            <a:extLst>
+              <a:ext uri="{FF2B5EF4-FFF2-40B4-BE49-F238E27FC236}">
+                <a16:creationId xmlns:a16="http://schemas.microsoft.com/office/drawing/2014/main" id="{F50909F5-B102-43D0-8714-D6C3E7E8AAEA}"/>
+              </a:ext>
+            </a:extLst>
+          </p:cNvPr>
+          <p:cNvPicPr>
+            <a:picLocks noChangeAspect="1"/>
+          </p:cNvPicPr>
+          <p:nvPr/>
+        </p:nvPicPr>
+        <p:blipFill>
+          <a:blip r:embed="rId8">
+            <a:extLst>
+              <a:ext uri="{28A0092B-C50C-407E-A947-70E740481C1C}">
+                <a14:useLocalDpi xmlns:a14="http://schemas.microsoft.com/office/drawing/2010/main" val="0"/>
+              </a:ext>
+            </a:extLst>
+          </a:blip>
+          <a:stretch>
+            <a:fillRect/>
+          </a:stretch>
+        </p:blipFill>
+        <p:spPr>
+          <a:xfrm flipH="1">
+            <a:off x="425088" y="93198"/>
+            <a:ext cx="2229212" cy="3584864"/>
           </a:xfrm>
           <a:prstGeom prst="rect">
             <a:avLst/>
@@ -11643,51 +11628,6 @@
           </a:p>
         </p:txBody>
       </p:sp>
-      <p:pic>
-        <p:nvPicPr>
-          <p:cNvPr id="9" name="Picture 2" descr="Nobi Nobita – Wikipedia tiếng Việt">
-            <a:extLst>
-              <a:ext uri="{FF2B5EF4-FFF2-40B4-BE49-F238E27FC236}">
-                <a16:creationId xmlns:a16="http://schemas.microsoft.com/office/drawing/2014/main" id="{974F0997-BC4B-461D-8DA4-124360580430}"/>
-              </a:ext>
-            </a:extLst>
-          </p:cNvPr>
-          <p:cNvPicPr>
-            <a:picLocks noChangeAspect="1" noChangeArrowheads="1"/>
-          </p:cNvPicPr>
-          <p:nvPr/>
-        </p:nvPicPr>
-        <p:blipFill rotWithShape="1">
-          <a:blip r:embed="rId8">
-            <a:extLst>
-              <a:ext uri="{28A0092B-C50C-407E-A947-70E740481C1C}">
-                <a14:useLocalDpi xmlns:a14="http://schemas.microsoft.com/office/drawing/2010/main" val="0"/>
-              </a:ext>
-            </a:extLst>
-          </a:blip>
-          <a:srcRect r="21149" b="2434"/>
-          <a:stretch/>
-        </p:blipFill>
-        <p:spPr bwMode="auto">
-          <a:xfrm>
-            <a:off x="10099061" y="455733"/>
-            <a:ext cx="4357168" cy="6402267"/>
-          </a:xfrm>
-          <a:prstGeom prst="rect">
-            <a:avLst/>
-          </a:prstGeom>
-          <a:noFill/>
-          <a:extLst>
-            <a:ext uri="{909E8E84-426E-40DD-AFC4-6F175D3DCCD1}">
-              <a14:hiddenFill xmlns:a14="http://schemas.microsoft.com/office/drawing/2010/main">
-                <a:solidFill>
-                  <a:srgbClr val="FFFFFF"/>
-                </a:solidFill>
-              </a14:hiddenFill>
-            </a:ext>
-          </a:extLst>
-        </p:spPr>
-      </p:pic>
       <p:sp>
         <p:nvSpPr>
           <p:cNvPr id="3" name="Speech Bubble: Oval 2">
@@ -11758,6 +11698,50 @@
           </a:p>
         </p:txBody>
       </p:sp>
+      <p:pic>
+        <p:nvPicPr>
+          <p:cNvPr id="11" name="Picture 10">
+            <a:extLst>
+              <a:ext uri="{FF2B5EF4-FFF2-40B4-BE49-F238E27FC236}">
+                <a16:creationId xmlns:a16="http://schemas.microsoft.com/office/drawing/2014/main" id="{D4FB261E-E7E0-4348-AC38-EBC533C71983}"/>
+              </a:ext>
+            </a:extLst>
+          </p:cNvPr>
+          <p:cNvPicPr>
+            <a:picLocks noChangeAspect="1"/>
+          </p:cNvPicPr>
+          <p:nvPr/>
+        </p:nvPicPr>
+        <p:blipFill>
+          <a:blip r:embed="rId8">
+            <a:extLst>
+              <a:ext uri="{28A0092B-C50C-407E-A947-70E740481C1C}">
+                <a14:useLocalDpi xmlns:a14="http://schemas.microsoft.com/office/drawing/2010/main" val="0"/>
+              </a:ext>
+            </a:extLst>
+          </a:blip>
+          <a:stretch>
+            <a:fillRect/>
+          </a:stretch>
+        </p:blipFill>
+        <p:spPr>
+          <a:xfrm>
+            <a:off x="10711542" y="979531"/>
+            <a:ext cx="3614057" cy="5404358"/>
+          </a:xfrm>
+          <a:prstGeom prst="rect">
+            <a:avLst/>
+          </a:prstGeom>
+          <a:effectLst>
+            <a:glow rad="228600">
+              <a:schemeClr val="accent3">
+                <a:satMod val="175000"/>
+                <a:alpha val="40000"/>
+              </a:schemeClr>
+            </a:glow>
+          </a:effectLst>
+        </p:spPr>
+      </p:pic>
     </p:spTree>
     <p:extLst>
       <p:ext uri="{BB962C8B-B14F-4D97-AF65-F5344CB8AC3E}">
@@ -12154,7 +12138,7 @@
         </p:blipFill>
         <p:spPr>
           <a:xfrm>
-            <a:off x="-2767665" y="-3537457"/>
+            <a:off x="-3449837" y="-3493914"/>
             <a:ext cx="2170687" cy="3011902"/>
           </a:xfrm>
           <a:prstGeom prst="rect">
@@ -12512,10 +12496,46 @@
       </p:pic>
       <p:pic>
         <p:nvPicPr>
-          <p:cNvPr id="32" name="Picture 2" descr="Nobi Nobita – Wikipedia tiếng Việt">
-            <a:extLst>
-              <a:ext uri="{FF2B5EF4-FFF2-40B4-BE49-F238E27FC236}">
-                <a16:creationId xmlns:a16="http://schemas.microsoft.com/office/drawing/2014/main" id="{F92B3E8F-E296-4B3F-841C-14CAD5E28DF6}"/>
+          <p:cNvPr id="33" name="Picture 32">
+            <a:extLst>
+              <a:ext uri="{FF2B5EF4-FFF2-40B4-BE49-F238E27FC236}">
+                <a16:creationId xmlns:a16="http://schemas.microsoft.com/office/drawing/2014/main" id="{0D380805-4881-489E-9027-AC12F5A54E37}"/>
+              </a:ext>
+            </a:extLst>
+          </p:cNvPr>
+          <p:cNvPicPr>
+            <a:picLocks noChangeAspect="1"/>
+          </p:cNvPicPr>
+          <p:nvPr/>
+        </p:nvPicPr>
+        <p:blipFill>
+          <a:blip r:embed="rId4">
+            <a:extLst>
+              <a:ext uri="{28A0092B-C50C-407E-A947-70E740481C1C}">
+                <a14:useLocalDpi xmlns:a14="http://schemas.microsoft.com/office/drawing/2010/main" val="0"/>
+              </a:ext>
+            </a:extLst>
+          </a:blip>
+          <a:stretch>
+            <a:fillRect/>
+          </a:stretch>
+        </p:blipFill>
+        <p:spPr>
+          <a:xfrm>
+            <a:off x="3925313" y="-3398578"/>
+            <a:ext cx="2170687" cy="3011902"/>
+          </a:xfrm>
+          <a:prstGeom prst="rect">
+            <a:avLst/>
+          </a:prstGeom>
+        </p:spPr>
+      </p:pic>
+      <p:pic>
+        <p:nvPicPr>
+          <p:cNvPr id="34" name="Picture 8" descr="Nobita Nobi/Gallery | Heroes Wiki | Fandom">
+            <a:extLst>
+              <a:ext uri="{FF2B5EF4-FFF2-40B4-BE49-F238E27FC236}">
+                <a16:creationId xmlns:a16="http://schemas.microsoft.com/office/drawing/2014/main" id="{4B820155-60D6-41B4-8503-7350F39B3201}"/>
               </a:ext>
             </a:extLst>
           </p:cNvPr>
@@ -12524,21 +12544,23 @@
           </p:cNvPicPr>
           <p:nvPr/>
         </p:nvPicPr>
-        <p:blipFill rotWithShape="1">
-          <a:blip r:embed="rId4">
+        <p:blipFill>
+          <a:blip r:embed="rId5">
             <a:extLst>
               <a:ext uri="{28A0092B-C50C-407E-A947-70E740481C1C}">
                 <a14:useLocalDpi xmlns:a14="http://schemas.microsoft.com/office/drawing/2010/main" val="0"/>
               </a:ext>
             </a:extLst>
           </a:blip>
-          <a:srcRect t="7821" r="11073"/>
-          <a:stretch/>
+          <a:srcRect/>
+          <a:stretch>
+            <a:fillRect/>
+          </a:stretch>
         </p:blipFill>
         <p:spPr bwMode="auto">
           <a:xfrm>
-            <a:off x="3343353" y="88425"/>
-            <a:ext cx="2447847" cy="3013144"/>
+            <a:off x="260578" y="-3740791"/>
+            <a:ext cx="2009775" cy="3038475"/>
           </a:xfrm>
           <a:prstGeom prst="rect">
             <a:avLst/>
@@ -12557,10 +12579,10 @@
       </p:pic>
       <p:pic>
         <p:nvPicPr>
-          <p:cNvPr id="33" name="Picture 32">
-            <a:extLst>
-              <a:ext uri="{FF2B5EF4-FFF2-40B4-BE49-F238E27FC236}">
-                <a16:creationId xmlns:a16="http://schemas.microsoft.com/office/drawing/2014/main" id="{0D380805-4881-489E-9027-AC12F5A54E37}"/>
+          <p:cNvPr id="35" name="Graphic 34">
+            <a:extLst>
+              <a:ext uri="{FF2B5EF4-FFF2-40B4-BE49-F238E27FC236}">
+                <a16:creationId xmlns:a16="http://schemas.microsoft.com/office/drawing/2014/main" id="{D23AD36C-C081-4449-86F6-F59B28AE30B1}"/>
               </a:ext>
             </a:extLst>
           </p:cNvPr>
@@ -12570,10 +12592,10 @@
           <p:nvPr/>
         </p:nvPicPr>
         <p:blipFill>
-          <a:blip r:embed="rId5">
-            <a:extLst>
-              <a:ext uri="{28A0092B-C50C-407E-A947-70E740481C1C}">
-                <a14:useLocalDpi xmlns:a14="http://schemas.microsoft.com/office/drawing/2010/main" val="0"/>
+          <a:blip r:embed="rId2">
+            <a:extLst>
+              <a:ext uri="{96DAC541-7B7A-43D3-8B79-37D633B846F1}">
+                <asvg:svgBlip xmlns:asvg="http://schemas.microsoft.com/office/drawing/2016/SVG/main" r:embed="rId3"/>
               </a:ext>
             </a:extLst>
           </a:blip>
@@ -12583,89 +12605,6 @@
         </p:blipFill>
         <p:spPr>
           <a:xfrm>
-            <a:off x="3925313" y="-3398578"/>
-            <a:ext cx="2170687" cy="3011902"/>
-          </a:xfrm>
-          <a:prstGeom prst="rect">
-            <a:avLst/>
-          </a:prstGeom>
-        </p:spPr>
-      </p:pic>
-      <p:pic>
-        <p:nvPicPr>
-          <p:cNvPr id="34" name="Picture 8" descr="Nobita Nobi/Gallery | Heroes Wiki | Fandom">
-            <a:extLst>
-              <a:ext uri="{FF2B5EF4-FFF2-40B4-BE49-F238E27FC236}">
-                <a16:creationId xmlns:a16="http://schemas.microsoft.com/office/drawing/2014/main" id="{4B820155-60D6-41B4-8503-7350F39B3201}"/>
-              </a:ext>
-            </a:extLst>
-          </p:cNvPr>
-          <p:cNvPicPr>
-            <a:picLocks noChangeAspect="1" noChangeArrowheads="1"/>
-          </p:cNvPicPr>
-          <p:nvPr/>
-        </p:nvPicPr>
-        <p:blipFill>
-          <a:blip r:embed="rId6">
-            <a:extLst>
-              <a:ext uri="{28A0092B-C50C-407E-A947-70E740481C1C}">
-                <a14:useLocalDpi xmlns:a14="http://schemas.microsoft.com/office/drawing/2010/main" val="0"/>
-              </a:ext>
-            </a:extLst>
-          </a:blip>
-          <a:srcRect/>
-          <a:stretch>
-            <a:fillRect/>
-          </a:stretch>
-        </p:blipFill>
-        <p:spPr bwMode="auto">
-          <a:xfrm>
-            <a:off x="260578" y="-3740791"/>
-            <a:ext cx="2009775" cy="3038475"/>
-          </a:xfrm>
-          <a:prstGeom prst="rect">
-            <a:avLst/>
-          </a:prstGeom>
-          <a:noFill/>
-          <a:extLst>
-            <a:ext uri="{909E8E84-426E-40DD-AFC4-6F175D3DCCD1}">
-              <a14:hiddenFill xmlns:a14="http://schemas.microsoft.com/office/drawing/2010/main">
-                <a:solidFill>
-                  <a:srgbClr val="FFFFFF"/>
-                </a:solidFill>
-              </a14:hiddenFill>
-            </a:ext>
-          </a:extLst>
-        </p:spPr>
-      </p:pic>
-      <p:pic>
-        <p:nvPicPr>
-          <p:cNvPr id="35" name="Graphic 34">
-            <a:extLst>
-              <a:ext uri="{FF2B5EF4-FFF2-40B4-BE49-F238E27FC236}">
-                <a16:creationId xmlns:a16="http://schemas.microsoft.com/office/drawing/2014/main" id="{D23AD36C-C081-4449-86F6-F59B28AE30B1}"/>
-              </a:ext>
-            </a:extLst>
-          </p:cNvPr>
-          <p:cNvPicPr>
-            <a:picLocks noChangeAspect="1"/>
-          </p:cNvPicPr>
-          <p:nvPr/>
-        </p:nvPicPr>
-        <p:blipFill>
-          <a:blip r:embed="rId2">
-            <a:extLst>
-              <a:ext uri="{96DAC541-7B7A-43D3-8B79-37D633B846F1}">
-                <asvg:svgBlip xmlns:asvg="http://schemas.microsoft.com/office/drawing/2016/SVG/main" r:embed="rId3"/>
-              </a:ext>
-            </a:extLst>
-          </a:blip>
-          <a:stretch>
-            <a:fillRect/>
-          </a:stretch>
-        </p:blipFill>
-        <p:spPr>
-          <a:xfrm>
             <a:off x="6730840" y="-3415264"/>
             <a:ext cx="1551667" cy="2904402"/>
           </a:xfrm>
@@ -12689,10 +12628,10 @@
           <p:nvPr/>
         </p:nvPicPr>
         <p:blipFill>
-          <a:blip r:embed="rId7">
+          <a:blip r:embed="rId6">
             <a:extLst>
               <a:ext uri="{96DAC541-7B7A-43D3-8B79-37D633B846F1}">
-                <asvg:svgBlip xmlns:asvg="http://schemas.microsoft.com/office/drawing/2016/SVG/main" r:embed="rId8"/>
+                <asvg:svgBlip xmlns:asvg="http://schemas.microsoft.com/office/drawing/2016/SVG/main" r:embed="rId7"/>
               </a:ext>
             </a:extLst>
           </a:blip>
@@ -12764,6 +12703,50 @@
           </a:p>
         </p:txBody>
       </p:sp>
+      <p:pic>
+        <p:nvPicPr>
+          <p:cNvPr id="12" name="Picture 11">
+            <a:extLst>
+              <a:ext uri="{FF2B5EF4-FFF2-40B4-BE49-F238E27FC236}">
+                <a16:creationId xmlns:a16="http://schemas.microsoft.com/office/drawing/2014/main" id="{06423DDB-4956-4049-BF04-D72221A3B869}"/>
+              </a:ext>
+            </a:extLst>
+          </p:cNvPr>
+          <p:cNvPicPr>
+            <a:picLocks noChangeAspect="1"/>
+          </p:cNvPicPr>
+          <p:nvPr/>
+        </p:nvPicPr>
+        <p:blipFill>
+          <a:blip r:embed="rId8">
+            <a:extLst>
+              <a:ext uri="{28A0092B-C50C-407E-A947-70E740481C1C}">
+                <a14:useLocalDpi xmlns:a14="http://schemas.microsoft.com/office/drawing/2010/main" val="0"/>
+              </a:ext>
+            </a:extLst>
+          </a:blip>
+          <a:stretch>
+            <a:fillRect/>
+          </a:stretch>
+        </p:blipFill>
+        <p:spPr>
+          <a:xfrm>
+            <a:off x="4070456" y="88425"/>
+            <a:ext cx="1894916" cy="3011902"/>
+          </a:xfrm>
+          <a:prstGeom prst="rect">
+            <a:avLst/>
+          </a:prstGeom>
+          <a:effectLst>
+            <a:glow rad="228600">
+              <a:schemeClr val="accent3">
+                <a:satMod val="175000"/>
+                <a:alpha val="40000"/>
+              </a:schemeClr>
+            </a:glow>
+          </a:effectLst>
+        </p:spPr>
+      </p:pic>
     </p:spTree>
     <p:extLst>
       <p:ext uri="{BB962C8B-B14F-4D97-AF65-F5344CB8AC3E}">

--- a/design/story.pptx
+++ b/design/story.pptx
@@ -284,7 +284,7 @@
           <a:p>
             <a:fld id="{7CCD71B0-6FFF-42B2-87FC-FA95A5074649}" type="datetimeFigureOut">
               <a:rPr lang="en-GB" smtClean="0"/>
-              <a:t>10/09/2021</a:t>
+              <a:t>13/09/2021</a:t>
             </a:fld>
             <a:endParaRPr lang="en-GB"/>
           </a:p>
@@ -484,7 +484,7 @@
           <a:p>
             <a:fld id="{7CCD71B0-6FFF-42B2-87FC-FA95A5074649}" type="datetimeFigureOut">
               <a:rPr lang="en-GB" smtClean="0"/>
-              <a:t>10/09/2021</a:t>
+              <a:t>13/09/2021</a:t>
             </a:fld>
             <a:endParaRPr lang="en-GB"/>
           </a:p>
@@ -694,7 +694,7 @@
           <a:p>
             <a:fld id="{7CCD71B0-6FFF-42B2-87FC-FA95A5074649}" type="datetimeFigureOut">
               <a:rPr lang="en-GB" smtClean="0"/>
-              <a:t>10/09/2021</a:t>
+              <a:t>13/09/2021</a:t>
             </a:fld>
             <a:endParaRPr lang="en-GB"/>
           </a:p>
@@ -894,7 +894,7 @@
           <a:p>
             <a:fld id="{7CCD71B0-6FFF-42B2-87FC-FA95A5074649}" type="datetimeFigureOut">
               <a:rPr lang="en-GB" smtClean="0"/>
-              <a:t>10/09/2021</a:t>
+              <a:t>13/09/2021</a:t>
             </a:fld>
             <a:endParaRPr lang="en-GB"/>
           </a:p>
@@ -1170,7 +1170,7 @@
           <a:p>
             <a:fld id="{7CCD71B0-6FFF-42B2-87FC-FA95A5074649}" type="datetimeFigureOut">
               <a:rPr lang="en-GB" smtClean="0"/>
-              <a:t>10/09/2021</a:t>
+              <a:t>13/09/2021</a:t>
             </a:fld>
             <a:endParaRPr lang="en-GB"/>
           </a:p>
@@ -1438,7 +1438,7 @@
           <a:p>
             <a:fld id="{7CCD71B0-6FFF-42B2-87FC-FA95A5074649}" type="datetimeFigureOut">
               <a:rPr lang="en-GB" smtClean="0"/>
-              <a:t>10/09/2021</a:t>
+              <a:t>13/09/2021</a:t>
             </a:fld>
             <a:endParaRPr lang="en-GB"/>
           </a:p>
@@ -1853,7 +1853,7 @@
           <a:p>
             <a:fld id="{7CCD71B0-6FFF-42B2-87FC-FA95A5074649}" type="datetimeFigureOut">
               <a:rPr lang="en-GB" smtClean="0"/>
-              <a:t>10/09/2021</a:t>
+              <a:t>13/09/2021</a:t>
             </a:fld>
             <a:endParaRPr lang="en-GB"/>
           </a:p>
@@ -1995,7 +1995,7 @@
           <a:p>
             <a:fld id="{7CCD71B0-6FFF-42B2-87FC-FA95A5074649}" type="datetimeFigureOut">
               <a:rPr lang="en-GB" smtClean="0"/>
-              <a:t>10/09/2021</a:t>
+              <a:t>13/09/2021</a:t>
             </a:fld>
             <a:endParaRPr lang="en-GB"/>
           </a:p>
@@ -2108,7 +2108,7 @@
           <a:p>
             <a:fld id="{7CCD71B0-6FFF-42B2-87FC-FA95A5074649}" type="datetimeFigureOut">
               <a:rPr lang="en-GB" smtClean="0"/>
-              <a:t>10/09/2021</a:t>
+              <a:t>13/09/2021</a:t>
             </a:fld>
             <a:endParaRPr lang="en-GB"/>
           </a:p>
@@ -2421,7 +2421,7 @@
           <a:p>
             <a:fld id="{7CCD71B0-6FFF-42B2-87FC-FA95A5074649}" type="datetimeFigureOut">
               <a:rPr lang="en-GB" smtClean="0"/>
-              <a:t>10/09/2021</a:t>
+              <a:t>13/09/2021</a:t>
             </a:fld>
             <a:endParaRPr lang="en-GB"/>
           </a:p>
@@ -2710,7 +2710,7 @@
           <a:p>
             <a:fld id="{7CCD71B0-6FFF-42B2-87FC-FA95A5074649}" type="datetimeFigureOut">
               <a:rPr lang="en-GB" smtClean="0"/>
-              <a:t>10/09/2021</a:t>
+              <a:t>13/09/2021</a:t>
             </a:fld>
             <a:endParaRPr lang="en-GB"/>
           </a:p>
@@ -2953,7 +2953,7 @@
           <a:p>
             <a:fld id="{7CCD71B0-6FFF-42B2-87FC-FA95A5074649}" type="datetimeFigureOut">
               <a:rPr lang="en-GB" smtClean="0"/>
-              <a:t>10/09/2021</a:t>
+              <a:t>13/09/2021</a:t>
             </a:fld>
             <a:endParaRPr lang="en-GB"/>
           </a:p>
@@ -3508,7 +3508,7 @@
                 <a:latin typeface="MS Gothic" panose="020B0609070205080204" pitchFamily="49" charset="-128"/>
                 <a:ea typeface="MS Gothic" panose="020B0609070205080204" pitchFamily="49" charset="-128"/>
               </a:rPr>
-              <a:t>なるほどね</a:t>
+              <a:t>なるほどね。</a:t>
             </a:r>
             <a:endParaRPr lang="en-GB" sz="3200" dirty="0"/>
           </a:p>
@@ -3985,7 +3985,7 @@
                 <a:latin typeface="MS Gothic" panose="020B0609070205080204" pitchFamily="49" charset="-128"/>
                 <a:ea typeface="MS Gothic" panose="020B0609070205080204" pitchFamily="49" charset="-128"/>
               </a:rPr>
-              <a:t>いいね</a:t>
+              <a:t>いいね！</a:t>
             </a:r>
             <a:endParaRPr lang="en-GB" sz="3200" dirty="0"/>
           </a:p>
@@ -4052,7 +4052,7 @@
                 <a:latin typeface="MS Gothic" panose="020B0609070205080204" pitchFamily="49" charset="-128"/>
                 <a:ea typeface="MS Gothic" panose="020B0609070205080204" pitchFamily="49" charset="-128"/>
               </a:rPr>
-              <a:t>のび太くん、機会があれば絶対牛肉生フォーをたべてみて</a:t>
+              <a:t>のび太くん、機会があれば絶対牛肉生フォーをたべてみて。</a:t>
             </a:r>
             <a:endParaRPr lang="en-GB" sz="3200" dirty="0"/>
           </a:p>
@@ -4604,7 +4604,7 @@
                 <a:latin typeface="MS Gothic" panose="020B0609070205080204" pitchFamily="49" charset="-128"/>
                 <a:ea typeface="MS Gothic" panose="020B0609070205080204" pitchFamily="49" charset="-128"/>
               </a:rPr>
-              <a:t>のび太くんいったの？</a:t>
+              <a:t>のび太くん、いった？</a:t>
             </a:r>
             <a:endParaRPr lang="en-GB" sz="3200" dirty="0">
               <a:latin typeface="MS Gothic" panose="020B0609070205080204" pitchFamily="49" charset="-128"/>
@@ -4899,8 +4899,8 @@
         </p:nvSpPr>
         <p:spPr>
           <a:xfrm>
-            <a:off x="0" y="3846099"/>
-            <a:ext cx="3556833" cy="2362352"/>
+            <a:off x="0" y="3680548"/>
+            <a:ext cx="3886200" cy="2729777"/>
           </a:xfrm>
           <a:prstGeom prst="wedgeRoundRectCallout">
             <a:avLst>
@@ -4946,7 +4946,21 @@
                 <a:latin typeface="MS Gothic" panose="020B0609070205080204" pitchFamily="49" charset="-128"/>
                 <a:ea typeface="MS Gothic" panose="020B0609070205080204" pitchFamily="49" charset="-128"/>
               </a:rPr>
-              <a:t>取引先か。ああ、そうだ。代々木の近くにいい店がありますが。</a:t>
+              <a:t>取引先接待か</a:t>
+            </a:r>
+            <a:r>
+              <a:rPr lang="en-GB" altLang="ja-JP" sz="3200" dirty="0">
+                <a:latin typeface="MS Gothic" panose="020B0609070205080204" pitchFamily="49" charset="-128"/>
+                <a:ea typeface="MS Gothic" panose="020B0609070205080204" pitchFamily="49" charset="-128"/>
+              </a:rPr>
+              <a:t>…</a:t>
+            </a:r>
+            <a:r>
+              <a:rPr lang="ja-JP" altLang="en-US" sz="3200" dirty="0">
+                <a:latin typeface="MS Gothic" panose="020B0609070205080204" pitchFamily="49" charset="-128"/>
+                <a:ea typeface="MS Gothic" panose="020B0609070205080204" pitchFamily="49" charset="-128"/>
+              </a:rPr>
+              <a:t>、ああ、そうだ。代々木の近くに良い店があります。</a:t>
             </a:r>
             <a:endParaRPr lang="en-GB" sz="3200" dirty="0"/>
           </a:p>
@@ -5266,8 +5280,8 @@
         </p:nvSpPr>
         <p:spPr>
           <a:xfrm>
-            <a:off x="1681042" y="199074"/>
-            <a:ext cx="4129042" cy="3329597"/>
+            <a:off x="1755922" y="199074"/>
+            <a:ext cx="4054161" cy="3329597"/>
           </a:xfrm>
           <a:prstGeom prst="wedgeRoundRectCallout">
             <a:avLst>
@@ -5313,7 +5327,7 @@
                 <a:latin typeface="MS Gothic" panose="020B0609070205080204" pitchFamily="49" charset="-128"/>
                 <a:ea typeface="MS Gothic" panose="020B0609070205080204" pitchFamily="49" charset="-128"/>
               </a:rPr>
-              <a:t>ベトナムくん。次回、取引先にベトナム料理を招待しようと思っていますので、雰囲気がいい店がありますか。</a:t>
+              <a:t>ベトナムちゃん。次回、取引先にベトナム料理を招待しようと思っていますので、雰囲気がいい店がありますか。</a:t>
             </a:r>
             <a:endParaRPr lang="en-GB" altLang="ja-JP" sz="3200" b="1" dirty="0">
               <a:latin typeface="MS Gothic" panose="020B0609070205080204" pitchFamily="49" charset="-128"/>
@@ -5873,7 +5887,7 @@
                 <a:latin typeface="MS Gothic" panose="020B0609070205080204" pitchFamily="49" charset="-128"/>
                 <a:ea typeface="MS Gothic" panose="020B0609070205080204" pitchFamily="49" charset="-128"/>
               </a:rPr>
-              <a:t>おお。屋上でも食事できますか。楽しみですね。</a:t>
+              <a:t>わぁ。屋上でも食事できますか。楽しみですね。</a:t>
             </a:r>
             <a:endParaRPr lang="en-GB" sz="3200" dirty="0"/>
           </a:p>
@@ -5940,7 +5954,7 @@
                 <a:latin typeface="MS Gothic" panose="020B0609070205080204" pitchFamily="49" charset="-128"/>
                 <a:ea typeface="MS Gothic" panose="020B0609070205080204" pitchFamily="49" charset="-128"/>
               </a:rPr>
-              <a:t>わ。。ベトナムの北から南までの食べ物があるので、各地域の本場の味を味わえます。</a:t>
+              <a:t>ベトナムの北から南までの食べ物があるので、各地域の本場の味を味わえます。</a:t>
             </a:r>
             <a:endParaRPr lang="en-GB" sz="3200" dirty="0">
               <a:latin typeface="MS Gothic" panose="020B0609070205080204" pitchFamily="49" charset="-128"/>
@@ -6967,7 +6981,7 @@
         <p:spPr>
           <a:xfrm>
             <a:off x="324450" y="975199"/>
-            <a:ext cx="4539758" cy="1452201"/>
+            <a:ext cx="5625102" cy="1729901"/>
           </a:xfrm>
           <a:prstGeom prst="wedgeRoundRectCallout">
             <a:avLst>
@@ -7013,7 +7027,7 @@
                 <a:latin typeface="MS Gothic" panose="020B0609070205080204" pitchFamily="49" charset="-128"/>
                 <a:ea typeface="MS Gothic" panose="020B0609070205080204" pitchFamily="49" charset="-128"/>
               </a:rPr>
-              <a:t>先週のアポはどうでしたか。</a:t>
+              <a:t>先週の接待はどうでしたか。</a:t>
             </a:r>
             <a:endParaRPr lang="en-GB" sz="3200" dirty="0">
               <a:latin typeface="MS Gothic" panose="020B0609070205080204" pitchFamily="49" charset="-128"/>
@@ -7087,14 +7101,7 @@
                 <a:latin typeface="MS Gothic" panose="020B0609070205080204" pitchFamily="49" charset="-128"/>
                 <a:ea typeface="MS Gothic" panose="020B0609070205080204" pitchFamily="49" charset="-128"/>
               </a:rPr>
-              <a:t>はい。美味しく食べました。ついでに教えることがあります。店で食べながら、新契約を結びました。はぁはぁ</a:t>
-            </a:r>
-            <a:r>
-              <a:rPr lang="ja-JP" altLang="en-US" sz="4000" dirty="0">
-                <a:latin typeface="MS Gothic" panose="020B0609070205080204" pitchFamily="49" charset="-128"/>
-                <a:ea typeface="MS Gothic" panose="020B0609070205080204" pitchFamily="49" charset="-128"/>
-              </a:rPr>
-              <a:t>。</a:t>
+              <a:t>はい。接待したお客様も大変喜ばれれて新契約を結ぶことができました。ありがとうございます。</a:t>
             </a:r>
             <a:endParaRPr lang="en-GB" dirty="0"/>
           </a:p>
@@ -7309,7 +7316,7 @@
                 <a:latin typeface="MS Gothic" panose="020B0609070205080204" pitchFamily="49" charset="-128"/>
                 <a:ea typeface="MS Gothic" panose="020B0609070205080204" pitchFamily="49" charset="-128"/>
               </a:rPr>
-              <a:t>ねね、ベトナムくん。美味しいベトナム店教えて。週末彼女とデートする予定です</a:t>
+              <a:t>あのね。ベトナムくん。美味しいベトナム店教えて。週末彼女とデートする予定だよ</a:t>
             </a:r>
             <a:r>
               <a:rPr lang="ja-JP" altLang="en-US" sz="4000" dirty="0">
@@ -7738,7 +7745,7 @@
         <p:spPr>
           <a:xfrm>
             <a:off x="1" y="46028"/>
-            <a:ext cx="4343400" cy="2873556"/>
+            <a:ext cx="4086223" cy="2873556"/>
           </a:xfrm>
           <a:prstGeom prst="wedgeEllipseCallout">
             <a:avLst>
@@ -7850,7 +7857,7 @@
                 <a:latin typeface="MS Gothic" panose="020B0609070205080204" pitchFamily="49" charset="-128"/>
                 <a:ea typeface="MS Gothic" panose="020B0609070205080204" pitchFamily="49" charset="-128"/>
               </a:rPr>
-              <a:t>いくいくよ。恵比寿の辺はどう？</a:t>
+              <a:t>いくいく。恵比寿の辺はどう？</a:t>
             </a:r>
             <a:endParaRPr lang="en-GB" sz="3200" dirty="0"/>
           </a:p>
@@ -8291,7 +8298,7 @@
                 <a:latin typeface="MS Gothic" panose="020B0609070205080204" pitchFamily="49" charset="-128"/>
                 <a:ea typeface="MS Gothic" panose="020B0609070205080204" pitchFamily="49" charset="-128"/>
               </a:rPr>
-              <a:t>きてきて。この店の写真を持っているよ。</a:t>
+              <a:t>みてみて。この店の写真を持っているよ。</a:t>
             </a:r>
             <a:endParaRPr lang="en-GB" sz="3200" dirty="0"/>
           </a:p>
@@ -8687,7 +8694,7 @@
                 <a:latin typeface="MS Gothic" panose="020B0609070205080204" pitchFamily="49" charset="-128"/>
                 <a:ea typeface="MS Gothic" panose="020B0609070205080204" pitchFamily="49" charset="-128"/>
               </a:rPr>
-              <a:t>ええ、雰囲気がいいなぁ</a:t>
+              <a:t>ええ、雰囲気がいいなぁ！</a:t>
             </a:r>
             <a:endParaRPr lang="en-GB" sz="3200" dirty="0"/>
           </a:p>
@@ -8754,7 +8761,7 @@
                 <a:latin typeface="MS Gothic" panose="020B0609070205080204" pitchFamily="49" charset="-128"/>
                 <a:ea typeface="MS Gothic" panose="020B0609070205080204" pitchFamily="49" charset="-128"/>
               </a:rPr>
-              <a:t>ほらほら見て、新品が出たばかりだよ。食べたい食べたい。</a:t>
+              <a:t>ほらほら見て、新しいメニューが出たばかりだよ。食べたい食べたい。</a:t>
             </a:r>
             <a:endParaRPr lang="en-GB" sz="3200" dirty="0"/>
           </a:p>
@@ -9104,8 +9111,8 @@
         </p:nvSpPr>
         <p:spPr>
           <a:xfrm>
-            <a:off x="1" y="39553"/>
-            <a:ext cx="3829050" cy="2473254"/>
+            <a:off x="0" y="39553"/>
+            <a:ext cx="4419600" cy="2473254"/>
           </a:xfrm>
           <a:prstGeom prst="wedgeEllipseCallout">
             <a:avLst>
@@ -9150,7 +9157,7 @@
                 <a:latin typeface="MS Gothic" panose="020B0609070205080204" pitchFamily="49" charset="-128"/>
                 <a:ea typeface="MS Gothic" panose="020B0609070205080204" pitchFamily="49" charset="-128"/>
               </a:rPr>
-              <a:t>ちょっと辛いそうかな。たべられないわ</a:t>
+              <a:t>ちょっと辛いそうかな。食べられないかも。</a:t>
             </a:r>
             <a:endParaRPr lang="en-GB" sz="3200" dirty="0"/>
           </a:p>
@@ -9769,7 +9776,7 @@
                 <a:latin typeface="MS Gothic" panose="020B0609070205080204" pitchFamily="49" charset="-128"/>
                 <a:ea typeface="MS Gothic" panose="020B0609070205080204" pitchFamily="49" charset="-128"/>
               </a:rPr>
-              <a:t>満足したの？</a:t>
+              <a:t>満足した？</a:t>
             </a:r>
             <a:endParaRPr lang="en-GB" dirty="0"/>
           </a:p>
@@ -9836,7 +9843,7 @@
                 <a:latin typeface="MS Gothic" panose="020B0609070205080204" pitchFamily="49" charset="-128"/>
                 <a:ea typeface="MS Gothic" panose="020B0609070205080204" pitchFamily="49" charset="-128"/>
               </a:rPr>
-              <a:t>うん。そうですね。やっぱり美味しく、辛くなかったね。もっと食べたいな～。また一緒に行く？</a:t>
+              <a:t>うん。そうだね。やっぱり、辛くなかったんだよ。もっと食べたいな～。また一緒に行く？</a:t>
             </a:r>
             <a:endParaRPr lang="en-GB" dirty="0"/>
           </a:p>
@@ -10087,7 +10094,7 @@
                 <a:latin typeface="MS Gothic" panose="020B0609070205080204" pitchFamily="49" charset="-128"/>
                 <a:ea typeface="MS Gothic" panose="020B0609070205080204" pitchFamily="49" charset="-128"/>
               </a:rPr>
-              <a:t>そこに個室みたいで座るところがあるので、二人だけいる欲しかたった、いいだと思う。</a:t>
+              <a:t>あそこに個室みたいで座るところがあるので、二人だけで食べたら、いいだと思うな！</a:t>
             </a:r>
             <a:endParaRPr lang="en-GB" sz="3200" dirty="0">
               <a:latin typeface="MS Gothic" panose="020B0609070205080204" pitchFamily="49" charset="-128"/>
@@ -10553,7 +10560,7 @@
                 <a:latin typeface="MS Gothic" panose="020B0609070205080204" pitchFamily="49" charset="-128"/>
                 <a:ea typeface="MS Gothic" panose="020B0609070205080204" pitchFamily="49" charset="-128"/>
               </a:rPr>
-              <a:t>そうそう、値段も安いし、</a:t>
+              <a:t>そうそう、値段も安いし、。。。</a:t>
             </a:r>
             <a:endParaRPr lang="en-GB" sz="3200" dirty="0">
               <a:latin typeface="MS Gothic" panose="020B0609070205080204" pitchFamily="49" charset="-128"/>
@@ -11023,7 +11030,7 @@
                 <a:latin typeface="MS Gothic" panose="020B0609070205080204" pitchFamily="49" charset="-128"/>
                 <a:ea typeface="MS Gothic" panose="020B0609070205080204" pitchFamily="49" charset="-128"/>
               </a:rPr>
-              <a:t>うん。おすすめは蟹のすり身 のスープです。ぜひ食べてみて</a:t>
+              <a:t>うん。おすすめは蟹のすり身 のスープです。ぜひ食べてみて。</a:t>
             </a:r>
             <a:endParaRPr lang="en-GB" sz="3200" dirty="0">
               <a:latin typeface="MS Gothic" panose="020B0609070205080204" pitchFamily="49" charset="-128"/>
@@ -11615,7 +11622,7 @@
                 <a:latin typeface="MS Gothic" panose="020B0609070205080204" pitchFamily="49" charset="-128"/>
                 <a:ea typeface="MS Gothic" panose="020B0609070205080204" pitchFamily="49" charset="-128"/>
               </a:rPr>
-              <a:t>うん。行ったよ。やっぱり安くておいしかったね。彼女は大好きって。また行こうと思っています。</a:t>
+              <a:t>うん。行ったよ。やっぱり安くておいしかったね。彼女は大好き、また行こうと約束しましたよ。</a:t>
             </a:r>
             <a:endParaRPr lang="en-GB" sz="3200" dirty="0">
               <a:latin typeface="MS Gothic" panose="020B0609070205080204" pitchFamily="49" charset="-128"/>
@@ -11643,7 +11650,7 @@
         <p:spPr>
           <a:xfrm>
             <a:off x="246368" y="290425"/>
-            <a:ext cx="5525832" cy="2322286"/>
+            <a:ext cx="4258957" cy="2322286"/>
           </a:xfrm>
           <a:prstGeom prst="wedgeEllipseCallout">
             <a:avLst>
@@ -11685,7 +11692,7 @@
                 <a:latin typeface="MS Gothic" panose="020B0609070205080204" pitchFamily="49" charset="-128"/>
                 <a:ea typeface="MS Gothic" panose="020B0609070205080204" pitchFamily="49" charset="-128"/>
               </a:rPr>
-              <a:t>のび太くんいったの？</a:t>
+              <a:t>のび太くん、いった？</a:t>
             </a:r>
             <a:endParaRPr lang="en-GB" sz="3200" dirty="0">
               <a:latin typeface="MS Gothic" panose="020B0609070205080204" pitchFamily="49" charset="-128"/>
@@ -12138,7 +12145,7 @@
         </p:blipFill>
         <p:spPr>
           <a:xfrm>
-            <a:off x="-3449837" y="-3493914"/>
+            <a:off x="-5583437" y="-4988886"/>
             <a:ext cx="2170687" cy="3011902"/>
           </a:xfrm>
           <a:prstGeom prst="rect">
@@ -12326,7 +12333,7 @@
         <p:spPr>
           <a:xfrm>
             <a:off x="0" y="88425"/>
-            <a:ext cx="3396343" cy="2362352"/>
+            <a:ext cx="3857625" cy="2362352"/>
           </a:xfrm>
           <a:prstGeom prst="wedgeEllipseCallout">
             <a:avLst>
@@ -12385,7 +12392,7 @@
                 <a:latin typeface="MS Gothic" panose="020B0609070205080204" pitchFamily="49" charset="-128"/>
                 <a:ea typeface="MS Gothic" panose="020B0609070205080204" pitchFamily="49" charset="-128"/>
               </a:rPr>
-              <a:t>いいよいいよ</a:t>
+              <a:t>いいよいいよ。</a:t>
             </a:r>
             <a:endParaRPr lang="en-GB" sz="3200" dirty="0"/>
           </a:p>
@@ -12452,7 +12459,7 @@
                 <a:latin typeface="MS Gothic" panose="020B0609070205080204" pitchFamily="49" charset="-128"/>
                 <a:ea typeface="MS Gothic" panose="020B0609070205080204" pitchFamily="49" charset="-128"/>
               </a:rPr>
-              <a:t>そこは広いし、にぎやかな店なので、同窓会のためいい選ぶと思う</a:t>
+              <a:t>そこは広いし、にぎやかな店なので、同窓会のためいいと思う。</a:t>
             </a:r>
             <a:endParaRPr lang="en-GB" sz="3200" dirty="0"/>
           </a:p>

--- a/design/story.pptx
+++ b/design/story.pptx
@@ -284,7 +284,7 @@
           <a:p>
             <a:fld id="{7CCD71B0-6FFF-42B2-87FC-FA95A5074649}" type="datetimeFigureOut">
               <a:rPr lang="en-GB" smtClean="0"/>
-              <a:t>13/09/2021</a:t>
+              <a:t>14/09/2021</a:t>
             </a:fld>
             <a:endParaRPr lang="en-GB"/>
           </a:p>
@@ -484,7 +484,7 @@
           <a:p>
             <a:fld id="{7CCD71B0-6FFF-42B2-87FC-FA95A5074649}" type="datetimeFigureOut">
               <a:rPr lang="en-GB" smtClean="0"/>
-              <a:t>13/09/2021</a:t>
+              <a:t>14/09/2021</a:t>
             </a:fld>
             <a:endParaRPr lang="en-GB"/>
           </a:p>
@@ -694,7 +694,7 @@
           <a:p>
             <a:fld id="{7CCD71B0-6FFF-42B2-87FC-FA95A5074649}" type="datetimeFigureOut">
               <a:rPr lang="en-GB" smtClean="0"/>
-              <a:t>13/09/2021</a:t>
+              <a:t>14/09/2021</a:t>
             </a:fld>
             <a:endParaRPr lang="en-GB"/>
           </a:p>
@@ -894,7 +894,7 @@
           <a:p>
             <a:fld id="{7CCD71B0-6FFF-42B2-87FC-FA95A5074649}" type="datetimeFigureOut">
               <a:rPr lang="en-GB" smtClean="0"/>
-              <a:t>13/09/2021</a:t>
+              <a:t>14/09/2021</a:t>
             </a:fld>
             <a:endParaRPr lang="en-GB"/>
           </a:p>
@@ -1170,7 +1170,7 @@
           <a:p>
             <a:fld id="{7CCD71B0-6FFF-42B2-87FC-FA95A5074649}" type="datetimeFigureOut">
               <a:rPr lang="en-GB" smtClean="0"/>
-              <a:t>13/09/2021</a:t>
+              <a:t>14/09/2021</a:t>
             </a:fld>
             <a:endParaRPr lang="en-GB"/>
           </a:p>
@@ -1438,7 +1438,7 @@
           <a:p>
             <a:fld id="{7CCD71B0-6FFF-42B2-87FC-FA95A5074649}" type="datetimeFigureOut">
               <a:rPr lang="en-GB" smtClean="0"/>
-              <a:t>13/09/2021</a:t>
+              <a:t>14/09/2021</a:t>
             </a:fld>
             <a:endParaRPr lang="en-GB"/>
           </a:p>
@@ -1853,7 +1853,7 @@
           <a:p>
             <a:fld id="{7CCD71B0-6FFF-42B2-87FC-FA95A5074649}" type="datetimeFigureOut">
               <a:rPr lang="en-GB" smtClean="0"/>
-              <a:t>13/09/2021</a:t>
+              <a:t>14/09/2021</a:t>
             </a:fld>
             <a:endParaRPr lang="en-GB"/>
           </a:p>
@@ -1995,7 +1995,7 @@
           <a:p>
             <a:fld id="{7CCD71B0-6FFF-42B2-87FC-FA95A5074649}" type="datetimeFigureOut">
               <a:rPr lang="en-GB" smtClean="0"/>
-              <a:t>13/09/2021</a:t>
+              <a:t>14/09/2021</a:t>
             </a:fld>
             <a:endParaRPr lang="en-GB"/>
           </a:p>
@@ -2108,7 +2108,7 @@
           <a:p>
             <a:fld id="{7CCD71B0-6FFF-42B2-87FC-FA95A5074649}" type="datetimeFigureOut">
               <a:rPr lang="en-GB" smtClean="0"/>
-              <a:t>13/09/2021</a:t>
+              <a:t>14/09/2021</a:t>
             </a:fld>
             <a:endParaRPr lang="en-GB"/>
           </a:p>
@@ -2421,7 +2421,7 @@
           <a:p>
             <a:fld id="{7CCD71B0-6FFF-42B2-87FC-FA95A5074649}" type="datetimeFigureOut">
               <a:rPr lang="en-GB" smtClean="0"/>
-              <a:t>13/09/2021</a:t>
+              <a:t>14/09/2021</a:t>
             </a:fld>
             <a:endParaRPr lang="en-GB"/>
           </a:p>
@@ -2710,7 +2710,7 @@
           <a:p>
             <a:fld id="{7CCD71B0-6FFF-42B2-87FC-FA95A5074649}" type="datetimeFigureOut">
               <a:rPr lang="en-GB" smtClean="0"/>
-              <a:t>13/09/2021</a:t>
+              <a:t>14/09/2021</a:t>
             </a:fld>
             <a:endParaRPr lang="en-GB"/>
           </a:p>
@@ -2953,7 +2953,7 @@
           <a:p>
             <a:fld id="{7CCD71B0-6FFF-42B2-87FC-FA95A5074649}" type="datetimeFigureOut">
               <a:rPr lang="en-GB" smtClean="0"/>
-              <a:t>13/09/2021</a:t>
+              <a:t>14/09/2021</a:t>
             </a:fld>
             <a:endParaRPr lang="en-GB"/>
           </a:p>
@@ -3589,7 +3589,7 @@
                 <a:latin typeface="MS Gothic" panose="020B0609070205080204" pitchFamily="49" charset="-128"/>
                 <a:ea typeface="MS Gothic" panose="020B0609070205080204" pitchFamily="49" charset="-128"/>
               </a:rPr>
-              <a:t>円だよ</a:t>
+              <a:t>円だよ。</a:t>
             </a:r>
             <a:endParaRPr lang="en-GB" sz="3200" dirty="0"/>
           </a:p>
@@ -3623,7 +3623,7 @@
         </p:blipFill>
         <p:spPr>
           <a:xfrm>
-            <a:off x="11416166" y="-3291078"/>
+            <a:off x="12415541" y="-4051016"/>
             <a:ext cx="1551667" cy="2904402"/>
           </a:xfrm>
           <a:prstGeom prst="rect">
@@ -3660,7 +3660,7 @@
         </p:blipFill>
         <p:spPr bwMode="auto">
           <a:xfrm>
-            <a:off x="-3793026" y="-3971084"/>
+            <a:off x="-4504226" y="-3971084"/>
             <a:ext cx="2752647" cy="3268768"/>
           </a:xfrm>
           <a:prstGeom prst="rect">
@@ -3706,7 +3706,7 @@
         </p:blipFill>
         <p:spPr>
           <a:xfrm>
-            <a:off x="3925313" y="89667"/>
+            <a:off x="3925313" y="159568"/>
             <a:ext cx="2170687" cy="3011902"/>
           </a:xfrm>
           <a:prstGeom prst="rect">
@@ -3751,7 +3751,7 @@
         </p:blipFill>
         <p:spPr bwMode="auto">
           <a:xfrm>
-            <a:off x="260578" y="-3740791"/>
+            <a:off x="479855" y="-4118052"/>
             <a:ext cx="2009775" cy="3038475"/>
           </a:xfrm>
           <a:prstGeom prst="rect">
@@ -3797,7 +3797,7 @@
         </p:blipFill>
         <p:spPr>
           <a:xfrm>
-            <a:off x="6730840" y="-3415264"/>
+            <a:off x="7064669" y="-3971084"/>
             <a:ext cx="1551667" cy="2904402"/>
           </a:xfrm>
           <a:prstGeom prst="rect">
@@ -3869,6 +3869,56 @@
           <a:prstGeom prst="rect">
             <a:avLst/>
           </a:prstGeom>
+        </p:spPr>
+        <p:style>
+          <a:lnRef idx="2">
+            <a:schemeClr val="accent1">
+              <a:shade val="50000"/>
+            </a:schemeClr>
+          </a:lnRef>
+          <a:fillRef idx="1">
+            <a:schemeClr val="accent1"/>
+          </a:fillRef>
+          <a:effectRef idx="0">
+            <a:schemeClr val="accent1"/>
+          </a:effectRef>
+          <a:fontRef idx="minor">
+            <a:schemeClr val="lt1"/>
+          </a:fontRef>
+        </p:style>
+        <p:txBody>
+          <a:bodyPr rtlCol="0" anchor="ctr"/>
+          <a:lstStyle/>
+          <a:p>
+            <a:pPr algn="ctr"/>
+            <a:endParaRPr lang="en-GB"/>
+          </a:p>
+        </p:txBody>
+      </p:sp>
+      <p:sp>
+        <p:nvSpPr>
+          <p:cNvPr id="12" name="Rectangle 11">
+            <a:extLst>
+              <a:ext uri="{FF2B5EF4-FFF2-40B4-BE49-F238E27FC236}">
+                <a16:creationId xmlns:a16="http://schemas.microsoft.com/office/drawing/2014/main" id="{92C7495A-C604-40AD-ACF5-672EC13023D6}"/>
+              </a:ext>
+            </a:extLst>
+          </p:cNvPr>
+          <p:cNvSpPr/>
+          <p:nvPr/>
+        </p:nvSpPr>
+        <p:spPr>
+          <a:xfrm>
+            <a:off x="2301887" y="-420914"/>
+            <a:ext cx="1168400" cy="420914"/>
+          </a:xfrm>
+          <a:prstGeom prst="rect">
+            <a:avLst/>
+          </a:prstGeom>
+          <a:noFill/>
+          <a:ln>
+            <a:noFill/>
+          </a:ln>
         </p:spPr>
         <p:style>
           <a:lnRef idx="2">
@@ -4005,7 +4055,7 @@
         </p:nvSpPr>
         <p:spPr>
           <a:xfrm>
-            <a:off x="2270353" y="3152841"/>
+            <a:off x="2012489" y="3293156"/>
             <a:ext cx="3825647" cy="2362352"/>
           </a:xfrm>
           <a:prstGeom prst="wedgeRoundRectCallout">
@@ -4086,7 +4136,7 @@
         </p:blipFill>
         <p:spPr>
           <a:xfrm>
-            <a:off x="11416166" y="-3291078"/>
+            <a:off x="11559987" y="-3886164"/>
             <a:ext cx="1551667" cy="2904402"/>
           </a:xfrm>
           <a:prstGeom prst="rect">
@@ -4214,7 +4264,7 @@
         </p:blipFill>
         <p:spPr bwMode="auto">
           <a:xfrm>
-            <a:off x="260578" y="-3740791"/>
+            <a:off x="632013" y="-4810316"/>
             <a:ext cx="2009775" cy="3038475"/>
           </a:xfrm>
           <a:prstGeom prst="rect">
@@ -4260,7 +4310,7 @@
         </p:blipFill>
         <p:spPr>
           <a:xfrm>
-            <a:off x="6730840" y="-3415264"/>
+            <a:off x="7195297" y="-4419194"/>
             <a:ext cx="1551667" cy="2904402"/>
           </a:xfrm>
           <a:prstGeom prst="rect">
@@ -4296,7 +4346,7 @@
         </p:blipFill>
         <p:spPr>
           <a:xfrm flipH="1">
-            <a:off x="566058" y="3254677"/>
+            <a:off x="150826" y="3293156"/>
             <a:ext cx="1656202" cy="3152775"/>
           </a:xfrm>
           <a:prstGeom prst="rect">
@@ -4332,6 +4382,56 @@
           <a:prstGeom prst="rect">
             <a:avLst/>
           </a:prstGeom>
+        </p:spPr>
+        <p:style>
+          <a:lnRef idx="2">
+            <a:schemeClr val="accent1">
+              <a:shade val="50000"/>
+            </a:schemeClr>
+          </a:lnRef>
+          <a:fillRef idx="1">
+            <a:schemeClr val="accent1"/>
+          </a:fillRef>
+          <a:effectRef idx="0">
+            <a:schemeClr val="accent1"/>
+          </a:effectRef>
+          <a:fontRef idx="minor">
+            <a:schemeClr val="lt1"/>
+          </a:fontRef>
+        </p:style>
+        <p:txBody>
+          <a:bodyPr rtlCol="0" anchor="ctr"/>
+          <a:lstStyle/>
+          <a:p>
+            <a:pPr algn="ctr"/>
+            <a:endParaRPr lang="en-GB"/>
+          </a:p>
+        </p:txBody>
+      </p:sp>
+      <p:sp>
+        <p:nvSpPr>
+          <p:cNvPr id="12" name="Rectangle 11">
+            <a:extLst>
+              <a:ext uri="{FF2B5EF4-FFF2-40B4-BE49-F238E27FC236}">
+                <a16:creationId xmlns:a16="http://schemas.microsoft.com/office/drawing/2014/main" id="{2517D53C-1ED4-4567-952A-4C836686FEBF}"/>
+              </a:ext>
+            </a:extLst>
+          </p:cNvPr>
+          <p:cNvSpPr/>
+          <p:nvPr/>
+        </p:nvSpPr>
+        <p:spPr>
+          <a:xfrm>
+            <a:off x="2301887" y="-420914"/>
+            <a:ext cx="1168400" cy="420914"/>
+          </a:xfrm>
+          <a:prstGeom prst="rect">
+            <a:avLst/>
+          </a:prstGeom>
+          <a:noFill/>
+          <a:ln>
+            <a:noFill/>
+          </a:ln>
         </p:spPr>
         <p:style>
           <a:lnRef idx="2">
@@ -4416,7 +4516,7 @@
         </p:blipFill>
         <p:spPr>
           <a:xfrm>
-            <a:off x="-3164967" y="-5183487"/>
+            <a:off x="-3295596" y="-6330116"/>
             <a:ext cx="2330201" cy="4361657"/>
           </a:xfrm>
           <a:prstGeom prst="rect">
@@ -4452,7 +4552,7 @@
         </p:blipFill>
         <p:spPr>
           <a:xfrm>
-            <a:off x="3778865" y="-3147334"/>
+            <a:off x="4278872" y="-4357362"/>
             <a:ext cx="2170687" cy="3011902"/>
           </a:xfrm>
           <a:prstGeom prst="rect">
@@ -4489,7 +4589,7 @@
         </p:blipFill>
         <p:spPr bwMode="auto">
           <a:xfrm>
-            <a:off x="-115388" y="-3633502"/>
+            <a:off x="1296999" y="-4796749"/>
             <a:ext cx="2009775" cy="3038475"/>
           </a:xfrm>
           <a:prstGeom prst="rect">
@@ -4535,7 +4635,7 @@
         </p:blipFill>
         <p:spPr>
           <a:xfrm>
-            <a:off x="6861469" y="-3002658"/>
+            <a:off x="8093369" y="-4691758"/>
             <a:ext cx="1551667" cy="2904402"/>
           </a:xfrm>
           <a:prstGeom prst="rect">
@@ -4557,7 +4657,7 @@
         </p:nvSpPr>
         <p:spPr>
           <a:xfrm>
-            <a:off x="2039293" y="813132"/>
+            <a:off x="2154681" y="222582"/>
             <a:ext cx="4539758" cy="1452201"/>
           </a:xfrm>
           <a:prstGeom prst="wedgeRoundRectCallout">
@@ -4631,7 +4731,7 @@
         </p:nvSpPr>
         <p:spPr>
           <a:xfrm>
-            <a:off x="2948298" y="2648495"/>
+            <a:off x="3063686" y="2057945"/>
             <a:ext cx="7261506" cy="2641714"/>
           </a:xfrm>
           <a:prstGeom prst="wedgeRoundRectCallout">
@@ -4712,7 +4812,7 @@
         </p:blipFill>
         <p:spPr>
           <a:xfrm flipH="1">
-            <a:off x="-1726245" y="590550"/>
+            <a:off x="-1610857" y="0"/>
             <a:ext cx="3221713" cy="6132909"/>
           </a:xfrm>
           <a:prstGeom prst="rect">
@@ -4761,7 +4861,7 @@
         </p:blipFill>
         <p:spPr>
           <a:xfrm>
-            <a:off x="10737247" y="813132"/>
+            <a:off x="10852635" y="222582"/>
             <a:ext cx="3910378" cy="5910327"/>
           </a:xfrm>
           <a:prstGeom prst="rect">
@@ -4777,6 +4877,56 @@
           </a:effectLst>
         </p:spPr>
       </p:pic>
+      <p:sp>
+        <p:nvSpPr>
+          <p:cNvPr id="13" name="Rectangle 12">
+            <a:extLst>
+              <a:ext uri="{FF2B5EF4-FFF2-40B4-BE49-F238E27FC236}">
+                <a16:creationId xmlns:a16="http://schemas.microsoft.com/office/drawing/2014/main" id="{88E1B82C-E418-4A1B-B4DA-F63AACE75ECD}"/>
+              </a:ext>
+            </a:extLst>
+          </p:cNvPr>
+          <p:cNvSpPr/>
+          <p:nvPr/>
+        </p:nvSpPr>
+        <p:spPr>
+          <a:xfrm>
+            <a:off x="2154507" y="-627388"/>
+            <a:ext cx="1168400" cy="596900"/>
+          </a:xfrm>
+          <a:prstGeom prst="rect">
+            <a:avLst/>
+          </a:prstGeom>
+          <a:noFill/>
+          <a:ln>
+            <a:noFill/>
+          </a:ln>
+        </p:spPr>
+        <p:style>
+          <a:lnRef idx="2">
+            <a:schemeClr val="accent1">
+              <a:shade val="50000"/>
+            </a:schemeClr>
+          </a:lnRef>
+          <a:fillRef idx="1">
+            <a:schemeClr val="accent1"/>
+          </a:fillRef>
+          <a:effectRef idx="0">
+            <a:schemeClr val="accent1"/>
+          </a:effectRef>
+          <a:fontRef idx="minor">
+            <a:schemeClr val="lt1"/>
+          </a:fontRef>
+        </p:style>
+        <p:txBody>
+          <a:bodyPr rtlCol="0" anchor="ctr"/>
+          <a:lstStyle/>
+          <a:p>
+            <a:pPr algn="ctr"/>
+            <a:endParaRPr lang="en-GB"/>
+          </a:p>
+        </p:txBody>
+      </p:sp>
     </p:spTree>
     <p:extLst>
       <p:ext uri="{BB962C8B-B14F-4D97-AF65-F5344CB8AC3E}">
@@ -5075,7 +5225,7 @@
         </p:blipFill>
         <p:spPr bwMode="auto">
           <a:xfrm>
-            <a:off x="1755922" y="-3167712"/>
+            <a:off x="3103934" y="-4894686"/>
             <a:ext cx="2752647" cy="3268768"/>
           </a:xfrm>
           <a:prstGeom prst="rect">
@@ -5121,7 +5271,7 @@
         </p:blipFill>
         <p:spPr>
           <a:xfrm>
-            <a:off x="-203729" y="0"/>
+            <a:off x="0" y="66800"/>
             <a:ext cx="2170687" cy="3011902"/>
           </a:xfrm>
           <a:prstGeom prst="rect">
@@ -5166,7 +5316,7 @@
         </p:blipFill>
         <p:spPr bwMode="auto">
           <a:xfrm>
-            <a:off x="-42817" y="-3069694"/>
+            <a:off x="1085343" y="-5118664"/>
             <a:ext cx="2009775" cy="3038475"/>
           </a:xfrm>
           <a:prstGeom prst="rect">
@@ -5212,7 +5362,7 @@
         </p:blipFill>
         <p:spPr>
           <a:xfrm>
-            <a:off x="6861469" y="-3002658"/>
+            <a:off x="8632212" y="-5978087"/>
             <a:ext cx="1551667" cy="2904402"/>
           </a:xfrm>
           <a:prstGeom prst="rect">
@@ -5280,8 +5430,8 @@
         </p:nvSpPr>
         <p:spPr>
           <a:xfrm>
-            <a:off x="1755922" y="199074"/>
-            <a:ext cx="4054161" cy="3329597"/>
+            <a:off x="2041839" y="78536"/>
+            <a:ext cx="4054161" cy="3461872"/>
           </a:xfrm>
           <a:prstGeom prst="wedgeRoundRectCallout">
             <a:avLst>
@@ -5333,6 +5483,56 @@
               <a:latin typeface="MS Gothic" panose="020B0609070205080204" pitchFamily="49" charset="-128"/>
               <a:ea typeface="MS Gothic" panose="020B0609070205080204" pitchFamily="49" charset="-128"/>
             </a:endParaRPr>
+          </a:p>
+        </p:txBody>
+      </p:sp>
+      <p:sp>
+        <p:nvSpPr>
+          <p:cNvPr id="12" name="Rectangle 11">
+            <a:extLst>
+              <a:ext uri="{FF2B5EF4-FFF2-40B4-BE49-F238E27FC236}">
+                <a16:creationId xmlns:a16="http://schemas.microsoft.com/office/drawing/2014/main" id="{F5CEF5F2-3AF7-4078-A373-469EFA18DB7C}"/>
+              </a:ext>
+            </a:extLst>
+          </p:cNvPr>
+          <p:cNvSpPr/>
+          <p:nvPr/>
+        </p:nvSpPr>
+        <p:spPr>
+          <a:xfrm>
+            <a:off x="2301887" y="-420914"/>
+            <a:ext cx="1168400" cy="420914"/>
+          </a:xfrm>
+          <a:prstGeom prst="rect">
+            <a:avLst/>
+          </a:prstGeom>
+          <a:noFill/>
+          <a:ln>
+            <a:noFill/>
+          </a:ln>
+        </p:spPr>
+        <p:style>
+          <a:lnRef idx="2">
+            <a:schemeClr val="accent1">
+              <a:shade val="50000"/>
+            </a:schemeClr>
+          </a:lnRef>
+          <a:fillRef idx="1">
+            <a:schemeClr val="accent1"/>
+          </a:fillRef>
+          <a:effectRef idx="0">
+            <a:schemeClr val="accent1"/>
+          </a:effectRef>
+          <a:fontRef idx="minor">
+            <a:schemeClr val="lt1"/>
+          </a:fontRef>
+        </p:style>
+        <p:txBody>
+          <a:bodyPr rtlCol="0" anchor="ctr"/>
+          <a:lstStyle/>
+          <a:p>
+            <a:pPr algn="ctr"/>
+            <a:endParaRPr lang="en-GB"/>
           </a:p>
         </p:txBody>
       </p:sp>
@@ -5380,7 +5580,7 @@
         </p:nvSpPr>
         <p:spPr>
           <a:xfrm>
-            <a:off x="2557837" y="216948"/>
+            <a:off x="2659437" y="216948"/>
             <a:ext cx="2352676" cy="1837202"/>
           </a:xfrm>
           <a:prstGeom prst="wedgeEllipseCallout">
@@ -5446,7 +5646,7 @@
         </p:nvSpPr>
         <p:spPr>
           <a:xfrm>
-            <a:off x="28722" y="3170512"/>
+            <a:off x="0" y="3203568"/>
             <a:ext cx="3895578" cy="3200566"/>
           </a:xfrm>
           <a:prstGeom prst="wedgeRoundRectCallout">
@@ -5527,7 +5727,7 @@
         </p:blipFill>
         <p:spPr>
           <a:xfrm>
-            <a:off x="8719547" y="-3539451"/>
+            <a:off x="9779090" y="-4867466"/>
             <a:ext cx="1685925" cy="3152775"/>
           </a:xfrm>
           <a:prstGeom prst="rect">
@@ -5562,7 +5762,7 @@
         </p:blipFill>
         <p:spPr bwMode="auto">
           <a:xfrm flipH="1">
-            <a:off x="-4162695" y="-3549338"/>
+            <a:off x="-5398586" y="-4507281"/>
             <a:ext cx="2397353" cy="3038476"/>
           </a:xfrm>
           <a:prstGeom prst="rect">
@@ -5608,7 +5808,7 @@
         </p:blipFill>
         <p:spPr>
           <a:xfrm>
-            <a:off x="28722" y="0"/>
+            <a:off x="130322" y="0"/>
             <a:ext cx="2352676" cy="3264418"/>
           </a:xfrm>
           <a:prstGeom prst="rect">
@@ -5653,7 +5853,7 @@
         </p:blipFill>
         <p:spPr bwMode="auto">
           <a:xfrm>
-            <a:off x="260578" y="-3740791"/>
+            <a:off x="942901" y="-5189083"/>
             <a:ext cx="2009775" cy="3038475"/>
           </a:xfrm>
           <a:prstGeom prst="rect">
@@ -5699,7 +5899,7 @@
         </p:blipFill>
         <p:spPr>
           <a:xfrm>
-            <a:off x="6730840" y="-3415264"/>
+            <a:off x="7006611" y="-4867466"/>
             <a:ext cx="1551667" cy="2904402"/>
           </a:xfrm>
           <a:prstGeom prst="rect">
@@ -5781,7 +5981,7 @@
         </p:blipFill>
         <p:spPr>
           <a:xfrm>
-            <a:off x="4410075" y="3705225"/>
+            <a:off x="4410075" y="3264418"/>
             <a:ext cx="1685925" cy="3152775"/>
           </a:xfrm>
           <a:prstGeom prst="rect">
@@ -5797,6 +5997,56 @@
           </a:effectLst>
         </p:spPr>
       </p:pic>
+      <p:sp>
+        <p:nvSpPr>
+          <p:cNvPr id="11" name="Rectangle 10">
+            <a:extLst>
+              <a:ext uri="{FF2B5EF4-FFF2-40B4-BE49-F238E27FC236}">
+                <a16:creationId xmlns:a16="http://schemas.microsoft.com/office/drawing/2014/main" id="{31936B91-F1AF-467F-91CE-4217DFB42A64}"/>
+              </a:ext>
+            </a:extLst>
+          </p:cNvPr>
+          <p:cNvSpPr/>
+          <p:nvPr/>
+        </p:nvSpPr>
+        <p:spPr>
+          <a:xfrm>
+            <a:off x="2301887" y="-420914"/>
+            <a:ext cx="1168400" cy="420914"/>
+          </a:xfrm>
+          <a:prstGeom prst="rect">
+            <a:avLst/>
+          </a:prstGeom>
+          <a:noFill/>
+          <a:ln>
+            <a:noFill/>
+          </a:ln>
+        </p:spPr>
+        <p:style>
+          <a:lnRef idx="2">
+            <a:schemeClr val="accent1">
+              <a:shade val="50000"/>
+            </a:schemeClr>
+          </a:lnRef>
+          <a:fillRef idx="1">
+            <a:schemeClr val="accent1"/>
+          </a:fillRef>
+          <a:effectRef idx="0">
+            <a:schemeClr val="accent1"/>
+          </a:effectRef>
+          <a:fontRef idx="minor">
+            <a:schemeClr val="lt1"/>
+          </a:fontRef>
+        </p:style>
+        <p:txBody>
+          <a:bodyPr rtlCol="0" anchor="ctr"/>
+          <a:lstStyle/>
+          <a:p>
+            <a:pPr algn="ctr"/>
+            <a:endParaRPr lang="en-GB"/>
+          </a:p>
+        </p:txBody>
+      </p:sp>
     </p:spTree>
     <p:extLst>
       <p:ext uri="{BB962C8B-B14F-4D97-AF65-F5344CB8AC3E}">
@@ -5991,7 +6241,7 @@
         </p:blipFill>
         <p:spPr>
           <a:xfrm>
-            <a:off x="8413136" y="-3217770"/>
+            <a:off x="10866050" y="-5728742"/>
             <a:ext cx="1685925" cy="3152775"/>
           </a:xfrm>
           <a:prstGeom prst="rect">
@@ -6028,7 +6278,7 @@
         </p:blipFill>
         <p:spPr bwMode="auto">
           <a:xfrm>
-            <a:off x="1755922" y="-3167712"/>
+            <a:off x="3399344" y="-5027047"/>
             <a:ext cx="2752647" cy="3268768"/>
           </a:xfrm>
           <a:prstGeom prst="rect">
@@ -6119,7 +6369,7 @@
         </p:blipFill>
         <p:spPr bwMode="auto">
           <a:xfrm>
-            <a:off x="-42817" y="-3069694"/>
+            <a:off x="751034" y="-4808951"/>
             <a:ext cx="2009775" cy="3038475"/>
           </a:xfrm>
           <a:prstGeom prst="rect">
@@ -6165,7 +6415,7 @@
         </p:blipFill>
         <p:spPr>
           <a:xfrm>
-            <a:off x="6861469" y="-3002658"/>
+            <a:off x="7964554" y="-4844864"/>
             <a:ext cx="1551667" cy="2904402"/>
           </a:xfrm>
           <a:prstGeom prst="rect">
@@ -6247,7 +6497,7 @@
         </p:blipFill>
         <p:spPr>
           <a:xfrm>
-            <a:off x="4410075" y="3705225"/>
+            <a:off x="4410075" y="3451716"/>
             <a:ext cx="1685925" cy="3152775"/>
           </a:xfrm>
           <a:prstGeom prst="rect">
@@ -6263,6 +6513,56 @@
           </a:effectLst>
         </p:spPr>
       </p:pic>
+      <p:sp>
+        <p:nvSpPr>
+          <p:cNvPr id="12" name="Rectangle 11">
+            <a:extLst>
+              <a:ext uri="{FF2B5EF4-FFF2-40B4-BE49-F238E27FC236}">
+                <a16:creationId xmlns:a16="http://schemas.microsoft.com/office/drawing/2014/main" id="{CD131FC0-4C25-455F-A9CB-C142F42EDEFC}"/>
+              </a:ext>
+            </a:extLst>
+          </p:cNvPr>
+          <p:cNvSpPr/>
+          <p:nvPr/>
+        </p:nvSpPr>
+        <p:spPr>
+          <a:xfrm>
+            <a:off x="2301887" y="-420914"/>
+            <a:ext cx="1168400" cy="420914"/>
+          </a:xfrm>
+          <a:prstGeom prst="rect">
+            <a:avLst/>
+          </a:prstGeom>
+          <a:noFill/>
+          <a:ln>
+            <a:noFill/>
+          </a:ln>
+        </p:spPr>
+        <p:style>
+          <a:lnRef idx="2">
+            <a:schemeClr val="accent1">
+              <a:shade val="50000"/>
+            </a:schemeClr>
+          </a:lnRef>
+          <a:fillRef idx="1">
+            <a:schemeClr val="accent1"/>
+          </a:fillRef>
+          <a:effectRef idx="0">
+            <a:schemeClr val="accent1"/>
+          </a:effectRef>
+          <a:fontRef idx="minor">
+            <a:schemeClr val="lt1"/>
+          </a:fontRef>
+        </p:style>
+        <p:txBody>
+          <a:bodyPr rtlCol="0" anchor="ctr"/>
+          <a:lstStyle/>
+          <a:p>
+            <a:pPr algn="ctr"/>
+            <a:endParaRPr lang="en-GB"/>
+          </a:p>
+        </p:txBody>
+      </p:sp>
     </p:spTree>
     <p:extLst>
       <p:ext uri="{BB962C8B-B14F-4D97-AF65-F5344CB8AC3E}">
@@ -6307,7 +6607,7 @@
         </p:nvSpPr>
         <p:spPr>
           <a:xfrm>
-            <a:off x="2425841" y="93198"/>
+            <a:off x="2483796" y="67718"/>
             <a:ext cx="3350539" cy="2473254"/>
           </a:xfrm>
           <a:prstGeom prst="wedgeEllipseCallout">
@@ -6466,7 +6766,7 @@
         </p:blipFill>
         <p:spPr bwMode="auto">
           <a:xfrm flipH="1">
-            <a:off x="-1703938" y="-3601404"/>
+            <a:off x="-1237636" y="-5120642"/>
             <a:ext cx="2170687" cy="3038475"/>
           </a:xfrm>
           <a:prstGeom prst="rect">
@@ -6512,7 +6812,7 @@
         </p:blipFill>
         <p:spPr>
           <a:xfrm>
-            <a:off x="8413136" y="-3217770"/>
+            <a:off x="9338808" y="-4725307"/>
             <a:ext cx="1685925" cy="3152775"/>
           </a:xfrm>
           <a:prstGeom prst="rect">
@@ -6631,7 +6931,7 @@
         </p:blipFill>
         <p:spPr>
           <a:xfrm>
-            <a:off x="6861469" y="-3002658"/>
+            <a:off x="7267869" y="-4986569"/>
             <a:ext cx="1551667" cy="2904402"/>
           </a:xfrm>
           <a:prstGeom prst="rect">
@@ -6713,7 +7013,7 @@
         </p:blipFill>
         <p:spPr>
           <a:xfrm>
-            <a:off x="4410075" y="3612027"/>
+            <a:off x="4410075" y="3039455"/>
             <a:ext cx="1685925" cy="3152775"/>
           </a:xfrm>
           <a:prstGeom prst="rect">
@@ -6773,6 +7073,56 @@
           </a:effectLst>
         </p:spPr>
       </p:pic>
+      <p:sp>
+        <p:nvSpPr>
+          <p:cNvPr id="14" name="Rectangle 13">
+            <a:extLst>
+              <a:ext uri="{FF2B5EF4-FFF2-40B4-BE49-F238E27FC236}">
+                <a16:creationId xmlns:a16="http://schemas.microsoft.com/office/drawing/2014/main" id="{6D7CF554-6DFE-404E-A8AD-F0C12CE5A3AE}"/>
+              </a:ext>
+            </a:extLst>
+          </p:cNvPr>
+          <p:cNvSpPr/>
+          <p:nvPr/>
+        </p:nvSpPr>
+        <p:spPr>
+          <a:xfrm>
+            <a:off x="2301887" y="-420914"/>
+            <a:ext cx="1168400" cy="420914"/>
+          </a:xfrm>
+          <a:prstGeom prst="rect">
+            <a:avLst/>
+          </a:prstGeom>
+          <a:noFill/>
+          <a:ln>
+            <a:noFill/>
+          </a:ln>
+        </p:spPr>
+        <p:style>
+          <a:lnRef idx="2">
+            <a:schemeClr val="accent1">
+              <a:shade val="50000"/>
+            </a:schemeClr>
+          </a:lnRef>
+          <a:fillRef idx="1">
+            <a:schemeClr val="accent1"/>
+          </a:fillRef>
+          <a:effectRef idx="0">
+            <a:schemeClr val="accent1"/>
+          </a:effectRef>
+          <a:fontRef idx="minor">
+            <a:schemeClr val="lt1"/>
+          </a:fontRef>
+        </p:style>
+        <p:txBody>
+          <a:bodyPr rtlCol="0" anchor="ctr"/>
+          <a:lstStyle/>
+          <a:p>
+            <a:pPr algn="ctr"/>
+            <a:endParaRPr lang="en-GB"/>
+          </a:p>
+        </p:txBody>
+      </p:sp>
     </p:spTree>
     <p:extLst>
       <p:ext uri="{BB962C8B-B14F-4D97-AF65-F5344CB8AC3E}">
@@ -6867,7 +7217,7 @@
         </p:blipFill>
         <p:spPr>
           <a:xfrm flipH="1">
-            <a:off x="-2968487" y="1366178"/>
+            <a:off x="-2955787" y="390979"/>
             <a:ext cx="3109922" cy="5488402"/>
           </a:xfrm>
           <a:prstGeom prst="rect">
@@ -6911,7 +7261,7 @@
         </p:blipFill>
         <p:spPr>
           <a:xfrm>
-            <a:off x="3778865" y="-3147334"/>
+            <a:off x="7372965" y="-5092941"/>
             <a:ext cx="2170687" cy="3011902"/>
           </a:xfrm>
           <a:prstGeom prst="rect">
@@ -6948,7 +7298,7 @@
         </p:blipFill>
         <p:spPr bwMode="auto">
           <a:xfrm>
-            <a:off x="-115388" y="-3633502"/>
+            <a:off x="1434012" y="-4916203"/>
             <a:ext cx="2009775" cy="3038475"/>
           </a:xfrm>
           <a:prstGeom prst="rect">
@@ -6980,7 +7330,7 @@
         </p:nvSpPr>
         <p:spPr>
           <a:xfrm>
-            <a:off x="324450" y="975199"/>
+            <a:off x="337150" y="0"/>
             <a:ext cx="5625102" cy="1729901"/>
           </a:xfrm>
           <a:prstGeom prst="wedgeRoundRectCallout">
@@ -7054,7 +7404,7 @@
         </p:nvSpPr>
         <p:spPr>
           <a:xfrm>
-            <a:off x="2967617" y="2994343"/>
+            <a:off x="2980317" y="2019144"/>
             <a:ext cx="7261506" cy="2888458"/>
           </a:xfrm>
           <a:prstGeom prst="wedgeRoundRectCallout">
@@ -7135,7 +7485,7 @@
         </p:blipFill>
         <p:spPr>
           <a:xfrm>
-            <a:off x="11223872" y="1196428"/>
+            <a:off x="11236572" y="221229"/>
             <a:ext cx="3662865" cy="5534259"/>
           </a:xfrm>
           <a:prstGeom prst="rect">
@@ -7151,6 +7501,56 @@
           </a:effectLst>
         </p:spPr>
       </p:pic>
+      <p:sp>
+        <p:nvSpPr>
+          <p:cNvPr id="9" name="Rectangle 8">
+            <a:extLst>
+              <a:ext uri="{FF2B5EF4-FFF2-40B4-BE49-F238E27FC236}">
+                <a16:creationId xmlns:a16="http://schemas.microsoft.com/office/drawing/2014/main" id="{5C0A4545-326A-40BE-BB42-BBED73D4132F}"/>
+              </a:ext>
+            </a:extLst>
+          </p:cNvPr>
+          <p:cNvSpPr/>
+          <p:nvPr/>
+        </p:nvSpPr>
+        <p:spPr>
+          <a:xfrm>
+            <a:off x="2154507" y="-627388"/>
+            <a:ext cx="1168400" cy="596900"/>
+          </a:xfrm>
+          <a:prstGeom prst="rect">
+            <a:avLst/>
+          </a:prstGeom>
+          <a:noFill/>
+          <a:ln>
+            <a:noFill/>
+          </a:ln>
+        </p:spPr>
+        <p:style>
+          <a:lnRef idx="2">
+            <a:schemeClr val="accent1">
+              <a:shade val="50000"/>
+            </a:schemeClr>
+          </a:lnRef>
+          <a:fillRef idx="1">
+            <a:schemeClr val="accent1"/>
+          </a:fillRef>
+          <a:effectRef idx="0">
+            <a:schemeClr val="accent1"/>
+          </a:effectRef>
+          <a:fontRef idx="minor">
+            <a:schemeClr val="lt1"/>
+          </a:fontRef>
+        </p:style>
+        <p:txBody>
+          <a:bodyPr rtlCol="0" anchor="ctr"/>
+          <a:lstStyle/>
+          <a:p>
+            <a:pPr algn="ctr"/>
+            <a:endParaRPr lang="en-GB"/>
+          </a:p>
+        </p:txBody>
+      </p:sp>
     </p:spTree>
     <p:extLst>
       <p:ext uri="{BB962C8B-B14F-4D97-AF65-F5344CB8AC3E}">
@@ -7261,10 +7661,10 @@
       </p:grpSpPr>
       <p:sp>
         <p:nvSpPr>
-          <p:cNvPr id="4" name="Speech Bubble: Oval 3">
-            <a:extLst>
-              <a:ext uri="{FF2B5EF4-FFF2-40B4-BE49-F238E27FC236}">
-                <a16:creationId xmlns:a16="http://schemas.microsoft.com/office/drawing/2014/main" id="{AD2C4AAA-9D64-4C83-AB6E-950C420E1B65}"/>
+          <p:cNvPr id="18" name="Speech Bubble: Rectangle with Corners Rounded 17">
+            <a:extLst>
+              <a:ext uri="{FF2B5EF4-FFF2-40B4-BE49-F238E27FC236}">
+                <a16:creationId xmlns:a16="http://schemas.microsoft.com/office/drawing/2014/main" id="{44B698A8-C7A8-4146-BFE4-85C0A146C681}"/>
               </a:ext>
             </a:extLst>
           </p:cNvPr>
@@ -7273,78 +7673,8 @@
         </p:nvSpPr>
         <p:spPr>
           <a:xfrm>
-            <a:off x="1689100" y="93197"/>
-            <a:ext cx="4406901" cy="3541095"/>
-          </a:xfrm>
-          <a:prstGeom prst="wedgeEllipseCallout">
-            <a:avLst>
-              <a:gd name="adj1" fmla="val -54152"/>
-              <a:gd name="adj2" fmla="val 22723"/>
-            </a:avLst>
-          </a:prstGeom>
-          <a:effectLst>
-            <a:outerShdw blurRad="50800" dist="38100" algn="l" rotWithShape="0">
-              <a:prstClr val="black">
-                <a:alpha val="40000"/>
-              </a:prstClr>
-            </a:outerShdw>
-          </a:effectLst>
-        </p:spPr>
-        <p:style>
-          <a:lnRef idx="2">
-            <a:schemeClr val="accent6">
-              <a:shade val="50000"/>
-            </a:schemeClr>
-          </a:lnRef>
-          <a:fillRef idx="1">
-            <a:schemeClr val="accent6"/>
-          </a:fillRef>
-          <a:effectRef idx="0">
-            <a:schemeClr val="accent6"/>
-          </a:effectRef>
-          <a:fontRef idx="minor">
-            <a:schemeClr val="lt1"/>
-          </a:fontRef>
-        </p:style>
-        <p:txBody>
-          <a:bodyPr rtlCol="0" anchor="ctr"/>
-          <a:lstStyle/>
-          <a:p>
-            <a:pPr algn="ctr"/>
-            <a:r>
-              <a:rPr lang="ja-JP" altLang="en-US" sz="3200" dirty="0">
-                <a:latin typeface="MS Gothic" panose="020B0609070205080204" pitchFamily="49" charset="-128"/>
-                <a:ea typeface="MS Gothic" panose="020B0609070205080204" pitchFamily="49" charset="-128"/>
-              </a:rPr>
-              <a:t>あのね。ベトナムくん。美味しいベトナム店教えて。週末彼女とデートする予定だよ</a:t>
-            </a:r>
-            <a:r>
-              <a:rPr lang="ja-JP" altLang="en-US" sz="4000" dirty="0">
-                <a:latin typeface="MS Gothic" panose="020B0609070205080204" pitchFamily="49" charset="-128"/>
-                <a:ea typeface="MS Gothic" panose="020B0609070205080204" pitchFamily="49" charset="-128"/>
-              </a:rPr>
-              <a:t>。</a:t>
-            </a:r>
-            <a:endParaRPr lang="en-GB" dirty="0"/>
-          </a:p>
-        </p:txBody>
-      </p:sp>
-      <p:sp>
-        <p:nvSpPr>
-          <p:cNvPr id="18" name="Speech Bubble: Rectangle with Corners Rounded 17">
-            <a:extLst>
-              <a:ext uri="{FF2B5EF4-FFF2-40B4-BE49-F238E27FC236}">
-                <a16:creationId xmlns:a16="http://schemas.microsoft.com/office/drawing/2014/main" id="{44B698A8-C7A8-4146-BFE4-85C0A146C681}"/>
-              </a:ext>
-            </a:extLst>
-          </p:cNvPr>
-          <p:cNvSpPr/>
-          <p:nvPr/>
-        </p:nvSpPr>
-        <p:spPr>
-          <a:xfrm>
-            <a:off x="-42817" y="4223656"/>
-            <a:ext cx="3860073" cy="2341593"/>
+            <a:off x="-42818" y="4337752"/>
+            <a:ext cx="3860073" cy="2365755"/>
           </a:xfrm>
           <a:prstGeom prst="wedgeRoundRectCallout">
             <a:avLst>
@@ -7475,7 +7805,7 @@
         </p:blipFill>
         <p:spPr>
           <a:xfrm>
-            <a:off x="8413136" y="-3217770"/>
+            <a:off x="10118393" y="-3870912"/>
             <a:ext cx="1685925" cy="3152775"/>
           </a:xfrm>
           <a:prstGeom prst="rect">
@@ -7512,7 +7842,7 @@
         </p:blipFill>
         <p:spPr bwMode="auto">
           <a:xfrm>
-            <a:off x="2142301" y="-3692886"/>
+            <a:off x="3622281" y="-5163091"/>
             <a:ext cx="2752647" cy="3268768"/>
           </a:xfrm>
           <a:prstGeom prst="rect">
@@ -7557,7 +7887,7 @@
         </p:blipFill>
         <p:spPr>
           <a:xfrm>
-            <a:off x="-4160492" y="-3392978"/>
+            <a:off x="-4218549" y="-5280302"/>
             <a:ext cx="2423160" cy="3503190"/>
           </a:xfrm>
           <a:prstGeom prst="rect">
@@ -7646,7 +7976,7 @@
         </p:blipFill>
         <p:spPr>
           <a:xfrm>
-            <a:off x="6861469" y="-3002658"/>
+            <a:off x="8080669" y="-4120258"/>
             <a:ext cx="1551667" cy="2904402"/>
           </a:xfrm>
           <a:prstGeom prst="rect">
@@ -7674,6 +8004,134 @@
           <a:prstGeom prst="rect">
             <a:avLst/>
           </a:prstGeom>
+        </p:spPr>
+        <p:style>
+          <a:lnRef idx="2">
+            <a:schemeClr val="accent1">
+              <a:shade val="50000"/>
+            </a:schemeClr>
+          </a:lnRef>
+          <a:fillRef idx="1">
+            <a:schemeClr val="accent1"/>
+          </a:fillRef>
+          <a:effectRef idx="0">
+            <a:schemeClr val="accent1"/>
+          </a:effectRef>
+          <a:fontRef idx="minor">
+            <a:schemeClr val="lt1"/>
+          </a:fontRef>
+        </p:style>
+        <p:txBody>
+          <a:bodyPr rtlCol="0" anchor="ctr"/>
+          <a:lstStyle/>
+          <a:p>
+            <a:pPr algn="ctr"/>
+            <a:endParaRPr lang="en-GB"/>
+          </a:p>
+        </p:txBody>
+      </p:sp>
+      <p:sp>
+        <p:nvSpPr>
+          <p:cNvPr id="11" name="Speech Bubble: Rectangle with Corners Rounded 10">
+            <a:extLst>
+              <a:ext uri="{FF2B5EF4-FFF2-40B4-BE49-F238E27FC236}">
+                <a16:creationId xmlns:a16="http://schemas.microsoft.com/office/drawing/2014/main" id="{92A0D85B-D24B-43D8-B37A-75EA461BADC9}"/>
+              </a:ext>
+            </a:extLst>
+          </p:cNvPr>
+          <p:cNvSpPr/>
+          <p:nvPr/>
+        </p:nvSpPr>
+        <p:spPr>
+          <a:xfrm>
+            <a:off x="2044701" y="110212"/>
+            <a:ext cx="4051300" cy="3234884"/>
+          </a:xfrm>
+          <a:prstGeom prst="wedgeRoundRectCallout">
+            <a:avLst>
+              <a:gd name="adj1" fmla="val -72574"/>
+              <a:gd name="adj2" fmla="val 2286"/>
+              <a:gd name="adj3" fmla="val 16667"/>
+            </a:avLst>
+          </a:prstGeom>
+          <a:solidFill>
+            <a:schemeClr val="accent6"/>
+          </a:solidFill>
+          <a:effectLst>
+            <a:outerShdw blurRad="63500" sx="102000" sy="102000" algn="ctr" rotWithShape="0">
+              <a:prstClr val="black">
+                <a:alpha val="40000"/>
+              </a:prstClr>
+            </a:outerShdw>
+          </a:effectLst>
+        </p:spPr>
+        <p:style>
+          <a:lnRef idx="2">
+            <a:schemeClr val="accent1">
+              <a:shade val="50000"/>
+            </a:schemeClr>
+          </a:lnRef>
+          <a:fillRef idx="1">
+            <a:schemeClr val="accent1"/>
+          </a:fillRef>
+          <a:effectRef idx="0">
+            <a:schemeClr val="accent1"/>
+          </a:effectRef>
+          <a:fontRef idx="minor">
+            <a:schemeClr val="lt1"/>
+          </a:fontRef>
+        </p:style>
+        <p:txBody>
+          <a:bodyPr rtlCol="0" anchor="ctr"/>
+          <a:lstStyle/>
+          <a:p>
+            <a:pPr algn="ctr"/>
+            <a:r>
+              <a:rPr lang="ja-JP" altLang="en-US" sz="3200" dirty="0">
+                <a:latin typeface="MS Gothic" panose="020B0609070205080204" pitchFamily="49" charset="-128"/>
+                <a:ea typeface="MS Gothic" panose="020B0609070205080204" pitchFamily="49" charset="-128"/>
+              </a:rPr>
+              <a:t>あのね。ベトナムくん。美味しいベトナム店教えて。週末彼女とデートする予定だよ</a:t>
+            </a:r>
+            <a:r>
+              <a:rPr lang="ja-JP" altLang="en-US" sz="4000" dirty="0">
+                <a:latin typeface="MS Gothic" panose="020B0609070205080204" pitchFamily="49" charset="-128"/>
+                <a:ea typeface="MS Gothic" panose="020B0609070205080204" pitchFamily="49" charset="-128"/>
+              </a:rPr>
+              <a:t>。</a:t>
+            </a:r>
+            <a:endParaRPr lang="en-GB" sz="3200" dirty="0"/>
+          </a:p>
+          <a:p>
+            <a:pPr algn="ctr"/>
+            <a:endParaRPr lang="en-GB" dirty="0"/>
+          </a:p>
+        </p:txBody>
+      </p:sp>
+      <p:sp>
+        <p:nvSpPr>
+          <p:cNvPr id="12" name="Rectangle 11">
+            <a:extLst>
+              <a:ext uri="{FF2B5EF4-FFF2-40B4-BE49-F238E27FC236}">
+                <a16:creationId xmlns:a16="http://schemas.microsoft.com/office/drawing/2014/main" id="{3BF2CDD6-28AA-46F9-A334-7B01201C90CA}"/>
+              </a:ext>
+            </a:extLst>
+          </p:cNvPr>
+          <p:cNvSpPr/>
+          <p:nvPr/>
+        </p:nvSpPr>
+        <p:spPr>
+          <a:xfrm>
+            <a:off x="2301887" y="-420914"/>
+            <a:ext cx="1168400" cy="420914"/>
+          </a:xfrm>
+          <a:prstGeom prst="rect">
+            <a:avLst/>
+          </a:prstGeom>
+          <a:noFill/>
+          <a:ln>
+            <a:noFill/>
+          </a:ln>
         </p:spPr>
         <p:style>
           <a:lnRef idx="2">
@@ -7891,7 +8349,7 @@
         </p:blipFill>
         <p:spPr>
           <a:xfrm>
-            <a:off x="303347" y="3314796"/>
+            <a:off x="174758" y="3057930"/>
             <a:ext cx="1868354" cy="3497176"/>
           </a:xfrm>
           <a:prstGeom prst="rect">
@@ -7936,7 +8394,7 @@
         </p:blipFill>
         <p:spPr bwMode="auto">
           <a:xfrm>
-            <a:off x="1755922" y="-3167712"/>
+            <a:off x="2928977" y="-5638769"/>
             <a:ext cx="2752647" cy="3268768"/>
           </a:xfrm>
           <a:prstGeom prst="rect">
@@ -7982,7 +8440,7 @@
         </p:blipFill>
         <p:spPr>
           <a:xfrm>
-            <a:off x="-1465837" y="-4274826"/>
+            <a:off x="-580466" y="-5510336"/>
             <a:ext cx="2170687" cy="3011902"/>
           </a:xfrm>
           <a:prstGeom prst="rect">
@@ -8073,7 +8531,7 @@
         </p:blipFill>
         <p:spPr>
           <a:xfrm>
-            <a:off x="6264491" y="-3653888"/>
+            <a:off x="7353062" y="-5003716"/>
             <a:ext cx="1551667" cy="2904402"/>
           </a:xfrm>
           <a:prstGeom prst="rect">
@@ -8101,6 +8559,56 @@
           <a:prstGeom prst="rect">
             <a:avLst/>
           </a:prstGeom>
+        </p:spPr>
+        <p:style>
+          <a:lnRef idx="2">
+            <a:schemeClr val="accent1">
+              <a:shade val="50000"/>
+            </a:schemeClr>
+          </a:lnRef>
+          <a:fillRef idx="1">
+            <a:schemeClr val="accent1"/>
+          </a:fillRef>
+          <a:effectRef idx="0">
+            <a:schemeClr val="accent1"/>
+          </a:effectRef>
+          <a:fontRef idx="minor">
+            <a:schemeClr val="lt1"/>
+          </a:fontRef>
+        </p:style>
+        <p:txBody>
+          <a:bodyPr rtlCol="0" anchor="ctr"/>
+          <a:lstStyle/>
+          <a:p>
+            <a:pPr algn="ctr"/>
+            <a:endParaRPr lang="en-GB"/>
+          </a:p>
+        </p:txBody>
+      </p:sp>
+      <p:sp>
+        <p:nvSpPr>
+          <p:cNvPr id="11" name="Rectangle 10">
+            <a:extLst>
+              <a:ext uri="{FF2B5EF4-FFF2-40B4-BE49-F238E27FC236}">
+                <a16:creationId xmlns:a16="http://schemas.microsoft.com/office/drawing/2014/main" id="{80136096-23E9-4DCE-8F63-1699D7CEB7EC}"/>
+              </a:ext>
+            </a:extLst>
+          </p:cNvPr>
+          <p:cNvSpPr/>
+          <p:nvPr/>
+        </p:nvSpPr>
+        <p:spPr>
+          <a:xfrm>
+            <a:off x="2301887" y="-420914"/>
+            <a:ext cx="1168400" cy="420914"/>
+          </a:xfrm>
+          <a:prstGeom prst="rect">
+            <a:avLst/>
+          </a:prstGeom>
+          <a:noFill/>
+          <a:ln>
+            <a:noFill/>
+          </a:ln>
         </p:spPr>
         <p:style>
           <a:lnRef idx="2">
@@ -8231,7 +8739,7 @@
                 <a:latin typeface="MS Gothic" panose="020B0609070205080204" pitchFamily="49" charset="-128"/>
                 <a:ea typeface="MS Gothic" panose="020B0609070205080204" pitchFamily="49" charset="-128"/>
               </a:rPr>
-              <a:t>いいよいいよ</a:t>
+              <a:t>いいよいいよ。</a:t>
             </a:r>
             <a:endParaRPr lang="en-GB" sz="3200" dirty="0"/>
           </a:p>
@@ -8369,7 +8877,7 @@
         </p:blipFill>
         <p:spPr bwMode="auto">
           <a:xfrm>
-            <a:off x="-2492069" y="-4427278"/>
+            <a:off x="-1181697" y="-4851826"/>
             <a:ext cx="2752647" cy="3268768"/>
           </a:xfrm>
           <a:prstGeom prst="rect">
@@ -8460,7 +8968,7 @@
         </p:blipFill>
         <p:spPr bwMode="auto">
           <a:xfrm>
-            <a:off x="260578" y="-3740791"/>
+            <a:off x="1296999" y="-4506387"/>
             <a:ext cx="2009775" cy="3038475"/>
           </a:xfrm>
           <a:prstGeom prst="rect">
@@ -8506,7 +9014,7 @@
         </p:blipFill>
         <p:spPr>
           <a:xfrm>
-            <a:off x="6730840" y="-3415264"/>
+            <a:off x="7659754" y="-4605435"/>
             <a:ext cx="1551667" cy="2904402"/>
           </a:xfrm>
           <a:prstGeom prst="rect">
@@ -8588,7 +9096,7 @@
         </p:blipFill>
         <p:spPr>
           <a:xfrm>
-            <a:off x="303347" y="3314796"/>
+            <a:off x="230775" y="3197699"/>
             <a:ext cx="1868354" cy="3497176"/>
           </a:xfrm>
           <a:prstGeom prst="rect">
@@ -8604,6 +9112,56 @@
           </a:effectLst>
         </p:spPr>
       </p:pic>
+      <p:sp>
+        <p:nvSpPr>
+          <p:cNvPr id="13" name="Rectangle 12">
+            <a:extLst>
+              <a:ext uri="{FF2B5EF4-FFF2-40B4-BE49-F238E27FC236}">
+                <a16:creationId xmlns:a16="http://schemas.microsoft.com/office/drawing/2014/main" id="{CB709099-F290-4DCB-9C30-34A80C18BAD9}"/>
+              </a:ext>
+            </a:extLst>
+          </p:cNvPr>
+          <p:cNvSpPr/>
+          <p:nvPr/>
+        </p:nvSpPr>
+        <p:spPr>
+          <a:xfrm>
+            <a:off x="2301887" y="-420914"/>
+            <a:ext cx="1168400" cy="420914"/>
+          </a:xfrm>
+          <a:prstGeom prst="rect">
+            <a:avLst/>
+          </a:prstGeom>
+          <a:noFill/>
+          <a:ln>
+            <a:noFill/>
+          </a:ln>
+        </p:spPr>
+        <p:style>
+          <a:lnRef idx="2">
+            <a:schemeClr val="accent1">
+              <a:shade val="50000"/>
+            </a:schemeClr>
+          </a:lnRef>
+          <a:fillRef idx="1">
+            <a:schemeClr val="accent1"/>
+          </a:fillRef>
+          <a:effectRef idx="0">
+            <a:schemeClr val="accent1"/>
+          </a:effectRef>
+          <a:fontRef idx="minor">
+            <a:schemeClr val="lt1"/>
+          </a:fontRef>
+        </p:style>
+        <p:txBody>
+          <a:bodyPr rtlCol="0" anchor="ctr"/>
+          <a:lstStyle/>
+          <a:p>
+            <a:pPr algn="ctr"/>
+            <a:endParaRPr lang="en-GB"/>
+          </a:p>
+        </p:txBody>
+      </p:sp>
     </p:spTree>
     <p:extLst>
       <p:ext uri="{BB962C8B-B14F-4D97-AF65-F5344CB8AC3E}">
@@ -8795,7 +9353,7 @@
         </p:blipFill>
         <p:spPr>
           <a:xfrm>
-            <a:off x="11416166" y="-3291078"/>
+            <a:off x="12374109" y="-4620486"/>
             <a:ext cx="1551667" cy="2904402"/>
           </a:xfrm>
           <a:prstGeom prst="rect">
@@ -8923,7 +9481,7 @@
         </p:blipFill>
         <p:spPr bwMode="auto">
           <a:xfrm>
-            <a:off x="260578" y="-3740791"/>
+            <a:off x="1460512" y="-5255097"/>
             <a:ext cx="2009775" cy="3038475"/>
           </a:xfrm>
           <a:prstGeom prst="rect">
@@ -8969,7 +9527,7 @@
         </p:blipFill>
         <p:spPr>
           <a:xfrm>
-            <a:off x="6730840" y="-3415264"/>
+            <a:off x="8010501" y="-4743279"/>
             <a:ext cx="1551667" cy="2904402"/>
           </a:xfrm>
           <a:prstGeom prst="rect">
@@ -9051,7 +9609,7 @@
         </p:blipFill>
         <p:spPr>
           <a:xfrm>
-            <a:off x="0" y="3251249"/>
+            <a:off x="101600" y="3005922"/>
             <a:ext cx="1868354" cy="3497176"/>
           </a:xfrm>
           <a:prstGeom prst="rect">
@@ -9067,6 +9625,56 @@
           </a:effectLst>
         </p:spPr>
       </p:pic>
+      <p:sp>
+        <p:nvSpPr>
+          <p:cNvPr id="13" name="Rectangle 12">
+            <a:extLst>
+              <a:ext uri="{FF2B5EF4-FFF2-40B4-BE49-F238E27FC236}">
+                <a16:creationId xmlns:a16="http://schemas.microsoft.com/office/drawing/2014/main" id="{0C606A70-5CC0-4AEB-8424-0777DBAD5B1E}"/>
+              </a:ext>
+            </a:extLst>
+          </p:cNvPr>
+          <p:cNvSpPr/>
+          <p:nvPr/>
+        </p:nvSpPr>
+        <p:spPr>
+          <a:xfrm>
+            <a:off x="2301887" y="-420914"/>
+            <a:ext cx="1168400" cy="420914"/>
+          </a:xfrm>
+          <a:prstGeom prst="rect">
+            <a:avLst/>
+          </a:prstGeom>
+          <a:noFill/>
+          <a:ln>
+            <a:noFill/>
+          </a:ln>
+        </p:spPr>
+        <p:style>
+          <a:lnRef idx="2">
+            <a:schemeClr val="accent1">
+              <a:shade val="50000"/>
+            </a:schemeClr>
+          </a:lnRef>
+          <a:fillRef idx="1">
+            <a:schemeClr val="accent1"/>
+          </a:fillRef>
+          <a:effectRef idx="0">
+            <a:schemeClr val="accent1"/>
+          </a:effectRef>
+          <a:fontRef idx="minor">
+            <a:schemeClr val="lt1"/>
+          </a:fontRef>
+        </p:style>
+        <p:txBody>
+          <a:bodyPr rtlCol="0" anchor="ctr"/>
+          <a:lstStyle/>
+          <a:p>
+            <a:pPr algn="ctr"/>
+            <a:endParaRPr lang="en-GB"/>
+          </a:p>
+        </p:txBody>
+      </p:sp>
     </p:spTree>
     <p:extLst>
       <p:ext uri="{BB962C8B-B14F-4D97-AF65-F5344CB8AC3E}">
@@ -9258,7 +9866,7 @@
         </p:blipFill>
         <p:spPr>
           <a:xfrm>
-            <a:off x="11416166" y="-3291078"/>
+            <a:off x="12758099" y="-4925462"/>
             <a:ext cx="1551667" cy="2904402"/>
           </a:xfrm>
           <a:prstGeom prst="rect">
@@ -9386,7 +9994,7 @@
         </p:blipFill>
         <p:spPr bwMode="auto">
           <a:xfrm>
-            <a:off x="260578" y="-3740791"/>
+            <a:off x="1123884" y="-4735489"/>
             <a:ext cx="2009775" cy="3038475"/>
           </a:xfrm>
           <a:prstGeom prst="rect">
@@ -9432,7 +10040,7 @@
         </p:blipFill>
         <p:spPr>
           <a:xfrm>
-            <a:off x="6730840" y="-3415264"/>
+            <a:off x="7945879" y="-5186007"/>
             <a:ext cx="1551667" cy="2904402"/>
           </a:xfrm>
           <a:prstGeom prst="rect">
@@ -9514,7 +10122,7 @@
         </p:blipFill>
         <p:spPr>
           <a:xfrm>
-            <a:off x="303347" y="3314796"/>
+            <a:off x="401999" y="3001392"/>
             <a:ext cx="1868354" cy="3497176"/>
           </a:xfrm>
           <a:prstGeom prst="rect">
@@ -9530,6 +10138,56 @@
           </a:effectLst>
         </p:spPr>
       </p:pic>
+      <p:sp>
+        <p:nvSpPr>
+          <p:cNvPr id="13" name="Rectangle 12">
+            <a:extLst>
+              <a:ext uri="{FF2B5EF4-FFF2-40B4-BE49-F238E27FC236}">
+                <a16:creationId xmlns:a16="http://schemas.microsoft.com/office/drawing/2014/main" id="{C1F1B196-5FD7-43CE-8C1F-F9396FEBE4D3}"/>
+              </a:ext>
+            </a:extLst>
+          </p:cNvPr>
+          <p:cNvSpPr/>
+          <p:nvPr/>
+        </p:nvSpPr>
+        <p:spPr>
+          <a:xfrm>
+            <a:off x="2301887" y="-420914"/>
+            <a:ext cx="1168400" cy="420914"/>
+          </a:xfrm>
+          <a:prstGeom prst="rect">
+            <a:avLst/>
+          </a:prstGeom>
+          <a:noFill/>
+          <a:ln>
+            <a:noFill/>
+          </a:ln>
+        </p:spPr>
+        <p:style>
+          <a:lnRef idx="2">
+            <a:schemeClr val="accent1">
+              <a:shade val="50000"/>
+            </a:schemeClr>
+          </a:lnRef>
+          <a:fillRef idx="1">
+            <a:schemeClr val="accent1"/>
+          </a:fillRef>
+          <a:effectRef idx="0">
+            <a:schemeClr val="accent1"/>
+          </a:effectRef>
+          <a:fontRef idx="minor">
+            <a:schemeClr val="lt1"/>
+          </a:fontRef>
+        </p:style>
+        <p:txBody>
+          <a:bodyPr rtlCol="0" anchor="ctr"/>
+          <a:lstStyle/>
+          <a:p>
+            <a:pPr algn="ctr"/>
+            <a:endParaRPr lang="en-GB"/>
+          </a:p>
+        </p:txBody>
+      </p:sp>
     </p:spTree>
     <p:extLst>
       <p:ext uri="{BB962C8B-B14F-4D97-AF65-F5344CB8AC3E}">
@@ -9624,7 +10282,7 @@
         </p:blipFill>
         <p:spPr>
           <a:xfrm>
-            <a:off x="3778865" y="-3147334"/>
+            <a:off x="3922193" y="-4533097"/>
             <a:ext cx="2170687" cy="3011902"/>
           </a:xfrm>
           <a:prstGeom prst="rect">
@@ -9661,7 +10319,7 @@
         </p:blipFill>
         <p:spPr bwMode="auto">
           <a:xfrm>
-            <a:off x="-115388" y="-3633502"/>
+            <a:off x="796528" y="-5183487"/>
             <a:ext cx="2009775" cy="3038475"/>
           </a:xfrm>
           <a:prstGeom prst="rect">
@@ -9729,7 +10387,7 @@
         </p:nvSpPr>
         <p:spPr>
           <a:xfrm>
-            <a:off x="448222" y="417267"/>
+            <a:off x="448222" y="0"/>
             <a:ext cx="4539758" cy="1863012"/>
           </a:xfrm>
           <a:prstGeom prst="wedgeRoundRectCallout">
@@ -9796,7 +10454,7 @@
         </p:nvSpPr>
         <p:spPr>
           <a:xfrm>
-            <a:off x="2249798" y="2929051"/>
+            <a:off x="2249798" y="2511784"/>
             <a:ext cx="9376145" cy="3354613"/>
           </a:xfrm>
           <a:prstGeom prst="wedgeRoundRectCallout">
@@ -9877,7 +10535,7 @@
         </p:blipFill>
         <p:spPr>
           <a:xfrm>
-            <a:off x="-3164967" y="1348773"/>
+            <a:off x="-3164967" y="931506"/>
             <a:ext cx="2943285" cy="5509227"/>
           </a:xfrm>
           <a:prstGeom prst="rect">
@@ -9921,7 +10579,7 @@
         </p:blipFill>
         <p:spPr>
           <a:xfrm>
-            <a:off x="12192000" y="1167012"/>
+            <a:off x="12192000" y="749745"/>
             <a:ext cx="3662865" cy="5534259"/>
           </a:xfrm>
           <a:prstGeom prst="rect">
@@ -9937,6 +10595,56 @@
           </a:effectLst>
         </p:spPr>
       </p:pic>
+      <p:sp>
+        <p:nvSpPr>
+          <p:cNvPr id="13" name="Rectangle 12">
+            <a:extLst>
+              <a:ext uri="{FF2B5EF4-FFF2-40B4-BE49-F238E27FC236}">
+                <a16:creationId xmlns:a16="http://schemas.microsoft.com/office/drawing/2014/main" id="{39D93E76-514F-4ED3-99BF-20C9CF5A8D14}"/>
+              </a:ext>
+            </a:extLst>
+          </p:cNvPr>
+          <p:cNvSpPr/>
+          <p:nvPr/>
+        </p:nvSpPr>
+        <p:spPr>
+          <a:xfrm>
+            <a:off x="2154507" y="-627388"/>
+            <a:ext cx="1168400" cy="596900"/>
+          </a:xfrm>
+          <a:prstGeom prst="rect">
+            <a:avLst/>
+          </a:prstGeom>
+          <a:noFill/>
+          <a:ln>
+            <a:noFill/>
+          </a:ln>
+        </p:spPr>
+        <p:style>
+          <a:lnRef idx="2">
+            <a:schemeClr val="accent1">
+              <a:shade val="50000"/>
+            </a:schemeClr>
+          </a:lnRef>
+          <a:fillRef idx="1">
+            <a:schemeClr val="accent1"/>
+          </a:fillRef>
+          <a:effectRef idx="0">
+            <a:schemeClr val="accent1"/>
+          </a:effectRef>
+          <a:fontRef idx="minor">
+            <a:schemeClr val="lt1"/>
+          </a:fontRef>
+        </p:style>
+        <p:txBody>
+          <a:bodyPr rtlCol="0" anchor="ctr"/>
+          <a:lstStyle/>
+          <a:p>
+            <a:pPr algn="ctr"/>
+            <a:endParaRPr lang="en-GB"/>
+          </a:p>
+        </p:txBody>
+      </p:sp>
     </p:spTree>
     <p:extLst>
       <p:ext uri="{BB962C8B-B14F-4D97-AF65-F5344CB8AC3E}">
@@ -9981,7 +10689,7 @@
         </p:nvSpPr>
         <p:spPr>
           <a:xfrm>
-            <a:off x="2548808" y="736780"/>
+            <a:off x="2355266" y="714589"/>
             <a:ext cx="3744992" cy="1517888"/>
           </a:xfrm>
           <a:prstGeom prst="wedgeEllipseCallout">
@@ -10047,8 +10755,8 @@
         </p:nvSpPr>
         <p:spPr>
           <a:xfrm>
-            <a:off x="0" y="3460878"/>
-            <a:ext cx="4093708" cy="2904402"/>
+            <a:off x="-1" y="3429000"/>
+            <a:ext cx="4140201" cy="2936280"/>
           </a:xfrm>
           <a:prstGeom prst="wedgeRoundRectCallout">
             <a:avLst>
@@ -10336,7 +11044,7 @@
         </p:blipFill>
         <p:spPr>
           <a:xfrm flipH="1">
-            <a:off x="4212275" y="3378124"/>
+            <a:off x="4212275" y="3182640"/>
             <a:ext cx="1883725" cy="3429000"/>
           </a:xfrm>
           <a:prstGeom prst="rect">
@@ -10396,6 +11104,56 @@
           </a:effectLst>
         </p:spPr>
       </p:pic>
+      <p:sp>
+        <p:nvSpPr>
+          <p:cNvPr id="11" name="Rectangle 10">
+            <a:extLst>
+              <a:ext uri="{FF2B5EF4-FFF2-40B4-BE49-F238E27FC236}">
+                <a16:creationId xmlns:a16="http://schemas.microsoft.com/office/drawing/2014/main" id="{F27AA803-3265-47A1-99B0-1753FE06A702}"/>
+              </a:ext>
+            </a:extLst>
+          </p:cNvPr>
+          <p:cNvSpPr/>
+          <p:nvPr/>
+        </p:nvSpPr>
+        <p:spPr>
+          <a:xfrm>
+            <a:off x="2301887" y="-420914"/>
+            <a:ext cx="1168400" cy="420914"/>
+          </a:xfrm>
+          <a:prstGeom prst="rect">
+            <a:avLst/>
+          </a:prstGeom>
+          <a:noFill/>
+          <a:ln>
+            <a:noFill/>
+          </a:ln>
+        </p:spPr>
+        <p:style>
+          <a:lnRef idx="2">
+            <a:schemeClr val="accent1">
+              <a:shade val="50000"/>
+            </a:schemeClr>
+          </a:lnRef>
+          <a:fillRef idx="1">
+            <a:schemeClr val="accent1"/>
+          </a:fillRef>
+          <a:effectRef idx="0">
+            <a:schemeClr val="accent1"/>
+          </a:effectRef>
+          <a:fontRef idx="minor">
+            <a:schemeClr val="lt1"/>
+          </a:fontRef>
+        </p:style>
+        <p:txBody>
+          <a:bodyPr rtlCol="0" anchor="ctr"/>
+          <a:lstStyle/>
+          <a:p>
+            <a:pPr algn="ctr"/>
+            <a:endParaRPr lang="en-GB"/>
+          </a:p>
+        </p:txBody>
+      </p:sp>
     </p:spTree>
     <p:extLst>
       <p:ext uri="{BB962C8B-B14F-4D97-AF65-F5344CB8AC3E}">
@@ -10440,13 +11198,13 @@
         </p:nvSpPr>
         <p:spPr>
           <a:xfrm>
-            <a:off x="2382072" y="425931"/>
+            <a:off x="2249407" y="641514"/>
             <a:ext cx="3846593" cy="1634003"/>
           </a:xfrm>
           <a:prstGeom prst="wedgeEllipseCallout">
             <a:avLst>
-              <a:gd name="adj1" fmla="val -63480"/>
-              <a:gd name="adj2" fmla="val 23056"/>
+              <a:gd name="adj1" fmla="val -58858"/>
+              <a:gd name="adj2" fmla="val 20724"/>
             </a:avLst>
           </a:prstGeom>
           <a:solidFill>
@@ -10514,7 +11272,7 @@
         <p:spPr>
           <a:xfrm>
             <a:off x="0" y="4449979"/>
-            <a:ext cx="3206931" cy="2009558"/>
+            <a:ext cx="3479800" cy="2009558"/>
           </a:xfrm>
           <a:prstGeom prst="wedgeRoundRectCallout">
             <a:avLst>
@@ -10601,7 +11359,7 @@
         </p:blipFill>
         <p:spPr>
           <a:xfrm>
-            <a:off x="8413136" y="-3217770"/>
+            <a:off x="8837680" y="-4458186"/>
             <a:ext cx="1685925" cy="3152775"/>
           </a:xfrm>
           <a:prstGeom prst="rect">
@@ -10638,7 +11396,7 @@
         </p:blipFill>
         <p:spPr bwMode="auto">
           <a:xfrm>
-            <a:off x="1755922" y="-3167712"/>
+            <a:off x="2511357" y="-4458186"/>
             <a:ext cx="2752647" cy="3268768"/>
           </a:xfrm>
           <a:prstGeom prst="rect">
@@ -10729,7 +11487,7 @@
         </p:blipFill>
         <p:spPr bwMode="auto">
           <a:xfrm>
-            <a:off x="-42817" y="-3069694"/>
+            <a:off x="239632" y="-4458186"/>
             <a:ext cx="2009775" cy="3038475"/>
           </a:xfrm>
           <a:prstGeom prst="rect">
@@ -10775,7 +11533,7 @@
         </p:blipFill>
         <p:spPr>
           <a:xfrm>
-            <a:off x="6861469" y="-3002658"/>
+            <a:off x="6469583" y="-4391150"/>
             <a:ext cx="1551667" cy="2904402"/>
           </a:xfrm>
           <a:prstGeom prst="rect">
@@ -10857,7 +11615,7 @@
         </p:blipFill>
         <p:spPr>
           <a:xfrm flipH="1">
-            <a:off x="3962400" y="2923269"/>
+            <a:off x="3962400" y="2966132"/>
             <a:ext cx="2133600" cy="3883855"/>
           </a:xfrm>
           <a:prstGeom prst="rect">
@@ -10873,6 +11631,56 @@
           </a:effectLst>
         </p:spPr>
       </p:pic>
+      <p:sp>
+        <p:nvSpPr>
+          <p:cNvPr id="12" name="Rectangle 11">
+            <a:extLst>
+              <a:ext uri="{FF2B5EF4-FFF2-40B4-BE49-F238E27FC236}">
+                <a16:creationId xmlns:a16="http://schemas.microsoft.com/office/drawing/2014/main" id="{1560AEC5-1F0E-41F1-BC64-A38CF8EDD14A}"/>
+              </a:ext>
+            </a:extLst>
+          </p:cNvPr>
+          <p:cNvSpPr/>
+          <p:nvPr/>
+        </p:nvSpPr>
+        <p:spPr>
+          <a:xfrm>
+            <a:off x="2301887" y="-420914"/>
+            <a:ext cx="1168400" cy="420914"/>
+          </a:xfrm>
+          <a:prstGeom prst="rect">
+            <a:avLst/>
+          </a:prstGeom>
+          <a:noFill/>
+          <a:ln>
+            <a:noFill/>
+          </a:ln>
+        </p:spPr>
+        <p:style>
+          <a:lnRef idx="2">
+            <a:schemeClr val="accent1">
+              <a:shade val="50000"/>
+            </a:schemeClr>
+          </a:lnRef>
+          <a:fillRef idx="1">
+            <a:schemeClr val="accent1"/>
+          </a:fillRef>
+          <a:effectRef idx="0">
+            <a:schemeClr val="accent1"/>
+          </a:effectRef>
+          <a:fontRef idx="minor">
+            <a:schemeClr val="lt1"/>
+          </a:fontRef>
+        </p:style>
+        <p:txBody>
+          <a:bodyPr rtlCol="0" anchor="ctr"/>
+          <a:lstStyle/>
+          <a:p>
+            <a:pPr algn="ctr"/>
+            <a:endParaRPr lang="en-GB"/>
+          </a:p>
+        </p:txBody>
+      </p:sp>
     </p:spTree>
     <p:extLst>
       <p:ext uri="{BB962C8B-B14F-4D97-AF65-F5344CB8AC3E}">
@@ -10917,7 +11725,7 @@
         </p:nvSpPr>
         <p:spPr>
           <a:xfrm>
-            <a:off x="2654300" y="93198"/>
+            <a:off x="2540000" y="93198"/>
             <a:ext cx="3397157" cy="1631267"/>
           </a:xfrm>
           <a:prstGeom prst="wedgeEllipseCallout">
@@ -10983,8 +11791,8 @@
         </p:nvSpPr>
         <p:spPr>
           <a:xfrm>
-            <a:off x="260577" y="3754524"/>
-            <a:ext cx="3654371" cy="2904401"/>
+            <a:off x="0" y="3802479"/>
+            <a:ext cx="3841523" cy="2904401"/>
           </a:xfrm>
           <a:prstGeom prst="wedgeRoundRectCallout">
             <a:avLst>
@@ -11071,7 +11879,7 @@
         </p:blipFill>
         <p:spPr>
           <a:xfrm>
-            <a:off x="8413136" y="-3217770"/>
+            <a:off x="9777479" y="-4898874"/>
             <a:ext cx="1685925" cy="3152775"/>
           </a:xfrm>
           <a:prstGeom prst="rect">
@@ -11107,7 +11915,7 @@
         </p:blipFill>
         <p:spPr>
           <a:xfrm>
-            <a:off x="3914948" y="-2874641"/>
+            <a:off x="4690782" y="-5002896"/>
             <a:ext cx="2170687" cy="3011902"/>
           </a:xfrm>
           <a:prstGeom prst="rect">
@@ -11144,7 +11952,7 @@
         </p:blipFill>
         <p:spPr bwMode="auto">
           <a:xfrm>
-            <a:off x="-42817" y="-3069694"/>
+            <a:off x="900286" y="-4898874"/>
             <a:ext cx="2009775" cy="3038475"/>
           </a:xfrm>
           <a:prstGeom prst="rect">
@@ -11190,7 +11998,7 @@
         </p:blipFill>
         <p:spPr>
           <a:xfrm>
-            <a:off x="6861469" y="-3002658"/>
+            <a:off x="7398498" y="-4669971"/>
             <a:ext cx="1551667" cy="2904402"/>
           </a:xfrm>
           <a:prstGeom prst="rect">
@@ -11272,7 +12080,7 @@
         </p:blipFill>
         <p:spPr>
           <a:xfrm flipH="1">
-            <a:off x="3962400" y="2923269"/>
+            <a:off x="3933491" y="2880947"/>
             <a:ext cx="2133600" cy="3883855"/>
           </a:xfrm>
           <a:prstGeom prst="rect">
@@ -11332,6 +12140,56 @@
           </a:effectLst>
         </p:spPr>
       </p:pic>
+      <p:sp>
+        <p:nvSpPr>
+          <p:cNvPr id="14" name="Rectangle 13">
+            <a:extLst>
+              <a:ext uri="{FF2B5EF4-FFF2-40B4-BE49-F238E27FC236}">
+                <a16:creationId xmlns:a16="http://schemas.microsoft.com/office/drawing/2014/main" id="{000D6F35-0ECC-4AD0-8641-00FA625371F2}"/>
+              </a:ext>
+            </a:extLst>
+          </p:cNvPr>
+          <p:cNvSpPr/>
+          <p:nvPr/>
+        </p:nvSpPr>
+        <p:spPr>
+          <a:xfrm>
+            <a:off x="2301887" y="-420914"/>
+            <a:ext cx="1168400" cy="420914"/>
+          </a:xfrm>
+          <a:prstGeom prst="rect">
+            <a:avLst/>
+          </a:prstGeom>
+          <a:noFill/>
+          <a:ln>
+            <a:noFill/>
+          </a:ln>
+        </p:spPr>
+        <p:style>
+          <a:lnRef idx="2">
+            <a:schemeClr val="accent1">
+              <a:shade val="50000"/>
+            </a:schemeClr>
+          </a:lnRef>
+          <a:fillRef idx="1">
+            <a:schemeClr val="accent1"/>
+          </a:fillRef>
+          <a:effectRef idx="0">
+            <a:schemeClr val="accent1"/>
+          </a:effectRef>
+          <a:fontRef idx="minor">
+            <a:schemeClr val="lt1"/>
+          </a:fontRef>
+        </p:style>
+        <p:txBody>
+          <a:bodyPr rtlCol="0" anchor="ctr"/>
+          <a:lstStyle/>
+          <a:p>
+            <a:pPr algn="ctr"/>
+            <a:endParaRPr lang="en-GB"/>
+          </a:p>
+        </p:txBody>
+      </p:sp>
     </p:spTree>
     <p:extLst>
       <p:ext uri="{BB962C8B-B14F-4D97-AF65-F5344CB8AC3E}">
@@ -11390,7 +12248,7 @@
         </p:blipFill>
         <p:spPr>
           <a:xfrm>
-            <a:off x="-1684607" y="1779247"/>
+            <a:off x="-1659207" y="1433927"/>
             <a:ext cx="2713307" cy="5078753"/>
           </a:xfrm>
           <a:prstGeom prst="rect">
@@ -11434,7 +12292,7 @@
         </p:blipFill>
         <p:spPr>
           <a:xfrm>
-            <a:off x="8413136" y="-3217770"/>
+            <a:off x="8624875" y="-3713508"/>
             <a:ext cx="1685925" cy="3152775"/>
           </a:xfrm>
           <a:prstGeom prst="rect">
@@ -11470,7 +12328,7 @@
         </p:blipFill>
         <p:spPr>
           <a:xfrm>
-            <a:off x="3778865" y="-3147334"/>
+            <a:off x="4479043" y="-3799325"/>
             <a:ext cx="2170687" cy="3011902"/>
           </a:xfrm>
           <a:prstGeom prst="rect">
@@ -11507,7 +12365,7 @@
         </p:blipFill>
         <p:spPr bwMode="auto">
           <a:xfrm>
-            <a:off x="-115388" y="-3633502"/>
+            <a:off x="876312" y="-4007019"/>
             <a:ext cx="2009775" cy="3038475"/>
           </a:xfrm>
           <a:prstGeom prst="rect">
@@ -11553,7 +12411,7 @@
         </p:blipFill>
         <p:spPr>
           <a:xfrm>
-            <a:off x="6861469" y="-3002658"/>
+            <a:off x="7191669" y="-3745575"/>
             <a:ext cx="1551667" cy="2904402"/>
           </a:xfrm>
           <a:prstGeom prst="rect">
@@ -11575,8 +12433,8 @@
         </p:nvSpPr>
         <p:spPr>
           <a:xfrm>
-            <a:off x="4384496" y="2733408"/>
-            <a:ext cx="5714565" cy="3428160"/>
+            <a:off x="3225800" y="2411803"/>
+            <a:ext cx="6898661" cy="3123000"/>
           </a:xfrm>
           <a:prstGeom prst="wedgeRoundRectCallout">
             <a:avLst>
@@ -11649,7 +12507,7 @@
         </p:nvSpPr>
         <p:spPr>
           <a:xfrm>
-            <a:off x="246368" y="290425"/>
+            <a:off x="360668" y="0"/>
             <a:ext cx="4258957" cy="2322286"/>
           </a:xfrm>
           <a:prstGeom prst="wedgeEllipseCallout">
@@ -11733,7 +12591,7 @@
         </p:blipFill>
         <p:spPr>
           <a:xfrm>
-            <a:off x="10711542" y="979531"/>
+            <a:off x="10736942" y="634211"/>
             <a:ext cx="3614057" cy="5404358"/>
           </a:xfrm>
           <a:prstGeom prst="rect">
@@ -11749,6 +12607,56 @@
           </a:effectLst>
         </p:spPr>
       </p:pic>
+      <p:sp>
+        <p:nvSpPr>
+          <p:cNvPr id="2" name="Rectangle 1">
+            <a:extLst>
+              <a:ext uri="{FF2B5EF4-FFF2-40B4-BE49-F238E27FC236}">
+                <a16:creationId xmlns:a16="http://schemas.microsoft.com/office/drawing/2014/main" id="{02D91FD9-753B-4736-A777-8FA6856D25B8}"/>
+              </a:ext>
+            </a:extLst>
+          </p:cNvPr>
+          <p:cNvSpPr/>
+          <p:nvPr/>
+        </p:nvSpPr>
+        <p:spPr>
+          <a:xfrm>
+            <a:off x="2301887" y="-596900"/>
+            <a:ext cx="1168400" cy="596900"/>
+          </a:xfrm>
+          <a:prstGeom prst="rect">
+            <a:avLst/>
+          </a:prstGeom>
+          <a:noFill/>
+          <a:ln>
+            <a:noFill/>
+          </a:ln>
+        </p:spPr>
+        <p:style>
+          <a:lnRef idx="2">
+            <a:schemeClr val="accent1">
+              <a:shade val="50000"/>
+            </a:schemeClr>
+          </a:lnRef>
+          <a:fillRef idx="1">
+            <a:schemeClr val="accent1"/>
+          </a:fillRef>
+          <a:effectRef idx="0">
+            <a:schemeClr val="accent1"/>
+          </a:effectRef>
+          <a:fontRef idx="minor">
+            <a:schemeClr val="lt1"/>
+          </a:fontRef>
+        </p:style>
+        <p:txBody>
+          <a:bodyPr rtlCol="0" anchor="ctr"/>
+          <a:lstStyle/>
+          <a:p>
+            <a:pPr algn="ctr"/>
+            <a:endParaRPr lang="en-GB"/>
+          </a:p>
+        </p:txBody>
+      </p:sp>
     </p:spTree>
     <p:extLst>
       <p:ext uri="{BB962C8B-B14F-4D97-AF65-F5344CB8AC3E}">
@@ -11859,10 +12767,10 @@
       </p:grpSpPr>
       <p:sp>
         <p:nvSpPr>
-          <p:cNvPr id="4" name="Speech Bubble: Oval 3">
-            <a:extLst>
-              <a:ext uri="{FF2B5EF4-FFF2-40B4-BE49-F238E27FC236}">
-                <a16:creationId xmlns:a16="http://schemas.microsoft.com/office/drawing/2014/main" id="{AD2C4AAA-9D64-4C83-AB6E-950C420E1B65}"/>
+          <p:cNvPr id="18" name="Speech Bubble: Rectangle with Corners Rounded 17">
+            <a:extLst>
+              <a:ext uri="{FF2B5EF4-FFF2-40B4-BE49-F238E27FC236}">
+                <a16:creationId xmlns:a16="http://schemas.microsoft.com/office/drawing/2014/main" id="{44B698A8-C7A8-4146-BFE4-85C0A146C681}"/>
               </a:ext>
             </a:extLst>
           </p:cNvPr>
@@ -11871,13 +12779,14 @@
         </p:nvSpPr>
         <p:spPr>
           <a:xfrm>
-            <a:off x="0" y="46026"/>
-            <a:ext cx="4309835" cy="2827801"/>
-          </a:xfrm>
-          <a:prstGeom prst="wedgeEllipseCallout">
+            <a:off x="1866630" y="3202322"/>
+            <a:ext cx="3581740" cy="2538078"/>
+          </a:xfrm>
+          <a:prstGeom prst="wedgeRoundRectCallout">
             <a:avLst>
-              <a:gd name="adj1" fmla="val 60005"/>
-              <a:gd name="adj2" fmla="val 28462"/>
+              <a:gd name="adj1" fmla="val -61383"/>
+              <a:gd name="adj2" fmla="val 66149"/>
+              <a:gd name="adj3" fmla="val 16667"/>
             </a:avLst>
           </a:prstGeom>
           <a:solidFill>
@@ -11917,73 +12826,6 @@
                 <a:latin typeface="MS Gothic" panose="020B0609070205080204" pitchFamily="49" charset="-128"/>
                 <a:ea typeface="MS Gothic" panose="020B0609070205080204" pitchFamily="49" charset="-128"/>
               </a:rPr>
-              <a:t>あのね、次回の同窓会はベトナム店にするつもりですが、。。。</a:t>
-            </a:r>
-            <a:endParaRPr lang="en-GB" dirty="0"/>
-          </a:p>
-        </p:txBody>
-      </p:sp>
-      <p:sp>
-        <p:nvSpPr>
-          <p:cNvPr id="18" name="Speech Bubble: Rectangle with Corners Rounded 17">
-            <a:extLst>
-              <a:ext uri="{FF2B5EF4-FFF2-40B4-BE49-F238E27FC236}">
-                <a16:creationId xmlns:a16="http://schemas.microsoft.com/office/drawing/2014/main" id="{44B698A8-C7A8-4146-BFE4-85C0A146C681}"/>
-              </a:ext>
-            </a:extLst>
-          </p:cNvPr>
-          <p:cNvSpPr/>
-          <p:nvPr/>
-        </p:nvSpPr>
-        <p:spPr>
-          <a:xfrm>
-            <a:off x="1866629" y="3202322"/>
-            <a:ext cx="4229371" cy="2362352"/>
-          </a:xfrm>
-          <a:prstGeom prst="wedgeRoundRectCallout">
-            <a:avLst>
-              <a:gd name="adj1" fmla="val -61383"/>
-              <a:gd name="adj2" fmla="val 66149"/>
-              <a:gd name="adj3" fmla="val 16667"/>
-            </a:avLst>
-          </a:prstGeom>
-          <a:solidFill>
-            <a:schemeClr val="accent6"/>
-          </a:solidFill>
-          <a:effectLst>
-            <a:outerShdw blurRad="50800" dist="38100" dir="2700000" algn="tl" rotWithShape="0">
-              <a:prstClr val="black">
-                <a:alpha val="40000"/>
-              </a:prstClr>
-            </a:outerShdw>
-          </a:effectLst>
-        </p:spPr>
-        <p:style>
-          <a:lnRef idx="2">
-            <a:schemeClr val="accent1">
-              <a:shade val="50000"/>
-            </a:schemeClr>
-          </a:lnRef>
-          <a:fillRef idx="1">
-            <a:schemeClr val="accent1"/>
-          </a:fillRef>
-          <a:effectRef idx="0">
-            <a:schemeClr val="accent1"/>
-          </a:effectRef>
-          <a:fontRef idx="minor">
-            <a:schemeClr val="lt1"/>
-          </a:fontRef>
-        </p:style>
-        <p:txBody>
-          <a:bodyPr rtlCol="0" anchor="ctr"/>
-          <a:lstStyle/>
-          <a:p>
-            <a:pPr algn="ctr"/>
-            <a:r>
-              <a:rPr lang="ja-JP" altLang="en-US" sz="3200" dirty="0">
-                <a:latin typeface="MS Gothic" panose="020B0609070205080204" pitchFamily="49" charset="-128"/>
-                <a:ea typeface="MS Gothic" panose="020B0609070205080204" pitchFamily="49" charset="-128"/>
-              </a:rPr>
               <a:t>同窓会って広い店がないといけないですね。新大久保のへんはどうかな～</a:t>
             </a:r>
             <a:endParaRPr lang="en-GB" sz="3200" dirty="0"/>
@@ -12018,7 +12860,7 @@
         </p:blipFill>
         <p:spPr>
           <a:xfrm>
-            <a:off x="10640333" y="-3251478"/>
+            <a:off x="11216686" y="-4881386"/>
             <a:ext cx="1551667" cy="2904402"/>
           </a:xfrm>
           <a:prstGeom prst="rect">
@@ -12099,7 +12941,7 @@
         </p:blipFill>
         <p:spPr bwMode="auto">
           <a:xfrm>
-            <a:off x="2695722" y="-4204906"/>
+            <a:off x="2695723" y="-4527564"/>
             <a:ext cx="2752647" cy="3268768"/>
           </a:xfrm>
           <a:prstGeom prst="rect">
@@ -12180,7 +13022,7 @@
         </p:blipFill>
         <p:spPr bwMode="auto">
           <a:xfrm>
-            <a:off x="3981314" y="-98256"/>
+            <a:off x="4011557" y="32270"/>
             <a:ext cx="2084443" cy="3340027"/>
           </a:xfrm>
           <a:prstGeom prst="rect">
@@ -12234,7 +13076,7 @@
         </p:blipFill>
         <p:spPr>
           <a:xfrm>
-            <a:off x="6861469" y="-3002658"/>
+            <a:off x="7944611" y="-4988886"/>
             <a:ext cx="1551667" cy="2904402"/>
           </a:xfrm>
           <a:prstGeom prst="rect">
@@ -12262,6 +13104,123 @@
           <a:prstGeom prst="rect">
             <a:avLst/>
           </a:prstGeom>
+        </p:spPr>
+        <p:style>
+          <a:lnRef idx="2">
+            <a:schemeClr val="accent1">
+              <a:shade val="50000"/>
+            </a:schemeClr>
+          </a:lnRef>
+          <a:fillRef idx="1">
+            <a:schemeClr val="accent1"/>
+          </a:fillRef>
+          <a:effectRef idx="0">
+            <a:schemeClr val="accent1"/>
+          </a:effectRef>
+          <a:fontRef idx="minor">
+            <a:schemeClr val="lt1"/>
+          </a:fontRef>
+        </p:style>
+        <p:txBody>
+          <a:bodyPr rtlCol="0" anchor="ctr"/>
+          <a:lstStyle/>
+          <a:p>
+            <a:pPr algn="ctr"/>
+            <a:endParaRPr lang="en-GB"/>
+          </a:p>
+        </p:txBody>
+      </p:sp>
+      <p:sp>
+        <p:nvSpPr>
+          <p:cNvPr id="11" name="Speech Bubble: Rectangle with Corners Rounded 10">
+            <a:extLst>
+              <a:ext uri="{FF2B5EF4-FFF2-40B4-BE49-F238E27FC236}">
+                <a16:creationId xmlns:a16="http://schemas.microsoft.com/office/drawing/2014/main" id="{E1E3498F-F48E-4FA0-A90A-7F6FC8977806}"/>
+              </a:ext>
+            </a:extLst>
+          </p:cNvPr>
+          <p:cNvSpPr/>
+          <p:nvPr/>
+        </p:nvSpPr>
+        <p:spPr>
+          <a:xfrm>
+            <a:off x="0" y="2088"/>
+            <a:ext cx="3530600" cy="2362352"/>
+          </a:xfrm>
+          <a:prstGeom prst="wedgeRoundRectCallout">
+            <a:avLst>
+              <a:gd name="adj1" fmla="val 62033"/>
+              <a:gd name="adj2" fmla="val 24754"/>
+              <a:gd name="adj3" fmla="val 16667"/>
+            </a:avLst>
+          </a:prstGeom>
+          <a:solidFill>
+            <a:schemeClr val="accent6"/>
+          </a:solidFill>
+          <a:effectLst>
+            <a:outerShdw blurRad="50800" dist="38100" dir="2700000" algn="tl" rotWithShape="0">
+              <a:prstClr val="black">
+                <a:alpha val="40000"/>
+              </a:prstClr>
+            </a:outerShdw>
+          </a:effectLst>
+        </p:spPr>
+        <p:style>
+          <a:lnRef idx="2">
+            <a:schemeClr val="accent1">
+              <a:shade val="50000"/>
+            </a:schemeClr>
+          </a:lnRef>
+          <a:fillRef idx="1">
+            <a:schemeClr val="accent1"/>
+          </a:fillRef>
+          <a:effectRef idx="0">
+            <a:schemeClr val="accent1"/>
+          </a:effectRef>
+          <a:fontRef idx="minor">
+            <a:schemeClr val="lt1"/>
+          </a:fontRef>
+        </p:style>
+        <p:txBody>
+          <a:bodyPr rtlCol="0" anchor="ctr"/>
+          <a:lstStyle/>
+          <a:p>
+            <a:pPr algn="ctr"/>
+            <a:r>
+              <a:rPr lang="ja-JP" altLang="en-US" sz="3200" dirty="0">
+                <a:latin typeface="MS Gothic" panose="020B0609070205080204" pitchFamily="49" charset="-128"/>
+                <a:ea typeface="MS Gothic" panose="020B0609070205080204" pitchFamily="49" charset="-128"/>
+              </a:rPr>
+              <a:t>あのね、次回の同窓会はベトナム店にするつもりですが、。。。</a:t>
+            </a:r>
+            <a:endParaRPr lang="en-GB" sz="3200" dirty="0"/>
+          </a:p>
+        </p:txBody>
+      </p:sp>
+      <p:sp>
+        <p:nvSpPr>
+          <p:cNvPr id="12" name="Rectangle 11">
+            <a:extLst>
+              <a:ext uri="{FF2B5EF4-FFF2-40B4-BE49-F238E27FC236}">
+                <a16:creationId xmlns:a16="http://schemas.microsoft.com/office/drawing/2014/main" id="{F95616A2-76B9-45B1-8750-D05F2AE822B9}"/>
+              </a:ext>
+            </a:extLst>
+          </p:cNvPr>
+          <p:cNvSpPr/>
+          <p:nvPr/>
+        </p:nvSpPr>
+        <p:spPr>
+          <a:xfrm>
+            <a:off x="2301887" y="-420914"/>
+            <a:ext cx="1168400" cy="420914"/>
+          </a:xfrm>
+          <a:prstGeom prst="rect">
+            <a:avLst/>
+          </a:prstGeom>
+          <a:noFill/>
+          <a:ln>
+            <a:noFill/>
+          </a:ln>
         </p:spPr>
         <p:style>
           <a:lnRef idx="2">
@@ -12412,13 +13371,13 @@
         </p:nvSpPr>
         <p:spPr>
           <a:xfrm>
-            <a:off x="2626407" y="3101569"/>
+            <a:off x="2270353" y="3346487"/>
             <a:ext cx="3469593" cy="2362352"/>
           </a:xfrm>
           <a:prstGeom prst="wedgeRoundRectCallout">
             <a:avLst>
-              <a:gd name="adj1" fmla="val -57537"/>
-              <a:gd name="adj2" fmla="val 70450"/>
+              <a:gd name="adj1" fmla="val -64492"/>
+              <a:gd name="adj2" fmla="val 4325"/>
               <a:gd name="adj3" fmla="val 16667"/>
             </a:avLst>
           </a:prstGeom>
@@ -12493,7 +13452,7 @@
         </p:blipFill>
         <p:spPr>
           <a:xfrm>
-            <a:off x="11416166" y="-3291078"/>
+            <a:off x="11728222" y="-4423192"/>
             <a:ext cx="1551667" cy="2904402"/>
           </a:xfrm>
           <a:prstGeom prst="rect">
@@ -12529,7 +13488,7 @@
         </p:blipFill>
         <p:spPr>
           <a:xfrm>
-            <a:off x="3925313" y="-3398578"/>
+            <a:off x="4187196" y="-4032320"/>
             <a:ext cx="2170687" cy="3011902"/>
           </a:xfrm>
           <a:prstGeom prst="rect">
@@ -12566,7 +13525,7 @@
         </p:blipFill>
         <p:spPr bwMode="auto">
           <a:xfrm>
-            <a:off x="260578" y="-3740791"/>
+            <a:off x="463778" y="-4010207"/>
             <a:ext cx="2009775" cy="3038475"/>
           </a:xfrm>
           <a:prstGeom prst="rect">
@@ -12612,7 +13571,7 @@
         </p:blipFill>
         <p:spPr>
           <a:xfrm>
-            <a:off x="6730840" y="-3415264"/>
+            <a:off x="7688783" y="-4743279"/>
             <a:ext cx="1551667" cy="2904402"/>
           </a:xfrm>
           <a:prstGeom prst="rect">
@@ -12648,7 +13607,7 @@
         </p:blipFill>
         <p:spPr>
           <a:xfrm flipH="1">
-            <a:off x="566058" y="3254677"/>
+            <a:off x="0" y="3269220"/>
             <a:ext cx="1656202" cy="3152775"/>
           </a:xfrm>
           <a:prstGeom prst="rect">
@@ -12738,7 +13697,7 @@
         </p:blipFill>
         <p:spPr>
           <a:xfrm>
-            <a:off x="4070456" y="88425"/>
+            <a:off x="4201084" y="88425"/>
             <a:ext cx="1894916" cy="3011902"/>
           </a:xfrm>
           <a:prstGeom prst="rect">
@@ -12754,6 +13713,56 @@
           </a:effectLst>
         </p:spPr>
       </p:pic>
+      <p:sp>
+        <p:nvSpPr>
+          <p:cNvPr id="13" name="Rectangle 12">
+            <a:extLst>
+              <a:ext uri="{FF2B5EF4-FFF2-40B4-BE49-F238E27FC236}">
+                <a16:creationId xmlns:a16="http://schemas.microsoft.com/office/drawing/2014/main" id="{848F74DA-8073-4B12-825A-E2069FB5C22A}"/>
+              </a:ext>
+            </a:extLst>
+          </p:cNvPr>
+          <p:cNvSpPr/>
+          <p:nvPr/>
+        </p:nvSpPr>
+        <p:spPr>
+          <a:xfrm>
+            <a:off x="2301887" y="-420914"/>
+            <a:ext cx="1168400" cy="420914"/>
+          </a:xfrm>
+          <a:prstGeom prst="rect">
+            <a:avLst/>
+          </a:prstGeom>
+          <a:noFill/>
+          <a:ln>
+            <a:noFill/>
+          </a:ln>
+        </p:spPr>
+        <p:style>
+          <a:lnRef idx="2">
+            <a:schemeClr val="accent1">
+              <a:shade val="50000"/>
+            </a:schemeClr>
+          </a:lnRef>
+          <a:fillRef idx="1">
+            <a:schemeClr val="accent1"/>
+          </a:fillRef>
+          <a:effectRef idx="0">
+            <a:schemeClr val="accent1"/>
+          </a:effectRef>
+          <a:fontRef idx="minor">
+            <a:schemeClr val="lt1"/>
+          </a:fontRef>
+        </p:style>
+        <p:txBody>
+          <a:bodyPr rtlCol="0" anchor="ctr"/>
+          <a:lstStyle/>
+          <a:p>
+            <a:pPr algn="ctr"/>
+            <a:endParaRPr lang="en-GB"/>
+          </a:p>
+        </p:txBody>
+      </p:sp>
     </p:spTree>
     <p:extLst>
       <p:ext uri="{BB962C8B-B14F-4D97-AF65-F5344CB8AC3E}">

--- a/design/story.pptx
+++ b/design/story.pptx
@@ -284,7 +284,7 @@
           <a:p>
             <a:fld id="{7CCD71B0-6FFF-42B2-87FC-FA95A5074649}" type="datetimeFigureOut">
               <a:rPr lang="en-GB" smtClean="0"/>
-              <a:t>14/09/2021</a:t>
+              <a:t>15/09/2021</a:t>
             </a:fld>
             <a:endParaRPr lang="en-GB"/>
           </a:p>
@@ -484,7 +484,7 @@
           <a:p>
             <a:fld id="{7CCD71B0-6FFF-42B2-87FC-FA95A5074649}" type="datetimeFigureOut">
               <a:rPr lang="en-GB" smtClean="0"/>
-              <a:t>14/09/2021</a:t>
+              <a:t>15/09/2021</a:t>
             </a:fld>
             <a:endParaRPr lang="en-GB"/>
           </a:p>
@@ -694,7 +694,7 @@
           <a:p>
             <a:fld id="{7CCD71B0-6FFF-42B2-87FC-FA95A5074649}" type="datetimeFigureOut">
               <a:rPr lang="en-GB" smtClean="0"/>
-              <a:t>14/09/2021</a:t>
+              <a:t>15/09/2021</a:t>
             </a:fld>
             <a:endParaRPr lang="en-GB"/>
           </a:p>
@@ -894,7 +894,7 @@
           <a:p>
             <a:fld id="{7CCD71B0-6FFF-42B2-87FC-FA95A5074649}" type="datetimeFigureOut">
               <a:rPr lang="en-GB" smtClean="0"/>
-              <a:t>14/09/2021</a:t>
+              <a:t>15/09/2021</a:t>
             </a:fld>
             <a:endParaRPr lang="en-GB"/>
           </a:p>
@@ -1170,7 +1170,7 @@
           <a:p>
             <a:fld id="{7CCD71B0-6FFF-42B2-87FC-FA95A5074649}" type="datetimeFigureOut">
               <a:rPr lang="en-GB" smtClean="0"/>
-              <a:t>14/09/2021</a:t>
+              <a:t>15/09/2021</a:t>
             </a:fld>
             <a:endParaRPr lang="en-GB"/>
           </a:p>
@@ -1438,7 +1438,7 @@
           <a:p>
             <a:fld id="{7CCD71B0-6FFF-42B2-87FC-FA95A5074649}" type="datetimeFigureOut">
               <a:rPr lang="en-GB" smtClean="0"/>
-              <a:t>14/09/2021</a:t>
+              <a:t>15/09/2021</a:t>
             </a:fld>
             <a:endParaRPr lang="en-GB"/>
           </a:p>
@@ -1853,7 +1853,7 @@
           <a:p>
             <a:fld id="{7CCD71B0-6FFF-42B2-87FC-FA95A5074649}" type="datetimeFigureOut">
               <a:rPr lang="en-GB" smtClean="0"/>
-              <a:t>14/09/2021</a:t>
+              <a:t>15/09/2021</a:t>
             </a:fld>
             <a:endParaRPr lang="en-GB"/>
           </a:p>
@@ -1995,7 +1995,7 @@
           <a:p>
             <a:fld id="{7CCD71B0-6FFF-42B2-87FC-FA95A5074649}" type="datetimeFigureOut">
               <a:rPr lang="en-GB" smtClean="0"/>
-              <a:t>14/09/2021</a:t>
+              <a:t>15/09/2021</a:t>
             </a:fld>
             <a:endParaRPr lang="en-GB"/>
           </a:p>
@@ -2108,7 +2108,7 @@
           <a:p>
             <a:fld id="{7CCD71B0-6FFF-42B2-87FC-FA95A5074649}" type="datetimeFigureOut">
               <a:rPr lang="en-GB" smtClean="0"/>
-              <a:t>14/09/2021</a:t>
+              <a:t>15/09/2021</a:t>
             </a:fld>
             <a:endParaRPr lang="en-GB"/>
           </a:p>
@@ -2421,7 +2421,7 @@
           <a:p>
             <a:fld id="{7CCD71B0-6FFF-42B2-87FC-FA95A5074649}" type="datetimeFigureOut">
               <a:rPr lang="en-GB" smtClean="0"/>
-              <a:t>14/09/2021</a:t>
+              <a:t>15/09/2021</a:t>
             </a:fld>
             <a:endParaRPr lang="en-GB"/>
           </a:p>
@@ -2710,7 +2710,7 @@
           <a:p>
             <a:fld id="{7CCD71B0-6FFF-42B2-87FC-FA95A5074649}" type="datetimeFigureOut">
               <a:rPr lang="en-GB" smtClean="0"/>
-              <a:t>14/09/2021</a:t>
+              <a:t>15/09/2021</a:t>
             </a:fld>
             <a:endParaRPr lang="en-GB"/>
           </a:p>
@@ -2953,7 +2953,7 @@
           <a:p>
             <a:fld id="{7CCD71B0-6FFF-42B2-87FC-FA95A5074649}" type="datetimeFigureOut">
               <a:rPr lang="en-GB" smtClean="0"/>
-              <a:t>14/09/2021</a:t>
+              <a:t>15/09/2021</a:t>
             </a:fld>
             <a:endParaRPr lang="en-GB"/>
           </a:p>
@@ -3528,7 +3528,7 @@
         </p:nvSpPr>
         <p:spPr>
           <a:xfrm>
-            <a:off x="2046514" y="3274401"/>
+            <a:off x="2038455" y="3665672"/>
             <a:ext cx="3773715" cy="2473255"/>
           </a:xfrm>
           <a:prstGeom prst="wedgeRoundRectCallout">
@@ -3751,7 +3751,7 @@
         </p:blipFill>
         <p:spPr bwMode="auto">
           <a:xfrm>
-            <a:off x="479855" y="-4118052"/>
+            <a:off x="2301887" y="-5548653"/>
             <a:ext cx="2009775" cy="3038475"/>
           </a:xfrm>
           <a:prstGeom prst="rect">
@@ -3833,7 +3833,7 @@
         </p:blipFill>
         <p:spPr>
           <a:xfrm flipH="1">
-            <a:off x="25506" y="3429000"/>
+            <a:off x="0" y="3665672"/>
             <a:ext cx="1656202" cy="3152775"/>
           </a:xfrm>
           <a:prstGeom prst="rect">
@@ -3897,10 +3897,10 @@
       </p:sp>
       <p:sp>
         <p:nvSpPr>
-          <p:cNvPr id="12" name="Rectangle 11">
-            <a:extLst>
-              <a:ext uri="{FF2B5EF4-FFF2-40B4-BE49-F238E27FC236}">
-                <a16:creationId xmlns:a16="http://schemas.microsoft.com/office/drawing/2014/main" id="{92C7495A-C604-40AD-ACF5-672EC13023D6}"/>
+          <p:cNvPr id="13" name="Rectangle 12">
+            <a:extLst>
+              <a:ext uri="{FF2B5EF4-FFF2-40B4-BE49-F238E27FC236}">
+                <a16:creationId xmlns:a16="http://schemas.microsoft.com/office/drawing/2014/main" id="{1295F5E2-F47B-403C-AC24-1E6B68092E3B}"/>
               </a:ext>
             </a:extLst>
           </p:cNvPr>
@@ -3909,7 +3909,53 @@
         </p:nvSpPr>
         <p:spPr>
           <a:xfrm>
-            <a:off x="2301887" y="-420914"/>
+            <a:off x="-7182576" y="6858000"/>
+            <a:ext cx="13278576" cy="553733"/>
+          </a:xfrm>
+          <a:prstGeom prst="rect">
+            <a:avLst/>
+          </a:prstGeom>
+        </p:spPr>
+        <p:style>
+          <a:lnRef idx="2">
+            <a:schemeClr val="accent1">
+              <a:shade val="50000"/>
+            </a:schemeClr>
+          </a:lnRef>
+          <a:fillRef idx="1">
+            <a:schemeClr val="accent1"/>
+          </a:fillRef>
+          <a:effectRef idx="0">
+            <a:schemeClr val="accent1"/>
+          </a:effectRef>
+          <a:fontRef idx="minor">
+            <a:schemeClr val="lt1"/>
+          </a:fontRef>
+        </p:style>
+        <p:txBody>
+          <a:bodyPr rtlCol="0" anchor="ctr"/>
+          <a:lstStyle/>
+          <a:p>
+            <a:pPr algn="ctr"/>
+            <a:endParaRPr lang="en-GB"/>
+          </a:p>
+        </p:txBody>
+      </p:sp>
+      <p:sp>
+        <p:nvSpPr>
+          <p:cNvPr id="14" name="Rectangle 13">
+            <a:extLst>
+              <a:ext uri="{FF2B5EF4-FFF2-40B4-BE49-F238E27FC236}">
+                <a16:creationId xmlns:a16="http://schemas.microsoft.com/office/drawing/2014/main" id="{D1C115E9-E433-49F2-99A5-BC6E6636B7A9}"/>
+              </a:ext>
+            </a:extLst>
+          </p:cNvPr>
+          <p:cNvSpPr/>
+          <p:nvPr/>
+        </p:nvSpPr>
+        <p:spPr>
+          <a:xfrm>
+            <a:off x="2242276" y="-420914"/>
             <a:ext cx="1168400" cy="420914"/>
           </a:xfrm>
           <a:prstGeom prst="rect">
@@ -3919,6 +3965,98 @@
           <a:ln>
             <a:noFill/>
           </a:ln>
+        </p:spPr>
+        <p:style>
+          <a:lnRef idx="2">
+            <a:schemeClr val="accent1">
+              <a:shade val="50000"/>
+            </a:schemeClr>
+          </a:lnRef>
+          <a:fillRef idx="1">
+            <a:schemeClr val="accent1"/>
+          </a:fillRef>
+          <a:effectRef idx="0">
+            <a:schemeClr val="accent1"/>
+          </a:effectRef>
+          <a:fontRef idx="minor">
+            <a:schemeClr val="lt1"/>
+          </a:fontRef>
+        </p:style>
+        <p:txBody>
+          <a:bodyPr rtlCol="0" anchor="ctr"/>
+          <a:lstStyle/>
+          <a:p>
+            <a:pPr algn="ctr"/>
+            <a:endParaRPr lang="en-GB"/>
+          </a:p>
+        </p:txBody>
+      </p:sp>
+      <p:sp>
+        <p:nvSpPr>
+          <p:cNvPr id="15" name="Rectangle 14">
+            <a:extLst>
+              <a:ext uri="{FF2B5EF4-FFF2-40B4-BE49-F238E27FC236}">
+                <a16:creationId xmlns:a16="http://schemas.microsoft.com/office/drawing/2014/main" id="{B60ACF5A-84E7-4A64-8871-AAD6C3E58E21}"/>
+              </a:ext>
+            </a:extLst>
+          </p:cNvPr>
+          <p:cNvSpPr/>
+          <p:nvPr/>
+        </p:nvSpPr>
+        <p:spPr>
+          <a:xfrm>
+            <a:off x="-7181850" y="-974647"/>
+            <a:ext cx="13278576" cy="553733"/>
+          </a:xfrm>
+          <a:prstGeom prst="rect">
+            <a:avLst/>
+          </a:prstGeom>
+        </p:spPr>
+        <p:style>
+          <a:lnRef idx="2">
+            <a:schemeClr val="accent1">
+              <a:shade val="50000"/>
+            </a:schemeClr>
+          </a:lnRef>
+          <a:fillRef idx="1">
+            <a:schemeClr val="accent1"/>
+          </a:fillRef>
+          <a:effectRef idx="0">
+            <a:schemeClr val="accent1"/>
+          </a:effectRef>
+          <a:fontRef idx="minor">
+            <a:schemeClr val="lt1"/>
+          </a:fontRef>
+        </p:style>
+        <p:txBody>
+          <a:bodyPr rtlCol="0" anchor="ctr"/>
+          <a:lstStyle/>
+          <a:p>
+            <a:pPr algn="ctr"/>
+            <a:endParaRPr lang="en-GB"/>
+          </a:p>
+        </p:txBody>
+      </p:sp>
+      <p:sp>
+        <p:nvSpPr>
+          <p:cNvPr id="16" name="Rectangle 15">
+            <a:extLst>
+              <a:ext uri="{FF2B5EF4-FFF2-40B4-BE49-F238E27FC236}">
+                <a16:creationId xmlns:a16="http://schemas.microsoft.com/office/drawing/2014/main" id="{598F6FEE-FD8C-465F-B41D-865D202D58B4}"/>
+              </a:ext>
+            </a:extLst>
+          </p:cNvPr>
+          <p:cNvSpPr/>
+          <p:nvPr/>
+        </p:nvSpPr>
+        <p:spPr>
+          <a:xfrm rot="5400000">
+            <a:off x="4476566" y="625727"/>
+            <a:ext cx="8991249" cy="5752381"/>
+          </a:xfrm>
+          <a:prstGeom prst="rect">
+            <a:avLst/>
+          </a:prstGeom>
         </p:spPr>
         <p:style>
           <a:lnRef idx="2">
@@ -4173,7 +4311,7 @@
         </p:blipFill>
         <p:spPr bwMode="auto">
           <a:xfrm>
-            <a:off x="-4199909" y="-3149176"/>
+            <a:off x="-4591795" y="-5148459"/>
             <a:ext cx="2752647" cy="3268768"/>
           </a:xfrm>
           <a:prstGeom prst="rect">
@@ -4410,10 +4548,10 @@
       </p:sp>
       <p:sp>
         <p:nvSpPr>
-          <p:cNvPr id="12" name="Rectangle 11">
-            <a:extLst>
-              <a:ext uri="{FF2B5EF4-FFF2-40B4-BE49-F238E27FC236}">
-                <a16:creationId xmlns:a16="http://schemas.microsoft.com/office/drawing/2014/main" id="{2517D53C-1ED4-4567-952A-4C836686FEBF}"/>
+          <p:cNvPr id="13" name="Rectangle 12">
+            <a:extLst>
+              <a:ext uri="{FF2B5EF4-FFF2-40B4-BE49-F238E27FC236}">
+                <a16:creationId xmlns:a16="http://schemas.microsoft.com/office/drawing/2014/main" id="{0D908CB2-1CCF-4F74-974F-3D5D4237A4E1}"/>
               </a:ext>
             </a:extLst>
           </p:cNvPr>
@@ -4422,7 +4560,53 @@
         </p:nvSpPr>
         <p:spPr>
           <a:xfrm>
-            <a:off x="2301887" y="-420914"/>
+            <a:off x="-7182576" y="6858000"/>
+            <a:ext cx="13278576" cy="553733"/>
+          </a:xfrm>
+          <a:prstGeom prst="rect">
+            <a:avLst/>
+          </a:prstGeom>
+        </p:spPr>
+        <p:style>
+          <a:lnRef idx="2">
+            <a:schemeClr val="accent1">
+              <a:shade val="50000"/>
+            </a:schemeClr>
+          </a:lnRef>
+          <a:fillRef idx="1">
+            <a:schemeClr val="accent1"/>
+          </a:fillRef>
+          <a:effectRef idx="0">
+            <a:schemeClr val="accent1"/>
+          </a:effectRef>
+          <a:fontRef idx="minor">
+            <a:schemeClr val="lt1"/>
+          </a:fontRef>
+        </p:style>
+        <p:txBody>
+          <a:bodyPr rtlCol="0" anchor="ctr"/>
+          <a:lstStyle/>
+          <a:p>
+            <a:pPr algn="ctr"/>
+            <a:endParaRPr lang="en-GB"/>
+          </a:p>
+        </p:txBody>
+      </p:sp>
+      <p:sp>
+        <p:nvSpPr>
+          <p:cNvPr id="14" name="Rectangle 13">
+            <a:extLst>
+              <a:ext uri="{FF2B5EF4-FFF2-40B4-BE49-F238E27FC236}">
+                <a16:creationId xmlns:a16="http://schemas.microsoft.com/office/drawing/2014/main" id="{91136F96-0D1C-4C13-957F-F7160C108A98}"/>
+              </a:ext>
+            </a:extLst>
+          </p:cNvPr>
+          <p:cNvSpPr/>
+          <p:nvPr/>
+        </p:nvSpPr>
+        <p:spPr>
+          <a:xfrm>
+            <a:off x="2242276" y="-420914"/>
             <a:ext cx="1168400" cy="420914"/>
           </a:xfrm>
           <a:prstGeom prst="rect">
@@ -4432,6 +4616,98 @@
           <a:ln>
             <a:noFill/>
           </a:ln>
+        </p:spPr>
+        <p:style>
+          <a:lnRef idx="2">
+            <a:schemeClr val="accent1">
+              <a:shade val="50000"/>
+            </a:schemeClr>
+          </a:lnRef>
+          <a:fillRef idx="1">
+            <a:schemeClr val="accent1"/>
+          </a:fillRef>
+          <a:effectRef idx="0">
+            <a:schemeClr val="accent1"/>
+          </a:effectRef>
+          <a:fontRef idx="minor">
+            <a:schemeClr val="lt1"/>
+          </a:fontRef>
+        </p:style>
+        <p:txBody>
+          <a:bodyPr rtlCol="0" anchor="ctr"/>
+          <a:lstStyle/>
+          <a:p>
+            <a:pPr algn="ctr"/>
+            <a:endParaRPr lang="en-GB"/>
+          </a:p>
+        </p:txBody>
+      </p:sp>
+      <p:sp>
+        <p:nvSpPr>
+          <p:cNvPr id="15" name="Rectangle 14">
+            <a:extLst>
+              <a:ext uri="{FF2B5EF4-FFF2-40B4-BE49-F238E27FC236}">
+                <a16:creationId xmlns:a16="http://schemas.microsoft.com/office/drawing/2014/main" id="{A004F24F-659C-4827-9396-3F53FFB9A195}"/>
+              </a:ext>
+            </a:extLst>
+          </p:cNvPr>
+          <p:cNvSpPr/>
+          <p:nvPr/>
+        </p:nvSpPr>
+        <p:spPr>
+          <a:xfrm>
+            <a:off x="-7181850" y="-974647"/>
+            <a:ext cx="13278576" cy="553733"/>
+          </a:xfrm>
+          <a:prstGeom prst="rect">
+            <a:avLst/>
+          </a:prstGeom>
+        </p:spPr>
+        <p:style>
+          <a:lnRef idx="2">
+            <a:schemeClr val="accent1">
+              <a:shade val="50000"/>
+            </a:schemeClr>
+          </a:lnRef>
+          <a:fillRef idx="1">
+            <a:schemeClr val="accent1"/>
+          </a:fillRef>
+          <a:effectRef idx="0">
+            <a:schemeClr val="accent1"/>
+          </a:effectRef>
+          <a:fontRef idx="minor">
+            <a:schemeClr val="lt1"/>
+          </a:fontRef>
+        </p:style>
+        <p:txBody>
+          <a:bodyPr rtlCol="0" anchor="ctr"/>
+          <a:lstStyle/>
+          <a:p>
+            <a:pPr algn="ctr"/>
+            <a:endParaRPr lang="en-GB"/>
+          </a:p>
+        </p:txBody>
+      </p:sp>
+      <p:sp>
+        <p:nvSpPr>
+          <p:cNvPr id="16" name="Rectangle 15">
+            <a:extLst>
+              <a:ext uri="{FF2B5EF4-FFF2-40B4-BE49-F238E27FC236}">
+                <a16:creationId xmlns:a16="http://schemas.microsoft.com/office/drawing/2014/main" id="{285589CE-4DF3-42E6-A60B-7EF39029D8CB}"/>
+              </a:ext>
+            </a:extLst>
+          </p:cNvPr>
+          <p:cNvSpPr/>
+          <p:nvPr/>
+        </p:nvSpPr>
+        <p:spPr>
+          <a:xfrm rot="5400000">
+            <a:off x="4476566" y="625727"/>
+            <a:ext cx="8991249" cy="5752381"/>
+          </a:xfrm>
+          <a:prstGeom prst="rect">
+            <a:avLst/>
+          </a:prstGeom>
         </p:spPr>
         <p:style>
           <a:lnRef idx="2">
@@ -4704,7 +4980,7 @@
                 <a:latin typeface="MS Gothic" panose="020B0609070205080204" pitchFamily="49" charset="-128"/>
                 <a:ea typeface="MS Gothic" panose="020B0609070205080204" pitchFamily="49" charset="-128"/>
               </a:rPr>
-              <a:t>のび太くん、いった？</a:t>
+              <a:t>のび太くん、行った？</a:t>
             </a:r>
             <a:endParaRPr lang="en-GB" sz="3200" dirty="0">
               <a:latin typeface="MS Gothic" panose="020B0609070205080204" pitchFamily="49" charset="-128"/>
@@ -4812,7 +5088,7 @@
         </p:blipFill>
         <p:spPr>
           <a:xfrm flipH="1">
-            <a:off x="-1610857" y="0"/>
+            <a:off x="-2500043" y="737791"/>
             <a:ext cx="3221713" cy="6132909"/>
           </a:xfrm>
           <a:prstGeom prst="rect">
@@ -4861,7 +5137,7 @@
         </p:blipFill>
         <p:spPr>
           <a:xfrm>
-            <a:off x="10852635" y="222582"/>
+            <a:off x="10712019" y="574512"/>
             <a:ext cx="3910378" cy="5910327"/>
           </a:xfrm>
           <a:prstGeom prst="rect">
@@ -4879,10 +5155,10 @@
       </p:pic>
       <p:sp>
         <p:nvSpPr>
-          <p:cNvPr id="13" name="Rectangle 12">
-            <a:extLst>
-              <a:ext uri="{FF2B5EF4-FFF2-40B4-BE49-F238E27FC236}">
-                <a16:creationId xmlns:a16="http://schemas.microsoft.com/office/drawing/2014/main" id="{88E1B82C-E418-4A1B-B4DA-F63AACE75ECD}"/>
+          <p:cNvPr id="19" name="Rectangle 18">
+            <a:extLst>
+              <a:ext uri="{FF2B5EF4-FFF2-40B4-BE49-F238E27FC236}">
+                <a16:creationId xmlns:a16="http://schemas.microsoft.com/office/drawing/2014/main" id="{458BBFD6-A60C-48A6-90F9-4E6515989DE9}"/>
               </a:ext>
             </a:extLst>
           </p:cNvPr>
@@ -4891,8 +5167,242 @@
         </p:nvSpPr>
         <p:spPr>
           <a:xfrm>
-            <a:off x="2154507" y="-627388"/>
-            <a:ext cx="1168400" cy="596900"/>
+            <a:off x="1905946" y="6870700"/>
+            <a:ext cx="1168400" cy="401854"/>
+          </a:xfrm>
+          <a:prstGeom prst="rect">
+            <a:avLst/>
+          </a:prstGeom>
+          <a:noFill/>
+          <a:ln>
+            <a:noFill/>
+          </a:ln>
+        </p:spPr>
+        <p:style>
+          <a:lnRef idx="2">
+            <a:schemeClr val="accent1">
+              <a:shade val="50000"/>
+            </a:schemeClr>
+          </a:lnRef>
+          <a:fillRef idx="1">
+            <a:schemeClr val="accent1"/>
+          </a:fillRef>
+          <a:effectRef idx="0">
+            <a:schemeClr val="accent1"/>
+          </a:effectRef>
+          <a:fontRef idx="minor">
+            <a:schemeClr val="lt1"/>
+          </a:fontRef>
+        </p:style>
+        <p:txBody>
+          <a:bodyPr rtlCol="0" anchor="ctr"/>
+          <a:lstStyle/>
+          <a:p>
+            <a:pPr algn="ctr"/>
+            <a:endParaRPr lang="en-GB"/>
+          </a:p>
+        </p:txBody>
+      </p:sp>
+      <p:sp>
+        <p:nvSpPr>
+          <p:cNvPr id="20" name="Rectangle 19">
+            <a:extLst>
+              <a:ext uri="{FF2B5EF4-FFF2-40B4-BE49-F238E27FC236}">
+                <a16:creationId xmlns:a16="http://schemas.microsoft.com/office/drawing/2014/main" id="{A3BAD0BB-7FA4-4A5D-A80E-095339C3DE9B}"/>
+              </a:ext>
+            </a:extLst>
+          </p:cNvPr>
+          <p:cNvSpPr/>
+          <p:nvPr/>
+        </p:nvSpPr>
+        <p:spPr>
+          <a:xfrm>
+            <a:off x="-4629150" y="7281253"/>
+            <a:ext cx="23851326" cy="553733"/>
+          </a:xfrm>
+          <a:prstGeom prst="rect">
+            <a:avLst/>
+          </a:prstGeom>
+        </p:spPr>
+        <p:style>
+          <a:lnRef idx="2">
+            <a:schemeClr val="accent1">
+              <a:shade val="50000"/>
+            </a:schemeClr>
+          </a:lnRef>
+          <a:fillRef idx="1">
+            <a:schemeClr val="accent1"/>
+          </a:fillRef>
+          <a:effectRef idx="0">
+            <a:schemeClr val="accent1"/>
+          </a:effectRef>
+          <a:fontRef idx="minor">
+            <a:schemeClr val="lt1"/>
+          </a:fontRef>
+        </p:style>
+        <p:txBody>
+          <a:bodyPr rtlCol="0" anchor="ctr"/>
+          <a:lstStyle/>
+          <a:p>
+            <a:pPr algn="ctr"/>
+            <a:endParaRPr lang="en-GB"/>
+          </a:p>
+        </p:txBody>
+      </p:sp>
+      <p:sp>
+        <p:nvSpPr>
+          <p:cNvPr id="21" name="Rectangle 20">
+            <a:extLst>
+              <a:ext uri="{FF2B5EF4-FFF2-40B4-BE49-F238E27FC236}">
+                <a16:creationId xmlns:a16="http://schemas.microsoft.com/office/drawing/2014/main" id="{43C373D0-DF12-4220-BBF2-4CCD5920FFC3}"/>
+              </a:ext>
+            </a:extLst>
+          </p:cNvPr>
+          <p:cNvSpPr/>
+          <p:nvPr/>
+        </p:nvSpPr>
+        <p:spPr>
+          <a:xfrm>
+            <a:off x="-4629150" y="-974647"/>
+            <a:ext cx="23851326" cy="553733"/>
+          </a:xfrm>
+          <a:prstGeom prst="rect">
+            <a:avLst/>
+          </a:prstGeom>
+        </p:spPr>
+        <p:style>
+          <a:lnRef idx="2">
+            <a:schemeClr val="accent1">
+              <a:shade val="50000"/>
+            </a:schemeClr>
+          </a:lnRef>
+          <a:fillRef idx="1">
+            <a:schemeClr val="accent1"/>
+          </a:fillRef>
+          <a:effectRef idx="0">
+            <a:schemeClr val="accent1"/>
+          </a:effectRef>
+          <a:fontRef idx="minor">
+            <a:schemeClr val="lt1"/>
+          </a:fontRef>
+        </p:style>
+        <p:txBody>
+          <a:bodyPr rtlCol="0" anchor="ctr"/>
+          <a:lstStyle/>
+          <a:p>
+            <a:pPr algn="ctr"/>
+            <a:endParaRPr lang="en-GB"/>
+          </a:p>
+        </p:txBody>
+      </p:sp>
+      <p:sp>
+        <p:nvSpPr>
+          <p:cNvPr id="22" name="Rectangle 21">
+            <a:extLst>
+              <a:ext uri="{FF2B5EF4-FFF2-40B4-BE49-F238E27FC236}">
+                <a16:creationId xmlns:a16="http://schemas.microsoft.com/office/drawing/2014/main" id="{927A1503-C961-4109-ABD6-1FFF4DD46B2B}"/>
+              </a:ext>
+            </a:extLst>
+          </p:cNvPr>
+          <p:cNvSpPr/>
+          <p:nvPr/>
+        </p:nvSpPr>
+        <p:spPr>
+          <a:xfrm rot="5400000">
+            <a:off x="15311917" y="-1664371"/>
+            <a:ext cx="8991249" cy="10332577"/>
+          </a:xfrm>
+          <a:prstGeom prst="rect">
+            <a:avLst/>
+          </a:prstGeom>
+        </p:spPr>
+        <p:style>
+          <a:lnRef idx="2">
+            <a:schemeClr val="accent1">
+              <a:shade val="50000"/>
+            </a:schemeClr>
+          </a:lnRef>
+          <a:fillRef idx="1">
+            <a:schemeClr val="accent1"/>
+          </a:fillRef>
+          <a:effectRef idx="0">
+            <a:schemeClr val="accent1"/>
+          </a:effectRef>
+          <a:fontRef idx="minor">
+            <a:schemeClr val="lt1"/>
+          </a:fontRef>
+        </p:style>
+        <p:txBody>
+          <a:bodyPr rtlCol="0" anchor="ctr"/>
+          <a:lstStyle/>
+          <a:p>
+            <a:pPr algn="ctr"/>
+            <a:endParaRPr lang="en-GB"/>
+          </a:p>
+        </p:txBody>
+      </p:sp>
+      <p:sp>
+        <p:nvSpPr>
+          <p:cNvPr id="23" name="Rectangle 22">
+            <a:extLst>
+              <a:ext uri="{FF2B5EF4-FFF2-40B4-BE49-F238E27FC236}">
+                <a16:creationId xmlns:a16="http://schemas.microsoft.com/office/drawing/2014/main" id="{0FCB1C71-BD28-4479-BDBF-68A3208743CF}"/>
+              </a:ext>
+            </a:extLst>
+          </p:cNvPr>
+          <p:cNvSpPr/>
+          <p:nvPr/>
+        </p:nvSpPr>
+        <p:spPr>
+          <a:xfrm rot="5400000">
+            <a:off x="-10169425" y="382456"/>
+            <a:ext cx="8991249" cy="6294441"/>
+          </a:xfrm>
+          <a:prstGeom prst="rect">
+            <a:avLst/>
+          </a:prstGeom>
+        </p:spPr>
+        <p:style>
+          <a:lnRef idx="2">
+            <a:schemeClr val="accent1">
+              <a:shade val="50000"/>
+            </a:schemeClr>
+          </a:lnRef>
+          <a:fillRef idx="1">
+            <a:schemeClr val="accent1"/>
+          </a:fillRef>
+          <a:effectRef idx="0">
+            <a:schemeClr val="accent1"/>
+          </a:effectRef>
+          <a:fontRef idx="minor">
+            <a:schemeClr val="lt1"/>
+          </a:fontRef>
+        </p:style>
+        <p:txBody>
+          <a:bodyPr rtlCol="0" anchor="ctr"/>
+          <a:lstStyle/>
+          <a:p>
+            <a:pPr algn="ctr"/>
+            <a:endParaRPr lang="en-GB"/>
+          </a:p>
+        </p:txBody>
+      </p:sp>
+      <p:sp>
+        <p:nvSpPr>
+          <p:cNvPr id="24" name="Rectangle 23">
+            <a:extLst>
+              <a:ext uri="{FF2B5EF4-FFF2-40B4-BE49-F238E27FC236}">
+                <a16:creationId xmlns:a16="http://schemas.microsoft.com/office/drawing/2014/main" id="{E36D06C3-254C-47FB-B476-CC1AD0978ECC}"/>
+              </a:ext>
+            </a:extLst>
+          </p:cNvPr>
+          <p:cNvSpPr/>
+          <p:nvPr/>
+        </p:nvSpPr>
+        <p:spPr>
+          <a:xfrm>
+            <a:off x="2454287" y="-249454"/>
+            <a:ext cx="1168400" cy="401854"/>
           </a:xfrm>
           <a:prstGeom prst="rect">
             <a:avLst/>
@@ -5488,10 +5998,10 @@
       </p:sp>
       <p:sp>
         <p:nvSpPr>
-          <p:cNvPr id="12" name="Rectangle 11">
-            <a:extLst>
-              <a:ext uri="{FF2B5EF4-FFF2-40B4-BE49-F238E27FC236}">
-                <a16:creationId xmlns:a16="http://schemas.microsoft.com/office/drawing/2014/main" id="{F5CEF5F2-3AF7-4078-A373-469EFA18DB7C}"/>
+          <p:cNvPr id="13" name="Rectangle 12">
+            <a:extLst>
+              <a:ext uri="{FF2B5EF4-FFF2-40B4-BE49-F238E27FC236}">
+                <a16:creationId xmlns:a16="http://schemas.microsoft.com/office/drawing/2014/main" id="{11780AD2-5A6F-4351-9D6C-7BF85A5538E2}"/>
               </a:ext>
             </a:extLst>
           </p:cNvPr>
@@ -5500,7 +6010,53 @@
         </p:nvSpPr>
         <p:spPr>
           <a:xfrm>
-            <a:off x="2301887" y="-420914"/>
+            <a:off x="-7182576" y="6858000"/>
+            <a:ext cx="13278576" cy="553733"/>
+          </a:xfrm>
+          <a:prstGeom prst="rect">
+            <a:avLst/>
+          </a:prstGeom>
+        </p:spPr>
+        <p:style>
+          <a:lnRef idx="2">
+            <a:schemeClr val="accent1">
+              <a:shade val="50000"/>
+            </a:schemeClr>
+          </a:lnRef>
+          <a:fillRef idx="1">
+            <a:schemeClr val="accent1"/>
+          </a:fillRef>
+          <a:effectRef idx="0">
+            <a:schemeClr val="accent1"/>
+          </a:effectRef>
+          <a:fontRef idx="minor">
+            <a:schemeClr val="lt1"/>
+          </a:fontRef>
+        </p:style>
+        <p:txBody>
+          <a:bodyPr rtlCol="0" anchor="ctr"/>
+          <a:lstStyle/>
+          <a:p>
+            <a:pPr algn="ctr"/>
+            <a:endParaRPr lang="en-GB"/>
+          </a:p>
+        </p:txBody>
+      </p:sp>
+      <p:sp>
+        <p:nvSpPr>
+          <p:cNvPr id="14" name="Rectangle 13">
+            <a:extLst>
+              <a:ext uri="{FF2B5EF4-FFF2-40B4-BE49-F238E27FC236}">
+                <a16:creationId xmlns:a16="http://schemas.microsoft.com/office/drawing/2014/main" id="{E92CA1AB-19D3-451B-9986-5AFAD676CF75}"/>
+              </a:ext>
+            </a:extLst>
+          </p:cNvPr>
+          <p:cNvSpPr/>
+          <p:nvPr/>
+        </p:nvSpPr>
+        <p:spPr>
+          <a:xfrm>
+            <a:off x="2242276" y="-420914"/>
             <a:ext cx="1168400" cy="420914"/>
           </a:xfrm>
           <a:prstGeom prst="rect">
@@ -5510,6 +6066,98 @@
           <a:ln>
             <a:noFill/>
           </a:ln>
+        </p:spPr>
+        <p:style>
+          <a:lnRef idx="2">
+            <a:schemeClr val="accent1">
+              <a:shade val="50000"/>
+            </a:schemeClr>
+          </a:lnRef>
+          <a:fillRef idx="1">
+            <a:schemeClr val="accent1"/>
+          </a:fillRef>
+          <a:effectRef idx="0">
+            <a:schemeClr val="accent1"/>
+          </a:effectRef>
+          <a:fontRef idx="minor">
+            <a:schemeClr val="lt1"/>
+          </a:fontRef>
+        </p:style>
+        <p:txBody>
+          <a:bodyPr rtlCol="0" anchor="ctr"/>
+          <a:lstStyle/>
+          <a:p>
+            <a:pPr algn="ctr"/>
+            <a:endParaRPr lang="en-GB"/>
+          </a:p>
+        </p:txBody>
+      </p:sp>
+      <p:sp>
+        <p:nvSpPr>
+          <p:cNvPr id="15" name="Rectangle 14">
+            <a:extLst>
+              <a:ext uri="{FF2B5EF4-FFF2-40B4-BE49-F238E27FC236}">
+                <a16:creationId xmlns:a16="http://schemas.microsoft.com/office/drawing/2014/main" id="{3B8B1C6A-9FB8-4B1B-8719-CA5A29EEC3B6}"/>
+              </a:ext>
+            </a:extLst>
+          </p:cNvPr>
+          <p:cNvSpPr/>
+          <p:nvPr/>
+        </p:nvSpPr>
+        <p:spPr>
+          <a:xfrm>
+            <a:off x="-7181850" y="-974647"/>
+            <a:ext cx="13278576" cy="553733"/>
+          </a:xfrm>
+          <a:prstGeom prst="rect">
+            <a:avLst/>
+          </a:prstGeom>
+        </p:spPr>
+        <p:style>
+          <a:lnRef idx="2">
+            <a:schemeClr val="accent1">
+              <a:shade val="50000"/>
+            </a:schemeClr>
+          </a:lnRef>
+          <a:fillRef idx="1">
+            <a:schemeClr val="accent1"/>
+          </a:fillRef>
+          <a:effectRef idx="0">
+            <a:schemeClr val="accent1"/>
+          </a:effectRef>
+          <a:fontRef idx="minor">
+            <a:schemeClr val="lt1"/>
+          </a:fontRef>
+        </p:style>
+        <p:txBody>
+          <a:bodyPr rtlCol="0" anchor="ctr"/>
+          <a:lstStyle/>
+          <a:p>
+            <a:pPr algn="ctr"/>
+            <a:endParaRPr lang="en-GB"/>
+          </a:p>
+        </p:txBody>
+      </p:sp>
+      <p:sp>
+        <p:nvSpPr>
+          <p:cNvPr id="16" name="Rectangle 15">
+            <a:extLst>
+              <a:ext uri="{FF2B5EF4-FFF2-40B4-BE49-F238E27FC236}">
+                <a16:creationId xmlns:a16="http://schemas.microsoft.com/office/drawing/2014/main" id="{7ECF1330-E7B5-4483-BC0F-C9BA36D0D979}"/>
+              </a:ext>
+            </a:extLst>
+          </p:cNvPr>
+          <p:cNvSpPr/>
+          <p:nvPr/>
+        </p:nvSpPr>
+        <p:spPr>
+          <a:xfrm rot="5400000">
+            <a:off x="4476566" y="625727"/>
+            <a:ext cx="8991249" cy="5752381"/>
+          </a:xfrm>
+          <a:prstGeom prst="rect">
+            <a:avLst/>
+          </a:prstGeom>
         </p:spPr>
         <p:style>
           <a:lnRef idx="2">
@@ -5580,13 +6228,13 @@
         </p:nvSpPr>
         <p:spPr>
           <a:xfrm>
-            <a:off x="2659437" y="216948"/>
+            <a:off x="2952676" y="543121"/>
             <a:ext cx="2352676" cy="1837202"/>
           </a:xfrm>
           <a:prstGeom prst="wedgeEllipseCallout">
             <a:avLst>
-              <a:gd name="adj1" fmla="val -43574"/>
-              <a:gd name="adj2" fmla="val 43134"/>
+              <a:gd name="adj1" fmla="val -84291"/>
+              <a:gd name="adj2" fmla="val -31128"/>
             </a:avLst>
           </a:prstGeom>
           <a:solidFill>
@@ -5808,7 +6456,7 @@
         </p:blipFill>
         <p:spPr>
           <a:xfrm>
-            <a:off x="130322" y="0"/>
+            <a:off x="85503" y="19893"/>
             <a:ext cx="2352676" cy="3264418"/>
           </a:xfrm>
           <a:prstGeom prst="rect">
@@ -5981,7 +6629,7 @@
         </p:blipFill>
         <p:spPr>
           <a:xfrm>
-            <a:off x="4410075" y="3264418"/>
+            <a:off x="4367624" y="3685644"/>
             <a:ext cx="1685925" cy="3152775"/>
           </a:xfrm>
           <a:prstGeom prst="rect">
@@ -5999,10 +6647,10 @@
       </p:pic>
       <p:sp>
         <p:nvSpPr>
-          <p:cNvPr id="11" name="Rectangle 10">
-            <a:extLst>
-              <a:ext uri="{FF2B5EF4-FFF2-40B4-BE49-F238E27FC236}">
-                <a16:creationId xmlns:a16="http://schemas.microsoft.com/office/drawing/2014/main" id="{31936B91-F1AF-467F-91CE-4217DFB42A64}"/>
+          <p:cNvPr id="13" name="Rectangle 12">
+            <a:extLst>
+              <a:ext uri="{FF2B5EF4-FFF2-40B4-BE49-F238E27FC236}">
+                <a16:creationId xmlns:a16="http://schemas.microsoft.com/office/drawing/2014/main" id="{257A0A20-53A8-44DE-90BF-E1FF0AC0AA89}"/>
               </a:ext>
             </a:extLst>
           </p:cNvPr>
@@ -6011,7 +6659,53 @@
         </p:nvSpPr>
         <p:spPr>
           <a:xfrm>
-            <a:off x="2301887" y="-420914"/>
+            <a:off x="-7182576" y="6858000"/>
+            <a:ext cx="13278576" cy="553733"/>
+          </a:xfrm>
+          <a:prstGeom prst="rect">
+            <a:avLst/>
+          </a:prstGeom>
+        </p:spPr>
+        <p:style>
+          <a:lnRef idx="2">
+            <a:schemeClr val="accent1">
+              <a:shade val="50000"/>
+            </a:schemeClr>
+          </a:lnRef>
+          <a:fillRef idx="1">
+            <a:schemeClr val="accent1"/>
+          </a:fillRef>
+          <a:effectRef idx="0">
+            <a:schemeClr val="accent1"/>
+          </a:effectRef>
+          <a:fontRef idx="minor">
+            <a:schemeClr val="lt1"/>
+          </a:fontRef>
+        </p:style>
+        <p:txBody>
+          <a:bodyPr rtlCol="0" anchor="ctr"/>
+          <a:lstStyle/>
+          <a:p>
+            <a:pPr algn="ctr"/>
+            <a:endParaRPr lang="en-GB"/>
+          </a:p>
+        </p:txBody>
+      </p:sp>
+      <p:sp>
+        <p:nvSpPr>
+          <p:cNvPr id="14" name="Rectangle 13">
+            <a:extLst>
+              <a:ext uri="{FF2B5EF4-FFF2-40B4-BE49-F238E27FC236}">
+                <a16:creationId xmlns:a16="http://schemas.microsoft.com/office/drawing/2014/main" id="{6262D5B1-5560-4FB0-B532-24012878E8B1}"/>
+              </a:ext>
+            </a:extLst>
+          </p:cNvPr>
+          <p:cNvSpPr/>
+          <p:nvPr/>
+        </p:nvSpPr>
+        <p:spPr>
+          <a:xfrm>
+            <a:off x="2242276" y="-420914"/>
             <a:ext cx="1168400" cy="420914"/>
           </a:xfrm>
           <a:prstGeom prst="rect">
@@ -6021,6 +6715,98 @@
           <a:ln>
             <a:noFill/>
           </a:ln>
+        </p:spPr>
+        <p:style>
+          <a:lnRef idx="2">
+            <a:schemeClr val="accent1">
+              <a:shade val="50000"/>
+            </a:schemeClr>
+          </a:lnRef>
+          <a:fillRef idx="1">
+            <a:schemeClr val="accent1"/>
+          </a:fillRef>
+          <a:effectRef idx="0">
+            <a:schemeClr val="accent1"/>
+          </a:effectRef>
+          <a:fontRef idx="minor">
+            <a:schemeClr val="lt1"/>
+          </a:fontRef>
+        </p:style>
+        <p:txBody>
+          <a:bodyPr rtlCol="0" anchor="ctr"/>
+          <a:lstStyle/>
+          <a:p>
+            <a:pPr algn="ctr"/>
+            <a:endParaRPr lang="en-GB"/>
+          </a:p>
+        </p:txBody>
+      </p:sp>
+      <p:sp>
+        <p:nvSpPr>
+          <p:cNvPr id="15" name="Rectangle 14">
+            <a:extLst>
+              <a:ext uri="{FF2B5EF4-FFF2-40B4-BE49-F238E27FC236}">
+                <a16:creationId xmlns:a16="http://schemas.microsoft.com/office/drawing/2014/main" id="{381AF23D-E1E2-4CE1-B484-831D8354B095}"/>
+              </a:ext>
+            </a:extLst>
+          </p:cNvPr>
+          <p:cNvSpPr/>
+          <p:nvPr/>
+        </p:nvSpPr>
+        <p:spPr>
+          <a:xfrm>
+            <a:off x="-7181850" y="-974647"/>
+            <a:ext cx="13278576" cy="553733"/>
+          </a:xfrm>
+          <a:prstGeom prst="rect">
+            <a:avLst/>
+          </a:prstGeom>
+        </p:spPr>
+        <p:style>
+          <a:lnRef idx="2">
+            <a:schemeClr val="accent1">
+              <a:shade val="50000"/>
+            </a:schemeClr>
+          </a:lnRef>
+          <a:fillRef idx="1">
+            <a:schemeClr val="accent1"/>
+          </a:fillRef>
+          <a:effectRef idx="0">
+            <a:schemeClr val="accent1"/>
+          </a:effectRef>
+          <a:fontRef idx="minor">
+            <a:schemeClr val="lt1"/>
+          </a:fontRef>
+        </p:style>
+        <p:txBody>
+          <a:bodyPr rtlCol="0" anchor="ctr"/>
+          <a:lstStyle/>
+          <a:p>
+            <a:pPr algn="ctr"/>
+            <a:endParaRPr lang="en-GB"/>
+          </a:p>
+        </p:txBody>
+      </p:sp>
+      <p:sp>
+        <p:nvSpPr>
+          <p:cNvPr id="16" name="Rectangle 15">
+            <a:extLst>
+              <a:ext uri="{FF2B5EF4-FFF2-40B4-BE49-F238E27FC236}">
+                <a16:creationId xmlns:a16="http://schemas.microsoft.com/office/drawing/2014/main" id="{0FEEBA20-5DCE-4F1E-832A-A79C4CBA1753}"/>
+              </a:ext>
+            </a:extLst>
+          </p:cNvPr>
+          <p:cNvSpPr/>
+          <p:nvPr/>
+        </p:nvSpPr>
+        <p:spPr>
+          <a:xfrm rot="5400000">
+            <a:off x="4476566" y="625727"/>
+            <a:ext cx="8991249" cy="5752381"/>
+          </a:xfrm>
+          <a:prstGeom prst="rect">
+            <a:avLst/>
+          </a:prstGeom>
         </p:spPr>
         <p:style>
           <a:lnRef idx="2">
@@ -6137,7 +6923,7 @@
                 <a:latin typeface="MS Gothic" panose="020B0609070205080204" pitchFamily="49" charset="-128"/>
                 <a:ea typeface="MS Gothic" panose="020B0609070205080204" pitchFamily="49" charset="-128"/>
               </a:rPr>
-              <a:t>わぁ。屋上でも食事できますか。楽しみですね。</a:t>
+              <a:t>わぁ！。屋上でも食事できますか。楽しみですね。</a:t>
             </a:r>
             <a:endParaRPr lang="en-GB" sz="3200" dirty="0"/>
           </a:p>
@@ -6497,7 +7283,7 @@
         </p:blipFill>
         <p:spPr>
           <a:xfrm>
-            <a:off x="4410075" y="3451716"/>
+            <a:off x="4381047" y="3451716"/>
             <a:ext cx="1685925" cy="3152775"/>
           </a:xfrm>
           <a:prstGeom prst="rect">
@@ -6515,10 +7301,10 @@
       </p:pic>
       <p:sp>
         <p:nvSpPr>
-          <p:cNvPr id="12" name="Rectangle 11">
-            <a:extLst>
-              <a:ext uri="{FF2B5EF4-FFF2-40B4-BE49-F238E27FC236}">
-                <a16:creationId xmlns:a16="http://schemas.microsoft.com/office/drawing/2014/main" id="{CD131FC0-4C25-455F-A9CB-C142F42EDEFC}"/>
+          <p:cNvPr id="13" name="Rectangle 12">
+            <a:extLst>
+              <a:ext uri="{FF2B5EF4-FFF2-40B4-BE49-F238E27FC236}">
+                <a16:creationId xmlns:a16="http://schemas.microsoft.com/office/drawing/2014/main" id="{28D10885-0184-464E-B8C1-BD7D36CCBFC8}"/>
               </a:ext>
             </a:extLst>
           </p:cNvPr>
@@ -6527,7 +7313,53 @@
         </p:nvSpPr>
         <p:spPr>
           <a:xfrm>
-            <a:off x="2301887" y="-420914"/>
+            <a:off x="-7182576" y="6858000"/>
+            <a:ext cx="13278576" cy="553733"/>
+          </a:xfrm>
+          <a:prstGeom prst="rect">
+            <a:avLst/>
+          </a:prstGeom>
+        </p:spPr>
+        <p:style>
+          <a:lnRef idx="2">
+            <a:schemeClr val="accent1">
+              <a:shade val="50000"/>
+            </a:schemeClr>
+          </a:lnRef>
+          <a:fillRef idx="1">
+            <a:schemeClr val="accent1"/>
+          </a:fillRef>
+          <a:effectRef idx="0">
+            <a:schemeClr val="accent1"/>
+          </a:effectRef>
+          <a:fontRef idx="minor">
+            <a:schemeClr val="lt1"/>
+          </a:fontRef>
+        </p:style>
+        <p:txBody>
+          <a:bodyPr rtlCol="0" anchor="ctr"/>
+          <a:lstStyle/>
+          <a:p>
+            <a:pPr algn="ctr"/>
+            <a:endParaRPr lang="en-GB"/>
+          </a:p>
+        </p:txBody>
+      </p:sp>
+      <p:sp>
+        <p:nvSpPr>
+          <p:cNvPr id="14" name="Rectangle 13">
+            <a:extLst>
+              <a:ext uri="{FF2B5EF4-FFF2-40B4-BE49-F238E27FC236}">
+                <a16:creationId xmlns:a16="http://schemas.microsoft.com/office/drawing/2014/main" id="{8E2BF5EA-9E8C-4232-8BB9-B014D6A57AF8}"/>
+              </a:ext>
+            </a:extLst>
+          </p:cNvPr>
+          <p:cNvSpPr/>
+          <p:nvPr/>
+        </p:nvSpPr>
+        <p:spPr>
+          <a:xfrm>
+            <a:off x="2242276" y="-420914"/>
             <a:ext cx="1168400" cy="420914"/>
           </a:xfrm>
           <a:prstGeom prst="rect">
@@ -6537,6 +7369,98 @@
           <a:ln>
             <a:noFill/>
           </a:ln>
+        </p:spPr>
+        <p:style>
+          <a:lnRef idx="2">
+            <a:schemeClr val="accent1">
+              <a:shade val="50000"/>
+            </a:schemeClr>
+          </a:lnRef>
+          <a:fillRef idx="1">
+            <a:schemeClr val="accent1"/>
+          </a:fillRef>
+          <a:effectRef idx="0">
+            <a:schemeClr val="accent1"/>
+          </a:effectRef>
+          <a:fontRef idx="minor">
+            <a:schemeClr val="lt1"/>
+          </a:fontRef>
+        </p:style>
+        <p:txBody>
+          <a:bodyPr rtlCol="0" anchor="ctr"/>
+          <a:lstStyle/>
+          <a:p>
+            <a:pPr algn="ctr"/>
+            <a:endParaRPr lang="en-GB"/>
+          </a:p>
+        </p:txBody>
+      </p:sp>
+      <p:sp>
+        <p:nvSpPr>
+          <p:cNvPr id="15" name="Rectangle 14">
+            <a:extLst>
+              <a:ext uri="{FF2B5EF4-FFF2-40B4-BE49-F238E27FC236}">
+                <a16:creationId xmlns:a16="http://schemas.microsoft.com/office/drawing/2014/main" id="{D49BD37B-93DE-4711-8160-8463532F625B}"/>
+              </a:ext>
+            </a:extLst>
+          </p:cNvPr>
+          <p:cNvSpPr/>
+          <p:nvPr/>
+        </p:nvSpPr>
+        <p:spPr>
+          <a:xfrm>
+            <a:off x="-7181850" y="-974647"/>
+            <a:ext cx="13278576" cy="553733"/>
+          </a:xfrm>
+          <a:prstGeom prst="rect">
+            <a:avLst/>
+          </a:prstGeom>
+        </p:spPr>
+        <p:style>
+          <a:lnRef idx="2">
+            <a:schemeClr val="accent1">
+              <a:shade val="50000"/>
+            </a:schemeClr>
+          </a:lnRef>
+          <a:fillRef idx="1">
+            <a:schemeClr val="accent1"/>
+          </a:fillRef>
+          <a:effectRef idx="0">
+            <a:schemeClr val="accent1"/>
+          </a:effectRef>
+          <a:fontRef idx="minor">
+            <a:schemeClr val="lt1"/>
+          </a:fontRef>
+        </p:style>
+        <p:txBody>
+          <a:bodyPr rtlCol="0" anchor="ctr"/>
+          <a:lstStyle/>
+          <a:p>
+            <a:pPr algn="ctr"/>
+            <a:endParaRPr lang="en-GB"/>
+          </a:p>
+        </p:txBody>
+      </p:sp>
+      <p:sp>
+        <p:nvSpPr>
+          <p:cNvPr id="16" name="Rectangle 15">
+            <a:extLst>
+              <a:ext uri="{FF2B5EF4-FFF2-40B4-BE49-F238E27FC236}">
+                <a16:creationId xmlns:a16="http://schemas.microsoft.com/office/drawing/2014/main" id="{4208E52F-543F-4ED4-9934-1531C9785CD5}"/>
+              </a:ext>
+            </a:extLst>
+          </p:cNvPr>
+          <p:cNvSpPr/>
+          <p:nvPr/>
+        </p:nvSpPr>
+        <p:spPr>
+          <a:xfrm rot="5400000">
+            <a:off x="4476566" y="625727"/>
+            <a:ext cx="8991249" cy="5752381"/>
+          </a:xfrm>
+          <a:prstGeom prst="rect">
+            <a:avLst/>
+          </a:prstGeom>
         </p:spPr>
         <p:style>
           <a:lnRef idx="2">
@@ -6653,7 +7577,7 @@
                 <a:latin typeface="MS Gothic" panose="020B0609070205080204" pitchFamily="49" charset="-128"/>
                 <a:ea typeface="MS Gothic" panose="020B0609070205080204" pitchFamily="49" charset="-128"/>
               </a:rPr>
-              <a:t>何かすすめありますか。</a:t>
+              <a:t>何かをお勧めがありますか。</a:t>
             </a:r>
             <a:endParaRPr lang="en-GB" sz="3200" dirty="0"/>
           </a:p>
@@ -6673,13 +7597,13 @@
         </p:nvSpPr>
         <p:spPr>
           <a:xfrm>
-            <a:off x="0" y="3434667"/>
+            <a:off x="0" y="3811439"/>
             <a:ext cx="3600450" cy="2362352"/>
           </a:xfrm>
           <a:prstGeom prst="wedgeRoundRectCallout">
             <a:avLst>
-              <a:gd name="adj1" fmla="val 64146"/>
-              <a:gd name="adj2" fmla="val -12341"/>
+              <a:gd name="adj1" fmla="val 66162"/>
+              <a:gd name="adj2" fmla="val -10497"/>
               <a:gd name="adj3" fmla="val 16667"/>
             </a:avLst>
           </a:prstGeom>
@@ -6720,7 +7644,7 @@
                 <a:latin typeface="MS Gothic" panose="020B0609070205080204" pitchFamily="49" charset="-128"/>
                 <a:ea typeface="MS Gothic" panose="020B0609070205080204" pitchFamily="49" charset="-128"/>
               </a:rPr>
-              <a:t>うん。その店人気な食べ物はフォーですね。</a:t>
+              <a:t>はい。そのお店で人気なメニュはフォーですね。</a:t>
             </a:r>
             <a:endParaRPr lang="en-GB" sz="3200" dirty="0"/>
           </a:p>
@@ -7013,7 +7937,7 @@
         </p:blipFill>
         <p:spPr>
           <a:xfrm>
-            <a:off x="4410075" y="3039455"/>
+            <a:off x="4279242" y="3705225"/>
             <a:ext cx="1685925" cy="3152775"/>
           </a:xfrm>
           <a:prstGeom prst="rect">
@@ -7075,10 +7999,10 @@
       </p:pic>
       <p:sp>
         <p:nvSpPr>
-          <p:cNvPr id="14" name="Rectangle 13">
-            <a:extLst>
-              <a:ext uri="{FF2B5EF4-FFF2-40B4-BE49-F238E27FC236}">
-                <a16:creationId xmlns:a16="http://schemas.microsoft.com/office/drawing/2014/main" id="{6D7CF554-6DFE-404E-A8AD-F0C12CE5A3AE}"/>
+          <p:cNvPr id="15" name="Rectangle 14">
+            <a:extLst>
+              <a:ext uri="{FF2B5EF4-FFF2-40B4-BE49-F238E27FC236}">
+                <a16:creationId xmlns:a16="http://schemas.microsoft.com/office/drawing/2014/main" id="{2507388D-4D5C-4C59-BCFE-03145DC6D1A3}"/>
               </a:ext>
             </a:extLst>
           </p:cNvPr>
@@ -7087,7 +8011,53 @@
         </p:nvSpPr>
         <p:spPr>
           <a:xfrm>
-            <a:off x="2301887" y="-420914"/>
+            <a:off x="-7182576" y="6858000"/>
+            <a:ext cx="13278576" cy="553733"/>
+          </a:xfrm>
+          <a:prstGeom prst="rect">
+            <a:avLst/>
+          </a:prstGeom>
+        </p:spPr>
+        <p:style>
+          <a:lnRef idx="2">
+            <a:schemeClr val="accent1">
+              <a:shade val="50000"/>
+            </a:schemeClr>
+          </a:lnRef>
+          <a:fillRef idx="1">
+            <a:schemeClr val="accent1"/>
+          </a:fillRef>
+          <a:effectRef idx="0">
+            <a:schemeClr val="accent1"/>
+          </a:effectRef>
+          <a:fontRef idx="minor">
+            <a:schemeClr val="lt1"/>
+          </a:fontRef>
+        </p:style>
+        <p:txBody>
+          <a:bodyPr rtlCol="0" anchor="ctr"/>
+          <a:lstStyle/>
+          <a:p>
+            <a:pPr algn="ctr"/>
+            <a:endParaRPr lang="en-GB"/>
+          </a:p>
+        </p:txBody>
+      </p:sp>
+      <p:sp>
+        <p:nvSpPr>
+          <p:cNvPr id="16" name="Rectangle 15">
+            <a:extLst>
+              <a:ext uri="{FF2B5EF4-FFF2-40B4-BE49-F238E27FC236}">
+                <a16:creationId xmlns:a16="http://schemas.microsoft.com/office/drawing/2014/main" id="{19FE7715-64BF-42CD-AD35-E50D9DE29E61}"/>
+              </a:ext>
+            </a:extLst>
+          </p:cNvPr>
+          <p:cNvSpPr/>
+          <p:nvPr/>
+        </p:nvSpPr>
+        <p:spPr>
+          <a:xfrm>
+            <a:off x="2242276" y="-420914"/>
             <a:ext cx="1168400" cy="420914"/>
           </a:xfrm>
           <a:prstGeom prst="rect">
@@ -7097,6 +8067,98 @@
           <a:ln>
             <a:noFill/>
           </a:ln>
+        </p:spPr>
+        <p:style>
+          <a:lnRef idx="2">
+            <a:schemeClr val="accent1">
+              <a:shade val="50000"/>
+            </a:schemeClr>
+          </a:lnRef>
+          <a:fillRef idx="1">
+            <a:schemeClr val="accent1"/>
+          </a:fillRef>
+          <a:effectRef idx="0">
+            <a:schemeClr val="accent1"/>
+          </a:effectRef>
+          <a:fontRef idx="minor">
+            <a:schemeClr val="lt1"/>
+          </a:fontRef>
+        </p:style>
+        <p:txBody>
+          <a:bodyPr rtlCol="0" anchor="ctr"/>
+          <a:lstStyle/>
+          <a:p>
+            <a:pPr algn="ctr"/>
+            <a:endParaRPr lang="en-GB"/>
+          </a:p>
+        </p:txBody>
+      </p:sp>
+      <p:sp>
+        <p:nvSpPr>
+          <p:cNvPr id="17" name="Rectangle 16">
+            <a:extLst>
+              <a:ext uri="{FF2B5EF4-FFF2-40B4-BE49-F238E27FC236}">
+                <a16:creationId xmlns:a16="http://schemas.microsoft.com/office/drawing/2014/main" id="{A3D31F31-188E-4272-82B7-C33702387783}"/>
+              </a:ext>
+            </a:extLst>
+          </p:cNvPr>
+          <p:cNvSpPr/>
+          <p:nvPr/>
+        </p:nvSpPr>
+        <p:spPr>
+          <a:xfrm>
+            <a:off x="-7181850" y="-974647"/>
+            <a:ext cx="13278576" cy="553733"/>
+          </a:xfrm>
+          <a:prstGeom prst="rect">
+            <a:avLst/>
+          </a:prstGeom>
+        </p:spPr>
+        <p:style>
+          <a:lnRef idx="2">
+            <a:schemeClr val="accent1">
+              <a:shade val="50000"/>
+            </a:schemeClr>
+          </a:lnRef>
+          <a:fillRef idx="1">
+            <a:schemeClr val="accent1"/>
+          </a:fillRef>
+          <a:effectRef idx="0">
+            <a:schemeClr val="accent1"/>
+          </a:effectRef>
+          <a:fontRef idx="minor">
+            <a:schemeClr val="lt1"/>
+          </a:fontRef>
+        </p:style>
+        <p:txBody>
+          <a:bodyPr rtlCol="0" anchor="ctr"/>
+          <a:lstStyle/>
+          <a:p>
+            <a:pPr algn="ctr"/>
+            <a:endParaRPr lang="en-GB"/>
+          </a:p>
+        </p:txBody>
+      </p:sp>
+      <p:sp>
+        <p:nvSpPr>
+          <p:cNvPr id="19" name="Rectangle 18">
+            <a:extLst>
+              <a:ext uri="{FF2B5EF4-FFF2-40B4-BE49-F238E27FC236}">
+                <a16:creationId xmlns:a16="http://schemas.microsoft.com/office/drawing/2014/main" id="{F68A3184-A427-400A-A108-BDCF6DA7C2BB}"/>
+              </a:ext>
+            </a:extLst>
+          </p:cNvPr>
+          <p:cNvSpPr/>
+          <p:nvPr/>
+        </p:nvSpPr>
+        <p:spPr>
+          <a:xfrm rot="5400000">
+            <a:off x="4476566" y="625727"/>
+            <a:ext cx="8991249" cy="5752381"/>
+          </a:xfrm>
+          <a:prstGeom prst="rect">
+            <a:avLst/>
+          </a:prstGeom>
         </p:spPr>
         <p:style>
           <a:lnRef idx="2">
@@ -7217,7 +8279,7 @@
         </p:blipFill>
         <p:spPr>
           <a:xfrm flipH="1">
-            <a:off x="-2955787" y="390979"/>
+            <a:off x="-2482685" y="719172"/>
             <a:ext cx="3109922" cy="5488402"/>
           </a:xfrm>
           <a:prstGeom prst="rect">
@@ -7330,7 +8392,7 @@
         </p:nvSpPr>
         <p:spPr>
           <a:xfrm>
-            <a:off x="337150" y="0"/>
+            <a:off x="810136" y="-10984"/>
             <a:ext cx="5625102" cy="1729901"/>
           </a:xfrm>
           <a:prstGeom prst="wedgeRoundRectCallout">
@@ -7404,7 +8466,7 @@
         </p:nvSpPr>
         <p:spPr>
           <a:xfrm>
-            <a:off x="2980317" y="2019144"/>
+            <a:off x="2661003" y="2826278"/>
             <a:ext cx="7261506" cy="2888458"/>
           </a:xfrm>
           <a:prstGeom prst="wedgeRoundRectCallout">
@@ -7485,7 +8547,7 @@
         </p:blipFill>
         <p:spPr>
           <a:xfrm>
-            <a:off x="11236572" y="221229"/>
+            <a:off x="10949360" y="734787"/>
             <a:ext cx="3662865" cy="5534259"/>
           </a:xfrm>
           <a:prstGeom prst="rect">
@@ -7503,10 +8565,10 @@
       </p:pic>
       <p:sp>
         <p:nvSpPr>
-          <p:cNvPr id="9" name="Rectangle 8">
-            <a:extLst>
-              <a:ext uri="{FF2B5EF4-FFF2-40B4-BE49-F238E27FC236}">
-                <a16:creationId xmlns:a16="http://schemas.microsoft.com/office/drawing/2014/main" id="{5C0A4545-326A-40BE-BB42-BBED73D4132F}"/>
+          <p:cNvPr id="12" name="Rectangle 11">
+            <a:extLst>
+              <a:ext uri="{FF2B5EF4-FFF2-40B4-BE49-F238E27FC236}">
+                <a16:creationId xmlns:a16="http://schemas.microsoft.com/office/drawing/2014/main" id="{A7798BEF-CD94-4620-8F9A-6A8314B6D816}"/>
               </a:ext>
             </a:extLst>
           </p:cNvPr>
@@ -7515,8 +8577,242 @@
         </p:nvSpPr>
         <p:spPr>
           <a:xfrm>
-            <a:off x="2154507" y="-627388"/>
-            <a:ext cx="1168400" cy="596900"/>
+            <a:off x="1905946" y="6870700"/>
+            <a:ext cx="1168400" cy="401854"/>
+          </a:xfrm>
+          <a:prstGeom prst="rect">
+            <a:avLst/>
+          </a:prstGeom>
+          <a:noFill/>
+          <a:ln>
+            <a:noFill/>
+          </a:ln>
+        </p:spPr>
+        <p:style>
+          <a:lnRef idx="2">
+            <a:schemeClr val="accent1">
+              <a:shade val="50000"/>
+            </a:schemeClr>
+          </a:lnRef>
+          <a:fillRef idx="1">
+            <a:schemeClr val="accent1"/>
+          </a:fillRef>
+          <a:effectRef idx="0">
+            <a:schemeClr val="accent1"/>
+          </a:effectRef>
+          <a:fontRef idx="minor">
+            <a:schemeClr val="lt1"/>
+          </a:fontRef>
+        </p:style>
+        <p:txBody>
+          <a:bodyPr rtlCol="0" anchor="ctr"/>
+          <a:lstStyle/>
+          <a:p>
+            <a:pPr algn="ctr"/>
+            <a:endParaRPr lang="en-GB"/>
+          </a:p>
+        </p:txBody>
+      </p:sp>
+      <p:sp>
+        <p:nvSpPr>
+          <p:cNvPr id="13" name="Rectangle 12">
+            <a:extLst>
+              <a:ext uri="{FF2B5EF4-FFF2-40B4-BE49-F238E27FC236}">
+                <a16:creationId xmlns:a16="http://schemas.microsoft.com/office/drawing/2014/main" id="{11D359D4-FAF7-4046-B986-B46658B233A1}"/>
+              </a:ext>
+            </a:extLst>
+          </p:cNvPr>
+          <p:cNvSpPr/>
+          <p:nvPr/>
+        </p:nvSpPr>
+        <p:spPr>
+          <a:xfrm>
+            <a:off x="-4629150" y="7281253"/>
+            <a:ext cx="23851326" cy="553733"/>
+          </a:xfrm>
+          <a:prstGeom prst="rect">
+            <a:avLst/>
+          </a:prstGeom>
+        </p:spPr>
+        <p:style>
+          <a:lnRef idx="2">
+            <a:schemeClr val="accent1">
+              <a:shade val="50000"/>
+            </a:schemeClr>
+          </a:lnRef>
+          <a:fillRef idx="1">
+            <a:schemeClr val="accent1"/>
+          </a:fillRef>
+          <a:effectRef idx="0">
+            <a:schemeClr val="accent1"/>
+          </a:effectRef>
+          <a:fontRef idx="minor">
+            <a:schemeClr val="lt1"/>
+          </a:fontRef>
+        </p:style>
+        <p:txBody>
+          <a:bodyPr rtlCol="0" anchor="ctr"/>
+          <a:lstStyle/>
+          <a:p>
+            <a:pPr algn="ctr"/>
+            <a:endParaRPr lang="en-GB"/>
+          </a:p>
+        </p:txBody>
+      </p:sp>
+      <p:sp>
+        <p:nvSpPr>
+          <p:cNvPr id="14" name="Rectangle 13">
+            <a:extLst>
+              <a:ext uri="{FF2B5EF4-FFF2-40B4-BE49-F238E27FC236}">
+                <a16:creationId xmlns:a16="http://schemas.microsoft.com/office/drawing/2014/main" id="{1E9F8013-7F3C-405F-A68B-A2D71C4511B8}"/>
+              </a:ext>
+            </a:extLst>
+          </p:cNvPr>
+          <p:cNvSpPr/>
+          <p:nvPr/>
+        </p:nvSpPr>
+        <p:spPr>
+          <a:xfrm>
+            <a:off x="-4629150" y="-974647"/>
+            <a:ext cx="23851326" cy="553733"/>
+          </a:xfrm>
+          <a:prstGeom prst="rect">
+            <a:avLst/>
+          </a:prstGeom>
+        </p:spPr>
+        <p:style>
+          <a:lnRef idx="2">
+            <a:schemeClr val="accent1">
+              <a:shade val="50000"/>
+            </a:schemeClr>
+          </a:lnRef>
+          <a:fillRef idx="1">
+            <a:schemeClr val="accent1"/>
+          </a:fillRef>
+          <a:effectRef idx="0">
+            <a:schemeClr val="accent1"/>
+          </a:effectRef>
+          <a:fontRef idx="minor">
+            <a:schemeClr val="lt1"/>
+          </a:fontRef>
+        </p:style>
+        <p:txBody>
+          <a:bodyPr rtlCol="0" anchor="ctr"/>
+          <a:lstStyle/>
+          <a:p>
+            <a:pPr algn="ctr"/>
+            <a:endParaRPr lang="en-GB"/>
+          </a:p>
+        </p:txBody>
+      </p:sp>
+      <p:sp>
+        <p:nvSpPr>
+          <p:cNvPr id="15" name="Rectangle 14">
+            <a:extLst>
+              <a:ext uri="{FF2B5EF4-FFF2-40B4-BE49-F238E27FC236}">
+                <a16:creationId xmlns:a16="http://schemas.microsoft.com/office/drawing/2014/main" id="{4092300F-6A53-433B-9674-AD2CA935B84F}"/>
+              </a:ext>
+            </a:extLst>
+          </p:cNvPr>
+          <p:cNvSpPr/>
+          <p:nvPr/>
+        </p:nvSpPr>
+        <p:spPr>
+          <a:xfrm rot="5400000">
+            <a:off x="15311917" y="-1664371"/>
+            <a:ext cx="8991249" cy="10332577"/>
+          </a:xfrm>
+          <a:prstGeom prst="rect">
+            <a:avLst/>
+          </a:prstGeom>
+        </p:spPr>
+        <p:style>
+          <a:lnRef idx="2">
+            <a:schemeClr val="accent1">
+              <a:shade val="50000"/>
+            </a:schemeClr>
+          </a:lnRef>
+          <a:fillRef idx="1">
+            <a:schemeClr val="accent1"/>
+          </a:fillRef>
+          <a:effectRef idx="0">
+            <a:schemeClr val="accent1"/>
+          </a:effectRef>
+          <a:fontRef idx="minor">
+            <a:schemeClr val="lt1"/>
+          </a:fontRef>
+        </p:style>
+        <p:txBody>
+          <a:bodyPr rtlCol="0" anchor="ctr"/>
+          <a:lstStyle/>
+          <a:p>
+            <a:pPr algn="ctr"/>
+            <a:endParaRPr lang="en-GB"/>
+          </a:p>
+        </p:txBody>
+      </p:sp>
+      <p:sp>
+        <p:nvSpPr>
+          <p:cNvPr id="16" name="Rectangle 15">
+            <a:extLst>
+              <a:ext uri="{FF2B5EF4-FFF2-40B4-BE49-F238E27FC236}">
+                <a16:creationId xmlns:a16="http://schemas.microsoft.com/office/drawing/2014/main" id="{277ABB39-E8ED-4BBD-8FB8-FBBE84B90A0E}"/>
+              </a:ext>
+            </a:extLst>
+          </p:cNvPr>
+          <p:cNvSpPr/>
+          <p:nvPr/>
+        </p:nvSpPr>
+        <p:spPr>
+          <a:xfrm rot="5400000">
+            <a:off x="-10169425" y="382456"/>
+            <a:ext cx="8991249" cy="6294441"/>
+          </a:xfrm>
+          <a:prstGeom prst="rect">
+            <a:avLst/>
+          </a:prstGeom>
+        </p:spPr>
+        <p:style>
+          <a:lnRef idx="2">
+            <a:schemeClr val="accent1">
+              <a:shade val="50000"/>
+            </a:schemeClr>
+          </a:lnRef>
+          <a:fillRef idx="1">
+            <a:schemeClr val="accent1"/>
+          </a:fillRef>
+          <a:effectRef idx="0">
+            <a:schemeClr val="accent1"/>
+          </a:effectRef>
+          <a:fontRef idx="minor">
+            <a:schemeClr val="lt1"/>
+          </a:fontRef>
+        </p:style>
+        <p:txBody>
+          <a:bodyPr rtlCol="0" anchor="ctr"/>
+          <a:lstStyle/>
+          <a:p>
+            <a:pPr algn="ctr"/>
+            <a:endParaRPr lang="en-GB"/>
+          </a:p>
+        </p:txBody>
+      </p:sp>
+      <p:sp>
+        <p:nvSpPr>
+          <p:cNvPr id="17" name="Rectangle 16">
+            <a:extLst>
+              <a:ext uri="{FF2B5EF4-FFF2-40B4-BE49-F238E27FC236}">
+                <a16:creationId xmlns:a16="http://schemas.microsoft.com/office/drawing/2014/main" id="{166546DF-1334-49EC-B369-BCE7651404DE}"/>
+              </a:ext>
+            </a:extLst>
+          </p:cNvPr>
+          <p:cNvSpPr/>
+          <p:nvPr/>
+        </p:nvSpPr>
+        <p:spPr>
+          <a:xfrm>
+            <a:off x="2490146" y="-401854"/>
+            <a:ext cx="1168400" cy="401854"/>
           </a:xfrm>
           <a:prstGeom prst="rect">
             <a:avLst/>
@@ -7673,13 +8969,13 @@
         </p:nvSpPr>
         <p:spPr>
           <a:xfrm>
-            <a:off x="-42818" y="4337752"/>
-            <a:ext cx="3860073" cy="2365755"/>
+            <a:off x="0" y="4337752"/>
+            <a:ext cx="3669325" cy="2365755"/>
           </a:xfrm>
           <a:prstGeom prst="wedgeRoundRectCallout">
             <a:avLst>
-              <a:gd name="adj1" fmla="val 59688"/>
-              <a:gd name="adj2" fmla="val -35781"/>
+              <a:gd name="adj1" fmla="val 62852"/>
+              <a:gd name="adj2" fmla="val -26578"/>
               <a:gd name="adj3" fmla="val 16667"/>
             </a:avLst>
           </a:prstGeom>
@@ -7761,7 +9057,7 @@
         </p:blipFill>
         <p:spPr>
           <a:xfrm flipH="1">
-            <a:off x="4056743" y="3412765"/>
+            <a:off x="4176604" y="3429000"/>
             <a:ext cx="1883725" cy="3429000"/>
           </a:xfrm>
           <a:prstGeom prst="rect">
@@ -7805,7 +9101,7 @@
         </p:blipFill>
         <p:spPr>
           <a:xfrm>
-            <a:off x="10118393" y="-3870912"/>
+            <a:off x="10506075" y="-5400609"/>
             <a:ext cx="1685925" cy="3152775"/>
           </a:xfrm>
           <a:prstGeom prst="rect">
@@ -7842,7 +9138,7 @@
         </p:blipFill>
         <p:spPr bwMode="auto">
           <a:xfrm>
-            <a:off x="3622281" y="-5163091"/>
+            <a:off x="296079" y="-6282570"/>
             <a:ext cx="2752647" cy="3268768"/>
           </a:xfrm>
           <a:prstGeom prst="rect">
@@ -7887,7 +9183,7 @@
         </p:blipFill>
         <p:spPr>
           <a:xfrm>
-            <a:off x="-4218549" y="-5280302"/>
+            <a:off x="-3650718" y="-5939538"/>
             <a:ext cx="2423160" cy="3503190"/>
           </a:xfrm>
           <a:prstGeom prst="rect">
@@ -7922,7 +9218,7 @@
         </p:blipFill>
         <p:spPr bwMode="auto">
           <a:xfrm flipH="1">
-            <a:off x="-42818" y="56355"/>
+            <a:off x="154758" y="154493"/>
             <a:ext cx="2087518" cy="3541095"/>
           </a:xfrm>
           <a:prstGeom prst="rect">
@@ -7976,7 +9272,7 @@
         </p:blipFill>
         <p:spPr>
           <a:xfrm>
-            <a:off x="8080669" y="-4120258"/>
+            <a:off x="6096000" y="-5152236"/>
             <a:ext cx="1551667" cy="2904402"/>
           </a:xfrm>
           <a:prstGeom prst="rect">
@@ -7998,8 +9294,8 @@
         </p:nvSpPr>
         <p:spPr>
           <a:xfrm>
-            <a:off x="726" y="7443809"/>
-            <a:ext cx="6096000" cy="553733"/>
+            <a:off x="-7182576" y="6858000"/>
+            <a:ext cx="13278576" cy="553733"/>
           </a:xfrm>
           <a:prstGeom prst="rect">
             <a:avLst/>
@@ -8044,13 +9340,13 @@
         </p:nvSpPr>
         <p:spPr>
           <a:xfrm>
-            <a:off x="2044701" y="110212"/>
-            <a:ext cx="4051300" cy="3234884"/>
+            <a:off x="2200256" y="85949"/>
+            <a:ext cx="3860073" cy="2836188"/>
           </a:xfrm>
           <a:prstGeom prst="wedgeRoundRectCallout">
             <a:avLst>
-              <a:gd name="adj1" fmla="val -72574"/>
-              <a:gd name="adj2" fmla="val 2286"/>
+              <a:gd name="adj1" fmla="val -66613"/>
+              <a:gd name="adj2" fmla="val 6324"/>
               <a:gd name="adj3" fmla="val 16667"/>
             </a:avLst>
           </a:prstGeom>
@@ -8122,7 +9418,7 @@
         </p:nvSpPr>
         <p:spPr>
           <a:xfrm>
-            <a:off x="2301887" y="-420914"/>
+            <a:off x="2242276" y="-420914"/>
             <a:ext cx="1168400" cy="420914"/>
           </a:xfrm>
           <a:prstGeom prst="rect">
@@ -8132,6 +9428,98 @@
           <a:ln>
             <a:noFill/>
           </a:ln>
+        </p:spPr>
+        <p:style>
+          <a:lnRef idx="2">
+            <a:schemeClr val="accent1">
+              <a:shade val="50000"/>
+            </a:schemeClr>
+          </a:lnRef>
+          <a:fillRef idx="1">
+            <a:schemeClr val="accent1"/>
+          </a:fillRef>
+          <a:effectRef idx="0">
+            <a:schemeClr val="accent1"/>
+          </a:effectRef>
+          <a:fontRef idx="minor">
+            <a:schemeClr val="lt1"/>
+          </a:fontRef>
+        </p:style>
+        <p:txBody>
+          <a:bodyPr rtlCol="0" anchor="ctr"/>
+          <a:lstStyle/>
+          <a:p>
+            <a:pPr algn="ctr"/>
+            <a:endParaRPr lang="en-GB"/>
+          </a:p>
+        </p:txBody>
+      </p:sp>
+      <p:sp>
+        <p:nvSpPr>
+          <p:cNvPr id="13" name="Rectangle 12">
+            <a:extLst>
+              <a:ext uri="{FF2B5EF4-FFF2-40B4-BE49-F238E27FC236}">
+                <a16:creationId xmlns:a16="http://schemas.microsoft.com/office/drawing/2014/main" id="{994A048C-4DE2-411D-9B6C-8AF643D54A33}"/>
+              </a:ext>
+            </a:extLst>
+          </p:cNvPr>
+          <p:cNvSpPr/>
+          <p:nvPr/>
+        </p:nvSpPr>
+        <p:spPr>
+          <a:xfrm>
+            <a:off x="-7181850" y="-974647"/>
+            <a:ext cx="13278576" cy="553733"/>
+          </a:xfrm>
+          <a:prstGeom prst="rect">
+            <a:avLst/>
+          </a:prstGeom>
+        </p:spPr>
+        <p:style>
+          <a:lnRef idx="2">
+            <a:schemeClr val="accent1">
+              <a:shade val="50000"/>
+            </a:schemeClr>
+          </a:lnRef>
+          <a:fillRef idx="1">
+            <a:schemeClr val="accent1"/>
+          </a:fillRef>
+          <a:effectRef idx="0">
+            <a:schemeClr val="accent1"/>
+          </a:effectRef>
+          <a:fontRef idx="minor">
+            <a:schemeClr val="lt1"/>
+          </a:fontRef>
+        </p:style>
+        <p:txBody>
+          <a:bodyPr rtlCol="0" anchor="ctr"/>
+          <a:lstStyle/>
+          <a:p>
+            <a:pPr algn="ctr"/>
+            <a:endParaRPr lang="en-GB"/>
+          </a:p>
+        </p:txBody>
+      </p:sp>
+      <p:sp>
+        <p:nvSpPr>
+          <p:cNvPr id="14" name="Rectangle 13">
+            <a:extLst>
+              <a:ext uri="{FF2B5EF4-FFF2-40B4-BE49-F238E27FC236}">
+                <a16:creationId xmlns:a16="http://schemas.microsoft.com/office/drawing/2014/main" id="{C3BCBE22-F80B-4881-8376-B99002E696C4}"/>
+              </a:ext>
+            </a:extLst>
+          </p:cNvPr>
+          <p:cNvSpPr/>
+          <p:nvPr/>
+        </p:nvSpPr>
+        <p:spPr>
+          <a:xfrm rot="5400000">
+            <a:off x="4476566" y="625727"/>
+            <a:ext cx="8991249" cy="5752381"/>
+          </a:xfrm>
+          <a:prstGeom prst="rect">
+            <a:avLst/>
+          </a:prstGeom>
         </p:spPr>
         <p:style>
           <a:lnRef idx="2">
@@ -8203,7 +9591,7 @@
         <p:spPr>
           <a:xfrm>
             <a:off x="1" y="46028"/>
-            <a:ext cx="4086223" cy="2873556"/>
+            <a:ext cx="4294413" cy="2873556"/>
           </a:xfrm>
           <a:prstGeom prst="wedgeEllipseCallout">
             <a:avLst>
@@ -8315,7 +9703,7 @@
                 <a:latin typeface="MS Gothic" panose="020B0609070205080204" pitchFamily="49" charset="-128"/>
                 <a:ea typeface="MS Gothic" panose="020B0609070205080204" pitchFamily="49" charset="-128"/>
               </a:rPr>
-              <a:t>いくいく。恵比寿の辺はどう？</a:t>
+              <a:t>行く、行く。恵比寿の辺はどう？</a:t>
             </a:r>
             <a:endParaRPr lang="en-GB" sz="3200" dirty="0"/>
           </a:p>
@@ -8587,10 +9975,10 @@
       </p:sp>
       <p:sp>
         <p:nvSpPr>
-          <p:cNvPr id="11" name="Rectangle 10">
-            <a:extLst>
-              <a:ext uri="{FF2B5EF4-FFF2-40B4-BE49-F238E27FC236}">
-                <a16:creationId xmlns:a16="http://schemas.microsoft.com/office/drawing/2014/main" id="{80136096-23E9-4DCE-8F63-1699D7CEB7EC}"/>
+          <p:cNvPr id="12" name="Rectangle 11">
+            <a:extLst>
+              <a:ext uri="{FF2B5EF4-FFF2-40B4-BE49-F238E27FC236}">
+                <a16:creationId xmlns:a16="http://schemas.microsoft.com/office/drawing/2014/main" id="{27E68E6E-38D5-4728-B893-C2C0794C9C88}"/>
               </a:ext>
             </a:extLst>
           </p:cNvPr>
@@ -8599,7 +9987,53 @@
         </p:nvSpPr>
         <p:spPr>
           <a:xfrm>
-            <a:off x="2301887" y="-420914"/>
+            <a:off x="-7182576" y="6858000"/>
+            <a:ext cx="13278576" cy="553733"/>
+          </a:xfrm>
+          <a:prstGeom prst="rect">
+            <a:avLst/>
+          </a:prstGeom>
+        </p:spPr>
+        <p:style>
+          <a:lnRef idx="2">
+            <a:schemeClr val="accent1">
+              <a:shade val="50000"/>
+            </a:schemeClr>
+          </a:lnRef>
+          <a:fillRef idx="1">
+            <a:schemeClr val="accent1"/>
+          </a:fillRef>
+          <a:effectRef idx="0">
+            <a:schemeClr val="accent1"/>
+          </a:effectRef>
+          <a:fontRef idx="minor">
+            <a:schemeClr val="lt1"/>
+          </a:fontRef>
+        </p:style>
+        <p:txBody>
+          <a:bodyPr rtlCol="0" anchor="ctr"/>
+          <a:lstStyle/>
+          <a:p>
+            <a:pPr algn="ctr"/>
+            <a:endParaRPr lang="en-GB"/>
+          </a:p>
+        </p:txBody>
+      </p:sp>
+      <p:sp>
+        <p:nvSpPr>
+          <p:cNvPr id="13" name="Rectangle 12">
+            <a:extLst>
+              <a:ext uri="{FF2B5EF4-FFF2-40B4-BE49-F238E27FC236}">
+                <a16:creationId xmlns:a16="http://schemas.microsoft.com/office/drawing/2014/main" id="{119DDDCE-D620-4381-BEE7-75131992F1FE}"/>
+              </a:ext>
+            </a:extLst>
+          </p:cNvPr>
+          <p:cNvSpPr/>
+          <p:nvPr/>
+        </p:nvSpPr>
+        <p:spPr>
+          <a:xfrm>
+            <a:off x="2242276" y="-420914"/>
             <a:ext cx="1168400" cy="420914"/>
           </a:xfrm>
           <a:prstGeom prst="rect">
@@ -8609,6 +10043,98 @@
           <a:ln>
             <a:noFill/>
           </a:ln>
+        </p:spPr>
+        <p:style>
+          <a:lnRef idx="2">
+            <a:schemeClr val="accent1">
+              <a:shade val="50000"/>
+            </a:schemeClr>
+          </a:lnRef>
+          <a:fillRef idx="1">
+            <a:schemeClr val="accent1"/>
+          </a:fillRef>
+          <a:effectRef idx="0">
+            <a:schemeClr val="accent1"/>
+          </a:effectRef>
+          <a:fontRef idx="minor">
+            <a:schemeClr val="lt1"/>
+          </a:fontRef>
+        </p:style>
+        <p:txBody>
+          <a:bodyPr rtlCol="0" anchor="ctr"/>
+          <a:lstStyle/>
+          <a:p>
+            <a:pPr algn="ctr"/>
+            <a:endParaRPr lang="en-GB"/>
+          </a:p>
+        </p:txBody>
+      </p:sp>
+      <p:sp>
+        <p:nvSpPr>
+          <p:cNvPr id="14" name="Rectangle 13">
+            <a:extLst>
+              <a:ext uri="{FF2B5EF4-FFF2-40B4-BE49-F238E27FC236}">
+                <a16:creationId xmlns:a16="http://schemas.microsoft.com/office/drawing/2014/main" id="{605BD4B7-248D-4609-A122-370EAB7DBE3E}"/>
+              </a:ext>
+            </a:extLst>
+          </p:cNvPr>
+          <p:cNvSpPr/>
+          <p:nvPr/>
+        </p:nvSpPr>
+        <p:spPr>
+          <a:xfrm>
+            <a:off x="-7181850" y="-974647"/>
+            <a:ext cx="13278576" cy="553733"/>
+          </a:xfrm>
+          <a:prstGeom prst="rect">
+            <a:avLst/>
+          </a:prstGeom>
+        </p:spPr>
+        <p:style>
+          <a:lnRef idx="2">
+            <a:schemeClr val="accent1">
+              <a:shade val="50000"/>
+            </a:schemeClr>
+          </a:lnRef>
+          <a:fillRef idx="1">
+            <a:schemeClr val="accent1"/>
+          </a:fillRef>
+          <a:effectRef idx="0">
+            <a:schemeClr val="accent1"/>
+          </a:effectRef>
+          <a:fontRef idx="minor">
+            <a:schemeClr val="lt1"/>
+          </a:fontRef>
+        </p:style>
+        <p:txBody>
+          <a:bodyPr rtlCol="0" anchor="ctr"/>
+          <a:lstStyle/>
+          <a:p>
+            <a:pPr algn="ctr"/>
+            <a:endParaRPr lang="en-GB"/>
+          </a:p>
+        </p:txBody>
+      </p:sp>
+      <p:sp>
+        <p:nvSpPr>
+          <p:cNvPr id="15" name="Rectangle 14">
+            <a:extLst>
+              <a:ext uri="{FF2B5EF4-FFF2-40B4-BE49-F238E27FC236}">
+                <a16:creationId xmlns:a16="http://schemas.microsoft.com/office/drawing/2014/main" id="{637C8E69-F97A-4DF2-9923-ECAEECB11784}"/>
+              </a:ext>
+            </a:extLst>
+          </p:cNvPr>
+          <p:cNvSpPr/>
+          <p:nvPr/>
+        </p:nvSpPr>
+        <p:spPr>
+          <a:xfrm rot="5400000">
+            <a:off x="4476566" y="625727"/>
+            <a:ext cx="8991249" cy="5752381"/>
+          </a:xfrm>
+          <a:prstGeom prst="rect">
+            <a:avLst/>
+          </a:prstGeom>
         </p:spPr>
         <p:style>
           <a:lnRef idx="2">
@@ -8739,7 +10265,7 @@
                 <a:latin typeface="MS Gothic" panose="020B0609070205080204" pitchFamily="49" charset="-128"/>
                 <a:ea typeface="MS Gothic" panose="020B0609070205080204" pitchFamily="49" charset="-128"/>
               </a:rPr>
-              <a:t>いいよいいよ。</a:t>
+              <a:t>いいね、いいね。</a:t>
             </a:r>
             <a:endParaRPr lang="en-GB" sz="3200" dirty="0"/>
           </a:p>
@@ -8806,7 +10332,7 @@
                 <a:latin typeface="MS Gothic" panose="020B0609070205080204" pitchFamily="49" charset="-128"/>
                 <a:ea typeface="MS Gothic" panose="020B0609070205080204" pitchFamily="49" charset="-128"/>
               </a:rPr>
-              <a:t>みてみて。この店の写真を持っているよ。</a:t>
+              <a:t>見て見て。このお店の写真を持っているよ。</a:t>
             </a:r>
             <a:endParaRPr lang="en-GB" sz="3200" dirty="0"/>
           </a:p>
@@ -8923,7 +10449,7 @@
         </p:blipFill>
         <p:spPr>
           <a:xfrm>
-            <a:off x="3749113" y="242775"/>
+            <a:off x="3824619" y="206641"/>
             <a:ext cx="2170687" cy="3011902"/>
           </a:xfrm>
           <a:prstGeom prst="rect">
@@ -9096,7 +10622,7 @@
         </p:blipFill>
         <p:spPr>
           <a:xfrm>
-            <a:off x="230775" y="3197699"/>
+            <a:off x="42093" y="3342839"/>
             <a:ext cx="1868354" cy="3497176"/>
           </a:xfrm>
           <a:prstGeom prst="rect">
@@ -9114,10 +10640,10 @@
       </p:pic>
       <p:sp>
         <p:nvSpPr>
-          <p:cNvPr id="13" name="Rectangle 12">
-            <a:extLst>
-              <a:ext uri="{FF2B5EF4-FFF2-40B4-BE49-F238E27FC236}">
-                <a16:creationId xmlns:a16="http://schemas.microsoft.com/office/drawing/2014/main" id="{CB709099-F290-4DCB-9C30-34A80C18BAD9}"/>
+          <p:cNvPr id="14" name="Rectangle 13">
+            <a:extLst>
+              <a:ext uri="{FF2B5EF4-FFF2-40B4-BE49-F238E27FC236}">
+                <a16:creationId xmlns:a16="http://schemas.microsoft.com/office/drawing/2014/main" id="{82A5321F-CA2C-4219-8263-3329F6B4693A}"/>
               </a:ext>
             </a:extLst>
           </p:cNvPr>
@@ -9126,7 +10652,53 @@
         </p:nvSpPr>
         <p:spPr>
           <a:xfrm>
-            <a:off x="2301887" y="-420914"/>
+            <a:off x="-7182576" y="6858000"/>
+            <a:ext cx="13278576" cy="553733"/>
+          </a:xfrm>
+          <a:prstGeom prst="rect">
+            <a:avLst/>
+          </a:prstGeom>
+        </p:spPr>
+        <p:style>
+          <a:lnRef idx="2">
+            <a:schemeClr val="accent1">
+              <a:shade val="50000"/>
+            </a:schemeClr>
+          </a:lnRef>
+          <a:fillRef idx="1">
+            <a:schemeClr val="accent1"/>
+          </a:fillRef>
+          <a:effectRef idx="0">
+            <a:schemeClr val="accent1"/>
+          </a:effectRef>
+          <a:fontRef idx="minor">
+            <a:schemeClr val="lt1"/>
+          </a:fontRef>
+        </p:style>
+        <p:txBody>
+          <a:bodyPr rtlCol="0" anchor="ctr"/>
+          <a:lstStyle/>
+          <a:p>
+            <a:pPr algn="ctr"/>
+            <a:endParaRPr lang="en-GB"/>
+          </a:p>
+        </p:txBody>
+      </p:sp>
+      <p:sp>
+        <p:nvSpPr>
+          <p:cNvPr id="15" name="Rectangle 14">
+            <a:extLst>
+              <a:ext uri="{FF2B5EF4-FFF2-40B4-BE49-F238E27FC236}">
+                <a16:creationId xmlns:a16="http://schemas.microsoft.com/office/drawing/2014/main" id="{FB5F6A14-D9B4-431D-A404-D80F1CE2ADFE}"/>
+              </a:ext>
+            </a:extLst>
+          </p:cNvPr>
+          <p:cNvSpPr/>
+          <p:nvPr/>
+        </p:nvSpPr>
+        <p:spPr>
+          <a:xfrm>
+            <a:off x="2242276" y="-420914"/>
             <a:ext cx="1168400" cy="420914"/>
           </a:xfrm>
           <a:prstGeom prst="rect">
@@ -9136,6 +10708,98 @@
           <a:ln>
             <a:noFill/>
           </a:ln>
+        </p:spPr>
+        <p:style>
+          <a:lnRef idx="2">
+            <a:schemeClr val="accent1">
+              <a:shade val="50000"/>
+            </a:schemeClr>
+          </a:lnRef>
+          <a:fillRef idx="1">
+            <a:schemeClr val="accent1"/>
+          </a:fillRef>
+          <a:effectRef idx="0">
+            <a:schemeClr val="accent1"/>
+          </a:effectRef>
+          <a:fontRef idx="minor">
+            <a:schemeClr val="lt1"/>
+          </a:fontRef>
+        </p:style>
+        <p:txBody>
+          <a:bodyPr rtlCol="0" anchor="ctr"/>
+          <a:lstStyle/>
+          <a:p>
+            <a:pPr algn="ctr"/>
+            <a:endParaRPr lang="en-GB"/>
+          </a:p>
+        </p:txBody>
+      </p:sp>
+      <p:sp>
+        <p:nvSpPr>
+          <p:cNvPr id="16" name="Rectangle 15">
+            <a:extLst>
+              <a:ext uri="{FF2B5EF4-FFF2-40B4-BE49-F238E27FC236}">
+                <a16:creationId xmlns:a16="http://schemas.microsoft.com/office/drawing/2014/main" id="{806989C1-192A-482F-AEF8-F2A2B2190BEE}"/>
+              </a:ext>
+            </a:extLst>
+          </p:cNvPr>
+          <p:cNvSpPr/>
+          <p:nvPr/>
+        </p:nvSpPr>
+        <p:spPr>
+          <a:xfrm>
+            <a:off x="-7181850" y="-974647"/>
+            <a:ext cx="13278576" cy="553733"/>
+          </a:xfrm>
+          <a:prstGeom prst="rect">
+            <a:avLst/>
+          </a:prstGeom>
+        </p:spPr>
+        <p:style>
+          <a:lnRef idx="2">
+            <a:schemeClr val="accent1">
+              <a:shade val="50000"/>
+            </a:schemeClr>
+          </a:lnRef>
+          <a:fillRef idx="1">
+            <a:schemeClr val="accent1"/>
+          </a:fillRef>
+          <a:effectRef idx="0">
+            <a:schemeClr val="accent1"/>
+          </a:effectRef>
+          <a:fontRef idx="minor">
+            <a:schemeClr val="lt1"/>
+          </a:fontRef>
+        </p:style>
+        <p:txBody>
+          <a:bodyPr rtlCol="0" anchor="ctr"/>
+          <a:lstStyle/>
+          <a:p>
+            <a:pPr algn="ctr"/>
+            <a:endParaRPr lang="en-GB"/>
+          </a:p>
+        </p:txBody>
+      </p:sp>
+      <p:sp>
+        <p:nvSpPr>
+          <p:cNvPr id="17" name="Rectangle 16">
+            <a:extLst>
+              <a:ext uri="{FF2B5EF4-FFF2-40B4-BE49-F238E27FC236}">
+                <a16:creationId xmlns:a16="http://schemas.microsoft.com/office/drawing/2014/main" id="{ABD4CA4F-E735-4DB3-8829-35E681AA5AA1}"/>
+              </a:ext>
+            </a:extLst>
+          </p:cNvPr>
+          <p:cNvSpPr/>
+          <p:nvPr/>
+        </p:nvSpPr>
+        <p:spPr>
+          <a:xfrm rot="5400000">
+            <a:off x="4476566" y="625727"/>
+            <a:ext cx="8991249" cy="5752381"/>
+          </a:xfrm>
+          <a:prstGeom prst="rect">
+            <a:avLst/>
+          </a:prstGeom>
         </p:spPr>
         <p:style>
           <a:lnRef idx="2">
@@ -9206,13 +10870,13 @@
         </p:nvSpPr>
         <p:spPr>
           <a:xfrm>
-            <a:off x="1" y="88425"/>
-            <a:ext cx="4762500" cy="2180158"/>
+            <a:off x="0" y="443326"/>
+            <a:ext cx="4380232" cy="2180158"/>
           </a:xfrm>
           <a:prstGeom prst="wedgeEllipseCallout">
             <a:avLst>
-              <a:gd name="adj1" fmla="val 48072"/>
-              <a:gd name="adj2" fmla="val 55458"/>
+              <a:gd name="adj1" fmla="val 42944"/>
+              <a:gd name="adj2" fmla="val -53059"/>
             </a:avLst>
           </a:prstGeom>
           <a:solidFill>
@@ -9252,7 +10916,7 @@
                 <a:latin typeface="MS Gothic" panose="020B0609070205080204" pitchFamily="49" charset="-128"/>
                 <a:ea typeface="MS Gothic" panose="020B0609070205080204" pitchFamily="49" charset="-128"/>
               </a:rPr>
-              <a:t>ええ、雰囲気がいいなぁ！</a:t>
+              <a:t>わぁ～！雰囲気がいいなぁ！</a:t>
             </a:r>
             <a:endParaRPr lang="en-GB" sz="3200" dirty="0"/>
           </a:p>
@@ -9319,7 +10983,7 @@
                 <a:latin typeface="MS Gothic" panose="020B0609070205080204" pitchFamily="49" charset="-128"/>
                 <a:ea typeface="MS Gothic" panose="020B0609070205080204" pitchFamily="49" charset="-128"/>
               </a:rPr>
-              <a:t>ほらほら見て、新しいメニューが出たばかりだよ。食べたい食べたい。</a:t>
+              <a:t>ホラホラ見て、新しいメニューが出たばかりだよ。私は食べたい食べたい。</a:t>
             </a:r>
             <a:endParaRPr lang="en-GB" sz="3200" dirty="0"/>
           </a:p>
@@ -9436,7 +11100,7 @@
         </p:blipFill>
         <p:spPr>
           <a:xfrm>
-            <a:off x="4358713" y="163886"/>
+            <a:off x="3925313" y="294565"/>
             <a:ext cx="2170687" cy="3011902"/>
           </a:xfrm>
           <a:prstGeom prst="rect">
@@ -9609,7 +11273,7 @@
         </p:blipFill>
         <p:spPr>
           <a:xfrm>
-            <a:off x="101600" y="3005922"/>
+            <a:off x="0" y="3306467"/>
             <a:ext cx="1868354" cy="3497176"/>
           </a:xfrm>
           <a:prstGeom prst="rect">
@@ -9627,10 +11291,10 @@
       </p:pic>
       <p:sp>
         <p:nvSpPr>
-          <p:cNvPr id="13" name="Rectangle 12">
-            <a:extLst>
-              <a:ext uri="{FF2B5EF4-FFF2-40B4-BE49-F238E27FC236}">
-                <a16:creationId xmlns:a16="http://schemas.microsoft.com/office/drawing/2014/main" id="{0C606A70-5CC0-4AEB-8424-0777DBAD5B1E}"/>
+          <p:cNvPr id="14" name="Rectangle 13">
+            <a:extLst>
+              <a:ext uri="{FF2B5EF4-FFF2-40B4-BE49-F238E27FC236}">
+                <a16:creationId xmlns:a16="http://schemas.microsoft.com/office/drawing/2014/main" id="{1749D5F0-B4FE-4D5B-A4C6-23E6732C7A52}"/>
               </a:ext>
             </a:extLst>
           </p:cNvPr>
@@ -9639,7 +11303,53 @@
         </p:nvSpPr>
         <p:spPr>
           <a:xfrm>
-            <a:off x="2301887" y="-420914"/>
+            <a:off x="-7182576" y="6858000"/>
+            <a:ext cx="13278576" cy="553733"/>
+          </a:xfrm>
+          <a:prstGeom prst="rect">
+            <a:avLst/>
+          </a:prstGeom>
+        </p:spPr>
+        <p:style>
+          <a:lnRef idx="2">
+            <a:schemeClr val="accent1">
+              <a:shade val="50000"/>
+            </a:schemeClr>
+          </a:lnRef>
+          <a:fillRef idx="1">
+            <a:schemeClr val="accent1"/>
+          </a:fillRef>
+          <a:effectRef idx="0">
+            <a:schemeClr val="accent1"/>
+          </a:effectRef>
+          <a:fontRef idx="minor">
+            <a:schemeClr val="lt1"/>
+          </a:fontRef>
+        </p:style>
+        <p:txBody>
+          <a:bodyPr rtlCol="0" anchor="ctr"/>
+          <a:lstStyle/>
+          <a:p>
+            <a:pPr algn="ctr"/>
+            <a:endParaRPr lang="en-GB"/>
+          </a:p>
+        </p:txBody>
+      </p:sp>
+      <p:sp>
+        <p:nvSpPr>
+          <p:cNvPr id="15" name="Rectangle 14">
+            <a:extLst>
+              <a:ext uri="{FF2B5EF4-FFF2-40B4-BE49-F238E27FC236}">
+                <a16:creationId xmlns:a16="http://schemas.microsoft.com/office/drawing/2014/main" id="{9665290B-519E-4D7F-BD39-D07E7E528E7D}"/>
+              </a:ext>
+            </a:extLst>
+          </p:cNvPr>
+          <p:cNvSpPr/>
+          <p:nvPr/>
+        </p:nvSpPr>
+        <p:spPr>
+          <a:xfrm>
+            <a:off x="2242276" y="-420914"/>
             <a:ext cx="1168400" cy="420914"/>
           </a:xfrm>
           <a:prstGeom prst="rect">
@@ -9649,6 +11359,98 @@
           <a:ln>
             <a:noFill/>
           </a:ln>
+        </p:spPr>
+        <p:style>
+          <a:lnRef idx="2">
+            <a:schemeClr val="accent1">
+              <a:shade val="50000"/>
+            </a:schemeClr>
+          </a:lnRef>
+          <a:fillRef idx="1">
+            <a:schemeClr val="accent1"/>
+          </a:fillRef>
+          <a:effectRef idx="0">
+            <a:schemeClr val="accent1"/>
+          </a:effectRef>
+          <a:fontRef idx="minor">
+            <a:schemeClr val="lt1"/>
+          </a:fontRef>
+        </p:style>
+        <p:txBody>
+          <a:bodyPr rtlCol="0" anchor="ctr"/>
+          <a:lstStyle/>
+          <a:p>
+            <a:pPr algn="ctr"/>
+            <a:endParaRPr lang="en-GB"/>
+          </a:p>
+        </p:txBody>
+      </p:sp>
+      <p:sp>
+        <p:nvSpPr>
+          <p:cNvPr id="16" name="Rectangle 15">
+            <a:extLst>
+              <a:ext uri="{FF2B5EF4-FFF2-40B4-BE49-F238E27FC236}">
+                <a16:creationId xmlns:a16="http://schemas.microsoft.com/office/drawing/2014/main" id="{E780B332-5DC4-4A45-A87A-86A230D1FC01}"/>
+              </a:ext>
+            </a:extLst>
+          </p:cNvPr>
+          <p:cNvSpPr/>
+          <p:nvPr/>
+        </p:nvSpPr>
+        <p:spPr>
+          <a:xfrm>
+            <a:off x="-7181850" y="-974647"/>
+            <a:ext cx="13278576" cy="553733"/>
+          </a:xfrm>
+          <a:prstGeom prst="rect">
+            <a:avLst/>
+          </a:prstGeom>
+        </p:spPr>
+        <p:style>
+          <a:lnRef idx="2">
+            <a:schemeClr val="accent1">
+              <a:shade val="50000"/>
+            </a:schemeClr>
+          </a:lnRef>
+          <a:fillRef idx="1">
+            <a:schemeClr val="accent1"/>
+          </a:fillRef>
+          <a:effectRef idx="0">
+            <a:schemeClr val="accent1"/>
+          </a:effectRef>
+          <a:fontRef idx="minor">
+            <a:schemeClr val="lt1"/>
+          </a:fontRef>
+        </p:style>
+        <p:txBody>
+          <a:bodyPr rtlCol="0" anchor="ctr"/>
+          <a:lstStyle/>
+          <a:p>
+            <a:pPr algn="ctr"/>
+            <a:endParaRPr lang="en-GB"/>
+          </a:p>
+        </p:txBody>
+      </p:sp>
+      <p:sp>
+        <p:nvSpPr>
+          <p:cNvPr id="17" name="Rectangle 16">
+            <a:extLst>
+              <a:ext uri="{FF2B5EF4-FFF2-40B4-BE49-F238E27FC236}">
+                <a16:creationId xmlns:a16="http://schemas.microsoft.com/office/drawing/2014/main" id="{578B9D00-1ED2-431F-9953-090763FDE064}"/>
+              </a:ext>
+            </a:extLst>
+          </p:cNvPr>
+          <p:cNvSpPr/>
+          <p:nvPr/>
+        </p:nvSpPr>
+        <p:spPr>
+          <a:xfrm rot="5400000">
+            <a:off x="4476566" y="625727"/>
+            <a:ext cx="8991249" cy="5752381"/>
+          </a:xfrm>
+          <a:prstGeom prst="rect">
+            <a:avLst/>
+          </a:prstGeom>
         </p:spPr>
         <p:style>
           <a:lnRef idx="2">
@@ -9720,7 +11522,7 @@
         <p:spPr>
           <a:xfrm>
             <a:off x="0" y="39553"/>
-            <a:ext cx="4419600" cy="2473254"/>
+            <a:ext cx="4354286" cy="2473254"/>
           </a:xfrm>
           <a:prstGeom prst="wedgeEllipseCallout">
             <a:avLst>
@@ -9765,7 +11567,7 @@
                 <a:latin typeface="MS Gothic" panose="020B0609070205080204" pitchFamily="49" charset="-128"/>
                 <a:ea typeface="MS Gothic" panose="020B0609070205080204" pitchFamily="49" charset="-128"/>
               </a:rPr>
-              <a:t>ちょっと辛いそうかな。食べられないかも。</a:t>
+              <a:t>ちょっと辛そうかな。食べられないかも。</a:t>
             </a:r>
             <a:endParaRPr lang="en-GB" sz="3200" dirty="0"/>
           </a:p>
@@ -9832,7 +11634,7 @@
                 <a:latin typeface="MS Gothic" panose="020B0609070205080204" pitchFamily="49" charset="-128"/>
                 <a:ea typeface="MS Gothic" panose="020B0609070205080204" pitchFamily="49" charset="-128"/>
               </a:rPr>
-              <a:t>見た目は辛いそうですけど、本物はそんな辛くないとおもって。食べてみて。</a:t>
+              <a:t>見た目は辛いそうですけど、本物はそんなに辛くないとおもって。食べてみて。</a:t>
             </a:r>
             <a:endParaRPr lang="en-GB" sz="3200" dirty="0"/>
           </a:p>
@@ -9876,10 +11678,54 @@
       </p:pic>
       <p:pic>
         <p:nvPicPr>
-          <p:cNvPr id="32" name="Picture 2" descr="Nobi Nobita – Wikipedia tiếng Việt">
-            <a:extLst>
-              <a:ext uri="{FF2B5EF4-FFF2-40B4-BE49-F238E27FC236}">
-                <a16:creationId xmlns:a16="http://schemas.microsoft.com/office/drawing/2014/main" id="{F92B3E8F-E296-4B3F-841C-14CAD5E28DF6}"/>
+          <p:cNvPr id="33" name="Picture 32">
+            <a:extLst>
+              <a:ext uri="{FF2B5EF4-FFF2-40B4-BE49-F238E27FC236}">
+                <a16:creationId xmlns:a16="http://schemas.microsoft.com/office/drawing/2014/main" id="{0D380805-4881-489E-9027-AC12F5A54E37}"/>
+              </a:ext>
+            </a:extLst>
+          </p:cNvPr>
+          <p:cNvPicPr>
+            <a:picLocks noChangeAspect="1"/>
+          </p:cNvPicPr>
+          <p:nvPr/>
+        </p:nvPicPr>
+        <p:blipFill>
+          <a:blip r:embed="rId4">
+            <a:extLst>
+              <a:ext uri="{28A0092B-C50C-407E-A947-70E740481C1C}">
+                <a14:useLocalDpi xmlns:a14="http://schemas.microsoft.com/office/drawing/2010/main" val="0"/>
+              </a:ext>
+            </a:extLst>
+          </a:blip>
+          <a:stretch>
+            <a:fillRect/>
+          </a:stretch>
+        </p:blipFill>
+        <p:spPr>
+          <a:xfrm>
+            <a:off x="4061627" y="-3840632"/>
+            <a:ext cx="2170687" cy="3011902"/>
+          </a:xfrm>
+          <a:prstGeom prst="rect">
+            <a:avLst/>
+          </a:prstGeom>
+          <a:effectLst>
+            <a:glow rad="228600">
+              <a:schemeClr val="accent3">
+                <a:satMod val="175000"/>
+                <a:alpha val="40000"/>
+              </a:schemeClr>
+            </a:glow>
+          </a:effectLst>
+        </p:spPr>
+      </p:pic>
+      <p:pic>
+        <p:nvPicPr>
+          <p:cNvPr id="34" name="Picture 8" descr="Nobita Nobi/Gallery | Heroes Wiki | Fandom">
+            <a:extLst>
+              <a:ext uri="{FF2B5EF4-FFF2-40B4-BE49-F238E27FC236}">
+                <a16:creationId xmlns:a16="http://schemas.microsoft.com/office/drawing/2014/main" id="{4B820155-60D6-41B4-8503-7350F39B3201}"/>
               </a:ext>
             </a:extLst>
           </p:cNvPr>
@@ -9889,7 +11735,7 @@
           <p:nvPr/>
         </p:nvPicPr>
         <p:blipFill>
-          <a:blip r:embed="rId4">
+          <a:blip r:embed="rId5">
             <a:extLst>
               <a:ext uri="{28A0092B-C50C-407E-A947-70E740481C1C}">
                 <a14:useLocalDpi xmlns:a14="http://schemas.microsoft.com/office/drawing/2010/main" val="0"/>
@@ -9903,8 +11749,8 @@
         </p:blipFill>
         <p:spPr bwMode="auto">
           <a:xfrm>
-            <a:off x="-2752647" y="-4925462"/>
-            <a:ext cx="2752647" cy="3268768"/>
+            <a:off x="1123884" y="-4735489"/>
+            <a:ext cx="2009775" cy="3038475"/>
           </a:xfrm>
           <a:prstGeom prst="rect">
             <a:avLst/>
@@ -9923,10 +11769,10 @@
       </p:pic>
       <p:pic>
         <p:nvPicPr>
-          <p:cNvPr id="33" name="Picture 32">
-            <a:extLst>
-              <a:ext uri="{FF2B5EF4-FFF2-40B4-BE49-F238E27FC236}">
-                <a16:creationId xmlns:a16="http://schemas.microsoft.com/office/drawing/2014/main" id="{0D380805-4881-489E-9027-AC12F5A54E37}"/>
+          <p:cNvPr id="35" name="Graphic 34">
+            <a:extLst>
+              <a:ext uri="{FF2B5EF4-FFF2-40B4-BE49-F238E27FC236}">
+                <a16:creationId xmlns:a16="http://schemas.microsoft.com/office/drawing/2014/main" id="{D23AD36C-C081-4449-86F6-F59B28AE30B1}"/>
               </a:ext>
             </a:extLst>
           </p:cNvPr>
@@ -9936,10 +11782,10 @@
           <p:nvPr/>
         </p:nvPicPr>
         <p:blipFill>
-          <a:blip r:embed="rId5">
-            <a:extLst>
-              <a:ext uri="{28A0092B-C50C-407E-A947-70E740481C1C}">
-                <a14:useLocalDpi xmlns:a14="http://schemas.microsoft.com/office/drawing/2010/main" val="0"/>
+          <a:blip r:embed="rId2">
+            <a:extLst>
+              <a:ext uri="{96DAC541-7B7A-43D3-8B79-37D633B846F1}">
+                <asvg:svgBlip xmlns:asvg="http://schemas.microsoft.com/office/drawing/2016/SVG/main" r:embed="rId3"/>
               </a:ext>
             </a:extLst>
           </a:blip>
@@ -9949,8 +11795,90 @@
         </p:blipFill>
         <p:spPr>
           <a:xfrm>
-            <a:off x="3925313" y="242775"/>
-            <a:ext cx="2170687" cy="3011902"/>
+            <a:off x="7945879" y="-5186007"/>
+            <a:ext cx="1551667" cy="2904402"/>
+          </a:xfrm>
+          <a:prstGeom prst="rect">
+            <a:avLst/>
+          </a:prstGeom>
+        </p:spPr>
+      </p:pic>
+      <p:sp>
+        <p:nvSpPr>
+          <p:cNvPr id="11" name="Rectangle 10">
+            <a:extLst>
+              <a:ext uri="{FF2B5EF4-FFF2-40B4-BE49-F238E27FC236}">
+                <a16:creationId xmlns:a16="http://schemas.microsoft.com/office/drawing/2014/main" id="{A4EA1D84-C358-45AC-B031-E4EAC77BACA6}"/>
+              </a:ext>
+            </a:extLst>
+          </p:cNvPr>
+          <p:cNvSpPr/>
+          <p:nvPr/>
+        </p:nvSpPr>
+        <p:spPr>
+          <a:xfrm>
+            <a:off x="0" y="7240438"/>
+            <a:ext cx="6096000" cy="553733"/>
+          </a:xfrm>
+          <a:prstGeom prst="rect">
+            <a:avLst/>
+          </a:prstGeom>
+        </p:spPr>
+        <p:style>
+          <a:lnRef idx="2">
+            <a:schemeClr val="accent1">
+              <a:shade val="50000"/>
+            </a:schemeClr>
+          </a:lnRef>
+          <a:fillRef idx="1">
+            <a:schemeClr val="accent1"/>
+          </a:fillRef>
+          <a:effectRef idx="0">
+            <a:schemeClr val="accent1"/>
+          </a:effectRef>
+          <a:fontRef idx="minor">
+            <a:schemeClr val="lt1"/>
+          </a:fontRef>
+        </p:style>
+        <p:txBody>
+          <a:bodyPr rtlCol="0" anchor="ctr"/>
+          <a:lstStyle/>
+          <a:p>
+            <a:pPr algn="ctr"/>
+            <a:endParaRPr lang="en-GB"/>
+          </a:p>
+        </p:txBody>
+      </p:sp>
+      <p:pic>
+        <p:nvPicPr>
+          <p:cNvPr id="12" name="Graphic 11">
+            <a:extLst>
+              <a:ext uri="{FF2B5EF4-FFF2-40B4-BE49-F238E27FC236}">
+                <a16:creationId xmlns:a16="http://schemas.microsoft.com/office/drawing/2014/main" id="{998D43E8-75C2-4FBA-B666-9296DB32ACE1}"/>
+              </a:ext>
+            </a:extLst>
+          </p:cNvPr>
+          <p:cNvPicPr>
+            <a:picLocks noChangeAspect="1"/>
+          </p:cNvPicPr>
+          <p:nvPr/>
+        </p:nvPicPr>
+        <p:blipFill>
+          <a:blip r:embed="rId2">
+            <a:extLst>
+              <a:ext uri="{96DAC541-7B7A-43D3-8B79-37D633B846F1}">
+                <asvg:svgBlip xmlns:asvg="http://schemas.microsoft.com/office/drawing/2016/SVG/main" r:embed="rId3"/>
+              </a:ext>
+            </a:extLst>
+          </a:blip>
+          <a:stretch>
+            <a:fillRect/>
+          </a:stretch>
+        </p:blipFill>
+        <p:spPr>
+          <a:xfrm>
+            <a:off x="373922" y="3321271"/>
+            <a:ext cx="1868354" cy="3497176"/>
           </a:xfrm>
           <a:prstGeom prst="rect">
             <a:avLst/>
@@ -9965,95 +11893,12 @@
           </a:effectLst>
         </p:spPr>
       </p:pic>
-      <p:pic>
-        <p:nvPicPr>
-          <p:cNvPr id="34" name="Picture 8" descr="Nobita Nobi/Gallery | Heroes Wiki | Fandom">
-            <a:extLst>
-              <a:ext uri="{FF2B5EF4-FFF2-40B4-BE49-F238E27FC236}">
-                <a16:creationId xmlns:a16="http://schemas.microsoft.com/office/drawing/2014/main" id="{4B820155-60D6-41B4-8503-7350F39B3201}"/>
-              </a:ext>
-            </a:extLst>
-          </p:cNvPr>
-          <p:cNvPicPr>
-            <a:picLocks noChangeAspect="1" noChangeArrowheads="1"/>
-          </p:cNvPicPr>
-          <p:nvPr/>
-        </p:nvPicPr>
-        <p:blipFill>
-          <a:blip r:embed="rId6">
-            <a:extLst>
-              <a:ext uri="{28A0092B-C50C-407E-A947-70E740481C1C}">
-                <a14:useLocalDpi xmlns:a14="http://schemas.microsoft.com/office/drawing/2010/main" val="0"/>
-              </a:ext>
-            </a:extLst>
-          </a:blip>
-          <a:srcRect/>
-          <a:stretch>
-            <a:fillRect/>
-          </a:stretch>
-        </p:blipFill>
-        <p:spPr bwMode="auto">
-          <a:xfrm>
-            <a:off x="1123884" y="-4735489"/>
-            <a:ext cx="2009775" cy="3038475"/>
-          </a:xfrm>
-          <a:prstGeom prst="rect">
-            <a:avLst/>
-          </a:prstGeom>
-          <a:noFill/>
-          <a:extLst>
-            <a:ext uri="{909E8E84-426E-40DD-AFC4-6F175D3DCCD1}">
-              <a14:hiddenFill xmlns:a14="http://schemas.microsoft.com/office/drawing/2010/main">
-                <a:solidFill>
-                  <a:srgbClr val="FFFFFF"/>
-                </a:solidFill>
-              </a14:hiddenFill>
-            </a:ext>
-          </a:extLst>
-        </p:spPr>
-      </p:pic>
-      <p:pic>
-        <p:nvPicPr>
-          <p:cNvPr id="35" name="Graphic 34">
-            <a:extLst>
-              <a:ext uri="{FF2B5EF4-FFF2-40B4-BE49-F238E27FC236}">
-                <a16:creationId xmlns:a16="http://schemas.microsoft.com/office/drawing/2014/main" id="{D23AD36C-C081-4449-86F6-F59B28AE30B1}"/>
-              </a:ext>
-            </a:extLst>
-          </p:cNvPr>
-          <p:cNvPicPr>
-            <a:picLocks noChangeAspect="1"/>
-          </p:cNvPicPr>
-          <p:nvPr/>
-        </p:nvPicPr>
-        <p:blipFill>
-          <a:blip r:embed="rId2">
-            <a:extLst>
-              <a:ext uri="{96DAC541-7B7A-43D3-8B79-37D633B846F1}">
-                <asvg:svgBlip xmlns:asvg="http://schemas.microsoft.com/office/drawing/2016/SVG/main" r:embed="rId3"/>
-              </a:ext>
-            </a:extLst>
-          </a:blip>
-          <a:stretch>
-            <a:fillRect/>
-          </a:stretch>
-        </p:blipFill>
-        <p:spPr>
-          <a:xfrm>
-            <a:off x="7945879" y="-5186007"/>
-            <a:ext cx="1551667" cy="2904402"/>
-          </a:xfrm>
-          <a:prstGeom prst="rect">
-            <a:avLst/>
-          </a:prstGeom>
-        </p:spPr>
-      </p:pic>
-      <p:sp>
-        <p:nvSpPr>
-          <p:cNvPr id="11" name="Rectangle 10">
-            <a:extLst>
-              <a:ext uri="{FF2B5EF4-FFF2-40B4-BE49-F238E27FC236}">
-                <a16:creationId xmlns:a16="http://schemas.microsoft.com/office/drawing/2014/main" id="{A4EA1D84-C358-45AC-B031-E4EAC77BACA6}"/>
+      <p:sp>
+        <p:nvSpPr>
+          <p:cNvPr id="14" name="Rectangle 13">
+            <a:extLst>
+              <a:ext uri="{FF2B5EF4-FFF2-40B4-BE49-F238E27FC236}">
+                <a16:creationId xmlns:a16="http://schemas.microsoft.com/office/drawing/2014/main" id="{1431676E-9783-4CE0-815C-CB5563CE2AEA}"/>
               </a:ext>
             </a:extLst>
           </p:cNvPr>
@@ -10062,8 +11907,8 @@
         </p:nvSpPr>
         <p:spPr>
           <a:xfrm>
-            <a:off x="0" y="7240438"/>
-            <a:ext cx="6096000" cy="553733"/>
+            <a:off x="-7182576" y="6858000"/>
+            <a:ext cx="13278576" cy="553733"/>
           </a:xfrm>
           <a:prstGeom prst="rect">
             <a:avLst/>
@@ -10094,12 +11939,154 @@
           </a:p>
         </p:txBody>
       </p:sp>
+      <p:sp>
+        <p:nvSpPr>
+          <p:cNvPr id="15" name="Rectangle 14">
+            <a:extLst>
+              <a:ext uri="{FF2B5EF4-FFF2-40B4-BE49-F238E27FC236}">
+                <a16:creationId xmlns:a16="http://schemas.microsoft.com/office/drawing/2014/main" id="{1E2311E6-9294-4B22-AACD-3D4D3B2B7DFF}"/>
+              </a:ext>
+            </a:extLst>
+          </p:cNvPr>
+          <p:cNvSpPr/>
+          <p:nvPr/>
+        </p:nvSpPr>
+        <p:spPr>
+          <a:xfrm>
+            <a:off x="2242276" y="-420914"/>
+            <a:ext cx="1168400" cy="420914"/>
+          </a:xfrm>
+          <a:prstGeom prst="rect">
+            <a:avLst/>
+          </a:prstGeom>
+          <a:noFill/>
+          <a:ln>
+            <a:noFill/>
+          </a:ln>
+        </p:spPr>
+        <p:style>
+          <a:lnRef idx="2">
+            <a:schemeClr val="accent1">
+              <a:shade val="50000"/>
+            </a:schemeClr>
+          </a:lnRef>
+          <a:fillRef idx="1">
+            <a:schemeClr val="accent1"/>
+          </a:fillRef>
+          <a:effectRef idx="0">
+            <a:schemeClr val="accent1"/>
+          </a:effectRef>
+          <a:fontRef idx="minor">
+            <a:schemeClr val="lt1"/>
+          </a:fontRef>
+        </p:style>
+        <p:txBody>
+          <a:bodyPr rtlCol="0" anchor="ctr"/>
+          <a:lstStyle/>
+          <a:p>
+            <a:pPr algn="ctr"/>
+            <a:endParaRPr lang="en-GB"/>
+          </a:p>
+        </p:txBody>
+      </p:sp>
+      <p:sp>
+        <p:nvSpPr>
+          <p:cNvPr id="16" name="Rectangle 15">
+            <a:extLst>
+              <a:ext uri="{FF2B5EF4-FFF2-40B4-BE49-F238E27FC236}">
+                <a16:creationId xmlns:a16="http://schemas.microsoft.com/office/drawing/2014/main" id="{3D94EBBA-710C-4EC0-AEB4-04E964C1DDB6}"/>
+              </a:ext>
+            </a:extLst>
+          </p:cNvPr>
+          <p:cNvSpPr/>
+          <p:nvPr/>
+        </p:nvSpPr>
+        <p:spPr>
+          <a:xfrm>
+            <a:off x="-7181850" y="-974647"/>
+            <a:ext cx="13278576" cy="553733"/>
+          </a:xfrm>
+          <a:prstGeom prst="rect">
+            <a:avLst/>
+          </a:prstGeom>
+        </p:spPr>
+        <p:style>
+          <a:lnRef idx="2">
+            <a:schemeClr val="accent1">
+              <a:shade val="50000"/>
+            </a:schemeClr>
+          </a:lnRef>
+          <a:fillRef idx="1">
+            <a:schemeClr val="accent1"/>
+          </a:fillRef>
+          <a:effectRef idx="0">
+            <a:schemeClr val="accent1"/>
+          </a:effectRef>
+          <a:fontRef idx="minor">
+            <a:schemeClr val="lt1"/>
+          </a:fontRef>
+        </p:style>
+        <p:txBody>
+          <a:bodyPr rtlCol="0" anchor="ctr"/>
+          <a:lstStyle/>
+          <a:p>
+            <a:pPr algn="ctr"/>
+            <a:endParaRPr lang="en-GB"/>
+          </a:p>
+        </p:txBody>
+      </p:sp>
+      <p:sp>
+        <p:nvSpPr>
+          <p:cNvPr id="17" name="Rectangle 16">
+            <a:extLst>
+              <a:ext uri="{FF2B5EF4-FFF2-40B4-BE49-F238E27FC236}">
+                <a16:creationId xmlns:a16="http://schemas.microsoft.com/office/drawing/2014/main" id="{428890E2-A711-47CD-AC26-5C1C6EE0AAE8}"/>
+              </a:ext>
+            </a:extLst>
+          </p:cNvPr>
+          <p:cNvSpPr/>
+          <p:nvPr/>
+        </p:nvSpPr>
+        <p:spPr>
+          <a:xfrm rot="5400000">
+            <a:off x="4476566" y="625727"/>
+            <a:ext cx="8991249" cy="5752381"/>
+          </a:xfrm>
+          <a:prstGeom prst="rect">
+            <a:avLst/>
+          </a:prstGeom>
+        </p:spPr>
+        <p:style>
+          <a:lnRef idx="2">
+            <a:schemeClr val="accent1">
+              <a:shade val="50000"/>
+            </a:schemeClr>
+          </a:lnRef>
+          <a:fillRef idx="1">
+            <a:schemeClr val="accent1"/>
+          </a:fillRef>
+          <a:effectRef idx="0">
+            <a:schemeClr val="accent1"/>
+          </a:effectRef>
+          <a:fontRef idx="minor">
+            <a:schemeClr val="lt1"/>
+          </a:fontRef>
+        </p:style>
+        <p:txBody>
+          <a:bodyPr rtlCol="0" anchor="ctr"/>
+          <a:lstStyle/>
+          <a:p>
+            <a:pPr algn="ctr"/>
+            <a:endParaRPr lang="en-GB"/>
+          </a:p>
+        </p:txBody>
+      </p:sp>
       <p:pic>
         <p:nvPicPr>
-          <p:cNvPr id="12" name="Graphic 11">
-            <a:extLst>
-              <a:ext uri="{FF2B5EF4-FFF2-40B4-BE49-F238E27FC236}">
-                <a16:creationId xmlns:a16="http://schemas.microsoft.com/office/drawing/2014/main" id="{998D43E8-75C2-4FBA-B666-9296DB32ACE1}"/>
+          <p:cNvPr id="19" name="Picture 18">
+            <a:extLst>
+              <a:ext uri="{FF2B5EF4-FFF2-40B4-BE49-F238E27FC236}">
+                <a16:creationId xmlns:a16="http://schemas.microsoft.com/office/drawing/2014/main" id="{8A955A98-C7E2-4CCF-883C-B7B31BAD2DC9}"/>
               </a:ext>
             </a:extLst>
           </p:cNvPr>
@@ -10109,10 +12096,10 @@
           <p:nvPr/>
         </p:nvPicPr>
         <p:blipFill>
-          <a:blip r:embed="rId2">
-            <a:extLst>
-              <a:ext uri="{96DAC541-7B7A-43D3-8B79-37D633B846F1}">
-                <asvg:svgBlip xmlns:asvg="http://schemas.microsoft.com/office/drawing/2016/SVG/main" r:embed="rId3"/>
+          <a:blip r:embed="rId6">
+            <a:extLst>
+              <a:ext uri="{28A0092B-C50C-407E-A947-70E740481C1C}">
+                <a14:useLocalDpi xmlns:a14="http://schemas.microsoft.com/office/drawing/2010/main" val="0"/>
               </a:ext>
             </a:extLst>
           </a:blip>
@@ -10122,8 +12109,8 @@
         </p:blipFill>
         <p:spPr>
           <a:xfrm>
-            <a:off x="401999" y="3001392"/>
-            <a:ext cx="1868354" cy="3497176"/>
+            <a:off x="4012067" y="312607"/>
+            <a:ext cx="1993437" cy="3011903"/>
           </a:xfrm>
           <a:prstGeom prst="rect">
             <a:avLst/>
@@ -10138,56 +12125,6 @@
           </a:effectLst>
         </p:spPr>
       </p:pic>
-      <p:sp>
-        <p:nvSpPr>
-          <p:cNvPr id="13" name="Rectangle 12">
-            <a:extLst>
-              <a:ext uri="{FF2B5EF4-FFF2-40B4-BE49-F238E27FC236}">
-                <a16:creationId xmlns:a16="http://schemas.microsoft.com/office/drawing/2014/main" id="{C1F1B196-5FD7-43CE-8C1F-F9396FEBE4D3}"/>
-              </a:ext>
-            </a:extLst>
-          </p:cNvPr>
-          <p:cNvSpPr/>
-          <p:nvPr/>
-        </p:nvSpPr>
-        <p:spPr>
-          <a:xfrm>
-            <a:off x="2301887" y="-420914"/>
-            <a:ext cx="1168400" cy="420914"/>
-          </a:xfrm>
-          <a:prstGeom prst="rect">
-            <a:avLst/>
-          </a:prstGeom>
-          <a:noFill/>
-          <a:ln>
-            <a:noFill/>
-          </a:ln>
-        </p:spPr>
-        <p:style>
-          <a:lnRef idx="2">
-            <a:schemeClr val="accent1">
-              <a:shade val="50000"/>
-            </a:schemeClr>
-          </a:lnRef>
-          <a:fillRef idx="1">
-            <a:schemeClr val="accent1"/>
-          </a:fillRef>
-          <a:effectRef idx="0">
-            <a:schemeClr val="accent1"/>
-          </a:effectRef>
-          <a:fontRef idx="minor">
-            <a:schemeClr val="lt1"/>
-          </a:fontRef>
-        </p:style>
-        <p:txBody>
-          <a:bodyPr rtlCol="0" anchor="ctr"/>
-          <a:lstStyle/>
-          <a:p>
-            <a:pPr algn="ctr"/>
-            <a:endParaRPr lang="en-GB"/>
-          </a:p>
-        </p:txBody>
-      </p:sp>
     </p:spTree>
     <p:extLst>
       <p:ext uri="{BB962C8B-B14F-4D97-AF65-F5344CB8AC3E}">
@@ -10387,13 +12324,13 @@
         </p:nvSpPr>
         <p:spPr>
           <a:xfrm>
-            <a:off x="448222" y="0"/>
+            <a:off x="1338205" y="49247"/>
             <a:ext cx="4539758" cy="1863012"/>
           </a:xfrm>
           <a:prstGeom prst="wedgeRoundRectCallout">
             <a:avLst>
-              <a:gd name="adj1" fmla="val -66393"/>
-              <a:gd name="adj2" fmla="val 150046"/>
+              <a:gd name="adj1" fmla="val -57761"/>
+              <a:gd name="adj2" fmla="val 76813"/>
               <a:gd name="adj3" fmla="val 16667"/>
             </a:avLst>
           </a:prstGeom>
@@ -10454,13 +12391,13 @@
         </p:nvSpPr>
         <p:spPr>
           <a:xfrm>
-            <a:off x="2249798" y="2511784"/>
+            <a:off x="1084590" y="2813429"/>
             <a:ext cx="9376145" cy="3354613"/>
           </a:xfrm>
           <a:prstGeom prst="wedgeRoundRectCallout">
             <a:avLst>
-              <a:gd name="adj1" fmla="val 59177"/>
-              <a:gd name="adj2" fmla="val 24650"/>
+              <a:gd name="adj1" fmla="val 56700"/>
+              <a:gd name="adj2" fmla="val 4747"/>
               <a:gd name="adj3" fmla="val 16667"/>
             </a:avLst>
           </a:prstGeom>
@@ -10535,7 +12472,7 @@
         </p:blipFill>
         <p:spPr>
           <a:xfrm>
-            <a:off x="-3164967" y="931506"/>
+            <a:off x="-2306409" y="1273401"/>
             <a:ext cx="2943285" cy="5509227"/>
           </a:xfrm>
           <a:prstGeom prst="rect">
@@ -10579,7 +12516,7 @@
         </p:blipFill>
         <p:spPr>
           <a:xfrm>
-            <a:off x="12192000" y="749745"/>
+            <a:off x="10908449" y="650603"/>
             <a:ext cx="3662865" cy="5534259"/>
           </a:xfrm>
           <a:prstGeom prst="rect">
@@ -10597,10 +12534,10 @@
       </p:pic>
       <p:sp>
         <p:nvSpPr>
-          <p:cNvPr id="13" name="Rectangle 12">
-            <a:extLst>
-              <a:ext uri="{FF2B5EF4-FFF2-40B4-BE49-F238E27FC236}">
-                <a16:creationId xmlns:a16="http://schemas.microsoft.com/office/drawing/2014/main" id="{39D93E76-514F-4ED3-99BF-20C9CF5A8D14}"/>
+          <p:cNvPr id="14" name="Rectangle 13">
+            <a:extLst>
+              <a:ext uri="{FF2B5EF4-FFF2-40B4-BE49-F238E27FC236}">
+                <a16:creationId xmlns:a16="http://schemas.microsoft.com/office/drawing/2014/main" id="{299F608C-9266-467F-BA75-621D30820637}"/>
               </a:ext>
             </a:extLst>
           </p:cNvPr>
@@ -10609,8 +12546,242 @@
         </p:nvSpPr>
         <p:spPr>
           <a:xfrm>
-            <a:off x="2154507" y="-627388"/>
-            <a:ext cx="1168400" cy="596900"/>
+            <a:off x="1905946" y="6870700"/>
+            <a:ext cx="1168400" cy="401854"/>
+          </a:xfrm>
+          <a:prstGeom prst="rect">
+            <a:avLst/>
+          </a:prstGeom>
+          <a:noFill/>
+          <a:ln>
+            <a:noFill/>
+          </a:ln>
+        </p:spPr>
+        <p:style>
+          <a:lnRef idx="2">
+            <a:schemeClr val="accent1">
+              <a:shade val="50000"/>
+            </a:schemeClr>
+          </a:lnRef>
+          <a:fillRef idx="1">
+            <a:schemeClr val="accent1"/>
+          </a:fillRef>
+          <a:effectRef idx="0">
+            <a:schemeClr val="accent1"/>
+          </a:effectRef>
+          <a:fontRef idx="minor">
+            <a:schemeClr val="lt1"/>
+          </a:fontRef>
+        </p:style>
+        <p:txBody>
+          <a:bodyPr rtlCol="0" anchor="ctr"/>
+          <a:lstStyle/>
+          <a:p>
+            <a:pPr algn="ctr"/>
+            <a:endParaRPr lang="en-GB"/>
+          </a:p>
+        </p:txBody>
+      </p:sp>
+      <p:sp>
+        <p:nvSpPr>
+          <p:cNvPr id="15" name="Rectangle 14">
+            <a:extLst>
+              <a:ext uri="{FF2B5EF4-FFF2-40B4-BE49-F238E27FC236}">
+                <a16:creationId xmlns:a16="http://schemas.microsoft.com/office/drawing/2014/main" id="{43C0F1D2-3E58-4EFF-AC03-DD609E016B01}"/>
+              </a:ext>
+            </a:extLst>
+          </p:cNvPr>
+          <p:cNvSpPr/>
+          <p:nvPr/>
+        </p:nvSpPr>
+        <p:spPr>
+          <a:xfrm>
+            <a:off x="-4629150" y="7281253"/>
+            <a:ext cx="23851326" cy="553733"/>
+          </a:xfrm>
+          <a:prstGeom prst="rect">
+            <a:avLst/>
+          </a:prstGeom>
+        </p:spPr>
+        <p:style>
+          <a:lnRef idx="2">
+            <a:schemeClr val="accent1">
+              <a:shade val="50000"/>
+            </a:schemeClr>
+          </a:lnRef>
+          <a:fillRef idx="1">
+            <a:schemeClr val="accent1"/>
+          </a:fillRef>
+          <a:effectRef idx="0">
+            <a:schemeClr val="accent1"/>
+          </a:effectRef>
+          <a:fontRef idx="minor">
+            <a:schemeClr val="lt1"/>
+          </a:fontRef>
+        </p:style>
+        <p:txBody>
+          <a:bodyPr rtlCol="0" anchor="ctr"/>
+          <a:lstStyle/>
+          <a:p>
+            <a:pPr algn="ctr"/>
+            <a:endParaRPr lang="en-GB"/>
+          </a:p>
+        </p:txBody>
+      </p:sp>
+      <p:sp>
+        <p:nvSpPr>
+          <p:cNvPr id="16" name="Rectangle 15">
+            <a:extLst>
+              <a:ext uri="{FF2B5EF4-FFF2-40B4-BE49-F238E27FC236}">
+                <a16:creationId xmlns:a16="http://schemas.microsoft.com/office/drawing/2014/main" id="{6BBE10A4-8EA3-4DB7-A205-1E66775BC229}"/>
+              </a:ext>
+            </a:extLst>
+          </p:cNvPr>
+          <p:cNvSpPr/>
+          <p:nvPr/>
+        </p:nvSpPr>
+        <p:spPr>
+          <a:xfrm>
+            <a:off x="-4629150" y="-974647"/>
+            <a:ext cx="23851326" cy="553733"/>
+          </a:xfrm>
+          <a:prstGeom prst="rect">
+            <a:avLst/>
+          </a:prstGeom>
+        </p:spPr>
+        <p:style>
+          <a:lnRef idx="2">
+            <a:schemeClr val="accent1">
+              <a:shade val="50000"/>
+            </a:schemeClr>
+          </a:lnRef>
+          <a:fillRef idx="1">
+            <a:schemeClr val="accent1"/>
+          </a:fillRef>
+          <a:effectRef idx="0">
+            <a:schemeClr val="accent1"/>
+          </a:effectRef>
+          <a:fontRef idx="minor">
+            <a:schemeClr val="lt1"/>
+          </a:fontRef>
+        </p:style>
+        <p:txBody>
+          <a:bodyPr rtlCol="0" anchor="ctr"/>
+          <a:lstStyle/>
+          <a:p>
+            <a:pPr algn="ctr"/>
+            <a:endParaRPr lang="en-GB"/>
+          </a:p>
+        </p:txBody>
+      </p:sp>
+      <p:sp>
+        <p:nvSpPr>
+          <p:cNvPr id="17" name="Rectangle 16">
+            <a:extLst>
+              <a:ext uri="{FF2B5EF4-FFF2-40B4-BE49-F238E27FC236}">
+                <a16:creationId xmlns:a16="http://schemas.microsoft.com/office/drawing/2014/main" id="{74B64C56-9218-4E1A-B06B-EB4D3C2E723A}"/>
+              </a:ext>
+            </a:extLst>
+          </p:cNvPr>
+          <p:cNvSpPr/>
+          <p:nvPr/>
+        </p:nvSpPr>
+        <p:spPr>
+          <a:xfrm rot="5400000">
+            <a:off x="15311917" y="-1664371"/>
+            <a:ext cx="8991249" cy="10332577"/>
+          </a:xfrm>
+          <a:prstGeom prst="rect">
+            <a:avLst/>
+          </a:prstGeom>
+        </p:spPr>
+        <p:style>
+          <a:lnRef idx="2">
+            <a:schemeClr val="accent1">
+              <a:shade val="50000"/>
+            </a:schemeClr>
+          </a:lnRef>
+          <a:fillRef idx="1">
+            <a:schemeClr val="accent1"/>
+          </a:fillRef>
+          <a:effectRef idx="0">
+            <a:schemeClr val="accent1"/>
+          </a:effectRef>
+          <a:fontRef idx="minor">
+            <a:schemeClr val="lt1"/>
+          </a:fontRef>
+        </p:style>
+        <p:txBody>
+          <a:bodyPr rtlCol="0" anchor="ctr"/>
+          <a:lstStyle/>
+          <a:p>
+            <a:pPr algn="ctr"/>
+            <a:endParaRPr lang="en-GB"/>
+          </a:p>
+        </p:txBody>
+      </p:sp>
+      <p:sp>
+        <p:nvSpPr>
+          <p:cNvPr id="18" name="Rectangle 17">
+            <a:extLst>
+              <a:ext uri="{FF2B5EF4-FFF2-40B4-BE49-F238E27FC236}">
+                <a16:creationId xmlns:a16="http://schemas.microsoft.com/office/drawing/2014/main" id="{CA143F06-7822-4F98-96EA-5B0F276C6B80}"/>
+              </a:ext>
+            </a:extLst>
+          </p:cNvPr>
+          <p:cNvSpPr/>
+          <p:nvPr/>
+        </p:nvSpPr>
+        <p:spPr>
+          <a:xfrm rot="5400000">
+            <a:off x="-10169425" y="382456"/>
+            <a:ext cx="8991249" cy="6294441"/>
+          </a:xfrm>
+          <a:prstGeom prst="rect">
+            <a:avLst/>
+          </a:prstGeom>
+        </p:spPr>
+        <p:style>
+          <a:lnRef idx="2">
+            <a:schemeClr val="accent1">
+              <a:shade val="50000"/>
+            </a:schemeClr>
+          </a:lnRef>
+          <a:fillRef idx="1">
+            <a:schemeClr val="accent1"/>
+          </a:fillRef>
+          <a:effectRef idx="0">
+            <a:schemeClr val="accent1"/>
+          </a:effectRef>
+          <a:fontRef idx="minor">
+            <a:schemeClr val="lt1"/>
+          </a:fontRef>
+        </p:style>
+        <p:txBody>
+          <a:bodyPr rtlCol="0" anchor="ctr"/>
+          <a:lstStyle/>
+          <a:p>
+            <a:pPr algn="ctr"/>
+            <a:endParaRPr lang="en-GB"/>
+          </a:p>
+        </p:txBody>
+      </p:sp>
+      <p:sp>
+        <p:nvSpPr>
+          <p:cNvPr id="19" name="Rectangle 18">
+            <a:extLst>
+              <a:ext uri="{FF2B5EF4-FFF2-40B4-BE49-F238E27FC236}">
+                <a16:creationId xmlns:a16="http://schemas.microsoft.com/office/drawing/2014/main" id="{AD5107C1-C04A-42AC-81CF-F329A27D89F5}"/>
+              </a:ext>
+            </a:extLst>
+          </p:cNvPr>
+          <p:cNvSpPr/>
+          <p:nvPr/>
+        </p:nvSpPr>
+        <p:spPr>
+          <a:xfrm>
+            <a:off x="2454287" y="-249454"/>
+            <a:ext cx="1168400" cy="401854"/>
           </a:xfrm>
           <a:prstGeom prst="rect">
             <a:avLst/>
@@ -11044,7 +13215,7 @@
         </p:blipFill>
         <p:spPr>
           <a:xfrm flipH="1">
-            <a:off x="4212275" y="3182640"/>
+            <a:off x="4201355" y="3429000"/>
             <a:ext cx="1883725" cy="3429000"/>
           </a:xfrm>
           <a:prstGeom prst="rect">
@@ -11088,7 +13259,7 @@
         </p:blipFill>
         <p:spPr>
           <a:xfrm flipH="1">
-            <a:off x="146776" y="0"/>
+            <a:off x="73949" y="0"/>
             <a:ext cx="2132290" cy="3429001"/>
           </a:xfrm>
           <a:prstGeom prst="rect">
@@ -11106,10 +13277,10 @@
       </p:pic>
       <p:sp>
         <p:nvSpPr>
-          <p:cNvPr id="11" name="Rectangle 10">
-            <a:extLst>
-              <a:ext uri="{FF2B5EF4-FFF2-40B4-BE49-F238E27FC236}">
-                <a16:creationId xmlns:a16="http://schemas.microsoft.com/office/drawing/2014/main" id="{F27AA803-3265-47A1-99B0-1753FE06A702}"/>
+          <p:cNvPr id="22" name="Rectangle 21">
+            <a:extLst>
+              <a:ext uri="{FF2B5EF4-FFF2-40B4-BE49-F238E27FC236}">
+                <a16:creationId xmlns:a16="http://schemas.microsoft.com/office/drawing/2014/main" id="{EF11AA8F-D448-48D7-AE1F-963A33A35B55}"/>
               </a:ext>
             </a:extLst>
           </p:cNvPr>
@@ -11118,7 +13289,53 @@
         </p:nvSpPr>
         <p:spPr>
           <a:xfrm>
-            <a:off x="2301887" y="-420914"/>
+            <a:off x="-7182576" y="6858000"/>
+            <a:ext cx="13278576" cy="553733"/>
+          </a:xfrm>
+          <a:prstGeom prst="rect">
+            <a:avLst/>
+          </a:prstGeom>
+        </p:spPr>
+        <p:style>
+          <a:lnRef idx="2">
+            <a:schemeClr val="accent1">
+              <a:shade val="50000"/>
+            </a:schemeClr>
+          </a:lnRef>
+          <a:fillRef idx="1">
+            <a:schemeClr val="accent1"/>
+          </a:fillRef>
+          <a:effectRef idx="0">
+            <a:schemeClr val="accent1"/>
+          </a:effectRef>
+          <a:fontRef idx="minor">
+            <a:schemeClr val="lt1"/>
+          </a:fontRef>
+        </p:style>
+        <p:txBody>
+          <a:bodyPr rtlCol="0" anchor="ctr"/>
+          <a:lstStyle/>
+          <a:p>
+            <a:pPr algn="ctr"/>
+            <a:endParaRPr lang="en-GB"/>
+          </a:p>
+        </p:txBody>
+      </p:sp>
+      <p:sp>
+        <p:nvSpPr>
+          <p:cNvPr id="23" name="Rectangle 22">
+            <a:extLst>
+              <a:ext uri="{FF2B5EF4-FFF2-40B4-BE49-F238E27FC236}">
+                <a16:creationId xmlns:a16="http://schemas.microsoft.com/office/drawing/2014/main" id="{7FF1618C-07B3-46EF-BD9D-85FFCFBE522B}"/>
+              </a:ext>
+            </a:extLst>
+          </p:cNvPr>
+          <p:cNvSpPr/>
+          <p:nvPr/>
+        </p:nvSpPr>
+        <p:spPr>
+          <a:xfrm>
+            <a:off x="2242276" y="-420914"/>
             <a:ext cx="1168400" cy="420914"/>
           </a:xfrm>
           <a:prstGeom prst="rect">
@@ -11128,6 +13345,98 @@
           <a:ln>
             <a:noFill/>
           </a:ln>
+        </p:spPr>
+        <p:style>
+          <a:lnRef idx="2">
+            <a:schemeClr val="accent1">
+              <a:shade val="50000"/>
+            </a:schemeClr>
+          </a:lnRef>
+          <a:fillRef idx="1">
+            <a:schemeClr val="accent1"/>
+          </a:fillRef>
+          <a:effectRef idx="0">
+            <a:schemeClr val="accent1"/>
+          </a:effectRef>
+          <a:fontRef idx="minor">
+            <a:schemeClr val="lt1"/>
+          </a:fontRef>
+        </p:style>
+        <p:txBody>
+          <a:bodyPr rtlCol="0" anchor="ctr"/>
+          <a:lstStyle/>
+          <a:p>
+            <a:pPr algn="ctr"/>
+            <a:endParaRPr lang="en-GB"/>
+          </a:p>
+        </p:txBody>
+      </p:sp>
+      <p:sp>
+        <p:nvSpPr>
+          <p:cNvPr id="24" name="Rectangle 23">
+            <a:extLst>
+              <a:ext uri="{FF2B5EF4-FFF2-40B4-BE49-F238E27FC236}">
+                <a16:creationId xmlns:a16="http://schemas.microsoft.com/office/drawing/2014/main" id="{AF6BB7C3-0E50-4E3E-959B-5896EE919A14}"/>
+              </a:ext>
+            </a:extLst>
+          </p:cNvPr>
+          <p:cNvSpPr/>
+          <p:nvPr/>
+        </p:nvSpPr>
+        <p:spPr>
+          <a:xfrm>
+            <a:off x="-7181850" y="-974647"/>
+            <a:ext cx="13278576" cy="553733"/>
+          </a:xfrm>
+          <a:prstGeom prst="rect">
+            <a:avLst/>
+          </a:prstGeom>
+        </p:spPr>
+        <p:style>
+          <a:lnRef idx="2">
+            <a:schemeClr val="accent1">
+              <a:shade val="50000"/>
+            </a:schemeClr>
+          </a:lnRef>
+          <a:fillRef idx="1">
+            <a:schemeClr val="accent1"/>
+          </a:fillRef>
+          <a:effectRef idx="0">
+            <a:schemeClr val="accent1"/>
+          </a:effectRef>
+          <a:fontRef idx="minor">
+            <a:schemeClr val="lt1"/>
+          </a:fontRef>
+        </p:style>
+        <p:txBody>
+          <a:bodyPr rtlCol="0" anchor="ctr"/>
+          <a:lstStyle/>
+          <a:p>
+            <a:pPr algn="ctr"/>
+            <a:endParaRPr lang="en-GB"/>
+          </a:p>
+        </p:txBody>
+      </p:sp>
+      <p:sp>
+        <p:nvSpPr>
+          <p:cNvPr id="25" name="Rectangle 24">
+            <a:extLst>
+              <a:ext uri="{FF2B5EF4-FFF2-40B4-BE49-F238E27FC236}">
+                <a16:creationId xmlns:a16="http://schemas.microsoft.com/office/drawing/2014/main" id="{CA9035C9-F096-4988-BCCB-D4BAB331A796}"/>
+              </a:ext>
+            </a:extLst>
+          </p:cNvPr>
+          <p:cNvSpPr/>
+          <p:nvPr/>
+        </p:nvSpPr>
+        <p:spPr>
+          <a:xfrm rot="5400000">
+            <a:off x="4476566" y="625727"/>
+            <a:ext cx="8991249" cy="5752381"/>
+          </a:xfrm>
+          <a:prstGeom prst="rect">
+            <a:avLst/>
+          </a:prstGeom>
         </p:spPr>
         <p:style>
           <a:lnRef idx="2">
@@ -11318,7 +13627,14 @@
                 <a:latin typeface="MS Gothic" panose="020B0609070205080204" pitchFamily="49" charset="-128"/>
                 <a:ea typeface="MS Gothic" panose="020B0609070205080204" pitchFamily="49" charset="-128"/>
               </a:rPr>
-              <a:t>そうそう、値段も安いし、。。。</a:t>
+              <a:t>そうそう、値段も安いし、</a:t>
+            </a:r>
+            <a:r>
+              <a:rPr lang="en-GB" altLang="ja-JP" sz="3200" dirty="0">
+                <a:latin typeface="MS Gothic" panose="020B0609070205080204" pitchFamily="49" charset="-128"/>
+                <a:ea typeface="MS Gothic" panose="020B0609070205080204" pitchFamily="49" charset="-128"/>
+              </a:rPr>
+              <a:t>…</a:t>
             </a:r>
             <a:endParaRPr lang="en-GB" sz="3200" dirty="0">
               <a:latin typeface="MS Gothic" panose="020B0609070205080204" pitchFamily="49" charset="-128"/>
@@ -11633,10 +13949,10 @@
       </p:pic>
       <p:sp>
         <p:nvSpPr>
-          <p:cNvPr id="12" name="Rectangle 11">
-            <a:extLst>
-              <a:ext uri="{FF2B5EF4-FFF2-40B4-BE49-F238E27FC236}">
-                <a16:creationId xmlns:a16="http://schemas.microsoft.com/office/drawing/2014/main" id="{1560AEC5-1F0E-41F1-BC64-A38CF8EDD14A}"/>
+          <p:cNvPr id="13" name="Rectangle 12">
+            <a:extLst>
+              <a:ext uri="{FF2B5EF4-FFF2-40B4-BE49-F238E27FC236}">
+                <a16:creationId xmlns:a16="http://schemas.microsoft.com/office/drawing/2014/main" id="{0AF9AAD9-3E14-4B36-82BC-118380A538B9}"/>
               </a:ext>
             </a:extLst>
           </p:cNvPr>
@@ -11645,7 +13961,53 @@
         </p:nvSpPr>
         <p:spPr>
           <a:xfrm>
-            <a:off x="2301887" y="-420914"/>
+            <a:off x="-7182576" y="6858000"/>
+            <a:ext cx="13278576" cy="553733"/>
+          </a:xfrm>
+          <a:prstGeom prst="rect">
+            <a:avLst/>
+          </a:prstGeom>
+        </p:spPr>
+        <p:style>
+          <a:lnRef idx="2">
+            <a:schemeClr val="accent1">
+              <a:shade val="50000"/>
+            </a:schemeClr>
+          </a:lnRef>
+          <a:fillRef idx="1">
+            <a:schemeClr val="accent1"/>
+          </a:fillRef>
+          <a:effectRef idx="0">
+            <a:schemeClr val="accent1"/>
+          </a:effectRef>
+          <a:fontRef idx="minor">
+            <a:schemeClr val="lt1"/>
+          </a:fontRef>
+        </p:style>
+        <p:txBody>
+          <a:bodyPr rtlCol="0" anchor="ctr"/>
+          <a:lstStyle/>
+          <a:p>
+            <a:pPr algn="ctr"/>
+            <a:endParaRPr lang="en-GB"/>
+          </a:p>
+        </p:txBody>
+      </p:sp>
+      <p:sp>
+        <p:nvSpPr>
+          <p:cNvPr id="14" name="Rectangle 13">
+            <a:extLst>
+              <a:ext uri="{FF2B5EF4-FFF2-40B4-BE49-F238E27FC236}">
+                <a16:creationId xmlns:a16="http://schemas.microsoft.com/office/drawing/2014/main" id="{CE80D758-B1EF-464E-AC41-9EC4585BAECF}"/>
+              </a:ext>
+            </a:extLst>
+          </p:cNvPr>
+          <p:cNvSpPr/>
+          <p:nvPr/>
+        </p:nvSpPr>
+        <p:spPr>
+          <a:xfrm>
+            <a:off x="2242276" y="-420914"/>
             <a:ext cx="1168400" cy="420914"/>
           </a:xfrm>
           <a:prstGeom prst="rect">
@@ -11655,6 +14017,98 @@
           <a:ln>
             <a:noFill/>
           </a:ln>
+        </p:spPr>
+        <p:style>
+          <a:lnRef idx="2">
+            <a:schemeClr val="accent1">
+              <a:shade val="50000"/>
+            </a:schemeClr>
+          </a:lnRef>
+          <a:fillRef idx="1">
+            <a:schemeClr val="accent1"/>
+          </a:fillRef>
+          <a:effectRef idx="0">
+            <a:schemeClr val="accent1"/>
+          </a:effectRef>
+          <a:fontRef idx="minor">
+            <a:schemeClr val="lt1"/>
+          </a:fontRef>
+        </p:style>
+        <p:txBody>
+          <a:bodyPr rtlCol="0" anchor="ctr"/>
+          <a:lstStyle/>
+          <a:p>
+            <a:pPr algn="ctr"/>
+            <a:endParaRPr lang="en-GB"/>
+          </a:p>
+        </p:txBody>
+      </p:sp>
+      <p:sp>
+        <p:nvSpPr>
+          <p:cNvPr id="15" name="Rectangle 14">
+            <a:extLst>
+              <a:ext uri="{FF2B5EF4-FFF2-40B4-BE49-F238E27FC236}">
+                <a16:creationId xmlns:a16="http://schemas.microsoft.com/office/drawing/2014/main" id="{057E9CD3-A004-4138-BE9B-1A3CBC108E42}"/>
+              </a:ext>
+            </a:extLst>
+          </p:cNvPr>
+          <p:cNvSpPr/>
+          <p:nvPr/>
+        </p:nvSpPr>
+        <p:spPr>
+          <a:xfrm>
+            <a:off x="-7181850" y="-974647"/>
+            <a:ext cx="13278576" cy="553733"/>
+          </a:xfrm>
+          <a:prstGeom prst="rect">
+            <a:avLst/>
+          </a:prstGeom>
+        </p:spPr>
+        <p:style>
+          <a:lnRef idx="2">
+            <a:schemeClr val="accent1">
+              <a:shade val="50000"/>
+            </a:schemeClr>
+          </a:lnRef>
+          <a:fillRef idx="1">
+            <a:schemeClr val="accent1"/>
+          </a:fillRef>
+          <a:effectRef idx="0">
+            <a:schemeClr val="accent1"/>
+          </a:effectRef>
+          <a:fontRef idx="minor">
+            <a:schemeClr val="lt1"/>
+          </a:fontRef>
+        </p:style>
+        <p:txBody>
+          <a:bodyPr rtlCol="0" anchor="ctr"/>
+          <a:lstStyle/>
+          <a:p>
+            <a:pPr algn="ctr"/>
+            <a:endParaRPr lang="en-GB"/>
+          </a:p>
+        </p:txBody>
+      </p:sp>
+      <p:sp>
+        <p:nvSpPr>
+          <p:cNvPr id="16" name="Rectangle 15">
+            <a:extLst>
+              <a:ext uri="{FF2B5EF4-FFF2-40B4-BE49-F238E27FC236}">
+                <a16:creationId xmlns:a16="http://schemas.microsoft.com/office/drawing/2014/main" id="{92A6E0C9-C9E8-4EE9-8658-672B8993DD0C}"/>
+              </a:ext>
+            </a:extLst>
+          </p:cNvPr>
+          <p:cNvSpPr/>
+          <p:nvPr/>
+        </p:nvSpPr>
+        <p:spPr>
+          <a:xfrm rot="5400000">
+            <a:off x="4476566" y="625727"/>
+            <a:ext cx="8991249" cy="5752381"/>
+          </a:xfrm>
+          <a:prstGeom prst="rect">
+            <a:avLst/>
+          </a:prstGeom>
         </p:spPr>
         <p:style>
           <a:lnRef idx="2">
@@ -12080,7 +14534,7 @@
         </p:blipFill>
         <p:spPr>
           <a:xfrm flipH="1">
-            <a:off x="3933491" y="2880947"/>
+            <a:off x="3882979" y="2969624"/>
             <a:ext cx="2133600" cy="3883855"/>
           </a:xfrm>
           <a:prstGeom prst="rect">
@@ -12142,10 +14596,10 @@
       </p:pic>
       <p:sp>
         <p:nvSpPr>
-          <p:cNvPr id="14" name="Rectangle 13">
-            <a:extLst>
-              <a:ext uri="{FF2B5EF4-FFF2-40B4-BE49-F238E27FC236}">
-                <a16:creationId xmlns:a16="http://schemas.microsoft.com/office/drawing/2014/main" id="{000D6F35-0ECC-4AD0-8641-00FA625371F2}"/>
+          <p:cNvPr id="15" name="Rectangle 14">
+            <a:extLst>
+              <a:ext uri="{FF2B5EF4-FFF2-40B4-BE49-F238E27FC236}">
+                <a16:creationId xmlns:a16="http://schemas.microsoft.com/office/drawing/2014/main" id="{09F0801B-3836-4BF6-9902-5B37E34AB04B}"/>
               </a:ext>
             </a:extLst>
           </p:cNvPr>
@@ -12154,7 +14608,53 @@
         </p:nvSpPr>
         <p:spPr>
           <a:xfrm>
-            <a:off x="2301887" y="-420914"/>
+            <a:off x="-7182576" y="6858000"/>
+            <a:ext cx="13278576" cy="553733"/>
+          </a:xfrm>
+          <a:prstGeom prst="rect">
+            <a:avLst/>
+          </a:prstGeom>
+        </p:spPr>
+        <p:style>
+          <a:lnRef idx="2">
+            <a:schemeClr val="accent1">
+              <a:shade val="50000"/>
+            </a:schemeClr>
+          </a:lnRef>
+          <a:fillRef idx="1">
+            <a:schemeClr val="accent1"/>
+          </a:fillRef>
+          <a:effectRef idx="0">
+            <a:schemeClr val="accent1"/>
+          </a:effectRef>
+          <a:fontRef idx="minor">
+            <a:schemeClr val="lt1"/>
+          </a:fontRef>
+        </p:style>
+        <p:txBody>
+          <a:bodyPr rtlCol="0" anchor="ctr"/>
+          <a:lstStyle/>
+          <a:p>
+            <a:pPr algn="ctr"/>
+            <a:endParaRPr lang="en-GB"/>
+          </a:p>
+        </p:txBody>
+      </p:sp>
+      <p:sp>
+        <p:nvSpPr>
+          <p:cNvPr id="16" name="Rectangle 15">
+            <a:extLst>
+              <a:ext uri="{FF2B5EF4-FFF2-40B4-BE49-F238E27FC236}">
+                <a16:creationId xmlns:a16="http://schemas.microsoft.com/office/drawing/2014/main" id="{FC769ADA-6369-41CC-82E2-F9346AAB4425}"/>
+              </a:ext>
+            </a:extLst>
+          </p:cNvPr>
+          <p:cNvSpPr/>
+          <p:nvPr/>
+        </p:nvSpPr>
+        <p:spPr>
+          <a:xfrm>
+            <a:off x="2242276" y="-420914"/>
             <a:ext cx="1168400" cy="420914"/>
           </a:xfrm>
           <a:prstGeom prst="rect">
@@ -12164,6 +14664,98 @@
           <a:ln>
             <a:noFill/>
           </a:ln>
+        </p:spPr>
+        <p:style>
+          <a:lnRef idx="2">
+            <a:schemeClr val="accent1">
+              <a:shade val="50000"/>
+            </a:schemeClr>
+          </a:lnRef>
+          <a:fillRef idx="1">
+            <a:schemeClr val="accent1"/>
+          </a:fillRef>
+          <a:effectRef idx="0">
+            <a:schemeClr val="accent1"/>
+          </a:effectRef>
+          <a:fontRef idx="minor">
+            <a:schemeClr val="lt1"/>
+          </a:fontRef>
+        </p:style>
+        <p:txBody>
+          <a:bodyPr rtlCol="0" anchor="ctr"/>
+          <a:lstStyle/>
+          <a:p>
+            <a:pPr algn="ctr"/>
+            <a:endParaRPr lang="en-GB"/>
+          </a:p>
+        </p:txBody>
+      </p:sp>
+      <p:sp>
+        <p:nvSpPr>
+          <p:cNvPr id="17" name="Rectangle 16">
+            <a:extLst>
+              <a:ext uri="{FF2B5EF4-FFF2-40B4-BE49-F238E27FC236}">
+                <a16:creationId xmlns:a16="http://schemas.microsoft.com/office/drawing/2014/main" id="{B851D0F4-7EE9-41AC-8C29-F1052A285557}"/>
+              </a:ext>
+            </a:extLst>
+          </p:cNvPr>
+          <p:cNvSpPr/>
+          <p:nvPr/>
+        </p:nvSpPr>
+        <p:spPr>
+          <a:xfrm>
+            <a:off x="-7181850" y="-974647"/>
+            <a:ext cx="13278576" cy="553733"/>
+          </a:xfrm>
+          <a:prstGeom prst="rect">
+            <a:avLst/>
+          </a:prstGeom>
+        </p:spPr>
+        <p:style>
+          <a:lnRef idx="2">
+            <a:schemeClr val="accent1">
+              <a:shade val="50000"/>
+            </a:schemeClr>
+          </a:lnRef>
+          <a:fillRef idx="1">
+            <a:schemeClr val="accent1"/>
+          </a:fillRef>
+          <a:effectRef idx="0">
+            <a:schemeClr val="accent1"/>
+          </a:effectRef>
+          <a:fontRef idx="minor">
+            <a:schemeClr val="lt1"/>
+          </a:fontRef>
+        </p:style>
+        <p:txBody>
+          <a:bodyPr rtlCol="0" anchor="ctr"/>
+          <a:lstStyle/>
+          <a:p>
+            <a:pPr algn="ctr"/>
+            <a:endParaRPr lang="en-GB"/>
+          </a:p>
+        </p:txBody>
+      </p:sp>
+      <p:sp>
+        <p:nvSpPr>
+          <p:cNvPr id="19" name="Rectangle 18">
+            <a:extLst>
+              <a:ext uri="{FF2B5EF4-FFF2-40B4-BE49-F238E27FC236}">
+                <a16:creationId xmlns:a16="http://schemas.microsoft.com/office/drawing/2014/main" id="{D32F5C4C-75F4-49B7-ACA4-D8F06EBE8411}"/>
+              </a:ext>
+            </a:extLst>
+          </p:cNvPr>
+          <p:cNvSpPr/>
+          <p:nvPr/>
+        </p:nvSpPr>
+        <p:spPr>
+          <a:xfrm rot="5400000">
+            <a:off x="4476566" y="625727"/>
+            <a:ext cx="8991249" cy="5752381"/>
+          </a:xfrm>
+          <a:prstGeom prst="rect">
+            <a:avLst/>
+          </a:prstGeom>
         </p:spPr>
         <p:style>
           <a:lnRef idx="2">
@@ -12248,7 +14840,7 @@
         </p:blipFill>
         <p:spPr>
           <a:xfrm>
-            <a:off x="-1659207" y="1433927"/>
+            <a:off x="-2454558" y="1433926"/>
             <a:ext cx="2713307" cy="5078753"/>
           </a:xfrm>
           <a:prstGeom prst="rect">
@@ -12292,7 +14884,7 @@
         </p:blipFill>
         <p:spPr>
           <a:xfrm>
-            <a:off x="8624875" y="-3713508"/>
+            <a:off x="9368440" y="-5182547"/>
             <a:ext cx="1685925" cy="3152775"/>
           </a:xfrm>
           <a:prstGeom prst="rect">
@@ -12328,7 +14920,7 @@
         </p:blipFill>
         <p:spPr>
           <a:xfrm>
-            <a:off x="4479043" y="-3799325"/>
+            <a:off x="4504443" y="-5665160"/>
             <a:ext cx="2170687" cy="3011902"/>
           </a:xfrm>
           <a:prstGeom prst="rect">
@@ -12365,7 +14957,7 @@
         </p:blipFill>
         <p:spPr bwMode="auto">
           <a:xfrm>
-            <a:off x="876312" y="-4007019"/>
+            <a:off x="806245" y="-5860706"/>
             <a:ext cx="2009775" cy="3038475"/>
           </a:xfrm>
           <a:prstGeom prst="rect">
@@ -12411,7 +15003,7 @@
         </p:blipFill>
         <p:spPr>
           <a:xfrm>
-            <a:off x="7191669" y="-3745575"/>
+            <a:off x="7466852" y="-6634748"/>
             <a:ext cx="1551667" cy="2904402"/>
           </a:xfrm>
           <a:prstGeom prst="rect">
@@ -12591,7 +15183,7 @@
         </p:blipFill>
         <p:spPr>
           <a:xfrm>
-            <a:off x="10736942" y="634211"/>
+            <a:off x="11027196" y="1081997"/>
             <a:ext cx="3614057" cy="5404358"/>
           </a:xfrm>
           <a:prstGeom prst="rect">
@@ -12621,8 +15213,292 @@
         </p:nvSpPr>
         <p:spPr>
           <a:xfrm>
-            <a:off x="2301887" y="-596900"/>
-            <a:ext cx="1168400" cy="596900"/>
+            <a:off x="1905946" y="6870700"/>
+            <a:ext cx="1168400" cy="401854"/>
+          </a:xfrm>
+          <a:prstGeom prst="rect">
+            <a:avLst/>
+          </a:prstGeom>
+          <a:noFill/>
+          <a:ln>
+            <a:noFill/>
+          </a:ln>
+        </p:spPr>
+        <p:style>
+          <a:lnRef idx="2">
+            <a:schemeClr val="accent1">
+              <a:shade val="50000"/>
+            </a:schemeClr>
+          </a:lnRef>
+          <a:fillRef idx="1">
+            <a:schemeClr val="accent1"/>
+          </a:fillRef>
+          <a:effectRef idx="0">
+            <a:schemeClr val="accent1"/>
+          </a:effectRef>
+          <a:fontRef idx="minor">
+            <a:schemeClr val="lt1"/>
+          </a:fontRef>
+        </p:style>
+        <p:txBody>
+          <a:bodyPr rtlCol="0" anchor="ctr"/>
+          <a:lstStyle/>
+          <a:p>
+            <a:pPr algn="ctr"/>
+            <a:endParaRPr lang="en-GB"/>
+          </a:p>
+        </p:txBody>
+      </p:sp>
+      <p:sp>
+        <p:nvSpPr>
+          <p:cNvPr id="12" name="Rectangle 11">
+            <a:extLst>
+              <a:ext uri="{FF2B5EF4-FFF2-40B4-BE49-F238E27FC236}">
+                <a16:creationId xmlns:a16="http://schemas.microsoft.com/office/drawing/2014/main" id="{40F59F07-339C-4FA6-B640-8CC967D24CA5}"/>
+              </a:ext>
+            </a:extLst>
+          </p:cNvPr>
+          <p:cNvSpPr/>
+          <p:nvPr/>
+        </p:nvSpPr>
+        <p:spPr>
+          <a:xfrm>
+            <a:off x="-4629150" y="7281253"/>
+            <a:ext cx="23851326" cy="553733"/>
+          </a:xfrm>
+          <a:prstGeom prst="rect">
+            <a:avLst/>
+          </a:prstGeom>
+        </p:spPr>
+        <p:style>
+          <a:lnRef idx="2">
+            <a:schemeClr val="accent1">
+              <a:shade val="50000"/>
+            </a:schemeClr>
+          </a:lnRef>
+          <a:fillRef idx="1">
+            <a:schemeClr val="accent1"/>
+          </a:fillRef>
+          <a:effectRef idx="0">
+            <a:schemeClr val="accent1"/>
+          </a:effectRef>
+          <a:fontRef idx="minor">
+            <a:schemeClr val="lt1"/>
+          </a:fontRef>
+        </p:style>
+        <p:txBody>
+          <a:bodyPr rtlCol="0" anchor="ctr"/>
+          <a:lstStyle/>
+          <a:p>
+            <a:pPr algn="ctr"/>
+            <a:endParaRPr lang="en-GB"/>
+          </a:p>
+        </p:txBody>
+      </p:sp>
+      <p:sp>
+        <p:nvSpPr>
+          <p:cNvPr id="13" name="Rectangle 12">
+            <a:extLst>
+              <a:ext uri="{FF2B5EF4-FFF2-40B4-BE49-F238E27FC236}">
+                <a16:creationId xmlns:a16="http://schemas.microsoft.com/office/drawing/2014/main" id="{24D12A5B-E49C-46AE-B9F2-E55A6F84D0DF}"/>
+              </a:ext>
+            </a:extLst>
+          </p:cNvPr>
+          <p:cNvSpPr/>
+          <p:nvPr/>
+        </p:nvSpPr>
+        <p:spPr>
+          <a:xfrm>
+            <a:off x="14437415" y="-420914"/>
+            <a:ext cx="2098711" cy="420914"/>
+          </a:xfrm>
+          <a:prstGeom prst="rect">
+            <a:avLst/>
+          </a:prstGeom>
+          <a:noFill/>
+          <a:ln>
+            <a:noFill/>
+          </a:ln>
+        </p:spPr>
+        <p:style>
+          <a:lnRef idx="2">
+            <a:schemeClr val="accent1">
+              <a:shade val="50000"/>
+            </a:schemeClr>
+          </a:lnRef>
+          <a:fillRef idx="1">
+            <a:schemeClr val="accent1"/>
+          </a:fillRef>
+          <a:effectRef idx="0">
+            <a:schemeClr val="accent1"/>
+          </a:effectRef>
+          <a:fontRef idx="minor">
+            <a:schemeClr val="lt1"/>
+          </a:fontRef>
+        </p:style>
+        <p:txBody>
+          <a:bodyPr rtlCol="0" anchor="ctr"/>
+          <a:lstStyle/>
+          <a:p>
+            <a:pPr algn="ctr"/>
+            <a:endParaRPr lang="en-GB"/>
+          </a:p>
+        </p:txBody>
+      </p:sp>
+      <p:sp>
+        <p:nvSpPr>
+          <p:cNvPr id="14" name="Rectangle 13">
+            <a:extLst>
+              <a:ext uri="{FF2B5EF4-FFF2-40B4-BE49-F238E27FC236}">
+                <a16:creationId xmlns:a16="http://schemas.microsoft.com/office/drawing/2014/main" id="{00D02BAA-22C4-4684-BAD5-84DB42C11170}"/>
+              </a:ext>
+            </a:extLst>
+          </p:cNvPr>
+          <p:cNvSpPr/>
+          <p:nvPr/>
+        </p:nvSpPr>
+        <p:spPr>
+          <a:xfrm>
+            <a:off x="-4629150" y="-974647"/>
+            <a:ext cx="23851326" cy="553733"/>
+          </a:xfrm>
+          <a:prstGeom prst="rect">
+            <a:avLst/>
+          </a:prstGeom>
+        </p:spPr>
+        <p:style>
+          <a:lnRef idx="2">
+            <a:schemeClr val="accent1">
+              <a:shade val="50000"/>
+            </a:schemeClr>
+          </a:lnRef>
+          <a:fillRef idx="1">
+            <a:schemeClr val="accent1"/>
+          </a:fillRef>
+          <a:effectRef idx="0">
+            <a:schemeClr val="accent1"/>
+          </a:effectRef>
+          <a:fontRef idx="minor">
+            <a:schemeClr val="lt1"/>
+          </a:fontRef>
+        </p:style>
+        <p:txBody>
+          <a:bodyPr rtlCol="0" anchor="ctr"/>
+          <a:lstStyle/>
+          <a:p>
+            <a:pPr algn="ctr"/>
+            <a:endParaRPr lang="en-GB"/>
+          </a:p>
+        </p:txBody>
+      </p:sp>
+      <p:sp>
+        <p:nvSpPr>
+          <p:cNvPr id="15" name="Rectangle 14">
+            <a:extLst>
+              <a:ext uri="{FF2B5EF4-FFF2-40B4-BE49-F238E27FC236}">
+                <a16:creationId xmlns:a16="http://schemas.microsoft.com/office/drawing/2014/main" id="{4647D28E-B382-406C-90EE-11BB772F0AFE}"/>
+              </a:ext>
+            </a:extLst>
+          </p:cNvPr>
+          <p:cNvSpPr/>
+          <p:nvPr/>
+        </p:nvSpPr>
+        <p:spPr>
+          <a:xfrm rot="5400000">
+            <a:off x="15311917" y="-1664371"/>
+            <a:ext cx="8991249" cy="10332577"/>
+          </a:xfrm>
+          <a:prstGeom prst="rect">
+            <a:avLst/>
+          </a:prstGeom>
+        </p:spPr>
+        <p:style>
+          <a:lnRef idx="2">
+            <a:schemeClr val="accent1">
+              <a:shade val="50000"/>
+            </a:schemeClr>
+          </a:lnRef>
+          <a:fillRef idx="1">
+            <a:schemeClr val="accent1"/>
+          </a:fillRef>
+          <a:effectRef idx="0">
+            <a:schemeClr val="accent1"/>
+          </a:effectRef>
+          <a:fontRef idx="minor">
+            <a:schemeClr val="lt1"/>
+          </a:fontRef>
+        </p:style>
+        <p:txBody>
+          <a:bodyPr rtlCol="0" anchor="ctr"/>
+          <a:lstStyle/>
+          <a:p>
+            <a:pPr algn="ctr"/>
+            <a:endParaRPr lang="en-GB"/>
+          </a:p>
+        </p:txBody>
+      </p:sp>
+      <p:sp>
+        <p:nvSpPr>
+          <p:cNvPr id="16" name="Rectangle 15">
+            <a:extLst>
+              <a:ext uri="{FF2B5EF4-FFF2-40B4-BE49-F238E27FC236}">
+                <a16:creationId xmlns:a16="http://schemas.microsoft.com/office/drawing/2014/main" id="{246DF2CC-5DA0-4718-BC6D-0804EBFBDB98}"/>
+              </a:ext>
+            </a:extLst>
+          </p:cNvPr>
+          <p:cNvSpPr/>
+          <p:nvPr/>
+        </p:nvSpPr>
+        <p:spPr>
+          <a:xfrm rot="5400000">
+            <a:off x="-10169425" y="382456"/>
+            <a:ext cx="8991249" cy="6294441"/>
+          </a:xfrm>
+          <a:prstGeom prst="rect">
+            <a:avLst/>
+          </a:prstGeom>
+        </p:spPr>
+        <p:style>
+          <a:lnRef idx="2">
+            <a:schemeClr val="accent1">
+              <a:shade val="50000"/>
+            </a:schemeClr>
+          </a:lnRef>
+          <a:fillRef idx="1">
+            <a:schemeClr val="accent1"/>
+          </a:fillRef>
+          <a:effectRef idx="0">
+            <a:schemeClr val="accent1"/>
+          </a:effectRef>
+          <a:fontRef idx="minor">
+            <a:schemeClr val="lt1"/>
+          </a:fontRef>
+        </p:style>
+        <p:txBody>
+          <a:bodyPr rtlCol="0" anchor="ctr"/>
+          <a:lstStyle/>
+          <a:p>
+            <a:pPr algn="ctr"/>
+            <a:endParaRPr lang="en-GB"/>
+          </a:p>
+        </p:txBody>
+      </p:sp>
+      <p:sp>
+        <p:nvSpPr>
+          <p:cNvPr id="17" name="Rectangle 16">
+            <a:extLst>
+              <a:ext uri="{FF2B5EF4-FFF2-40B4-BE49-F238E27FC236}">
+                <a16:creationId xmlns:a16="http://schemas.microsoft.com/office/drawing/2014/main" id="{0D47A8BD-5430-4334-99B6-77FD46242305}"/>
+              </a:ext>
+            </a:extLst>
+          </p:cNvPr>
+          <p:cNvSpPr/>
+          <p:nvPr/>
+        </p:nvSpPr>
+        <p:spPr>
+          <a:xfrm>
+            <a:off x="2454287" y="-249454"/>
+            <a:ext cx="1168400" cy="401854"/>
           </a:xfrm>
           <a:prstGeom prst="rect">
             <a:avLst/>
@@ -12779,7 +15655,7 @@
         </p:nvSpPr>
         <p:spPr>
           <a:xfrm>
-            <a:off x="1866630" y="3202322"/>
+            <a:off x="1866629" y="3429000"/>
             <a:ext cx="3581740" cy="2538078"/>
           </a:xfrm>
           <a:prstGeom prst="wedgeRoundRectCallout">
@@ -12896,7 +15772,7 @@
         </p:blipFill>
         <p:spPr>
           <a:xfrm flipH="1">
-            <a:off x="0" y="3480745"/>
+            <a:off x="-3692" y="3703137"/>
             <a:ext cx="1656202" cy="3152775"/>
           </a:xfrm>
           <a:prstGeom prst="rect">
@@ -12941,7 +15817,7 @@
         </p:blipFill>
         <p:spPr bwMode="auto">
           <a:xfrm>
-            <a:off x="2695723" y="-4527564"/>
+            <a:off x="4072046" y="-5743007"/>
             <a:ext cx="2752647" cy="3268768"/>
           </a:xfrm>
           <a:prstGeom prst="rect">
@@ -13022,7 +15898,7 @@
         </p:blipFill>
         <p:spPr bwMode="auto">
           <a:xfrm>
-            <a:off x="4011557" y="32270"/>
+            <a:off x="4011557" y="64975"/>
             <a:ext cx="2084443" cy="3340027"/>
           </a:xfrm>
           <a:prstGeom prst="rect">
@@ -13191,7 +16067,14 @@
                 <a:latin typeface="MS Gothic" panose="020B0609070205080204" pitchFamily="49" charset="-128"/>
                 <a:ea typeface="MS Gothic" panose="020B0609070205080204" pitchFamily="49" charset="-128"/>
               </a:rPr>
-              <a:t>あのね、次回の同窓会はベトナム店にするつもりですが、。。。</a:t>
+              <a:t>あのね、次回の同窓会はベトナム店にするつもりですが、</a:t>
+            </a:r>
+            <a:r>
+              <a:rPr lang="en-GB" altLang="ja-JP" sz="3200" dirty="0">
+                <a:latin typeface="MS Gothic" panose="020B0609070205080204" pitchFamily="49" charset="-128"/>
+                <a:ea typeface="MS Gothic" panose="020B0609070205080204" pitchFamily="49" charset="-128"/>
+              </a:rPr>
+              <a:t>…</a:t>
             </a:r>
             <a:endParaRPr lang="en-GB" sz="3200" dirty="0"/>
           </a:p>
@@ -13199,10 +16082,10 @@
       </p:sp>
       <p:sp>
         <p:nvSpPr>
-          <p:cNvPr id="12" name="Rectangle 11">
-            <a:extLst>
-              <a:ext uri="{FF2B5EF4-FFF2-40B4-BE49-F238E27FC236}">
-                <a16:creationId xmlns:a16="http://schemas.microsoft.com/office/drawing/2014/main" id="{F95616A2-76B9-45B1-8750-D05F2AE822B9}"/>
+          <p:cNvPr id="13" name="Rectangle 12">
+            <a:extLst>
+              <a:ext uri="{FF2B5EF4-FFF2-40B4-BE49-F238E27FC236}">
+                <a16:creationId xmlns:a16="http://schemas.microsoft.com/office/drawing/2014/main" id="{383C0EA3-0331-454F-937A-D972708A64EF}"/>
               </a:ext>
             </a:extLst>
           </p:cNvPr>
@@ -13211,7 +16094,53 @@
         </p:nvSpPr>
         <p:spPr>
           <a:xfrm>
-            <a:off x="2301887" y="-420914"/>
+            <a:off x="-7182576" y="6858000"/>
+            <a:ext cx="13278576" cy="553733"/>
+          </a:xfrm>
+          <a:prstGeom prst="rect">
+            <a:avLst/>
+          </a:prstGeom>
+        </p:spPr>
+        <p:style>
+          <a:lnRef idx="2">
+            <a:schemeClr val="accent1">
+              <a:shade val="50000"/>
+            </a:schemeClr>
+          </a:lnRef>
+          <a:fillRef idx="1">
+            <a:schemeClr val="accent1"/>
+          </a:fillRef>
+          <a:effectRef idx="0">
+            <a:schemeClr val="accent1"/>
+          </a:effectRef>
+          <a:fontRef idx="minor">
+            <a:schemeClr val="lt1"/>
+          </a:fontRef>
+        </p:style>
+        <p:txBody>
+          <a:bodyPr rtlCol="0" anchor="ctr"/>
+          <a:lstStyle/>
+          <a:p>
+            <a:pPr algn="ctr"/>
+            <a:endParaRPr lang="en-GB"/>
+          </a:p>
+        </p:txBody>
+      </p:sp>
+      <p:sp>
+        <p:nvSpPr>
+          <p:cNvPr id="14" name="Rectangle 13">
+            <a:extLst>
+              <a:ext uri="{FF2B5EF4-FFF2-40B4-BE49-F238E27FC236}">
+                <a16:creationId xmlns:a16="http://schemas.microsoft.com/office/drawing/2014/main" id="{CB18B3CD-0BD5-4AFE-8320-138925B62FD9}"/>
+              </a:ext>
+            </a:extLst>
+          </p:cNvPr>
+          <p:cNvSpPr/>
+          <p:nvPr/>
+        </p:nvSpPr>
+        <p:spPr>
+          <a:xfrm>
+            <a:off x="2242276" y="-420914"/>
             <a:ext cx="1168400" cy="420914"/>
           </a:xfrm>
           <a:prstGeom prst="rect">
@@ -13221,6 +16150,98 @@
           <a:ln>
             <a:noFill/>
           </a:ln>
+        </p:spPr>
+        <p:style>
+          <a:lnRef idx="2">
+            <a:schemeClr val="accent1">
+              <a:shade val="50000"/>
+            </a:schemeClr>
+          </a:lnRef>
+          <a:fillRef idx="1">
+            <a:schemeClr val="accent1"/>
+          </a:fillRef>
+          <a:effectRef idx="0">
+            <a:schemeClr val="accent1"/>
+          </a:effectRef>
+          <a:fontRef idx="minor">
+            <a:schemeClr val="lt1"/>
+          </a:fontRef>
+        </p:style>
+        <p:txBody>
+          <a:bodyPr rtlCol="0" anchor="ctr"/>
+          <a:lstStyle/>
+          <a:p>
+            <a:pPr algn="ctr"/>
+            <a:endParaRPr lang="en-GB"/>
+          </a:p>
+        </p:txBody>
+      </p:sp>
+      <p:sp>
+        <p:nvSpPr>
+          <p:cNvPr id="15" name="Rectangle 14">
+            <a:extLst>
+              <a:ext uri="{FF2B5EF4-FFF2-40B4-BE49-F238E27FC236}">
+                <a16:creationId xmlns:a16="http://schemas.microsoft.com/office/drawing/2014/main" id="{A4E64C4C-BDD2-401C-A107-124DF699A3B3}"/>
+              </a:ext>
+            </a:extLst>
+          </p:cNvPr>
+          <p:cNvSpPr/>
+          <p:nvPr/>
+        </p:nvSpPr>
+        <p:spPr>
+          <a:xfrm>
+            <a:off x="-7181850" y="-974647"/>
+            <a:ext cx="13278576" cy="553733"/>
+          </a:xfrm>
+          <a:prstGeom prst="rect">
+            <a:avLst/>
+          </a:prstGeom>
+        </p:spPr>
+        <p:style>
+          <a:lnRef idx="2">
+            <a:schemeClr val="accent1">
+              <a:shade val="50000"/>
+            </a:schemeClr>
+          </a:lnRef>
+          <a:fillRef idx="1">
+            <a:schemeClr val="accent1"/>
+          </a:fillRef>
+          <a:effectRef idx="0">
+            <a:schemeClr val="accent1"/>
+          </a:effectRef>
+          <a:fontRef idx="minor">
+            <a:schemeClr val="lt1"/>
+          </a:fontRef>
+        </p:style>
+        <p:txBody>
+          <a:bodyPr rtlCol="0" anchor="ctr"/>
+          <a:lstStyle/>
+          <a:p>
+            <a:pPr algn="ctr"/>
+            <a:endParaRPr lang="en-GB"/>
+          </a:p>
+        </p:txBody>
+      </p:sp>
+      <p:sp>
+        <p:nvSpPr>
+          <p:cNvPr id="16" name="Rectangle 15">
+            <a:extLst>
+              <a:ext uri="{FF2B5EF4-FFF2-40B4-BE49-F238E27FC236}">
+                <a16:creationId xmlns:a16="http://schemas.microsoft.com/office/drawing/2014/main" id="{F4DD1BEC-045F-4BE9-8D51-5993F14FDAA8}"/>
+              </a:ext>
+            </a:extLst>
+          </p:cNvPr>
+          <p:cNvSpPr/>
+          <p:nvPr/>
+        </p:nvSpPr>
+        <p:spPr>
+          <a:xfrm rot="5400000">
+            <a:off x="4476566" y="625727"/>
+            <a:ext cx="8991249" cy="5752381"/>
+          </a:xfrm>
+          <a:prstGeom prst="rect">
+            <a:avLst/>
+          </a:prstGeom>
         </p:spPr>
         <p:style>
           <a:lnRef idx="2">
@@ -13351,7 +16372,21 @@
                 <a:latin typeface="MS Gothic" panose="020B0609070205080204" pitchFamily="49" charset="-128"/>
                 <a:ea typeface="MS Gothic" panose="020B0609070205080204" pitchFamily="49" charset="-128"/>
               </a:rPr>
-              <a:t>いいよいいよ。</a:t>
+              <a:t>いいよ</a:t>
+            </a:r>
+            <a:r>
+              <a:rPr lang="en-GB" altLang="ja-JP" sz="3200" dirty="0">
+                <a:latin typeface="MS Gothic" panose="020B0609070205080204" pitchFamily="49" charset="-128"/>
+                <a:ea typeface="MS Gothic" panose="020B0609070205080204" pitchFamily="49" charset="-128"/>
+              </a:rPr>
+              <a:t>,</a:t>
+            </a:r>
+            <a:r>
+              <a:rPr lang="ja-JP" altLang="en-US" sz="3200" dirty="0">
+                <a:latin typeface="MS Gothic" panose="020B0609070205080204" pitchFamily="49" charset="-128"/>
+                <a:ea typeface="MS Gothic" panose="020B0609070205080204" pitchFamily="49" charset="-128"/>
+              </a:rPr>
+              <a:t>いいよ。</a:t>
             </a:r>
             <a:endParaRPr lang="en-GB" sz="3200" dirty="0"/>
           </a:p>
@@ -13525,7 +16560,7 @@
         </p:blipFill>
         <p:spPr bwMode="auto">
           <a:xfrm>
-            <a:off x="463778" y="-4010207"/>
+            <a:off x="1265465" y="-4592367"/>
             <a:ext cx="2009775" cy="3038475"/>
           </a:xfrm>
           <a:prstGeom prst="rect">
@@ -13607,7 +16642,7 @@
         </p:blipFill>
         <p:spPr>
           <a:xfrm flipH="1">
-            <a:off x="0" y="3269220"/>
+            <a:off x="0" y="3655224"/>
             <a:ext cx="1656202" cy="3152775"/>
           </a:xfrm>
           <a:prstGeom prst="rect">
@@ -13697,7 +16732,7 @@
         </p:blipFill>
         <p:spPr>
           <a:xfrm>
-            <a:off x="4201084" y="88425"/>
+            <a:off x="4192862" y="55481"/>
             <a:ext cx="1894916" cy="3011902"/>
           </a:xfrm>
           <a:prstGeom prst="rect">
@@ -13715,10 +16750,10 @@
       </p:pic>
       <p:sp>
         <p:nvSpPr>
-          <p:cNvPr id="13" name="Rectangle 12">
-            <a:extLst>
-              <a:ext uri="{FF2B5EF4-FFF2-40B4-BE49-F238E27FC236}">
-                <a16:creationId xmlns:a16="http://schemas.microsoft.com/office/drawing/2014/main" id="{848F74DA-8073-4B12-825A-E2069FB5C22A}"/>
+          <p:cNvPr id="14" name="Rectangle 13">
+            <a:extLst>
+              <a:ext uri="{FF2B5EF4-FFF2-40B4-BE49-F238E27FC236}">
+                <a16:creationId xmlns:a16="http://schemas.microsoft.com/office/drawing/2014/main" id="{EBDA3F5A-A97D-4D5F-AED5-D897AB8F5F88}"/>
               </a:ext>
             </a:extLst>
           </p:cNvPr>
@@ -13727,7 +16762,53 @@
         </p:nvSpPr>
         <p:spPr>
           <a:xfrm>
-            <a:off x="2301887" y="-420914"/>
+            <a:off x="-7182576" y="6858000"/>
+            <a:ext cx="13278576" cy="553733"/>
+          </a:xfrm>
+          <a:prstGeom prst="rect">
+            <a:avLst/>
+          </a:prstGeom>
+        </p:spPr>
+        <p:style>
+          <a:lnRef idx="2">
+            <a:schemeClr val="accent1">
+              <a:shade val="50000"/>
+            </a:schemeClr>
+          </a:lnRef>
+          <a:fillRef idx="1">
+            <a:schemeClr val="accent1"/>
+          </a:fillRef>
+          <a:effectRef idx="0">
+            <a:schemeClr val="accent1"/>
+          </a:effectRef>
+          <a:fontRef idx="minor">
+            <a:schemeClr val="lt1"/>
+          </a:fontRef>
+        </p:style>
+        <p:txBody>
+          <a:bodyPr rtlCol="0" anchor="ctr"/>
+          <a:lstStyle/>
+          <a:p>
+            <a:pPr algn="ctr"/>
+            <a:endParaRPr lang="en-GB"/>
+          </a:p>
+        </p:txBody>
+      </p:sp>
+      <p:sp>
+        <p:nvSpPr>
+          <p:cNvPr id="15" name="Rectangle 14">
+            <a:extLst>
+              <a:ext uri="{FF2B5EF4-FFF2-40B4-BE49-F238E27FC236}">
+                <a16:creationId xmlns:a16="http://schemas.microsoft.com/office/drawing/2014/main" id="{30932258-4057-4C60-A2D4-F5ACC5739A85}"/>
+              </a:ext>
+            </a:extLst>
+          </p:cNvPr>
+          <p:cNvSpPr/>
+          <p:nvPr/>
+        </p:nvSpPr>
+        <p:spPr>
+          <a:xfrm>
+            <a:off x="2242276" y="-420914"/>
             <a:ext cx="1168400" cy="420914"/>
           </a:xfrm>
           <a:prstGeom prst="rect">
@@ -13737,6 +16818,98 @@
           <a:ln>
             <a:noFill/>
           </a:ln>
+        </p:spPr>
+        <p:style>
+          <a:lnRef idx="2">
+            <a:schemeClr val="accent1">
+              <a:shade val="50000"/>
+            </a:schemeClr>
+          </a:lnRef>
+          <a:fillRef idx="1">
+            <a:schemeClr val="accent1"/>
+          </a:fillRef>
+          <a:effectRef idx="0">
+            <a:schemeClr val="accent1"/>
+          </a:effectRef>
+          <a:fontRef idx="minor">
+            <a:schemeClr val="lt1"/>
+          </a:fontRef>
+        </p:style>
+        <p:txBody>
+          <a:bodyPr rtlCol="0" anchor="ctr"/>
+          <a:lstStyle/>
+          <a:p>
+            <a:pPr algn="ctr"/>
+            <a:endParaRPr lang="en-GB"/>
+          </a:p>
+        </p:txBody>
+      </p:sp>
+      <p:sp>
+        <p:nvSpPr>
+          <p:cNvPr id="16" name="Rectangle 15">
+            <a:extLst>
+              <a:ext uri="{FF2B5EF4-FFF2-40B4-BE49-F238E27FC236}">
+                <a16:creationId xmlns:a16="http://schemas.microsoft.com/office/drawing/2014/main" id="{7D3396D1-6E61-456D-84E9-C0F36B22AC96}"/>
+              </a:ext>
+            </a:extLst>
+          </p:cNvPr>
+          <p:cNvSpPr/>
+          <p:nvPr/>
+        </p:nvSpPr>
+        <p:spPr>
+          <a:xfrm>
+            <a:off x="-7181850" y="-974647"/>
+            <a:ext cx="13278576" cy="553733"/>
+          </a:xfrm>
+          <a:prstGeom prst="rect">
+            <a:avLst/>
+          </a:prstGeom>
+        </p:spPr>
+        <p:style>
+          <a:lnRef idx="2">
+            <a:schemeClr val="accent1">
+              <a:shade val="50000"/>
+            </a:schemeClr>
+          </a:lnRef>
+          <a:fillRef idx="1">
+            <a:schemeClr val="accent1"/>
+          </a:fillRef>
+          <a:effectRef idx="0">
+            <a:schemeClr val="accent1"/>
+          </a:effectRef>
+          <a:fontRef idx="minor">
+            <a:schemeClr val="lt1"/>
+          </a:fontRef>
+        </p:style>
+        <p:txBody>
+          <a:bodyPr rtlCol="0" anchor="ctr"/>
+          <a:lstStyle/>
+          <a:p>
+            <a:pPr algn="ctr"/>
+            <a:endParaRPr lang="en-GB"/>
+          </a:p>
+        </p:txBody>
+      </p:sp>
+      <p:sp>
+        <p:nvSpPr>
+          <p:cNvPr id="17" name="Rectangle 16">
+            <a:extLst>
+              <a:ext uri="{FF2B5EF4-FFF2-40B4-BE49-F238E27FC236}">
+                <a16:creationId xmlns:a16="http://schemas.microsoft.com/office/drawing/2014/main" id="{C63B8F13-1465-4CB7-9701-01D018979069}"/>
+              </a:ext>
+            </a:extLst>
+          </p:cNvPr>
+          <p:cNvSpPr/>
+          <p:nvPr/>
+        </p:nvSpPr>
+        <p:spPr>
+          <a:xfrm rot="5400000">
+            <a:off x="4476566" y="625727"/>
+            <a:ext cx="8991249" cy="5752381"/>
+          </a:xfrm>
+          <a:prstGeom prst="rect">
+            <a:avLst/>
+          </a:prstGeom>
         </p:spPr>
         <p:style>
           <a:lnRef idx="2">

--- a/design/story.pptx
+++ b/design/story.pptx
@@ -284,7 +284,7 @@
           <a:p>
             <a:fld id="{7CCD71B0-6FFF-42B2-87FC-FA95A5074649}" type="datetimeFigureOut">
               <a:rPr lang="en-GB" smtClean="0"/>
-              <a:t>15/09/2021</a:t>
+              <a:t>21/09/2021</a:t>
             </a:fld>
             <a:endParaRPr lang="en-GB"/>
           </a:p>
@@ -484,7 +484,7 @@
           <a:p>
             <a:fld id="{7CCD71B0-6FFF-42B2-87FC-FA95A5074649}" type="datetimeFigureOut">
               <a:rPr lang="en-GB" smtClean="0"/>
-              <a:t>15/09/2021</a:t>
+              <a:t>21/09/2021</a:t>
             </a:fld>
             <a:endParaRPr lang="en-GB"/>
           </a:p>
@@ -694,7 +694,7 @@
           <a:p>
             <a:fld id="{7CCD71B0-6FFF-42B2-87FC-FA95A5074649}" type="datetimeFigureOut">
               <a:rPr lang="en-GB" smtClean="0"/>
-              <a:t>15/09/2021</a:t>
+              <a:t>21/09/2021</a:t>
             </a:fld>
             <a:endParaRPr lang="en-GB"/>
           </a:p>
@@ -894,7 +894,7 @@
           <a:p>
             <a:fld id="{7CCD71B0-6FFF-42B2-87FC-FA95A5074649}" type="datetimeFigureOut">
               <a:rPr lang="en-GB" smtClean="0"/>
-              <a:t>15/09/2021</a:t>
+              <a:t>21/09/2021</a:t>
             </a:fld>
             <a:endParaRPr lang="en-GB"/>
           </a:p>
@@ -1170,7 +1170,7 @@
           <a:p>
             <a:fld id="{7CCD71B0-6FFF-42B2-87FC-FA95A5074649}" type="datetimeFigureOut">
               <a:rPr lang="en-GB" smtClean="0"/>
-              <a:t>15/09/2021</a:t>
+              <a:t>21/09/2021</a:t>
             </a:fld>
             <a:endParaRPr lang="en-GB"/>
           </a:p>
@@ -1438,7 +1438,7 @@
           <a:p>
             <a:fld id="{7CCD71B0-6FFF-42B2-87FC-FA95A5074649}" type="datetimeFigureOut">
               <a:rPr lang="en-GB" smtClean="0"/>
-              <a:t>15/09/2021</a:t>
+              <a:t>21/09/2021</a:t>
             </a:fld>
             <a:endParaRPr lang="en-GB"/>
           </a:p>
@@ -1853,7 +1853,7 @@
           <a:p>
             <a:fld id="{7CCD71B0-6FFF-42B2-87FC-FA95A5074649}" type="datetimeFigureOut">
               <a:rPr lang="en-GB" smtClean="0"/>
-              <a:t>15/09/2021</a:t>
+              <a:t>21/09/2021</a:t>
             </a:fld>
             <a:endParaRPr lang="en-GB"/>
           </a:p>
@@ -1995,7 +1995,7 @@
           <a:p>
             <a:fld id="{7CCD71B0-6FFF-42B2-87FC-FA95A5074649}" type="datetimeFigureOut">
               <a:rPr lang="en-GB" smtClean="0"/>
-              <a:t>15/09/2021</a:t>
+              <a:t>21/09/2021</a:t>
             </a:fld>
             <a:endParaRPr lang="en-GB"/>
           </a:p>
@@ -2108,7 +2108,7 @@
           <a:p>
             <a:fld id="{7CCD71B0-6FFF-42B2-87FC-FA95A5074649}" type="datetimeFigureOut">
               <a:rPr lang="en-GB" smtClean="0"/>
-              <a:t>15/09/2021</a:t>
+              <a:t>21/09/2021</a:t>
             </a:fld>
             <a:endParaRPr lang="en-GB"/>
           </a:p>
@@ -2421,7 +2421,7 @@
           <a:p>
             <a:fld id="{7CCD71B0-6FFF-42B2-87FC-FA95A5074649}" type="datetimeFigureOut">
               <a:rPr lang="en-GB" smtClean="0"/>
-              <a:t>15/09/2021</a:t>
+              <a:t>21/09/2021</a:t>
             </a:fld>
             <a:endParaRPr lang="en-GB"/>
           </a:p>
@@ -2710,7 +2710,7 @@
           <a:p>
             <a:fld id="{7CCD71B0-6FFF-42B2-87FC-FA95A5074649}" type="datetimeFigureOut">
               <a:rPr lang="en-GB" smtClean="0"/>
-              <a:t>15/09/2021</a:t>
+              <a:t>21/09/2021</a:t>
             </a:fld>
             <a:endParaRPr lang="en-GB"/>
           </a:p>
@@ -2953,7 +2953,7 @@
           <a:p>
             <a:fld id="{7CCD71B0-6FFF-42B2-87FC-FA95A5074649}" type="datetimeFigureOut">
               <a:rPr lang="en-GB" smtClean="0"/>
-              <a:t>15/09/2021</a:t>
+              <a:t>21/09/2021</a:t>
             </a:fld>
             <a:endParaRPr lang="en-GB"/>
           </a:p>
@@ -5401,7 +5401,7 @@
         </p:nvSpPr>
         <p:spPr>
           <a:xfrm>
-            <a:off x="2454287" y="-249454"/>
+            <a:off x="2490146" y="-410681"/>
             <a:ext cx="1168400" cy="401854"/>
           </a:xfrm>
           <a:prstGeom prst="rect">
@@ -5987,7 +5987,7 @@
                 <a:latin typeface="MS Gothic" panose="020B0609070205080204" pitchFamily="49" charset="-128"/>
                 <a:ea typeface="MS Gothic" panose="020B0609070205080204" pitchFamily="49" charset="-128"/>
               </a:rPr>
-              <a:t>ベトナムちゃん。次回、取引先にベトナム料理を招待しようと思っていますので、雰囲気がいい店がありますか。</a:t>
+              <a:t>ベトナムちゃん。次回、取引先にベトナム料理を招待したいと思っていますので、雰囲気がいい店がありますか。</a:t>
             </a:r>
             <a:endParaRPr lang="en-GB" altLang="ja-JP" sz="3200" b="1" dirty="0">
               <a:latin typeface="MS Gothic" panose="020B0609070205080204" pitchFamily="49" charset="-128"/>
@@ -6294,8 +6294,8 @@
         </p:nvSpPr>
         <p:spPr>
           <a:xfrm>
-            <a:off x="0" y="3203568"/>
-            <a:ext cx="3895578" cy="3200566"/>
+            <a:off x="0" y="3203567"/>
+            <a:ext cx="3895578" cy="3634539"/>
           </a:xfrm>
           <a:prstGeom prst="wedgeRoundRectCallout">
             <a:avLst>
@@ -6341,9 +6341,12 @@
                 <a:latin typeface="MS Gothic" panose="020B0609070205080204" pitchFamily="49" charset="-128"/>
                 <a:ea typeface="MS Gothic" panose="020B0609070205080204" pitchFamily="49" charset="-128"/>
               </a:rPr>
-              <a:t>その店は人気で、高級な店ですね。特に屋上で食事できます。行く前に予約したほうがいいと思います。</a:t>
+              <a:t>ここは高級なお店です。屋上のテーブル席をお勧めです。人気があるので行く前に予約した方がいい良いと思います</a:t>
             </a:r>
-            <a:endParaRPr lang="en-GB" sz="3200" dirty="0"/>
+            <a:endParaRPr lang="en-GB" sz="3200" dirty="0">
+              <a:latin typeface="MS Gothic" panose="020B0609070205080204" pitchFamily="49" charset="-128"/>
+              <a:ea typeface="MS Gothic" panose="020B0609070205080204" pitchFamily="49" charset="-128"/>
+            </a:endParaRPr>
           </a:p>
         </p:txBody>
       </p:sp>
@@ -6923,7 +6926,7 @@
                 <a:latin typeface="MS Gothic" panose="020B0609070205080204" pitchFamily="49" charset="-128"/>
                 <a:ea typeface="MS Gothic" panose="020B0609070205080204" pitchFamily="49" charset="-128"/>
               </a:rPr>
-              <a:t>わぁ！。屋上でも食事できますか。楽しみですね。</a:t>
+              <a:t>わぁ！。屋上でも食事できるんですね。。楽しみにしています。。</a:t>
             </a:r>
             <a:endParaRPr lang="en-GB" sz="3200" dirty="0"/>
           </a:p>
@@ -7644,20 +7647,9 @@
                 <a:latin typeface="MS Gothic" panose="020B0609070205080204" pitchFamily="49" charset="-128"/>
                 <a:ea typeface="MS Gothic" panose="020B0609070205080204" pitchFamily="49" charset="-128"/>
               </a:rPr>
-              <a:t>はい。そのお店で人気なメニュはフォーですね。</a:t>
+              <a:t>はい。このお店で人気なメニューはフォーですね。</a:t>
             </a:r>
             <a:endParaRPr lang="en-GB" sz="3200" dirty="0"/>
-          </a:p>
-          <a:p>
-            <a:pPr algn="ctr"/>
-            <a:endParaRPr lang="en-GB" sz="4000" dirty="0">
-              <a:latin typeface="MS Gothic" panose="020B0609070205080204" pitchFamily="49" charset="-128"/>
-              <a:ea typeface="MS Gothic" panose="020B0609070205080204" pitchFamily="49" charset="-128"/>
-            </a:endParaRPr>
-          </a:p>
-          <a:p>
-            <a:pPr algn="ctr"/>
-            <a:endParaRPr lang="en-GB" dirty="0"/>
           </a:p>
         </p:txBody>
       </p:sp>
@@ -12926,7 +12918,7 @@
         </p:nvSpPr>
         <p:spPr>
           <a:xfrm>
-            <a:off x="-1" y="3429000"/>
+            <a:off x="-1" y="3568700"/>
             <a:ext cx="4140201" cy="2936280"/>
           </a:xfrm>
           <a:prstGeom prst="wedgeRoundRectCallout">
@@ -14460,52 +14452,6 @@
           </a:prstGeom>
         </p:spPr>
       </p:pic>
-      <p:sp>
-        <p:nvSpPr>
-          <p:cNvPr id="11" name="Rectangle 10">
-            <a:extLst>
-              <a:ext uri="{FF2B5EF4-FFF2-40B4-BE49-F238E27FC236}">
-                <a16:creationId xmlns:a16="http://schemas.microsoft.com/office/drawing/2014/main" id="{BF83A8B2-A922-4070-A402-0196DB25F002}"/>
-              </a:ext>
-            </a:extLst>
-          </p:cNvPr>
-          <p:cNvSpPr/>
-          <p:nvPr/>
-        </p:nvSpPr>
-        <p:spPr>
-          <a:xfrm>
-            <a:off x="0" y="7240438"/>
-            <a:ext cx="6096000" cy="553733"/>
-          </a:xfrm>
-          <a:prstGeom prst="rect">
-            <a:avLst/>
-          </a:prstGeom>
-        </p:spPr>
-        <p:style>
-          <a:lnRef idx="2">
-            <a:schemeClr val="accent1">
-              <a:shade val="50000"/>
-            </a:schemeClr>
-          </a:lnRef>
-          <a:fillRef idx="1">
-            <a:schemeClr val="accent1"/>
-          </a:fillRef>
-          <a:effectRef idx="0">
-            <a:schemeClr val="accent1"/>
-          </a:effectRef>
-          <a:fontRef idx="minor">
-            <a:schemeClr val="lt1"/>
-          </a:fontRef>
-        </p:style>
-        <p:txBody>
-          <a:bodyPr rtlCol="0" anchor="ctr"/>
-          <a:lstStyle/>
-          <a:p>
-            <a:pPr algn="ctr"/>
-            <a:endParaRPr lang="en-GB"/>
-          </a:p>
-        </p:txBody>
-      </p:sp>
       <p:pic>
         <p:nvPicPr>
           <p:cNvPr id="12" name="Graphic 11">
@@ -15142,7 +15088,7 @@
                 <a:latin typeface="MS Gothic" panose="020B0609070205080204" pitchFamily="49" charset="-128"/>
                 <a:ea typeface="MS Gothic" panose="020B0609070205080204" pitchFamily="49" charset="-128"/>
               </a:rPr>
-              <a:t>のび太くん、いった？</a:t>
+              <a:t>のび太くん、行った？</a:t>
             </a:r>
             <a:endParaRPr lang="en-GB" sz="3200" dirty="0">
               <a:latin typeface="MS Gothic" panose="020B0609070205080204" pitchFamily="49" charset="-128"/>
@@ -15702,7 +15648,7 @@
                 <a:latin typeface="MS Gothic" panose="020B0609070205080204" pitchFamily="49" charset="-128"/>
                 <a:ea typeface="MS Gothic" panose="020B0609070205080204" pitchFamily="49" charset="-128"/>
               </a:rPr>
-              <a:t>同窓会って広い店がないといけないですね。新大久保のへんはどうかな～</a:t>
+              <a:t>同窓会って広い店がないといけないですね。新大久保の辺りはどうかな～</a:t>
             </a:r>
             <a:endParaRPr lang="en-GB" sz="3200" dirty="0"/>
           </a:p>
@@ -16453,7 +16399,7 @@
                 <a:latin typeface="MS Gothic" panose="020B0609070205080204" pitchFamily="49" charset="-128"/>
                 <a:ea typeface="MS Gothic" panose="020B0609070205080204" pitchFamily="49" charset="-128"/>
               </a:rPr>
-              <a:t>そこは広いし、にぎやかな店なので、同窓会のためいいと思う。</a:t>
+              <a:t>ここは広いし、にぎやかな店なので、同窓会に良いと思う。</a:t>
             </a:r>
             <a:endParaRPr lang="en-GB" sz="3200" dirty="0"/>
           </a:p>
